--- a/Projet/Presentation.pptx
+++ b/Projet/Presentation.pptx
@@ -4,12 +4,21 @@
   <p:sldMasterIdLst>
     <p:sldMasterId id="2147483648" r:id="rId1"/>
   </p:sldMasterIdLst>
+  <p:notesMasterIdLst>
+    <p:notesMasterId r:id="rId13"/>
+  </p:notesMasterIdLst>
   <p:sldIdLst>
     <p:sldId id="256" r:id="rId2"/>
     <p:sldId id="258" r:id="rId3"/>
     <p:sldId id="257" r:id="rId4"/>
-    <p:sldId id="259" r:id="rId5"/>
-    <p:sldId id="263" r:id="rId6"/>
+    <p:sldId id="264" r:id="rId5"/>
+    <p:sldId id="265" r:id="rId6"/>
+    <p:sldId id="266" r:id="rId7"/>
+    <p:sldId id="267" r:id="rId8"/>
+    <p:sldId id="270" r:id="rId9"/>
+    <p:sldId id="268" r:id="rId10"/>
+    <p:sldId id="269" r:id="rId11"/>
+    <p:sldId id="263" r:id="rId12"/>
   </p:sldIdLst>
   <p:sldSz cx="9144000" cy="6858000" type="screen4x3"/>
   <p:notesSz cx="6858000" cy="9144000"/>
@@ -111,6 +120,1268 @@
 </p:presentation>
 </file>
 
+<file path=ppt/notesMasters/notesMaster1.xml><?xml version="1.0" encoding="utf-8"?>
+<p:notesMaster xmlns:a="http://schemas.openxmlformats.org/drawingml/2006/main" xmlns:r="http://schemas.openxmlformats.org/officeDocument/2006/relationships" xmlns:p="http://schemas.openxmlformats.org/presentationml/2006/main">
+  <p:cSld>
+    <p:bg>
+      <p:bgRef idx="1001">
+        <a:schemeClr val="bg1"/>
+      </p:bgRef>
+    </p:bg>
+    <p:spTree>
+      <p:nvGrpSpPr>
+        <p:cNvPr id="1" name=""/>
+        <p:cNvGrpSpPr/>
+        <p:nvPr/>
+      </p:nvGrpSpPr>
+      <p:grpSpPr>
+        <a:xfrm>
+          <a:off x="0" y="0"/>
+          <a:ext cx="0" cy="0"/>
+          <a:chOff x="0" y="0"/>
+          <a:chExt cx="0" cy="0"/>
+        </a:xfrm>
+      </p:grpSpPr>
+      <p:sp>
+        <p:nvSpPr>
+          <p:cNvPr id="2" name="Espace réservé de l'en-tête 1"/>
+          <p:cNvSpPr>
+            <a:spLocks noGrp="1"/>
+          </p:cNvSpPr>
+          <p:nvPr>
+            <p:ph type="hdr" sz="quarter"/>
+          </p:nvPr>
+        </p:nvSpPr>
+        <p:spPr>
+          <a:xfrm>
+            <a:off x="0" y="0"/>
+            <a:ext cx="2971800" cy="457200"/>
+          </a:xfrm>
+          <a:prstGeom prst="rect">
+            <a:avLst/>
+          </a:prstGeom>
+        </p:spPr>
+        <p:txBody>
+          <a:bodyPr vert="horz" lIns="91440" tIns="45720" rIns="91440" bIns="45720" rtlCol="0"/>
+          <a:lstStyle>
+            <a:lvl1pPr algn="l">
+              <a:defRPr sz="1200"/>
+            </a:lvl1pPr>
+          </a:lstStyle>
+          <a:p>
+            <a:endParaRPr lang="fr-FR"/>
+          </a:p>
+        </p:txBody>
+      </p:sp>
+      <p:sp>
+        <p:nvSpPr>
+          <p:cNvPr id="3" name="Espace réservé de la date 2"/>
+          <p:cNvSpPr>
+            <a:spLocks noGrp="1"/>
+          </p:cNvSpPr>
+          <p:nvPr>
+            <p:ph type="dt" idx="1"/>
+          </p:nvPr>
+        </p:nvSpPr>
+        <p:spPr>
+          <a:xfrm>
+            <a:off x="3884613" y="0"/>
+            <a:ext cx="2971800" cy="457200"/>
+          </a:xfrm>
+          <a:prstGeom prst="rect">
+            <a:avLst/>
+          </a:prstGeom>
+        </p:spPr>
+        <p:txBody>
+          <a:bodyPr vert="horz" lIns="91440" tIns="45720" rIns="91440" bIns="45720" rtlCol="0"/>
+          <a:lstStyle>
+            <a:lvl1pPr algn="r">
+              <a:defRPr sz="1200"/>
+            </a:lvl1pPr>
+          </a:lstStyle>
+          <a:p>
+            <a:fld id="{9518B61E-126D-4CF8-8BA6-3D8629604CC7}" type="datetimeFigureOut">
+              <a:rPr lang="fr-FR" smtClean="0"/>
+              <a:t>10/12/2015</a:t>
+            </a:fld>
+            <a:endParaRPr lang="fr-FR"/>
+          </a:p>
+        </p:txBody>
+      </p:sp>
+      <p:sp>
+        <p:nvSpPr>
+          <p:cNvPr id="4" name="Espace réservé de l'image des diapositives 3"/>
+          <p:cNvSpPr>
+            <a:spLocks noGrp="1" noRot="1" noChangeAspect="1"/>
+          </p:cNvSpPr>
+          <p:nvPr>
+            <p:ph type="sldImg" idx="2"/>
+          </p:nvPr>
+        </p:nvSpPr>
+        <p:spPr>
+          <a:xfrm>
+            <a:off x="1143000" y="685800"/>
+            <a:ext cx="4572000" cy="3429000"/>
+          </a:xfrm>
+          <a:prstGeom prst="rect">
+            <a:avLst/>
+          </a:prstGeom>
+          <a:noFill/>
+          <a:ln w="12700">
+            <a:solidFill>
+              <a:prstClr val="black"/>
+            </a:solidFill>
+          </a:ln>
+        </p:spPr>
+        <p:txBody>
+          <a:bodyPr vert="horz" lIns="91440" tIns="45720" rIns="91440" bIns="45720" rtlCol="0" anchor="ctr"/>
+          <a:lstStyle/>
+          <a:p>
+            <a:endParaRPr lang="fr-FR"/>
+          </a:p>
+        </p:txBody>
+      </p:sp>
+      <p:sp>
+        <p:nvSpPr>
+          <p:cNvPr id="5" name="Espace réservé des commentaires 4"/>
+          <p:cNvSpPr>
+            <a:spLocks noGrp="1"/>
+          </p:cNvSpPr>
+          <p:nvPr>
+            <p:ph type="body" sz="quarter" idx="3"/>
+          </p:nvPr>
+        </p:nvSpPr>
+        <p:spPr>
+          <a:xfrm>
+            <a:off x="685800" y="4343400"/>
+            <a:ext cx="5486400" cy="4114800"/>
+          </a:xfrm>
+          <a:prstGeom prst="rect">
+            <a:avLst/>
+          </a:prstGeom>
+        </p:spPr>
+        <p:txBody>
+          <a:bodyPr vert="horz" lIns="91440" tIns="45720" rIns="91440" bIns="45720" rtlCol="0"/>
+          <a:lstStyle/>
+          <a:p>
+            <a:pPr lvl="0"/>
+            <a:r>
+              <a:rPr lang="fr-FR" smtClean="0"/>
+              <a:t>Modifiez les styles du texte du masque</a:t>
+            </a:r>
+          </a:p>
+          <a:p>
+            <a:pPr lvl="1"/>
+            <a:r>
+              <a:rPr lang="fr-FR" smtClean="0"/>
+              <a:t>Deuxième niveau</a:t>
+            </a:r>
+          </a:p>
+          <a:p>
+            <a:pPr lvl="2"/>
+            <a:r>
+              <a:rPr lang="fr-FR" smtClean="0"/>
+              <a:t>Troisième niveau</a:t>
+            </a:r>
+          </a:p>
+          <a:p>
+            <a:pPr lvl="3"/>
+            <a:r>
+              <a:rPr lang="fr-FR" smtClean="0"/>
+              <a:t>Quatrième niveau</a:t>
+            </a:r>
+          </a:p>
+          <a:p>
+            <a:pPr lvl="4"/>
+            <a:r>
+              <a:rPr lang="fr-FR" smtClean="0"/>
+              <a:t>Cinquième niveau</a:t>
+            </a:r>
+            <a:endParaRPr lang="fr-FR"/>
+          </a:p>
+        </p:txBody>
+      </p:sp>
+      <p:sp>
+        <p:nvSpPr>
+          <p:cNvPr id="6" name="Espace réservé du pied de page 5"/>
+          <p:cNvSpPr>
+            <a:spLocks noGrp="1"/>
+          </p:cNvSpPr>
+          <p:nvPr>
+            <p:ph type="ftr" sz="quarter" idx="4"/>
+          </p:nvPr>
+        </p:nvSpPr>
+        <p:spPr>
+          <a:xfrm>
+            <a:off x="0" y="8685213"/>
+            <a:ext cx="2971800" cy="457200"/>
+          </a:xfrm>
+          <a:prstGeom prst="rect">
+            <a:avLst/>
+          </a:prstGeom>
+        </p:spPr>
+        <p:txBody>
+          <a:bodyPr vert="horz" lIns="91440" tIns="45720" rIns="91440" bIns="45720" rtlCol="0" anchor="b"/>
+          <a:lstStyle>
+            <a:lvl1pPr algn="l">
+              <a:defRPr sz="1200"/>
+            </a:lvl1pPr>
+          </a:lstStyle>
+          <a:p>
+            <a:endParaRPr lang="fr-FR"/>
+          </a:p>
+        </p:txBody>
+      </p:sp>
+      <p:sp>
+        <p:nvSpPr>
+          <p:cNvPr id="7" name="Espace réservé du numéro de diapositive 6"/>
+          <p:cNvSpPr>
+            <a:spLocks noGrp="1"/>
+          </p:cNvSpPr>
+          <p:nvPr>
+            <p:ph type="sldNum" sz="quarter" idx="5"/>
+          </p:nvPr>
+        </p:nvSpPr>
+        <p:spPr>
+          <a:xfrm>
+            <a:off x="3884613" y="8685213"/>
+            <a:ext cx="2971800" cy="457200"/>
+          </a:xfrm>
+          <a:prstGeom prst="rect">
+            <a:avLst/>
+          </a:prstGeom>
+        </p:spPr>
+        <p:txBody>
+          <a:bodyPr vert="horz" lIns="91440" tIns="45720" rIns="91440" bIns="45720" rtlCol="0" anchor="b"/>
+          <a:lstStyle>
+            <a:lvl1pPr algn="r">
+              <a:defRPr sz="1200"/>
+            </a:lvl1pPr>
+          </a:lstStyle>
+          <a:p>
+            <a:fld id="{4591B0C5-0830-4071-9532-C38F6D3FACB2}" type="slidenum">
+              <a:rPr lang="fr-FR" smtClean="0"/>
+              <a:t>‹N°›</a:t>
+            </a:fld>
+            <a:endParaRPr lang="fr-FR"/>
+          </a:p>
+        </p:txBody>
+      </p:sp>
+    </p:spTree>
+    <p:extLst>
+      <p:ext uri="{BB962C8B-B14F-4D97-AF65-F5344CB8AC3E}">
+        <p14:creationId xmlns:p14="http://schemas.microsoft.com/office/powerpoint/2010/main" val="3148730369"/>
+      </p:ext>
+    </p:extLst>
+  </p:cSld>
+  <p:clrMap bg1="lt1" tx1="dk1" bg2="lt2" tx2="dk2" accent1="accent1" accent2="accent2" accent3="accent3" accent4="accent4" accent5="accent5" accent6="accent6" hlink="hlink" folHlink="folHlink"/>
+  <p:notesStyle>
+    <a:lvl1pPr marL="0" algn="l" defTabSz="914400" rtl="0" eaLnBrk="1" latinLnBrk="0" hangingPunct="1">
+      <a:defRPr sz="1200" kern="1200">
+        <a:solidFill>
+          <a:schemeClr val="tx1"/>
+        </a:solidFill>
+        <a:latin typeface="+mn-lt"/>
+        <a:ea typeface="+mn-ea"/>
+        <a:cs typeface="+mn-cs"/>
+      </a:defRPr>
+    </a:lvl1pPr>
+    <a:lvl2pPr marL="457200" algn="l" defTabSz="914400" rtl="0" eaLnBrk="1" latinLnBrk="0" hangingPunct="1">
+      <a:defRPr sz="1200" kern="1200">
+        <a:solidFill>
+          <a:schemeClr val="tx1"/>
+        </a:solidFill>
+        <a:latin typeface="+mn-lt"/>
+        <a:ea typeface="+mn-ea"/>
+        <a:cs typeface="+mn-cs"/>
+      </a:defRPr>
+    </a:lvl2pPr>
+    <a:lvl3pPr marL="914400" algn="l" defTabSz="914400" rtl="0" eaLnBrk="1" latinLnBrk="0" hangingPunct="1">
+      <a:defRPr sz="1200" kern="1200">
+        <a:solidFill>
+          <a:schemeClr val="tx1"/>
+        </a:solidFill>
+        <a:latin typeface="+mn-lt"/>
+        <a:ea typeface="+mn-ea"/>
+        <a:cs typeface="+mn-cs"/>
+      </a:defRPr>
+    </a:lvl3pPr>
+    <a:lvl4pPr marL="1371600" algn="l" defTabSz="914400" rtl="0" eaLnBrk="1" latinLnBrk="0" hangingPunct="1">
+      <a:defRPr sz="1200" kern="1200">
+        <a:solidFill>
+          <a:schemeClr val="tx1"/>
+        </a:solidFill>
+        <a:latin typeface="+mn-lt"/>
+        <a:ea typeface="+mn-ea"/>
+        <a:cs typeface="+mn-cs"/>
+      </a:defRPr>
+    </a:lvl4pPr>
+    <a:lvl5pPr marL="1828800" algn="l" defTabSz="914400" rtl="0" eaLnBrk="1" latinLnBrk="0" hangingPunct="1">
+      <a:defRPr sz="1200" kern="1200">
+        <a:solidFill>
+          <a:schemeClr val="tx1"/>
+        </a:solidFill>
+        <a:latin typeface="+mn-lt"/>
+        <a:ea typeface="+mn-ea"/>
+        <a:cs typeface="+mn-cs"/>
+      </a:defRPr>
+    </a:lvl5pPr>
+    <a:lvl6pPr marL="2286000" algn="l" defTabSz="914400" rtl="0" eaLnBrk="1" latinLnBrk="0" hangingPunct="1">
+      <a:defRPr sz="1200" kern="1200">
+        <a:solidFill>
+          <a:schemeClr val="tx1"/>
+        </a:solidFill>
+        <a:latin typeface="+mn-lt"/>
+        <a:ea typeface="+mn-ea"/>
+        <a:cs typeface="+mn-cs"/>
+      </a:defRPr>
+    </a:lvl6pPr>
+    <a:lvl7pPr marL="2743200" algn="l" defTabSz="914400" rtl="0" eaLnBrk="1" latinLnBrk="0" hangingPunct="1">
+      <a:defRPr sz="1200" kern="1200">
+        <a:solidFill>
+          <a:schemeClr val="tx1"/>
+        </a:solidFill>
+        <a:latin typeface="+mn-lt"/>
+        <a:ea typeface="+mn-ea"/>
+        <a:cs typeface="+mn-cs"/>
+      </a:defRPr>
+    </a:lvl7pPr>
+    <a:lvl8pPr marL="3200400" algn="l" defTabSz="914400" rtl="0" eaLnBrk="1" latinLnBrk="0" hangingPunct="1">
+      <a:defRPr sz="1200" kern="1200">
+        <a:solidFill>
+          <a:schemeClr val="tx1"/>
+        </a:solidFill>
+        <a:latin typeface="+mn-lt"/>
+        <a:ea typeface="+mn-ea"/>
+        <a:cs typeface="+mn-cs"/>
+      </a:defRPr>
+    </a:lvl8pPr>
+    <a:lvl9pPr marL="3657600" algn="l" defTabSz="914400" rtl="0" eaLnBrk="1" latinLnBrk="0" hangingPunct="1">
+      <a:defRPr sz="1200" kern="1200">
+        <a:solidFill>
+          <a:schemeClr val="tx1"/>
+        </a:solidFill>
+        <a:latin typeface="+mn-lt"/>
+        <a:ea typeface="+mn-ea"/>
+        <a:cs typeface="+mn-cs"/>
+      </a:defRPr>
+    </a:lvl9pPr>
+  </p:notesStyle>
+</p:notesMaster>
+</file>
+
+<file path=ppt/notesSlides/notesSlide1.xml><?xml version="1.0" encoding="utf-8"?>
+<p:notes xmlns:a="http://schemas.openxmlformats.org/drawingml/2006/main" xmlns:r="http://schemas.openxmlformats.org/officeDocument/2006/relationships" xmlns:p="http://schemas.openxmlformats.org/presentationml/2006/main">
+  <p:cSld>
+    <p:spTree>
+      <p:nvGrpSpPr>
+        <p:cNvPr id="1" name=""/>
+        <p:cNvGrpSpPr/>
+        <p:nvPr/>
+      </p:nvGrpSpPr>
+      <p:grpSpPr>
+        <a:xfrm>
+          <a:off x="0" y="0"/>
+          <a:ext cx="0" cy="0"/>
+          <a:chOff x="0" y="0"/>
+          <a:chExt cx="0" cy="0"/>
+        </a:xfrm>
+      </p:grpSpPr>
+      <p:sp>
+        <p:nvSpPr>
+          <p:cNvPr id="2" name="Espace réservé de l'image des diapositives 1"/>
+          <p:cNvSpPr>
+            <a:spLocks noGrp="1" noRot="1" noChangeAspect="1"/>
+          </p:cNvSpPr>
+          <p:nvPr>
+            <p:ph type="sldImg"/>
+          </p:nvPr>
+        </p:nvSpPr>
+        <p:spPr/>
+      </p:sp>
+      <p:sp>
+        <p:nvSpPr>
+          <p:cNvPr id="3" name="Espace réservé des commentaires 2"/>
+          <p:cNvSpPr>
+            <a:spLocks noGrp="1"/>
+          </p:cNvSpPr>
+          <p:nvPr>
+            <p:ph type="body" idx="1"/>
+          </p:nvPr>
+        </p:nvSpPr>
+        <p:spPr/>
+        <p:txBody>
+          <a:bodyPr/>
+          <a:lstStyle/>
+          <a:p>
+            <a:r>
+              <a:rPr lang="fr-FR" dirty="0" smtClean="0"/>
+              <a:t>Ca c’est le </a:t>
+            </a:r>
+            <a:r>
+              <a:rPr lang="fr-FR" dirty="0" err="1" smtClean="0"/>
+              <a:t>cheat</a:t>
+            </a:r>
+            <a:endParaRPr lang="fr-FR" dirty="0"/>
+          </a:p>
+        </p:txBody>
+      </p:sp>
+      <p:sp>
+        <p:nvSpPr>
+          <p:cNvPr id="4" name="Espace réservé du numéro de diapositive 3"/>
+          <p:cNvSpPr>
+            <a:spLocks noGrp="1"/>
+          </p:cNvSpPr>
+          <p:nvPr>
+            <p:ph type="sldNum" sz="quarter" idx="10"/>
+          </p:nvPr>
+        </p:nvSpPr>
+        <p:spPr/>
+        <p:txBody>
+          <a:bodyPr/>
+          <a:lstStyle/>
+          <a:p>
+            <a:fld id="{4591B0C5-0830-4071-9532-C38F6D3FACB2}" type="slidenum">
+              <a:rPr lang="fr-FR" smtClean="0"/>
+              <a:t>3</a:t>
+            </a:fld>
+            <a:endParaRPr lang="fr-FR"/>
+          </a:p>
+        </p:txBody>
+      </p:sp>
+    </p:spTree>
+    <p:extLst>
+      <p:ext uri="{BB962C8B-B14F-4D97-AF65-F5344CB8AC3E}">
+        <p14:creationId xmlns:p14="http://schemas.microsoft.com/office/powerpoint/2010/main" val="336285421"/>
+      </p:ext>
+    </p:extLst>
+  </p:cSld>
+  <p:clrMapOvr>
+    <a:masterClrMapping/>
+  </p:clrMapOvr>
+</p:notes>
+</file>
+
+<file path=ppt/notesSlides/notesSlide2.xml><?xml version="1.0" encoding="utf-8"?>
+<p:notes xmlns:a="http://schemas.openxmlformats.org/drawingml/2006/main" xmlns:r="http://schemas.openxmlformats.org/officeDocument/2006/relationships" xmlns:p="http://schemas.openxmlformats.org/presentationml/2006/main">
+  <p:cSld>
+    <p:spTree>
+      <p:nvGrpSpPr>
+        <p:cNvPr id="1" name=""/>
+        <p:cNvGrpSpPr/>
+        <p:nvPr/>
+      </p:nvGrpSpPr>
+      <p:grpSpPr>
+        <a:xfrm>
+          <a:off x="0" y="0"/>
+          <a:ext cx="0" cy="0"/>
+          <a:chOff x="0" y="0"/>
+          <a:chExt cx="0" cy="0"/>
+        </a:xfrm>
+      </p:grpSpPr>
+      <p:sp>
+        <p:nvSpPr>
+          <p:cNvPr id="2" name="Espace réservé de l'image des diapositives 1"/>
+          <p:cNvSpPr>
+            <a:spLocks noGrp="1" noRot="1" noChangeAspect="1"/>
+          </p:cNvSpPr>
+          <p:nvPr>
+            <p:ph type="sldImg"/>
+          </p:nvPr>
+        </p:nvSpPr>
+        <p:spPr/>
+      </p:sp>
+      <p:sp>
+        <p:nvSpPr>
+          <p:cNvPr id="3" name="Espace réservé des commentaires 2"/>
+          <p:cNvSpPr>
+            <a:spLocks noGrp="1"/>
+          </p:cNvSpPr>
+          <p:nvPr>
+            <p:ph type="body" idx="1"/>
+          </p:nvPr>
+        </p:nvSpPr>
+        <p:spPr/>
+        <p:txBody>
+          <a:bodyPr/>
+          <a:lstStyle/>
+          <a:p>
+            <a:r>
+              <a:rPr lang="fr-FR" dirty="0" smtClean="0"/>
+              <a:t>EDF has </a:t>
+            </a:r>
+            <a:r>
+              <a:rPr lang="fr-FR" dirty="0" err="1" smtClean="0"/>
+              <a:t>done</a:t>
+            </a:r>
+            <a:r>
+              <a:rPr lang="fr-FR" baseline="0" dirty="0" smtClean="0"/>
+              <a:t> a </a:t>
+            </a:r>
+            <a:r>
+              <a:rPr lang="fr-FR" baseline="0" dirty="0" err="1" smtClean="0"/>
+              <a:t>manuals</a:t>
+            </a:r>
+            <a:r>
+              <a:rPr lang="fr-FR" baseline="0" dirty="0" smtClean="0"/>
+              <a:t> scans of </a:t>
+            </a:r>
+            <a:r>
+              <a:rPr lang="fr-FR" baseline="0" dirty="0" err="1" smtClean="0"/>
+              <a:t>objects</a:t>
+            </a:r>
+            <a:r>
+              <a:rPr lang="fr-FR" baseline="0" dirty="0" smtClean="0"/>
+              <a:t> </a:t>
+            </a:r>
+            <a:r>
+              <a:rPr lang="fr-FR" baseline="0" dirty="0" err="1" smtClean="0"/>
+              <a:t>that</a:t>
+            </a:r>
+            <a:r>
+              <a:rPr lang="fr-FR" baseline="0" dirty="0" smtClean="0"/>
+              <a:t> </a:t>
+            </a:r>
+            <a:r>
+              <a:rPr lang="fr-FR" baseline="0" dirty="0" err="1" smtClean="0"/>
+              <a:t>comes</a:t>
+            </a:r>
+            <a:r>
+              <a:rPr lang="fr-FR" baseline="0" dirty="0" smtClean="0"/>
+              <a:t> </a:t>
+            </a:r>
+            <a:r>
+              <a:rPr lang="fr-FR" baseline="0" dirty="0" err="1" smtClean="0"/>
+              <a:t>from</a:t>
+            </a:r>
+            <a:r>
+              <a:rPr lang="fr-FR" baseline="0" dirty="0" smtClean="0"/>
+              <a:t> a </a:t>
+            </a:r>
+            <a:r>
+              <a:rPr lang="fr-FR" baseline="0" dirty="0" err="1" smtClean="0"/>
+              <a:t>pump</a:t>
+            </a:r>
+            <a:r>
+              <a:rPr lang="fr-FR" baseline="0" dirty="0" smtClean="0"/>
+              <a:t> in </a:t>
+            </a:r>
+            <a:r>
+              <a:rPr lang="fr-FR" baseline="0" dirty="0" err="1" smtClean="0"/>
+              <a:t>order</a:t>
+            </a:r>
+            <a:r>
+              <a:rPr lang="fr-FR" baseline="0" dirty="0" smtClean="0"/>
+              <a:t> to </a:t>
+            </a:r>
+            <a:r>
+              <a:rPr lang="fr-FR" baseline="0" dirty="0" err="1" smtClean="0"/>
+              <a:t>reconstruct</a:t>
+            </a:r>
+            <a:r>
+              <a:rPr lang="fr-FR" baseline="0" dirty="0" smtClean="0"/>
+              <a:t> a CAD model</a:t>
+            </a:r>
+          </a:p>
+          <a:p>
+            <a:r>
+              <a:rPr lang="fr-FR" baseline="0" dirty="0" err="1" smtClean="0"/>
+              <a:t>Piece</a:t>
+            </a:r>
+            <a:r>
+              <a:rPr lang="fr-FR" baseline="0" dirty="0" smtClean="0"/>
+              <a:t> </a:t>
+            </a:r>
+            <a:r>
+              <a:rPr lang="fr-FR" baseline="0" dirty="0" err="1" smtClean="0"/>
+              <a:t>scanned</a:t>
+            </a:r>
+            <a:r>
+              <a:rPr lang="fr-FR" baseline="0" dirty="0" smtClean="0"/>
+              <a:t> are </a:t>
+            </a:r>
+            <a:r>
+              <a:rPr lang="fr-FR" baseline="0" dirty="0" err="1" smtClean="0"/>
+              <a:t>held</a:t>
+            </a:r>
+            <a:r>
+              <a:rPr lang="fr-FR" baseline="0" dirty="0" smtClean="0"/>
+              <a:t> by </a:t>
+            </a:r>
+            <a:r>
+              <a:rPr lang="fr-FR" baseline="0" dirty="0" err="1" smtClean="0"/>
+              <a:t>some</a:t>
+            </a:r>
+            <a:r>
+              <a:rPr lang="fr-FR" baseline="0" dirty="0" smtClean="0"/>
+              <a:t> </a:t>
+            </a:r>
+            <a:r>
+              <a:rPr lang="fr-FR" baseline="0" dirty="0" err="1" smtClean="0"/>
+              <a:t>devices</a:t>
+            </a:r>
+            <a:r>
+              <a:rPr lang="fr-FR" baseline="0" dirty="0" smtClean="0"/>
+              <a:t> (clamps, vices, V-</a:t>
+            </a:r>
+            <a:r>
+              <a:rPr lang="fr-FR" baseline="0" dirty="0" err="1" smtClean="0"/>
+              <a:t>shape</a:t>
+            </a:r>
+            <a:r>
+              <a:rPr lang="fr-FR" baseline="0" dirty="0" smtClean="0"/>
+              <a:t>, …) and a scanner </a:t>
+            </a:r>
+            <a:r>
+              <a:rPr lang="fr-FR" baseline="0" dirty="0" err="1" smtClean="0"/>
+              <a:t>is</a:t>
+            </a:r>
+            <a:r>
+              <a:rPr lang="fr-FR" baseline="0" dirty="0" smtClean="0"/>
+              <a:t> </a:t>
+            </a:r>
+            <a:r>
+              <a:rPr lang="fr-FR" baseline="0" dirty="0" err="1" smtClean="0"/>
+              <a:t>then</a:t>
+            </a:r>
+            <a:r>
+              <a:rPr lang="fr-FR" baseline="0" dirty="0" smtClean="0"/>
+              <a:t> </a:t>
+            </a:r>
+            <a:r>
+              <a:rPr lang="fr-FR" baseline="0" dirty="0" err="1" smtClean="0"/>
+              <a:t>performed</a:t>
+            </a:r>
+            <a:endParaRPr lang="fr-FR" baseline="0" dirty="0" smtClean="0"/>
+          </a:p>
+          <a:p>
+            <a:r>
+              <a:rPr lang="fr-FR" baseline="0" dirty="0" err="1" smtClean="0"/>
+              <a:t>These</a:t>
+            </a:r>
+            <a:r>
+              <a:rPr lang="fr-FR" baseline="0" dirty="0" smtClean="0"/>
+              <a:t> scans </a:t>
+            </a:r>
+            <a:r>
+              <a:rPr lang="fr-FR" baseline="0" dirty="0" err="1" smtClean="0"/>
+              <a:t>generate</a:t>
+            </a:r>
+            <a:r>
+              <a:rPr lang="fr-FR" baseline="0" dirty="0" smtClean="0"/>
+              <a:t> point </a:t>
+            </a:r>
+            <a:r>
+              <a:rPr lang="fr-FR" baseline="0" dirty="0" err="1" smtClean="0"/>
+              <a:t>cloud</a:t>
+            </a:r>
+            <a:r>
+              <a:rPr lang="fr-FR" baseline="0" dirty="0" smtClean="0"/>
+              <a:t> in </a:t>
+            </a:r>
+            <a:r>
+              <a:rPr lang="fr-FR" baseline="0" dirty="0" err="1" smtClean="0"/>
+              <a:t>which</a:t>
+            </a:r>
+            <a:r>
+              <a:rPr lang="fr-FR" baseline="0" dirty="0" smtClean="0"/>
+              <a:t> </a:t>
+            </a:r>
+            <a:r>
+              <a:rPr lang="fr-FR" baseline="0" dirty="0" err="1" smtClean="0"/>
+              <a:t>some</a:t>
+            </a:r>
+            <a:r>
+              <a:rPr lang="fr-FR" baseline="0" dirty="0" smtClean="0"/>
+              <a:t> point </a:t>
+            </a:r>
+            <a:r>
+              <a:rPr lang="fr-FR" baseline="0" dirty="0" err="1" smtClean="0"/>
+              <a:t>belongs</a:t>
+            </a:r>
+            <a:r>
+              <a:rPr lang="fr-FR" baseline="0" dirty="0" smtClean="0"/>
+              <a:t> to </a:t>
+            </a:r>
+            <a:r>
+              <a:rPr lang="fr-FR" baseline="0" dirty="0" err="1" smtClean="0"/>
+              <a:t>some</a:t>
+            </a:r>
+            <a:r>
+              <a:rPr lang="fr-FR" baseline="0" dirty="0" smtClean="0"/>
+              <a:t> </a:t>
+            </a:r>
+            <a:r>
+              <a:rPr lang="fr-FR" baseline="0" dirty="0" err="1" smtClean="0"/>
+              <a:t>near</a:t>
+            </a:r>
+            <a:r>
+              <a:rPr lang="fr-FR" baseline="0" dirty="0" smtClean="0"/>
+              <a:t> </a:t>
+            </a:r>
+            <a:r>
+              <a:rPr lang="fr-FR" baseline="0" dirty="0" err="1" smtClean="0"/>
+              <a:t>devices</a:t>
+            </a:r>
+            <a:endParaRPr lang="fr-FR" baseline="0" dirty="0" smtClean="0"/>
+          </a:p>
+          <a:p>
+            <a:r>
+              <a:rPr lang="fr-FR" baseline="0" dirty="0" err="1" smtClean="0"/>
+              <a:t>Before</a:t>
+            </a:r>
+            <a:r>
+              <a:rPr lang="fr-FR" baseline="0" dirty="0" smtClean="0"/>
+              <a:t> </a:t>
+            </a:r>
+            <a:r>
+              <a:rPr lang="fr-FR" baseline="0" dirty="0" err="1" smtClean="0"/>
+              <a:t>being</a:t>
+            </a:r>
+            <a:r>
+              <a:rPr lang="fr-FR" baseline="0" dirty="0" smtClean="0"/>
+              <a:t> able to </a:t>
+            </a:r>
+            <a:r>
+              <a:rPr lang="fr-FR" baseline="0" dirty="0" err="1" smtClean="0"/>
+              <a:t>manipulate</a:t>
+            </a:r>
+            <a:r>
+              <a:rPr lang="fr-FR" baseline="0" dirty="0" smtClean="0"/>
+              <a:t> a CAD model, </a:t>
+            </a:r>
+            <a:r>
+              <a:rPr lang="fr-FR" baseline="0" dirty="0" err="1" smtClean="0"/>
+              <a:t>these</a:t>
+            </a:r>
+            <a:r>
+              <a:rPr lang="fr-FR" baseline="0" dirty="0" smtClean="0"/>
+              <a:t> </a:t>
+            </a:r>
+            <a:r>
+              <a:rPr lang="fr-FR" baseline="0" dirty="0" err="1" smtClean="0"/>
+              <a:t>clouds</a:t>
+            </a:r>
+            <a:r>
+              <a:rPr lang="fr-FR" baseline="0" dirty="0" smtClean="0"/>
+              <a:t> have to </a:t>
+            </a:r>
+            <a:r>
+              <a:rPr lang="fr-FR" baseline="0" dirty="0" err="1" smtClean="0"/>
+              <a:t>undergo</a:t>
+            </a:r>
+            <a:r>
+              <a:rPr lang="fr-FR" baseline="0" dirty="0" smtClean="0"/>
+              <a:t> a clean of </a:t>
+            </a:r>
+            <a:r>
+              <a:rPr lang="fr-FR" baseline="0" dirty="0" err="1" smtClean="0"/>
+              <a:t>these</a:t>
+            </a:r>
+            <a:r>
+              <a:rPr lang="fr-FR" baseline="0" dirty="0" smtClean="0"/>
+              <a:t> </a:t>
+            </a:r>
+            <a:r>
+              <a:rPr lang="fr-FR" baseline="0" dirty="0" err="1" smtClean="0"/>
+              <a:t>foreign</a:t>
+            </a:r>
+            <a:r>
+              <a:rPr lang="fr-FR" baseline="0" dirty="0" smtClean="0"/>
+              <a:t> </a:t>
+            </a:r>
+            <a:r>
+              <a:rPr lang="fr-FR" baseline="0" dirty="0" err="1" smtClean="0"/>
+              <a:t>elements</a:t>
+            </a:r>
+            <a:endParaRPr lang="fr-FR" baseline="0" dirty="0" smtClean="0"/>
+          </a:p>
+          <a:p>
+            <a:endParaRPr lang="fr-FR" baseline="0" dirty="0" smtClean="0"/>
+          </a:p>
+          <a:p>
+            <a:endParaRPr lang="fr-FR" dirty="0"/>
+          </a:p>
+        </p:txBody>
+      </p:sp>
+      <p:sp>
+        <p:nvSpPr>
+          <p:cNvPr id="4" name="Espace réservé du numéro de diapositive 3"/>
+          <p:cNvSpPr>
+            <a:spLocks noGrp="1"/>
+          </p:cNvSpPr>
+          <p:nvPr>
+            <p:ph type="sldNum" sz="quarter" idx="10"/>
+          </p:nvPr>
+        </p:nvSpPr>
+        <p:spPr/>
+        <p:txBody>
+          <a:bodyPr/>
+          <a:lstStyle/>
+          <a:p>
+            <a:fld id="{4591B0C5-0830-4071-9532-C38F6D3FACB2}" type="slidenum">
+              <a:rPr lang="fr-FR" smtClean="0"/>
+              <a:t>4</a:t>
+            </a:fld>
+            <a:endParaRPr lang="fr-FR"/>
+          </a:p>
+        </p:txBody>
+      </p:sp>
+    </p:spTree>
+    <p:extLst>
+      <p:ext uri="{BB962C8B-B14F-4D97-AF65-F5344CB8AC3E}">
+        <p14:creationId xmlns:p14="http://schemas.microsoft.com/office/powerpoint/2010/main" val="1839379084"/>
+      </p:ext>
+    </p:extLst>
+  </p:cSld>
+  <p:clrMapOvr>
+    <a:masterClrMapping/>
+  </p:clrMapOvr>
+</p:notes>
+</file>
+
+<file path=ppt/notesSlides/notesSlide3.xml><?xml version="1.0" encoding="utf-8"?>
+<p:notes xmlns:a="http://schemas.openxmlformats.org/drawingml/2006/main" xmlns:r="http://schemas.openxmlformats.org/officeDocument/2006/relationships" xmlns:p="http://schemas.openxmlformats.org/presentationml/2006/main">
+  <p:cSld>
+    <p:spTree>
+      <p:nvGrpSpPr>
+        <p:cNvPr id="1" name=""/>
+        <p:cNvGrpSpPr/>
+        <p:nvPr/>
+      </p:nvGrpSpPr>
+      <p:grpSpPr>
+        <a:xfrm>
+          <a:off x="0" y="0"/>
+          <a:ext cx="0" cy="0"/>
+          <a:chOff x="0" y="0"/>
+          <a:chExt cx="0" cy="0"/>
+        </a:xfrm>
+      </p:grpSpPr>
+      <p:sp>
+        <p:nvSpPr>
+          <p:cNvPr id="2" name="Espace réservé de l'image des diapositives 1"/>
+          <p:cNvSpPr>
+            <a:spLocks noGrp="1" noRot="1" noChangeAspect="1"/>
+          </p:cNvSpPr>
+          <p:nvPr>
+            <p:ph type="sldImg"/>
+          </p:nvPr>
+        </p:nvSpPr>
+        <p:spPr/>
+      </p:sp>
+      <p:sp>
+        <p:nvSpPr>
+          <p:cNvPr id="3" name="Espace réservé des commentaires 2"/>
+          <p:cNvSpPr>
+            <a:spLocks noGrp="1"/>
+          </p:cNvSpPr>
+          <p:nvPr>
+            <p:ph type="body" idx="1"/>
+          </p:nvPr>
+        </p:nvSpPr>
+        <p:spPr/>
+        <p:txBody>
+          <a:bodyPr/>
+          <a:lstStyle/>
+          <a:p>
+            <a:r>
+              <a:rPr lang="fr-FR" dirty="0" err="1" smtClean="0"/>
+              <a:t>CloudCompare</a:t>
+            </a:r>
+            <a:r>
+              <a:rPr lang="fr-FR" baseline="0" dirty="0" smtClean="0"/>
+              <a:t> permit to us to </a:t>
+            </a:r>
+            <a:r>
+              <a:rPr lang="fr-FR" baseline="0" dirty="0" err="1" smtClean="0"/>
+              <a:t>properly</a:t>
+            </a:r>
+            <a:r>
+              <a:rPr lang="fr-FR" baseline="0" dirty="0" smtClean="0"/>
+              <a:t> </a:t>
+            </a:r>
+            <a:r>
+              <a:rPr lang="fr-FR" baseline="0" dirty="0" err="1" smtClean="0"/>
+              <a:t>handle</a:t>
+            </a:r>
+            <a:r>
+              <a:rPr lang="fr-FR" baseline="0" dirty="0" smtClean="0"/>
+              <a:t> a point </a:t>
+            </a:r>
+            <a:r>
+              <a:rPr lang="fr-FR" baseline="0" dirty="0" err="1" smtClean="0"/>
+              <a:t>cloud</a:t>
+            </a:r>
+            <a:endParaRPr lang="fr-FR" dirty="0"/>
+          </a:p>
+        </p:txBody>
+      </p:sp>
+      <p:sp>
+        <p:nvSpPr>
+          <p:cNvPr id="4" name="Espace réservé du numéro de diapositive 3"/>
+          <p:cNvSpPr>
+            <a:spLocks noGrp="1"/>
+          </p:cNvSpPr>
+          <p:nvPr>
+            <p:ph type="sldNum" sz="quarter" idx="10"/>
+          </p:nvPr>
+        </p:nvSpPr>
+        <p:spPr/>
+        <p:txBody>
+          <a:bodyPr/>
+          <a:lstStyle/>
+          <a:p>
+            <a:fld id="{4591B0C5-0830-4071-9532-C38F6D3FACB2}" type="slidenum">
+              <a:rPr lang="fr-FR" smtClean="0"/>
+              <a:t>5</a:t>
+            </a:fld>
+            <a:endParaRPr lang="fr-FR"/>
+          </a:p>
+        </p:txBody>
+      </p:sp>
+    </p:spTree>
+    <p:extLst>
+      <p:ext uri="{BB962C8B-B14F-4D97-AF65-F5344CB8AC3E}">
+        <p14:creationId xmlns:p14="http://schemas.microsoft.com/office/powerpoint/2010/main" val="2589441266"/>
+      </p:ext>
+    </p:extLst>
+  </p:cSld>
+  <p:clrMapOvr>
+    <a:masterClrMapping/>
+  </p:clrMapOvr>
+</p:notes>
+</file>
+
+<file path=ppt/notesSlides/notesSlide4.xml><?xml version="1.0" encoding="utf-8"?>
+<p:notes xmlns:a="http://schemas.openxmlformats.org/drawingml/2006/main" xmlns:r="http://schemas.openxmlformats.org/officeDocument/2006/relationships" xmlns:p="http://schemas.openxmlformats.org/presentationml/2006/main">
+  <p:cSld>
+    <p:spTree>
+      <p:nvGrpSpPr>
+        <p:cNvPr id="1" name=""/>
+        <p:cNvGrpSpPr/>
+        <p:nvPr/>
+      </p:nvGrpSpPr>
+      <p:grpSpPr>
+        <a:xfrm>
+          <a:off x="0" y="0"/>
+          <a:ext cx="0" cy="0"/>
+          <a:chOff x="0" y="0"/>
+          <a:chExt cx="0" cy="0"/>
+        </a:xfrm>
+      </p:grpSpPr>
+      <p:sp>
+        <p:nvSpPr>
+          <p:cNvPr id="2" name="Espace réservé de l'image des diapositives 1"/>
+          <p:cNvSpPr>
+            <a:spLocks noGrp="1" noRot="1" noChangeAspect="1"/>
+          </p:cNvSpPr>
+          <p:nvPr>
+            <p:ph type="sldImg"/>
+          </p:nvPr>
+        </p:nvSpPr>
+        <p:spPr/>
+      </p:sp>
+      <p:sp>
+        <p:nvSpPr>
+          <p:cNvPr id="3" name="Espace réservé des commentaires 2"/>
+          <p:cNvSpPr>
+            <a:spLocks noGrp="1"/>
+          </p:cNvSpPr>
+          <p:nvPr>
+            <p:ph type="body" idx="1"/>
+          </p:nvPr>
+        </p:nvSpPr>
+        <p:spPr/>
+        <p:txBody>
+          <a:bodyPr/>
+          <a:lstStyle/>
+          <a:p>
+            <a:r>
+              <a:rPr lang="fr-FR" dirty="0" smtClean="0"/>
+              <a:t>Présentation de </a:t>
+            </a:r>
+            <a:r>
+              <a:rPr lang="fr-FR" dirty="0" err="1" smtClean="0"/>
+              <a:t>cloud</a:t>
+            </a:r>
+            <a:r>
+              <a:rPr lang="fr-FR" dirty="0" smtClean="0"/>
+              <a:t> compare, </a:t>
+            </a:r>
+          </a:p>
+          <a:p>
+            <a:pPr marL="0" marR="0" indent="0" algn="l" defTabSz="914400" rtl="0" eaLnBrk="1" fontAlgn="auto" latinLnBrk="0" hangingPunct="1">
+              <a:lnSpc>
+                <a:spcPct val="100000"/>
+              </a:lnSpc>
+              <a:spcBef>
+                <a:spcPts val="0"/>
+              </a:spcBef>
+              <a:spcAft>
+                <a:spcPts val="0"/>
+              </a:spcAft>
+              <a:buClrTx/>
+              <a:buSzTx/>
+              <a:buFontTx/>
+              <a:buNone/>
+              <a:tabLst/>
+              <a:defRPr/>
+            </a:pPr>
+            <a:r>
+              <a:rPr lang="en-US" dirty="0" smtClean="0"/>
+              <a:t>Open source software available on multi OS. Users can interactively handle a point cloud or a triangle mesh.</a:t>
+            </a:r>
+            <a:endParaRPr lang="en-US" dirty="0" smtClean="0"/>
+          </a:p>
+          <a:p>
+            <a:pPr marL="0" marR="0" indent="0" algn="l" defTabSz="914400" rtl="0" eaLnBrk="1" fontAlgn="auto" latinLnBrk="0" hangingPunct="1">
+              <a:lnSpc>
+                <a:spcPct val="100000"/>
+              </a:lnSpc>
+              <a:spcBef>
+                <a:spcPts val="0"/>
+              </a:spcBef>
+              <a:spcAft>
+                <a:spcPts val="0"/>
+              </a:spcAft>
+              <a:buClrTx/>
+              <a:buSzTx/>
+              <a:buFontTx/>
+              <a:buNone/>
+              <a:tabLst/>
+              <a:defRPr/>
+            </a:pPr>
+            <a:endParaRPr lang="fr-FR" dirty="0" smtClean="0"/>
+          </a:p>
+          <a:p>
+            <a:pPr marL="0" marR="0" indent="0" algn="l" defTabSz="914400" rtl="0" eaLnBrk="1" fontAlgn="auto" latinLnBrk="0" hangingPunct="1">
+              <a:lnSpc>
+                <a:spcPct val="100000"/>
+              </a:lnSpc>
+              <a:spcBef>
+                <a:spcPts val="0"/>
+              </a:spcBef>
+              <a:spcAft>
+                <a:spcPts val="0"/>
+              </a:spcAft>
+              <a:buClrTx/>
+              <a:buSzTx/>
+              <a:buFontTx/>
+              <a:buNone/>
+              <a:tabLst/>
+              <a:defRPr/>
+            </a:pPr>
+            <a:r>
+              <a:rPr lang="en-US" dirty="0" err="1" smtClean="0"/>
+              <a:t>CloudCompare</a:t>
+            </a:r>
+            <a:r>
+              <a:rPr lang="en-US" dirty="0" smtClean="0"/>
+              <a:t> provides a set of basic tools for manually editing and rendering 3D points clouds</a:t>
+            </a:r>
+          </a:p>
+          <a:p>
+            <a:pPr marL="0" marR="0" indent="0" algn="l" defTabSz="914400" rtl="0" eaLnBrk="1" fontAlgn="auto" latinLnBrk="0" hangingPunct="1">
+              <a:lnSpc>
+                <a:spcPct val="100000"/>
+              </a:lnSpc>
+              <a:spcBef>
+                <a:spcPts val="0"/>
+              </a:spcBef>
+              <a:spcAft>
+                <a:spcPts val="0"/>
+              </a:spcAft>
+              <a:buClrTx/>
+              <a:buSzTx/>
+              <a:buFontTx/>
+              <a:buNone/>
+              <a:tabLst/>
+              <a:defRPr/>
+            </a:pPr>
+            <a:r>
+              <a:rPr lang="en-US" dirty="0" smtClean="0"/>
+              <a:t>So it</a:t>
+            </a:r>
+            <a:r>
+              <a:rPr lang="en-US" baseline="0" dirty="0" smtClean="0"/>
+              <a:t> has not been chosen randomly</a:t>
+            </a:r>
+            <a:endParaRPr lang="en-US" dirty="0" smtClean="0"/>
+          </a:p>
+          <a:p>
+            <a:endParaRPr lang="fr-FR" dirty="0" smtClean="0"/>
+          </a:p>
+          <a:p>
+            <a:r>
+              <a:rPr lang="fr-FR" dirty="0" smtClean="0"/>
+              <a:t>Module (c++, open source donc</a:t>
+            </a:r>
+            <a:r>
+              <a:rPr lang="fr-FR" baseline="0" dirty="0" smtClean="0"/>
+              <a:t> </a:t>
+            </a:r>
+            <a:r>
+              <a:rPr lang="fr-FR" baseline="0" dirty="0" err="1" smtClean="0"/>
+              <a:t>dummyModule</a:t>
+            </a:r>
+            <a:r>
+              <a:rPr lang="fr-FR" dirty="0" smtClean="0"/>
+              <a:t>)</a:t>
+            </a:r>
+          </a:p>
+          <a:p>
+            <a:r>
+              <a:rPr lang="fr-FR" dirty="0" err="1" smtClean="0"/>
+              <a:t>Allows</a:t>
+            </a:r>
+            <a:r>
+              <a:rPr lang="fr-FR" baseline="0" dirty="0" smtClean="0"/>
+              <a:t> </a:t>
+            </a:r>
+            <a:r>
+              <a:rPr lang="fr-FR" baseline="0" dirty="0" err="1" smtClean="0"/>
+              <a:t>users</a:t>
+            </a:r>
+            <a:r>
+              <a:rPr lang="fr-FR" baseline="0" dirty="0" smtClean="0"/>
+              <a:t> to </a:t>
+            </a:r>
+            <a:r>
+              <a:rPr lang="fr-FR" baseline="0" dirty="0" err="1" smtClean="0"/>
+              <a:t>write</a:t>
+            </a:r>
+            <a:r>
+              <a:rPr lang="fr-FR" baseline="0" dirty="0" smtClean="0"/>
+              <a:t> plugin in </a:t>
+            </a:r>
+            <a:r>
+              <a:rPr lang="fr-FR" baseline="0" dirty="0" err="1" smtClean="0"/>
+              <a:t>c++</a:t>
+            </a:r>
+            <a:endParaRPr lang="fr-FR" dirty="0" smtClean="0"/>
+          </a:p>
+        </p:txBody>
+      </p:sp>
+      <p:sp>
+        <p:nvSpPr>
+          <p:cNvPr id="4" name="Espace réservé du numéro de diapositive 3"/>
+          <p:cNvSpPr>
+            <a:spLocks noGrp="1"/>
+          </p:cNvSpPr>
+          <p:nvPr>
+            <p:ph type="sldNum" sz="quarter" idx="10"/>
+          </p:nvPr>
+        </p:nvSpPr>
+        <p:spPr/>
+        <p:txBody>
+          <a:bodyPr/>
+          <a:lstStyle/>
+          <a:p>
+            <a:fld id="{4591B0C5-0830-4071-9532-C38F6D3FACB2}" type="slidenum">
+              <a:rPr lang="fr-FR" smtClean="0"/>
+              <a:t>7</a:t>
+            </a:fld>
+            <a:endParaRPr lang="fr-FR"/>
+          </a:p>
+        </p:txBody>
+      </p:sp>
+    </p:spTree>
+    <p:extLst>
+      <p:ext uri="{BB962C8B-B14F-4D97-AF65-F5344CB8AC3E}">
+        <p14:creationId xmlns:p14="http://schemas.microsoft.com/office/powerpoint/2010/main" val="2184774123"/>
+      </p:ext>
+    </p:extLst>
+  </p:cSld>
+  <p:clrMapOvr>
+    <a:masterClrMapping/>
+  </p:clrMapOvr>
+</p:notes>
+</file>
+
+<file path=ppt/notesSlides/notesSlide5.xml><?xml version="1.0" encoding="utf-8"?>
+<p:notes xmlns:a="http://schemas.openxmlformats.org/drawingml/2006/main" xmlns:r="http://schemas.openxmlformats.org/officeDocument/2006/relationships" xmlns:p="http://schemas.openxmlformats.org/presentationml/2006/main">
+  <p:cSld>
+    <p:spTree>
+      <p:nvGrpSpPr>
+        <p:cNvPr id="1" name=""/>
+        <p:cNvGrpSpPr/>
+        <p:nvPr/>
+      </p:nvGrpSpPr>
+      <p:grpSpPr>
+        <a:xfrm>
+          <a:off x="0" y="0"/>
+          <a:ext cx="0" cy="0"/>
+          <a:chOff x="0" y="0"/>
+          <a:chExt cx="0" cy="0"/>
+        </a:xfrm>
+      </p:grpSpPr>
+      <p:sp>
+        <p:nvSpPr>
+          <p:cNvPr id="2" name="Espace réservé de l'image des diapositives 1"/>
+          <p:cNvSpPr>
+            <a:spLocks noGrp="1" noRot="1" noChangeAspect="1"/>
+          </p:cNvSpPr>
+          <p:nvPr>
+            <p:ph type="sldImg"/>
+          </p:nvPr>
+        </p:nvSpPr>
+        <p:spPr/>
+      </p:sp>
+      <p:sp>
+        <p:nvSpPr>
+          <p:cNvPr id="3" name="Espace réservé des commentaires 2"/>
+          <p:cNvSpPr>
+            <a:spLocks noGrp="1"/>
+          </p:cNvSpPr>
+          <p:nvPr>
+            <p:ph type="body" idx="1"/>
+          </p:nvPr>
+        </p:nvSpPr>
+        <p:spPr/>
+        <p:txBody>
+          <a:bodyPr/>
+          <a:lstStyle/>
+          <a:p>
+            <a:endParaRPr lang="fr-FR" dirty="0"/>
+          </a:p>
+        </p:txBody>
+      </p:sp>
+      <p:sp>
+        <p:nvSpPr>
+          <p:cNvPr id="4" name="Espace réservé du numéro de diapositive 3"/>
+          <p:cNvSpPr>
+            <a:spLocks noGrp="1"/>
+          </p:cNvSpPr>
+          <p:nvPr>
+            <p:ph type="sldNum" sz="quarter" idx="10"/>
+          </p:nvPr>
+        </p:nvSpPr>
+        <p:spPr/>
+        <p:txBody>
+          <a:bodyPr/>
+          <a:lstStyle/>
+          <a:p>
+            <a:fld id="{4591B0C5-0830-4071-9532-C38F6D3FACB2}" type="slidenum">
+              <a:rPr lang="fr-FR" smtClean="0"/>
+              <a:t>8</a:t>
+            </a:fld>
+            <a:endParaRPr lang="fr-FR"/>
+          </a:p>
+        </p:txBody>
+      </p:sp>
+    </p:spTree>
+    <p:extLst>
+      <p:ext uri="{BB962C8B-B14F-4D97-AF65-F5344CB8AC3E}">
+        <p14:creationId xmlns:p14="http://schemas.microsoft.com/office/powerpoint/2010/main" val="696828848"/>
+      </p:ext>
+    </p:extLst>
+  </p:cSld>
+  <p:clrMapOvr>
+    <a:masterClrMapping/>
+  </p:clrMapOvr>
+</p:notes>
+</file>
+
 <file path=ppt/slideLayouts/slideLayout1.xml><?xml version="1.0" encoding="utf-8"?>
 <p:sldLayout xmlns:a="http://schemas.openxmlformats.org/drawingml/2006/main" xmlns:r="http://schemas.openxmlformats.org/officeDocument/2006/relationships" xmlns:p="http://schemas.openxmlformats.org/presentationml/2006/main" type="title" preserve="1">
   <p:cSld name="Diapositive de titre">
@@ -292,7 +1563,7 @@
           <a:p>
             <a:fld id="{5AC2F450-EA90-4DF9-835C-1781C18C8735}" type="datetimeFigureOut">
               <a:rPr lang="fr-FR" smtClean="0"/>
-              <a:t>09/12/2015</a:t>
+              <a:t>10/12/2015</a:t>
             </a:fld>
             <a:endParaRPr lang="fr-FR" dirty="0"/>
           </a:p>
@@ -457,7 +1728,7 @@
           <a:p>
             <a:fld id="{5AC2F450-EA90-4DF9-835C-1781C18C8735}" type="datetimeFigureOut">
               <a:rPr lang="fr-FR" smtClean="0"/>
-              <a:t>09/12/2015</a:t>
+              <a:t>10/12/2015</a:t>
             </a:fld>
             <a:endParaRPr lang="fr-FR" dirty="0"/>
           </a:p>
@@ -632,7 +1903,7 @@
           <a:p>
             <a:fld id="{5AC2F450-EA90-4DF9-835C-1781C18C8735}" type="datetimeFigureOut">
               <a:rPr lang="fr-FR" smtClean="0"/>
-              <a:t>09/12/2015</a:t>
+              <a:t>10/12/2015</a:t>
             </a:fld>
             <a:endParaRPr lang="fr-FR" dirty="0"/>
           </a:p>
@@ -797,7 +2068,7 @@
           <a:p>
             <a:fld id="{5AC2F450-EA90-4DF9-835C-1781C18C8735}" type="datetimeFigureOut">
               <a:rPr lang="fr-FR" smtClean="0"/>
-              <a:t>09/12/2015</a:t>
+              <a:t>10/12/2015</a:t>
             </a:fld>
             <a:endParaRPr lang="fr-FR" dirty="0"/>
           </a:p>
@@ -1038,7 +2309,7 @@
           <a:p>
             <a:fld id="{5AC2F450-EA90-4DF9-835C-1781C18C8735}" type="datetimeFigureOut">
               <a:rPr lang="fr-FR" smtClean="0"/>
-              <a:t>09/12/2015</a:t>
+              <a:t>10/12/2015</a:t>
             </a:fld>
             <a:endParaRPr lang="fr-FR" dirty="0"/>
           </a:p>
@@ -1321,7 +2592,7 @@
           <a:p>
             <a:fld id="{5AC2F450-EA90-4DF9-835C-1781C18C8735}" type="datetimeFigureOut">
               <a:rPr lang="fr-FR" smtClean="0"/>
-              <a:t>09/12/2015</a:t>
+              <a:t>10/12/2015</a:t>
             </a:fld>
             <a:endParaRPr lang="fr-FR" dirty="0"/>
           </a:p>
@@ -1738,7 +3009,7 @@
           <a:p>
             <a:fld id="{5AC2F450-EA90-4DF9-835C-1781C18C8735}" type="datetimeFigureOut">
               <a:rPr lang="fr-FR" smtClean="0"/>
-              <a:t>09/12/2015</a:t>
+              <a:t>10/12/2015</a:t>
             </a:fld>
             <a:endParaRPr lang="fr-FR" dirty="0"/>
           </a:p>
@@ -1851,7 +3122,7 @@
           <a:p>
             <a:fld id="{5AC2F450-EA90-4DF9-835C-1781C18C8735}" type="datetimeFigureOut">
               <a:rPr lang="fr-FR" smtClean="0"/>
-              <a:t>09/12/2015</a:t>
+              <a:t>10/12/2015</a:t>
             </a:fld>
             <a:endParaRPr lang="fr-FR" dirty="0"/>
           </a:p>
@@ -1941,7 +3212,7 @@
           <a:p>
             <a:fld id="{5AC2F450-EA90-4DF9-835C-1781C18C8735}" type="datetimeFigureOut">
               <a:rPr lang="fr-FR" smtClean="0"/>
-              <a:t>09/12/2015</a:t>
+              <a:t>10/12/2015</a:t>
             </a:fld>
             <a:endParaRPr lang="fr-FR" dirty="0"/>
           </a:p>
@@ -2213,7 +3484,7 @@
           <a:p>
             <a:fld id="{5AC2F450-EA90-4DF9-835C-1781C18C8735}" type="datetimeFigureOut">
               <a:rPr lang="fr-FR" smtClean="0"/>
-              <a:t>09/12/2015</a:t>
+              <a:t>10/12/2015</a:t>
             </a:fld>
             <a:endParaRPr lang="fr-FR" dirty="0"/>
           </a:p>
@@ -2461,7 +3732,7 @@
           <a:p>
             <a:fld id="{5AC2F450-EA90-4DF9-835C-1781C18C8735}" type="datetimeFigureOut">
               <a:rPr lang="fr-FR" smtClean="0"/>
-              <a:t>09/12/2015</a:t>
+              <a:t>10/12/2015</a:t>
             </a:fld>
             <a:endParaRPr lang="fr-FR" dirty="0"/>
           </a:p>
@@ -2669,7 +3940,7 @@
           <a:p>
             <a:fld id="{5AC2F450-EA90-4DF9-835C-1781C18C8735}" type="datetimeFigureOut">
               <a:rPr lang="fr-FR" smtClean="0"/>
-              <a:t>09/12/2015</a:t>
+              <a:t>10/12/2015</a:t>
             </a:fld>
             <a:endParaRPr lang="fr-FR" dirty="0"/>
           </a:p>
@@ -3076,7 +4347,57 @@
                 <a:latin typeface="Times New Roman" pitchFamily="18" charset="0"/>
                 <a:cs typeface="Times New Roman" pitchFamily="18" charset="0"/>
               </a:rPr>
-              <a:t>Présentation Projet </a:t>
+              <a:t>Point Cloud Segmentation :</a:t>
+            </a:r>
+            <a:br>
+              <a:rPr lang="fr-FR" b="1" u="sng" dirty="0" smtClean="0">
+                <a:solidFill>
+                  <a:srgbClr val="0070C0"/>
+                </a:solidFill>
+                <a:effectLst>
+                  <a:outerShdw blurRad="38100" dist="38100" dir="2700000" algn="tl">
+                    <a:srgbClr val="000000">
+                      <a:alpha val="43137"/>
+                    </a:srgbClr>
+                  </a:outerShdw>
+                </a:effectLst>
+                <a:latin typeface="Times New Roman" pitchFamily="18" charset="0"/>
+                <a:cs typeface="Times New Roman" pitchFamily="18" charset="0"/>
+              </a:rPr>
+            </a:br>
+            <a:r>
+              <a:rPr lang="fr-FR" b="1" u="sng" dirty="0" smtClean="0">
+                <a:solidFill>
+                  <a:srgbClr val="0070C0"/>
+                </a:solidFill>
+                <a:effectLst>
+                  <a:outerShdw blurRad="38100" dist="38100" dir="2700000" algn="tl">
+                    <a:srgbClr val="000000">
+                      <a:alpha val="43137"/>
+                    </a:srgbClr>
+                  </a:outerShdw>
+                </a:effectLst>
+                <a:latin typeface="Times New Roman" pitchFamily="18" charset="0"/>
+                <a:cs typeface="Times New Roman" pitchFamily="18" charset="0"/>
+              </a:rPr>
+              <a:t>Plugin </a:t>
+            </a:r>
+            <a:r>
+              <a:rPr lang="fr-FR" b="1" u="sng" dirty="0" err="1" smtClean="0">
+                <a:solidFill>
+                  <a:srgbClr val="0070C0"/>
+                </a:solidFill>
+                <a:effectLst>
+                  <a:outerShdw blurRad="38100" dist="38100" dir="2700000" algn="tl">
+                    <a:srgbClr val="000000">
+                      <a:alpha val="43137"/>
+                    </a:srgbClr>
+                  </a:outerShdw>
+                </a:effectLst>
+                <a:latin typeface="Times New Roman" pitchFamily="18" charset="0"/>
+                <a:cs typeface="Times New Roman" pitchFamily="18" charset="0"/>
+              </a:rPr>
+              <a:t>development</a:t>
             </a:r>
             <a:endParaRPr lang="fr-FR" b="1" u="sng" dirty="0">
               <a:solidFill>
@@ -3125,15 +4446,7 @@
           <a:p>
             <a:r>
               <a:rPr lang="fr-FR" sz="2400" dirty="0" smtClean="0"/>
-              <a:t>SEGURET</a:t>
-            </a:r>
-            <a:r>
-              <a:rPr lang="fr-FR" sz="2400" dirty="0" smtClean="0"/>
-              <a:t> </a:t>
-            </a:r>
-            <a:r>
-              <a:rPr lang="fr-FR" sz="2400" dirty="0" smtClean="0"/>
-              <a:t>Aymeric  – M2 Mia parcours GICAO</a:t>
+              <a:t>SEGURET Aymeric  – M2 Mia parcours GICAO</a:t>
             </a:r>
             <a:endParaRPr lang="fr-FR" sz="2400" dirty="0"/>
           </a:p>
@@ -3232,6 +4545,195 @@
           </a:extLst>
         </p:spPr>
       </p:pic>
+    </p:spTree>
+  </p:cSld>
+  <p:clrMapOvr>
+    <a:masterClrMapping/>
+  </p:clrMapOvr>
+  <p:timing>
+    <p:tnLst>
+      <p:par>
+        <p:cTn id="1" dur="indefinite" restart="never" nodeType="tmRoot"/>
+      </p:par>
+    </p:tnLst>
+  </p:timing>
+</p:sld>
+</file>
+
+<file path=ppt/slides/slide10.xml><?xml version="1.0" encoding="utf-8"?>
+<p:sld xmlns:a="http://schemas.openxmlformats.org/drawingml/2006/main" xmlns:r="http://schemas.openxmlformats.org/officeDocument/2006/relationships" xmlns:p="http://schemas.openxmlformats.org/presentationml/2006/main">
+  <p:cSld>
+    <p:spTree>
+      <p:nvGrpSpPr>
+        <p:cNvPr id="1" name=""/>
+        <p:cNvGrpSpPr/>
+        <p:nvPr/>
+      </p:nvGrpSpPr>
+      <p:grpSpPr>
+        <a:xfrm>
+          <a:off x="0" y="0"/>
+          <a:ext cx="0" cy="0"/>
+          <a:chOff x="0" y="0"/>
+          <a:chExt cx="0" cy="0"/>
+        </a:xfrm>
+      </p:grpSpPr>
+      <p:sp>
+        <p:nvSpPr>
+          <p:cNvPr id="2" name="Titre 1"/>
+          <p:cNvSpPr>
+            <a:spLocks noGrp="1"/>
+          </p:cNvSpPr>
+          <p:nvPr>
+            <p:ph type="title"/>
+          </p:nvPr>
+        </p:nvSpPr>
+        <p:spPr/>
+        <p:txBody>
+          <a:bodyPr/>
+          <a:lstStyle/>
+          <a:p>
+            <a:r>
+              <a:rPr lang="fr-FR" b="1" u="sng" dirty="0" smtClean="0">
+                <a:solidFill>
+                  <a:srgbClr val="0070C0"/>
+                </a:solidFill>
+                <a:latin typeface="Times New Roman" pitchFamily="18" charset="0"/>
+                <a:cs typeface="Times New Roman" pitchFamily="18" charset="0"/>
+              </a:rPr>
+              <a:t>Titre</a:t>
+            </a:r>
+            <a:endParaRPr lang="fr-FR" dirty="0"/>
+          </a:p>
+        </p:txBody>
+      </p:sp>
+      <p:sp>
+        <p:nvSpPr>
+          <p:cNvPr id="3" name="Espace réservé du contenu 2"/>
+          <p:cNvSpPr>
+            <a:spLocks noGrp="1"/>
+          </p:cNvSpPr>
+          <p:nvPr>
+            <p:ph idx="1"/>
+          </p:nvPr>
+        </p:nvSpPr>
+        <p:spPr/>
+        <p:txBody>
+          <a:bodyPr/>
+          <a:lstStyle/>
+          <a:p>
+            <a:pPr marL="0" indent="0" algn="just">
+              <a:spcBef>
+                <a:spcPts val="0"/>
+              </a:spcBef>
+              <a:buNone/>
+            </a:pPr>
+            <a:r>
+              <a:rPr lang="fr-FR" dirty="0" smtClean="0"/>
+              <a:t>texte</a:t>
+            </a:r>
+            <a:endParaRPr lang="fr-FR" dirty="0"/>
+          </a:p>
+        </p:txBody>
+      </p:sp>
+    </p:spTree>
+    <p:extLst>
+      <p:ext uri="{BB962C8B-B14F-4D97-AF65-F5344CB8AC3E}">
+        <p14:creationId xmlns:p14="http://schemas.microsoft.com/office/powerpoint/2010/main" val="3116936156"/>
+      </p:ext>
+    </p:extLst>
+  </p:cSld>
+  <p:clrMapOvr>
+    <a:masterClrMapping/>
+  </p:clrMapOvr>
+  <p:timing>
+    <p:tnLst>
+      <p:par>
+        <p:cTn id="1" dur="indefinite" restart="never" nodeType="tmRoot"/>
+      </p:par>
+    </p:tnLst>
+  </p:timing>
+</p:sld>
+</file>
+
+<file path=ppt/slides/slide11.xml><?xml version="1.0" encoding="utf-8"?>
+<p:sld xmlns:a="http://schemas.openxmlformats.org/drawingml/2006/main" xmlns:r="http://schemas.openxmlformats.org/officeDocument/2006/relationships" xmlns:p="http://schemas.openxmlformats.org/presentationml/2006/main">
+  <p:cSld>
+    <p:spTree>
+      <p:nvGrpSpPr>
+        <p:cNvPr id="1" name=""/>
+        <p:cNvGrpSpPr/>
+        <p:nvPr/>
+      </p:nvGrpSpPr>
+      <p:grpSpPr>
+        <a:xfrm>
+          <a:off x="0" y="0"/>
+          <a:ext cx="0" cy="0"/>
+          <a:chOff x="0" y="0"/>
+          <a:chExt cx="0" cy="0"/>
+        </a:xfrm>
+      </p:grpSpPr>
+      <p:sp>
+        <p:nvSpPr>
+          <p:cNvPr id="2" name="Titre 1"/>
+          <p:cNvSpPr>
+            <a:spLocks noGrp="1"/>
+          </p:cNvSpPr>
+          <p:nvPr>
+            <p:ph type="title"/>
+          </p:nvPr>
+        </p:nvSpPr>
+        <p:spPr/>
+        <p:txBody>
+          <a:bodyPr/>
+          <a:lstStyle/>
+          <a:p>
+            <a:r>
+              <a:rPr lang="fr-FR" b="1" u="sng" dirty="0" smtClean="0">
+                <a:solidFill>
+                  <a:srgbClr val="0070C0"/>
+                </a:solidFill>
+                <a:latin typeface="Times New Roman" pitchFamily="18" charset="0"/>
+                <a:cs typeface="Times New Roman" pitchFamily="18" charset="0"/>
+              </a:rPr>
+              <a:t>Conclusion</a:t>
+            </a:r>
+            <a:endParaRPr lang="fr-FR" b="1" u="sng" dirty="0">
+              <a:solidFill>
+                <a:srgbClr val="0070C0"/>
+              </a:solidFill>
+              <a:latin typeface="Times New Roman" pitchFamily="18" charset="0"/>
+              <a:cs typeface="Times New Roman" pitchFamily="18" charset="0"/>
+            </a:endParaRPr>
+          </a:p>
+        </p:txBody>
+      </p:sp>
+      <p:sp>
+        <p:nvSpPr>
+          <p:cNvPr id="3" name="Espace réservé du contenu 2"/>
+          <p:cNvSpPr>
+            <a:spLocks noGrp="1"/>
+          </p:cNvSpPr>
+          <p:nvPr>
+            <p:ph idx="1"/>
+          </p:nvPr>
+        </p:nvSpPr>
+        <p:spPr/>
+        <p:txBody>
+          <a:bodyPr>
+            <a:normAutofit/>
+          </a:bodyPr>
+          <a:lstStyle/>
+          <a:p>
+            <a:pPr marL="0" indent="0" algn="just">
+              <a:spcBef>
+                <a:spcPts val="0"/>
+              </a:spcBef>
+              <a:buNone/>
+            </a:pPr>
+            <a:endParaRPr lang="fr-FR" dirty="0" smtClean="0"/>
+          </a:p>
+        </p:txBody>
+      </p:sp>
     </p:spTree>
   </p:cSld>
   <p:clrMapOvr>
@@ -4311,32 +5813,208 @@
             <p:ph type="title"/>
           </p:nvPr>
         </p:nvSpPr>
-        <p:spPr/>
+        <p:spPr>
+          <a:xfrm>
+            <a:off x="467544" y="332656"/>
+            <a:ext cx="8229600" cy="1143000"/>
+          </a:xfrm>
+        </p:spPr>
         <p:txBody>
           <a:bodyPr/>
           <a:lstStyle/>
           <a:p>
             <a:r>
-              <a:rPr lang="fr-FR" b="1" u="sng" dirty="0" smtClean="0">
+              <a:rPr lang="fr-FR" b="1" u="sng" dirty="0" err="1">
                 <a:solidFill>
                   <a:srgbClr val="0070C0"/>
                 </a:solidFill>
                 <a:latin typeface="Times New Roman" pitchFamily="18" charset="0"/>
                 <a:cs typeface="Times New Roman" pitchFamily="18" charset="0"/>
               </a:rPr>
-              <a:t>XXX</a:t>
-            </a:r>
-            <a:endParaRPr lang="fr-FR" b="1" u="sng" dirty="0">
+              <a:t>Subject</a:t>
+            </a:r>
+            <a:endParaRPr lang="fr-FR" dirty="0"/>
+          </a:p>
+        </p:txBody>
+      </p:sp>
+      <p:sp>
+        <p:nvSpPr>
+          <p:cNvPr id="3" name="Espace réservé du contenu 2"/>
+          <p:cNvSpPr>
+            <a:spLocks noGrp="1"/>
+          </p:cNvSpPr>
+          <p:nvPr>
+            <p:ph idx="1"/>
+          </p:nvPr>
+        </p:nvSpPr>
+        <p:spPr/>
+        <p:txBody>
+          <a:bodyPr/>
+          <a:lstStyle/>
+          <a:p>
+            <a:pPr marL="0" indent="0" algn="just">
+              <a:spcBef>
+                <a:spcPts val="0"/>
+              </a:spcBef>
+              <a:buNone/>
+            </a:pPr>
+            <a:endParaRPr lang="en-US" dirty="0" smtClean="0"/>
+          </a:p>
+          <a:p>
+            <a:pPr marL="0" indent="0" algn="just">
+              <a:spcBef>
+                <a:spcPts val="0"/>
+              </a:spcBef>
+              <a:buNone/>
+            </a:pPr>
+            <a:r>
+              <a:rPr lang="en-US" dirty="0" smtClean="0"/>
+              <a:t>Contribution to </a:t>
+            </a:r>
+            <a:r>
+              <a:rPr lang="en-US" dirty="0"/>
+              <a:t>CAD assembly reconstruction from 3D laser </a:t>
+            </a:r>
+            <a:r>
+              <a:rPr lang="en-US" dirty="0" smtClean="0"/>
+              <a:t>scanning</a:t>
+            </a:r>
+            <a:endParaRPr lang="fr-FR" dirty="0"/>
+          </a:p>
+          <a:p>
+            <a:pPr marL="0" indent="0" algn="just">
+              <a:spcBef>
+                <a:spcPts val="0"/>
+              </a:spcBef>
+              <a:buNone/>
+            </a:pPr>
+            <a:endParaRPr lang="fr-FR" dirty="0"/>
+          </a:p>
+          <a:p>
+            <a:pPr marL="0" indent="0" algn="just">
+              <a:spcBef>
+                <a:spcPts val="0"/>
+              </a:spcBef>
+              <a:buNone/>
+            </a:pPr>
+            <a:r>
+              <a:rPr lang="en-US" dirty="0" smtClean="0"/>
+              <a:t>Manual</a:t>
+            </a:r>
+            <a:r>
+              <a:rPr lang="fr-FR" dirty="0" smtClean="0"/>
+              <a:t> scan </a:t>
+            </a:r>
+            <a:r>
+              <a:rPr lang="en-US" dirty="0" smtClean="0"/>
+              <a:t>done</a:t>
+            </a:r>
+            <a:r>
+              <a:rPr lang="fr-FR" dirty="0" smtClean="0"/>
+              <a:t> by EDF</a:t>
+            </a:r>
+          </a:p>
+          <a:p>
+            <a:pPr marL="0" indent="0" algn="just">
+              <a:spcBef>
+                <a:spcPts val="0"/>
+              </a:spcBef>
+              <a:buNone/>
+            </a:pPr>
+            <a:r>
+              <a:rPr lang="fr-FR" dirty="0" smtClean="0"/>
+              <a:t>Point </a:t>
+            </a:r>
+            <a:r>
+              <a:rPr lang="fr-FR" dirty="0" err="1" smtClean="0"/>
+              <a:t>cloud</a:t>
+            </a:r>
+            <a:r>
+              <a:rPr lang="fr-FR" dirty="0" smtClean="0"/>
+              <a:t> to </a:t>
+            </a:r>
+            <a:r>
+              <a:rPr lang="fr-FR" dirty="0" err="1" smtClean="0"/>
+              <a:t>clear</a:t>
+            </a:r>
+            <a:r>
+              <a:rPr lang="fr-FR" dirty="0" smtClean="0"/>
+              <a:t> </a:t>
+            </a:r>
+            <a:r>
+              <a:rPr lang="fr-FR" dirty="0" err="1" smtClean="0"/>
+              <a:t>before</a:t>
+            </a:r>
+            <a:r>
+              <a:rPr lang="fr-FR" dirty="0" smtClean="0"/>
+              <a:t> manipulation</a:t>
+            </a:r>
+          </a:p>
+          <a:p>
+            <a:pPr marL="0" indent="0" algn="just">
+              <a:spcBef>
+                <a:spcPts val="0"/>
+              </a:spcBef>
+              <a:buNone/>
+            </a:pPr>
+            <a:endParaRPr lang="fr-FR" dirty="0"/>
+          </a:p>
+          <a:p>
+            <a:pPr marL="0" indent="0" algn="just">
+              <a:spcBef>
+                <a:spcPts val="0"/>
+              </a:spcBef>
+              <a:buNone/>
+            </a:pPr>
+            <a:r>
+              <a:rPr lang="fr-FR" dirty="0">
+                <a:solidFill>
+                  <a:srgbClr val="FF0000"/>
+                </a:solidFill>
+              </a:rPr>
+              <a:t>A faire </a:t>
+            </a:r>
+            <a:r>
+              <a:rPr lang="fr-FR" dirty="0">
+                <a:solidFill>
+                  <a:srgbClr val="FF0000"/>
+                </a:solidFill>
+                <a:sym typeface="Wingdings" pitchFamily="2" charset="2"/>
+              </a:rPr>
+              <a:t> rajouter une image du nuage de points</a:t>
+            </a:r>
+            <a:endParaRPr lang="fr-FR" dirty="0">
               <a:solidFill>
-                <a:srgbClr val="0070C0"/>
+                <a:srgbClr val="FF0000"/>
               </a:solidFill>
-              <a:latin typeface="Times New Roman" pitchFamily="18" charset="0"/>
-              <a:cs typeface="Times New Roman" pitchFamily="18" charset="0"/>
             </a:endParaRPr>
           </a:p>
+          <a:p>
+            <a:pPr marL="0" indent="0" algn="just">
+              <a:spcBef>
+                <a:spcPts val="0"/>
+              </a:spcBef>
+              <a:buNone/>
+            </a:pPr>
+            <a:endParaRPr lang="fr-FR" dirty="0" smtClean="0"/>
+          </a:p>
+          <a:p>
+            <a:pPr marL="0" indent="0" algn="just">
+              <a:spcBef>
+                <a:spcPts val="0"/>
+              </a:spcBef>
+              <a:buNone/>
+            </a:pPr>
+            <a:endParaRPr lang="en-US" dirty="0" smtClean="0"/>
+          </a:p>
         </p:txBody>
       </p:sp>
     </p:spTree>
+    <p:extLst>
+      <p:ext uri="{BB962C8B-B14F-4D97-AF65-F5344CB8AC3E}">
+        <p14:creationId xmlns:p14="http://schemas.microsoft.com/office/powerpoint/2010/main" val="3909680258"/>
+      </p:ext>
+    </p:extLst>
   </p:cSld>
   <p:clrMapOvr>
     <a:masterClrMapping/>
@@ -4391,15 +6069,9 @@
                 <a:latin typeface="Times New Roman" pitchFamily="18" charset="0"/>
                 <a:cs typeface="Times New Roman" pitchFamily="18" charset="0"/>
               </a:rPr>
-              <a:t>Conclusion</a:t>
-            </a:r>
-            <a:endParaRPr lang="fr-FR" b="1" u="sng" dirty="0">
-              <a:solidFill>
-                <a:srgbClr val="0070C0"/>
-              </a:solidFill>
-              <a:latin typeface="Times New Roman" pitchFamily="18" charset="0"/>
-              <a:cs typeface="Times New Roman" pitchFamily="18" charset="0"/>
-            </a:endParaRPr>
+              <a:t>Objectifs</a:t>
+            </a:r>
+            <a:endParaRPr lang="fr-FR" dirty="0"/>
           </a:p>
         </p:txBody>
       </p:sp>
@@ -4415,9 +6087,7 @@
         </p:nvSpPr>
         <p:spPr/>
         <p:txBody>
-          <a:bodyPr>
-            <a:normAutofit/>
-          </a:bodyPr>
+          <a:bodyPr/>
           <a:lstStyle/>
           <a:p>
             <a:pPr marL="0" indent="0" algn="just">
@@ -4428,9 +6098,1062 @@
             </a:pPr>
             <a:endParaRPr lang="fr-FR" dirty="0" smtClean="0"/>
           </a:p>
-        </p:txBody>
-      </p:sp>
+          <a:p>
+            <a:pPr marL="0" indent="0" algn="just">
+              <a:spcBef>
+                <a:spcPts val="0"/>
+              </a:spcBef>
+              <a:buNone/>
+            </a:pPr>
+            <a:r>
+              <a:rPr lang="fr-FR" dirty="0" smtClean="0"/>
+              <a:t>Final objectif : </a:t>
+            </a:r>
+            <a:r>
+              <a:rPr lang="fr-FR" dirty="0" err="1" smtClean="0"/>
+              <a:t>implement</a:t>
+            </a:r>
+            <a:r>
+              <a:rPr lang="fr-FR" dirty="0" smtClean="0"/>
+              <a:t> a </a:t>
+            </a:r>
+            <a:r>
+              <a:rPr lang="fr-FR" dirty="0" err="1" smtClean="0"/>
+              <a:t>method</a:t>
+            </a:r>
+            <a:r>
+              <a:rPr lang="fr-FR" dirty="0" smtClean="0"/>
+              <a:t> to segment a point </a:t>
+            </a:r>
+            <a:r>
+              <a:rPr lang="fr-FR" dirty="0" err="1" smtClean="0"/>
+              <a:t>cloud</a:t>
+            </a:r>
+            <a:endParaRPr lang="fr-FR" dirty="0" smtClean="0"/>
+          </a:p>
+          <a:p>
+            <a:pPr marL="0" indent="0" algn="just">
+              <a:spcBef>
+                <a:spcPts val="0"/>
+              </a:spcBef>
+              <a:buNone/>
+            </a:pPr>
+            <a:endParaRPr lang="fr-FR" dirty="0" smtClean="0"/>
+          </a:p>
+          <a:p>
+            <a:pPr marL="0" indent="0" algn="just">
+              <a:spcBef>
+                <a:spcPts val="0"/>
+              </a:spcBef>
+              <a:buNone/>
+            </a:pPr>
+            <a:r>
+              <a:rPr lang="fr-FR" dirty="0" smtClean="0"/>
+              <a:t>Principal software </a:t>
+            </a:r>
+            <a:r>
+              <a:rPr lang="fr-FR" dirty="0" err="1" smtClean="0"/>
+              <a:t>used</a:t>
+            </a:r>
+            <a:r>
+              <a:rPr lang="fr-FR" dirty="0" smtClean="0"/>
+              <a:t> : </a:t>
+            </a:r>
+            <a:r>
+              <a:rPr lang="fr-FR" dirty="0" err="1" smtClean="0"/>
+              <a:t>CloudCompare</a:t>
+            </a:r>
+            <a:endParaRPr lang="fr-FR" dirty="0" smtClean="0"/>
+          </a:p>
+          <a:p>
+            <a:pPr marL="0" indent="0" algn="just">
+              <a:spcBef>
+                <a:spcPts val="0"/>
+              </a:spcBef>
+              <a:buNone/>
+            </a:pPr>
+            <a:r>
+              <a:rPr lang="fr-FR" dirty="0" smtClean="0"/>
+              <a:t>	- </a:t>
+            </a:r>
+            <a:r>
+              <a:rPr lang="fr-FR" dirty="0" err="1" smtClean="0"/>
+              <a:t>write</a:t>
+            </a:r>
+            <a:r>
+              <a:rPr lang="fr-FR" dirty="0" smtClean="0"/>
+              <a:t> a plugin</a:t>
+            </a:r>
+          </a:p>
+        </p:txBody>
+      </p:sp>
+      <p:pic>
+        <p:nvPicPr>
+          <p:cNvPr id="1026" name="Picture 2" descr="http://www.danielgm.net/cc/images/snapshot2_small.jpg"/>
+          <p:cNvPicPr>
+            <a:picLocks noChangeAspect="1" noChangeArrowheads="1"/>
+          </p:cNvPicPr>
+          <p:nvPr/>
+        </p:nvPicPr>
+        <p:blipFill>
+          <a:blip r:embed="rId3">
+            <a:extLst>
+              <a:ext uri="{28A0092B-C50C-407E-A947-70E740481C1C}">
+                <a14:useLocalDpi xmlns:a14="http://schemas.microsoft.com/office/drawing/2010/main" val="0"/>
+              </a:ext>
+            </a:extLst>
+          </a:blip>
+          <a:srcRect/>
+          <a:stretch>
+            <a:fillRect/>
+          </a:stretch>
+        </p:blipFill>
+        <p:spPr bwMode="auto">
+          <a:xfrm>
+            <a:off x="6084168" y="4293096"/>
+            <a:ext cx="2567806" cy="1992264"/>
+          </a:xfrm>
+          <a:prstGeom prst="rect">
+            <a:avLst/>
+          </a:prstGeom>
+          <a:noFill/>
+          <a:extLst>
+            <a:ext uri="{909E8E84-426E-40DD-AFC4-6F175D3DCCD1}">
+              <a14:hiddenFill xmlns:a14="http://schemas.microsoft.com/office/drawing/2010/main">
+                <a:solidFill>
+                  <a:srgbClr val="FFFFFF"/>
+                </a:solidFill>
+              </a14:hiddenFill>
+            </a:ext>
+          </a:extLst>
+        </p:spPr>
+      </p:pic>
     </p:spTree>
+    <p:extLst>
+      <p:ext uri="{BB962C8B-B14F-4D97-AF65-F5344CB8AC3E}">
+        <p14:creationId xmlns:p14="http://schemas.microsoft.com/office/powerpoint/2010/main" val="288777318"/>
+      </p:ext>
+    </p:extLst>
+  </p:cSld>
+  <p:clrMapOvr>
+    <a:masterClrMapping/>
+  </p:clrMapOvr>
+  <p:timing>
+    <p:tnLst>
+      <p:par>
+        <p:cTn id="1" dur="indefinite" restart="never" nodeType="tmRoot"/>
+      </p:par>
+    </p:tnLst>
+  </p:timing>
+</p:sld>
+</file>
+
+<file path=ppt/slides/slide6.xml><?xml version="1.0" encoding="utf-8"?>
+<p:sld xmlns:a="http://schemas.openxmlformats.org/drawingml/2006/main" xmlns:r="http://schemas.openxmlformats.org/officeDocument/2006/relationships" xmlns:p="http://schemas.openxmlformats.org/presentationml/2006/main">
+  <p:cSld>
+    <p:spTree>
+      <p:nvGrpSpPr>
+        <p:cNvPr id="1" name=""/>
+        <p:cNvGrpSpPr/>
+        <p:nvPr/>
+      </p:nvGrpSpPr>
+      <p:grpSpPr>
+        <a:xfrm>
+          <a:off x="0" y="0"/>
+          <a:ext cx="0" cy="0"/>
+          <a:chOff x="0" y="0"/>
+          <a:chExt cx="0" cy="0"/>
+        </a:xfrm>
+      </p:grpSpPr>
+      <p:sp>
+        <p:nvSpPr>
+          <p:cNvPr id="2" name="Titre 1"/>
+          <p:cNvSpPr>
+            <a:spLocks noGrp="1"/>
+          </p:cNvSpPr>
+          <p:nvPr>
+            <p:ph type="title"/>
+          </p:nvPr>
+        </p:nvSpPr>
+        <p:spPr/>
+        <p:txBody>
+          <a:bodyPr/>
+          <a:lstStyle/>
+          <a:p>
+            <a:r>
+              <a:rPr lang="fr-FR" b="1" u="sng" dirty="0" smtClean="0">
+                <a:solidFill>
+                  <a:srgbClr val="0070C0"/>
+                </a:solidFill>
+                <a:latin typeface="Times New Roman" pitchFamily="18" charset="0"/>
+                <a:cs typeface="Times New Roman" pitchFamily="18" charset="0"/>
+              </a:rPr>
+              <a:t>People </a:t>
+            </a:r>
+            <a:r>
+              <a:rPr lang="fr-FR" b="1" u="sng" dirty="0" err="1" smtClean="0">
+                <a:solidFill>
+                  <a:srgbClr val="0070C0"/>
+                </a:solidFill>
+                <a:latin typeface="Times New Roman" pitchFamily="18" charset="0"/>
+                <a:cs typeface="Times New Roman" pitchFamily="18" charset="0"/>
+              </a:rPr>
+              <a:t>concerned</a:t>
+            </a:r>
+            <a:endParaRPr lang="fr-FR" dirty="0"/>
+          </a:p>
+        </p:txBody>
+      </p:sp>
+      <p:sp>
+        <p:nvSpPr>
+          <p:cNvPr id="3" name="Espace réservé du contenu 2"/>
+          <p:cNvSpPr>
+            <a:spLocks noGrp="1"/>
+          </p:cNvSpPr>
+          <p:nvPr>
+            <p:ph idx="1"/>
+          </p:nvPr>
+        </p:nvSpPr>
+        <p:spPr>
+          <a:xfrm>
+            <a:off x="457200" y="1600200"/>
+            <a:ext cx="8229600" cy="4349080"/>
+          </a:xfrm>
+        </p:spPr>
+        <p:txBody>
+          <a:bodyPr>
+            <a:normAutofit fontScale="92500" lnSpcReduction="10000"/>
+          </a:bodyPr>
+          <a:lstStyle/>
+          <a:p>
+            <a:pPr marL="0" indent="0">
+              <a:spcBef>
+                <a:spcPts val="0"/>
+              </a:spcBef>
+              <a:buNone/>
+            </a:pPr>
+            <a:r>
+              <a:rPr lang="fr-FR" b="1" u="sng" dirty="0" err="1" smtClean="0"/>
+              <a:t>Tutor</a:t>
+            </a:r>
+            <a:r>
+              <a:rPr lang="fr-FR" b="1" u="sng" dirty="0" smtClean="0"/>
+              <a:t> :</a:t>
+            </a:r>
+          </a:p>
+          <a:p>
+            <a:pPr marL="0" indent="0">
+              <a:spcBef>
+                <a:spcPts val="0"/>
+              </a:spcBef>
+              <a:buNone/>
+            </a:pPr>
+            <a:r>
+              <a:rPr lang="fr-FR" dirty="0" smtClean="0"/>
+              <a:t>Didier Morel</a:t>
+            </a:r>
+            <a:endParaRPr lang="fr-FR" dirty="0"/>
+          </a:p>
+          <a:p>
+            <a:pPr marL="0" indent="0">
+              <a:spcBef>
+                <a:spcPts val="0"/>
+              </a:spcBef>
+            </a:pPr>
+            <a:endParaRPr lang="fr-FR" dirty="0" smtClean="0"/>
+          </a:p>
+          <a:p>
+            <a:pPr marL="0" indent="0">
+              <a:spcBef>
+                <a:spcPts val="0"/>
+              </a:spcBef>
+              <a:buNone/>
+            </a:pPr>
+            <a:r>
+              <a:rPr lang="fr-FR" b="1" u="sng" dirty="0" err="1" smtClean="0"/>
+              <a:t>Responsibles</a:t>
+            </a:r>
+            <a:r>
+              <a:rPr lang="fr-FR" b="1" u="sng" dirty="0" smtClean="0"/>
+              <a:t> :</a:t>
+            </a:r>
+          </a:p>
+          <a:p>
+            <a:pPr marL="0" indent="0">
+              <a:spcBef>
+                <a:spcPts val="0"/>
+              </a:spcBef>
+              <a:buNone/>
+            </a:pPr>
+            <a:r>
+              <a:rPr lang="fr-FR" dirty="0" smtClean="0"/>
+              <a:t>Pablo </a:t>
+            </a:r>
+            <a:r>
+              <a:rPr lang="fr-FR" dirty="0" err="1"/>
+              <a:t>Coves</a:t>
+            </a:r>
+            <a:r>
+              <a:rPr lang="fr-FR" dirty="0"/>
+              <a:t> - INRIA</a:t>
+            </a:r>
+          </a:p>
+          <a:p>
+            <a:pPr marL="0" indent="0">
+              <a:spcBef>
+                <a:spcPts val="0"/>
+              </a:spcBef>
+              <a:buNone/>
+            </a:pPr>
+            <a:r>
+              <a:rPr lang="fr-FR" dirty="0"/>
+              <a:t>Jean-Claude Léon - </a:t>
+            </a:r>
+            <a:r>
+              <a:rPr lang="fr-FR" dirty="0" smtClean="0"/>
+              <a:t>INRIA</a:t>
+            </a:r>
+            <a:endParaRPr lang="fr-FR" b="1" u="sng" dirty="0"/>
+          </a:p>
+          <a:p>
+            <a:pPr marL="0" indent="0">
+              <a:spcBef>
+                <a:spcPts val="0"/>
+              </a:spcBef>
+              <a:buNone/>
+            </a:pPr>
+            <a:endParaRPr lang="fr-FR" b="1" u="sng" dirty="0" smtClean="0"/>
+          </a:p>
+          <a:p>
+            <a:pPr marL="0" indent="0">
+              <a:spcBef>
+                <a:spcPts val="0"/>
+              </a:spcBef>
+              <a:buNone/>
+            </a:pPr>
+            <a:r>
+              <a:rPr lang="fr-FR" b="1" u="sng" dirty="0" err="1" smtClean="0"/>
+              <a:t>Students</a:t>
+            </a:r>
+            <a:r>
+              <a:rPr lang="fr-FR" b="1" u="sng" dirty="0" smtClean="0"/>
+              <a:t> :</a:t>
+            </a:r>
+          </a:p>
+          <a:p>
+            <a:pPr marL="0" indent="0">
+              <a:spcBef>
+                <a:spcPts val="0"/>
+              </a:spcBef>
+              <a:buNone/>
+            </a:pPr>
+            <a:r>
+              <a:rPr lang="fr-FR" dirty="0" smtClean="0"/>
+              <a:t>Henry Lefèvre </a:t>
+            </a:r>
+          </a:p>
+          <a:p>
+            <a:pPr marL="0" indent="0">
+              <a:spcBef>
+                <a:spcPts val="0"/>
+              </a:spcBef>
+              <a:buNone/>
+            </a:pPr>
+            <a:r>
+              <a:rPr lang="fr-FR" dirty="0" smtClean="0"/>
+              <a:t>Aymeric </a:t>
+            </a:r>
+            <a:r>
+              <a:rPr lang="fr-FR" dirty="0"/>
+              <a:t>Seguret</a:t>
+            </a:r>
+          </a:p>
+        </p:txBody>
+      </p:sp>
+      <p:sp>
+        <p:nvSpPr>
+          <p:cNvPr id="4" name="AutoShape 2" descr="https://upload.wikimedia.org/wikipedia/en/thumb/4/46/Becton_Dickinson-ColorLogo.svg/1280px-Becton_Dickinson-ColorLogo.svg.png"/>
+          <p:cNvSpPr>
+            <a:spLocks noChangeAspect="1" noChangeArrowheads="1"/>
+          </p:cNvSpPr>
+          <p:nvPr/>
+        </p:nvSpPr>
+        <p:spPr bwMode="auto">
+          <a:xfrm>
+            <a:off x="155575" y="-144463"/>
+            <a:ext cx="304800" cy="304801"/>
+          </a:xfrm>
+          <a:prstGeom prst="rect">
+            <a:avLst/>
+          </a:prstGeom>
+          <a:noFill/>
+          <a:extLst>
+            <a:ext uri="{909E8E84-426E-40DD-AFC4-6F175D3DCCD1}">
+              <a14:hiddenFill xmlns:a14="http://schemas.microsoft.com/office/drawing/2010/main">
+                <a:solidFill>
+                  <a:srgbClr val="FFFFFF"/>
+                </a:solidFill>
+              </a14:hiddenFill>
+            </a:ext>
+          </a:extLst>
+        </p:spPr>
+        <p:txBody>
+          <a:bodyPr vert="horz" wrap="square" lIns="91440" tIns="45720" rIns="91440" bIns="45720" numCol="1" anchor="t" anchorCtr="0" compatLnSpc="1">
+            <a:prstTxWarp prst="textNoShape">
+              <a:avLst/>
+            </a:prstTxWarp>
+          </a:bodyPr>
+          <a:lstStyle/>
+          <a:p>
+            <a:endParaRPr lang="fr-FR"/>
+          </a:p>
+        </p:txBody>
+      </p:sp>
+      <p:sp>
+        <p:nvSpPr>
+          <p:cNvPr id="5" name="AutoShape 4" descr="https://upload.wikimedia.org/wikipedia/en/thumb/4/46/Becton_Dickinson-ColorLogo.svg/1280px-Becton_Dickinson-ColorLogo.svg.png"/>
+          <p:cNvSpPr>
+            <a:spLocks noChangeAspect="1" noChangeArrowheads="1"/>
+          </p:cNvSpPr>
+          <p:nvPr/>
+        </p:nvSpPr>
+        <p:spPr bwMode="auto">
+          <a:xfrm>
+            <a:off x="307975" y="7937"/>
+            <a:ext cx="304800" cy="304801"/>
+          </a:xfrm>
+          <a:prstGeom prst="rect">
+            <a:avLst/>
+          </a:prstGeom>
+          <a:noFill/>
+          <a:extLst>
+            <a:ext uri="{909E8E84-426E-40DD-AFC4-6F175D3DCCD1}">
+              <a14:hiddenFill xmlns:a14="http://schemas.microsoft.com/office/drawing/2010/main">
+                <a:solidFill>
+                  <a:srgbClr val="FFFFFF"/>
+                </a:solidFill>
+              </a14:hiddenFill>
+            </a:ext>
+          </a:extLst>
+        </p:spPr>
+        <p:txBody>
+          <a:bodyPr vert="horz" wrap="square" lIns="91440" tIns="45720" rIns="91440" bIns="45720" numCol="1" anchor="t" anchorCtr="0" compatLnSpc="1">
+            <a:prstTxWarp prst="textNoShape">
+              <a:avLst/>
+            </a:prstTxWarp>
+          </a:bodyPr>
+          <a:lstStyle/>
+          <a:p>
+            <a:endParaRPr lang="fr-FR"/>
+          </a:p>
+        </p:txBody>
+      </p:sp>
+      <p:sp>
+        <p:nvSpPr>
+          <p:cNvPr id="6" name="AutoShape 6" descr="https://upload.wikimedia.org/wikipedia/en/thumb/4/46/Becton_Dickinson-ColorLogo.svg/1280px-Becton_Dickinson-ColorLogo.svg.png"/>
+          <p:cNvSpPr>
+            <a:spLocks noChangeAspect="1" noChangeArrowheads="1"/>
+          </p:cNvSpPr>
+          <p:nvPr/>
+        </p:nvSpPr>
+        <p:spPr bwMode="auto">
+          <a:xfrm>
+            <a:off x="460375" y="160337"/>
+            <a:ext cx="304800" cy="304801"/>
+          </a:xfrm>
+          <a:prstGeom prst="rect">
+            <a:avLst/>
+          </a:prstGeom>
+          <a:noFill/>
+          <a:extLst>
+            <a:ext uri="{909E8E84-426E-40DD-AFC4-6F175D3DCCD1}">
+              <a14:hiddenFill xmlns:a14="http://schemas.microsoft.com/office/drawing/2010/main">
+                <a:solidFill>
+                  <a:srgbClr val="FFFFFF"/>
+                </a:solidFill>
+              </a14:hiddenFill>
+            </a:ext>
+          </a:extLst>
+        </p:spPr>
+        <p:txBody>
+          <a:bodyPr vert="horz" wrap="square" lIns="91440" tIns="45720" rIns="91440" bIns="45720" numCol="1" anchor="t" anchorCtr="0" compatLnSpc="1">
+            <a:prstTxWarp prst="textNoShape">
+              <a:avLst/>
+            </a:prstTxWarp>
+          </a:bodyPr>
+          <a:lstStyle/>
+          <a:p>
+            <a:endParaRPr lang="fr-FR"/>
+          </a:p>
+        </p:txBody>
+      </p:sp>
+      <p:sp>
+        <p:nvSpPr>
+          <p:cNvPr id="7" name="AutoShape 8" descr="File:Becton Dickinson-ColorLogo.svg"/>
+          <p:cNvSpPr>
+            <a:spLocks noChangeAspect="1" noChangeArrowheads="1"/>
+          </p:cNvSpPr>
+          <p:nvPr/>
+        </p:nvSpPr>
+        <p:spPr bwMode="auto">
+          <a:xfrm>
+            <a:off x="155575" y="-457200"/>
+            <a:ext cx="2524125" cy="952500"/>
+          </a:xfrm>
+          <a:prstGeom prst="rect">
+            <a:avLst/>
+          </a:prstGeom>
+          <a:noFill/>
+          <a:extLst>
+            <a:ext uri="{909E8E84-426E-40DD-AFC4-6F175D3DCCD1}">
+              <a14:hiddenFill xmlns:a14="http://schemas.microsoft.com/office/drawing/2010/main">
+                <a:solidFill>
+                  <a:srgbClr val="FFFFFF"/>
+                </a:solidFill>
+              </a14:hiddenFill>
+            </a:ext>
+          </a:extLst>
+        </p:spPr>
+        <p:txBody>
+          <a:bodyPr vert="horz" wrap="square" lIns="91440" tIns="45720" rIns="91440" bIns="45720" numCol="1" anchor="t" anchorCtr="0" compatLnSpc="1">
+            <a:prstTxWarp prst="textNoShape">
+              <a:avLst/>
+            </a:prstTxWarp>
+          </a:bodyPr>
+          <a:lstStyle/>
+          <a:p>
+            <a:endParaRPr lang="fr-FR"/>
+          </a:p>
+        </p:txBody>
+      </p:sp>
+      <p:pic>
+        <p:nvPicPr>
+          <p:cNvPr id="2058" name="Picture 10" descr="http://www.lyonbiopole.com/eng/img/logo_adherent/59.jpg"/>
+          <p:cNvPicPr>
+            <a:picLocks noChangeAspect="1" noChangeArrowheads="1"/>
+          </p:cNvPicPr>
+          <p:nvPr/>
+        </p:nvPicPr>
+        <p:blipFill>
+          <a:blip r:embed="rId2">
+            <a:extLst>
+              <a:ext uri="{28A0092B-C50C-407E-A947-70E740481C1C}">
+                <a14:useLocalDpi xmlns:a14="http://schemas.microsoft.com/office/drawing/2010/main" val="0"/>
+              </a:ext>
+            </a:extLst>
+          </a:blip>
+          <a:srcRect/>
+          <a:stretch>
+            <a:fillRect/>
+          </a:stretch>
+        </p:blipFill>
+        <p:spPr bwMode="auto">
+          <a:xfrm>
+            <a:off x="5497159" y="1326387"/>
+            <a:ext cx="2645972" cy="1382533"/>
+          </a:xfrm>
+          <a:prstGeom prst="rect">
+            <a:avLst/>
+          </a:prstGeom>
+          <a:noFill/>
+          <a:extLst>
+            <a:ext uri="{909E8E84-426E-40DD-AFC4-6F175D3DCCD1}">
+              <a14:hiddenFill xmlns:a14="http://schemas.microsoft.com/office/drawing/2010/main">
+                <a:solidFill>
+                  <a:srgbClr val="FFFFFF"/>
+                </a:solidFill>
+              </a14:hiddenFill>
+            </a:ext>
+          </a:extLst>
+        </p:spPr>
+      </p:pic>
+      <p:pic>
+        <p:nvPicPr>
+          <p:cNvPr id="2060" name="Picture 12" descr="http://chercheurs.lille.inria.fr/~gdujardi/pictures/INRIA-SCIENTIFIQUE-FR-CMJN.jpg"/>
+          <p:cNvPicPr>
+            <a:picLocks noChangeAspect="1" noChangeArrowheads="1"/>
+          </p:cNvPicPr>
+          <p:nvPr/>
+        </p:nvPicPr>
+        <p:blipFill>
+          <a:blip r:embed="rId3">
+            <a:extLst>
+              <a:ext uri="{28A0092B-C50C-407E-A947-70E740481C1C}">
+                <a14:useLocalDpi xmlns:a14="http://schemas.microsoft.com/office/drawing/2010/main" val="0"/>
+              </a:ext>
+            </a:extLst>
+          </a:blip>
+          <a:srcRect/>
+          <a:stretch>
+            <a:fillRect/>
+          </a:stretch>
+        </p:blipFill>
+        <p:spPr bwMode="auto">
+          <a:xfrm>
+            <a:off x="5262807" y="3100722"/>
+            <a:ext cx="3114676" cy="1123951"/>
+          </a:xfrm>
+          <a:prstGeom prst="rect">
+            <a:avLst/>
+          </a:prstGeom>
+          <a:noFill/>
+          <a:extLst>
+            <a:ext uri="{909E8E84-426E-40DD-AFC4-6F175D3DCCD1}">
+              <a14:hiddenFill xmlns:a14="http://schemas.microsoft.com/office/drawing/2010/main">
+                <a:solidFill>
+                  <a:srgbClr val="FFFFFF"/>
+                </a:solidFill>
+              </a14:hiddenFill>
+            </a:ext>
+          </a:extLst>
+        </p:spPr>
+      </p:pic>
+      <p:pic>
+        <p:nvPicPr>
+          <p:cNvPr id="2062" name="Picture 14" descr="http://inf352.forge.imag.fr/logoUFRIM2AG.png"/>
+          <p:cNvPicPr>
+            <a:picLocks noChangeAspect="1" noChangeArrowheads="1"/>
+          </p:cNvPicPr>
+          <p:nvPr/>
+        </p:nvPicPr>
+        <p:blipFill>
+          <a:blip r:embed="rId4" cstate="print">
+            <a:extLst>
+              <a:ext uri="{28A0092B-C50C-407E-A947-70E740481C1C}">
+                <a14:useLocalDpi xmlns:a14="http://schemas.microsoft.com/office/drawing/2010/main" val="0"/>
+              </a:ext>
+            </a:extLst>
+          </a:blip>
+          <a:srcRect/>
+          <a:stretch>
+            <a:fillRect/>
+          </a:stretch>
+        </p:blipFill>
+        <p:spPr bwMode="auto">
+          <a:xfrm>
+            <a:off x="6135799" y="4509120"/>
+            <a:ext cx="1368692" cy="1581945"/>
+          </a:xfrm>
+          <a:prstGeom prst="rect">
+            <a:avLst/>
+          </a:prstGeom>
+          <a:noFill/>
+          <a:extLst>
+            <a:ext uri="{909E8E84-426E-40DD-AFC4-6F175D3DCCD1}">
+              <a14:hiddenFill xmlns:a14="http://schemas.microsoft.com/office/drawing/2010/main">
+                <a:solidFill>
+                  <a:srgbClr val="FFFFFF"/>
+                </a:solidFill>
+              </a14:hiddenFill>
+            </a:ext>
+          </a:extLst>
+        </p:spPr>
+      </p:pic>
+    </p:spTree>
+    <p:extLst>
+      <p:ext uri="{BB962C8B-B14F-4D97-AF65-F5344CB8AC3E}">
+        <p14:creationId xmlns:p14="http://schemas.microsoft.com/office/powerpoint/2010/main" val="3029881562"/>
+      </p:ext>
+    </p:extLst>
+  </p:cSld>
+  <p:clrMapOvr>
+    <a:masterClrMapping/>
+  </p:clrMapOvr>
+  <p:timing>
+    <p:tnLst>
+      <p:par>
+        <p:cTn id="1" dur="indefinite" restart="never" nodeType="tmRoot"/>
+      </p:par>
+    </p:tnLst>
+  </p:timing>
+</p:sld>
+</file>
+
+<file path=ppt/slides/slide7.xml><?xml version="1.0" encoding="utf-8"?>
+<p:sld xmlns:a="http://schemas.openxmlformats.org/drawingml/2006/main" xmlns:r="http://schemas.openxmlformats.org/officeDocument/2006/relationships" xmlns:p="http://schemas.openxmlformats.org/presentationml/2006/main">
+  <p:cSld>
+    <p:spTree>
+      <p:nvGrpSpPr>
+        <p:cNvPr id="1" name=""/>
+        <p:cNvGrpSpPr/>
+        <p:nvPr/>
+      </p:nvGrpSpPr>
+      <p:grpSpPr>
+        <a:xfrm>
+          <a:off x="0" y="0"/>
+          <a:ext cx="0" cy="0"/>
+          <a:chOff x="0" y="0"/>
+          <a:chExt cx="0" cy="0"/>
+        </a:xfrm>
+      </p:grpSpPr>
+      <p:sp>
+        <p:nvSpPr>
+          <p:cNvPr id="2" name="Titre 1"/>
+          <p:cNvSpPr>
+            <a:spLocks noGrp="1"/>
+          </p:cNvSpPr>
+          <p:nvPr>
+            <p:ph type="title"/>
+          </p:nvPr>
+        </p:nvSpPr>
+        <p:spPr/>
+        <p:txBody>
+          <a:bodyPr>
+            <a:normAutofit/>
+          </a:bodyPr>
+          <a:lstStyle/>
+          <a:p>
+            <a:r>
+              <a:rPr lang="fr-FR" b="1" u="sng" dirty="0" err="1" smtClean="0">
+                <a:solidFill>
+                  <a:srgbClr val="0070C0"/>
+                </a:solidFill>
+                <a:latin typeface="Times New Roman" pitchFamily="18" charset="0"/>
+                <a:cs typeface="Times New Roman" pitchFamily="18" charset="0"/>
+              </a:rPr>
+              <a:t>CloudCompare</a:t>
+            </a:r>
+            <a:endParaRPr lang="fr-FR" dirty="0"/>
+          </a:p>
+        </p:txBody>
+      </p:sp>
+      <p:sp>
+        <p:nvSpPr>
+          <p:cNvPr id="3" name="Espace réservé du contenu 2"/>
+          <p:cNvSpPr>
+            <a:spLocks noGrp="1"/>
+          </p:cNvSpPr>
+          <p:nvPr>
+            <p:ph idx="1"/>
+          </p:nvPr>
+        </p:nvSpPr>
+        <p:spPr/>
+        <p:txBody>
+          <a:bodyPr/>
+          <a:lstStyle/>
+          <a:p>
+            <a:pPr marL="0" indent="0" algn="just">
+              <a:spcBef>
+                <a:spcPts val="0"/>
+              </a:spcBef>
+              <a:buNone/>
+            </a:pPr>
+            <a:r>
+              <a:rPr lang="en-US" b="1" dirty="0" err="1"/>
+              <a:t>CloudCompare</a:t>
+            </a:r>
+            <a:r>
+              <a:rPr lang="en-US" dirty="0"/>
+              <a:t> is a 3D point cloud processing </a:t>
+            </a:r>
+            <a:r>
+              <a:rPr lang="en-US" dirty="0" smtClean="0"/>
+              <a:t>software (</a:t>
+            </a:r>
+            <a:r>
+              <a:rPr lang="en-US" dirty="0"/>
+              <a:t>such as those obtained with a laser scanner).</a:t>
+            </a:r>
+          </a:p>
+          <a:p>
+            <a:pPr marL="0" indent="0" algn="just">
+              <a:spcBef>
+                <a:spcPts val="0"/>
+              </a:spcBef>
+              <a:buNone/>
+            </a:pPr>
+            <a:endParaRPr lang="fr-FR" dirty="0" smtClean="0"/>
+          </a:p>
+          <a:p>
+            <a:pPr marL="0" indent="0" algn="just">
+              <a:spcBef>
+                <a:spcPts val="0"/>
+              </a:spcBef>
+              <a:buNone/>
+            </a:pPr>
+            <a:endParaRPr lang="fr-FR" dirty="0"/>
+          </a:p>
+          <a:p>
+            <a:pPr marL="0" indent="0" algn="just">
+              <a:spcBef>
+                <a:spcPts val="0"/>
+              </a:spcBef>
+              <a:buNone/>
+            </a:pPr>
+            <a:endParaRPr lang="fr-FR" dirty="0" smtClean="0"/>
+          </a:p>
+          <a:p>
+            <a:pPr marL="0" indent="0" algn="just">
+              <a:spcBef>
+                <a:spcPts val="0"/>
+              </a:spcBef>
+              <a:buNone/>
+            </a:pPr>
+            <a:r>
+              <a:rPr lang="fr-FR" dirty="0" smtClean="0">
+                <a:solidFill>
+                  <a:srgbClr val="FF0000"/>
+                </a:solidFill>
+              </a:rPr>
+              <a:t>Image de nuage de point (un des </a:t>
+            </a:r>
+            <a:r>
+              <a:rPr lang="fr-FR" dirty="0" err="1" smtClean="0">
+                <a:solidFill>
+                  <a:srgbClr val="FF0000"/>
+                </a:solidFill>
+              </a:rPr>
+              <a:t>notres</a:t>
+            </a:r>
+            <a:r>
+              <a:rPr lang="fr-FR" dirty="0" smtClean="0">
+                <a:solidFill>
+                  <a:srgbClr val="FF0000"/>
+                </a:solidFill>
+              </a:rPr>
+              <a:t>)</a:t>
+            </a:r>
+            <a:endParaRPr lang="fr-FR" dirty="0">
+              <a:solidFill>
+                <a:srgbClr val="FF0000"/>
+              </a:solidFill>
+            </a:endParaRPr>
+          </a:p>
+        </p:txBody>
+      </p:sp>
+      <p:sp>
+        <p:nvSpPr>
+          <p:cNvPr id="4" name="AutoShape 2" descr="CloudCompareV2 screenshot small.jpg"/>
+          <p:cNvSpPr>
+            <a:spLocks noChangeAspect="1" noChangeArrowheads="1"/>
+          </p:cNvSpPr>
+          <p:nvPr/>
+        </p:nvSpPr>
+        <p:spPr bwMode="auto">
+          <a:xfrm>
+            <a:off x="155575" y="-144463"/>
+            <a:ext cx="304800" cy="304801"/>
+          </a:xfrm>
+          <a:prstGeom prst="rect">
+            <a:avLst/>
+          </a:prstGeom>
+          <a:noFill/>
+          <a:extLst>
+            <a:ext uri="{909E8E84-426E-40DD-AFC4-6F175D3DCCD1}">
+              <a14:hiddenFill xmlns:a14="http://schemas.microsoft.com/office/drawing/2010/main">
+                <a:solidFill>
+                  <a:srgbClr val="FFFFFF"/>
+                </a:solidFill>
+              </a14:hiddenFill>
+            </a:ext>
+          </a:extLst>
+        </p:spPr>
+        <p:txBody>
+          <a:bodyPr vert="horz" wrap="square" lIns="91440" tIns="45720" rIns="91440" bIns="45720" numCol="1" anchor="t" anchorCtr="0" compatLnSpc="1">
+            <a:prstTxWarp prst="textNoShape">
+              <a:avLst/>
+            </a:prstTxWarp>
+          </a:bodyPr>
+          <a:lstStyle/>
+          <a:p>
+            <a:endParaRPr lang="fr-FR"/>
+          </a:p>
+        </p:txBody>
+      </p:sp>
+    </p:spTree>
+    <p:extLst>
+      <p:ext uri="{BB962C8B-B14F-4D97-AF65-F5344CB8AC3E}">
+        <p14:creationId xmlns:p14="http://schemas.microsoft.com/office/powerpoint/2010/main" val="107255165"/>
+      </p:ext>
+    </p:extLst>
+  </p:cSld>
+  <p:clrMapOvr>
+    <a:masterClrMapping/>
+  </p:clrMapOvr>
+  <p:timing>
+    <p:tnLst>
+      <p:par>
+        <p:cTn id="1" dur="indefinite" restart="never" nodeType="tmRoot"/>
+      </p:par>
+    </p:tnLst>
+  </p:timing>
+</p:sld>
+</file>
+
+<file path=ppt/slides/slide8.xml><?xml version="1.0" encoding="utf-8"?>
+<p:sld xmlns:a="http://schemas.openxmlformats.org/drawingml/2006/main" xmlns:r="http://schemas.openxmlformats.org/officeDocument/2006/relationships" xmlns:p="http://schemas.openxmlformats.org/presentationml/2006/main">
+  <p:cSld>
+    <p:spTree>
+      <p:nvGrpSpPr>
+        <p:cNvPr id="1" name=""/>
+        <p:cNvGrpSpPr/>
+        <p:nvPr/>
+      </p:nvGrpSpPr>
+      <p:grpSpPr>
+        <a:xfrm>
+          <a:off x="0" y="0"/>
+          <a:ext cx="0" cy="0"/>
+          <a:chOff x="0" y="0"/>
+          <a:chExt cx="0" cy="0"/>
+        </a:xfrm>
+      </p:grpSpPr>
+      <p:sp>
+        <p:nvSpPr>
+          <p:cNvPr id="2" name="Titre 1"/>
+          <p:cNvSpPr>
+            <a:spLocks noGrp="1"/>
+          </p:cNvSpPr>
+          <p:nvPr>
+            <p:ph type="title"/>
+          </p:nvPr>
+        </p:nvSpPr>
+        <p:spPr/>
+        <p:txBody>
+          <a:bodyPr>
+            <a:normAutofit/>
+          </a:bodyPr>
+          <a:lstStyle/>
+          <a:p>
+            <a:r>
+              <a:rPr lang="fr-FR" b="1" u="sng" dirty="0" err="1" smtClean="0">
+                <a:solidFill>
+                  <a:srgbClr val="0070C0"/>
+                </a:solidFill>
+                <a:latin typeface="Times New Roman" pitchFamily="18" charset="0"/>
+                <a:cs typeface="Times New Roman" pitchFamily="18" charset="0"/>
+              </a:rPr>
+              <a:t>Requirements</a:t>
+            </a:r>
+            <a:endParaRPr lang="fr-FR" dirty="0"/>
+          </a:p>
+        </p:txBody>
+      </p:sp>
+      <p:sp>
+        <p:nvSpPr>
+          <p:cNvPr id="3" name="Espace réservé du contenu 2"/>
+          <p:cNvSpPr>
+            <a:spLocks noGrp="1"/>
+          </p:cNvSpPr>
+          <p:nvPr>
+            <p:ph idx="1"/>
+          </p:nvPr>
+        </p:nvSpPr>
+        <p:spPr/>
+        <p:txBody>
+          <a:bodyPr/>
+          <a:lstStyle/>
+          <a:p>
+            <a:pPr marL="0" indent="0" algn="just">
+              <a:spcBef>
+                <a:spcPts val="0"/>
+              </a:spcBef>
+              <a:buNone/>
+            </a:pPr>
+            <a:endParaRPr lang="fr-FR" dirty="0"/>
+          </a:p>
+        </p:txBody>
+      </p:sp>
+    </p:spTree>
+    <p:extLst>
+      <p:ext uri="{BB962C8B-B14F-4D97-AF65-F5344CB8AC3E}">
+        <p14:creationId xmlns:p14="http://schemas.microsoft.com/office/powerpoint/2010/main" val="1143918067"/>
+      </p:ext>
+    </p:extLst>
+  </p:cSld>
+  <p:clrMapOvr>
+    <a:masterClrMapping/>
+  </p:clrMapOvr>
+  <p:timing>
+    <p:tnLst>
+      <p:par>
+        <p:cTn id="1" dur="indefinite" restart="never" nodeType="tmRoot"/>
+      </p:par>
+    </p:tnLst>
+  </p:timing>
+</p:sld>
+</file>
+
+<file path=ppt/slides/slide9.xml><?xml version="1.0" encoding="utf-8"?>
+<p:sld xmlns:a="http://schemas.openxmlformats.org/drawingml/2006/main" xmlns:r="http://schemas.openxmlformats.org/officeDocument/2006/relationships" xmlns:p="http://schemas.openxmlformats.org/presentationml/2006/main">
+  <p:cSld>
+    <p:spTree>
+      <p:nvGrpSpPr>
+        <p:cNvPr id="1" name=""/>
+        <p:cNvGrpSpPr/>
+        <p:nvPr/>
+      </p:nvGrpSpPr>
+      <p:grpSpPr>
+        <a:xfrm>
+          <a:off x="0" y="0"/>
+          <a:ext cx="0" cy="0"/>
+          <a:chOff x="0" y="0"/>
+          <a:chExt cx="0" cy="0"/>
+        </a:xfrm>
+      </p:grpSpPr>
+      <p:sp>
+        <p:nvSpPr>
+          <p:cNvPr id="2" name="Titre 1"/>
+          <p:cNvSpPr>
+            <a:spLocks noGrp="1"/>
+          </p:cNvSpPr>
+          <p:nvPr>
+            <p:ph type="title"/>
+          </p:nvPr>
+        </p:nvSpPr>
+        <p:spPr/>
+        <p:txBody>
+          <a:bodyPr/>
+          <a:lstStyle/>
+          <a:p>
+            <a:r>
+              <a:rPr lang="fr-FR" b="1" u="sng" dirty="0" smtClean="0">
+                <a:solidFill>
+                  <a:srgbClr val="0070C0"/>
+                </a:solidFill>
+                <a:latin typeface="Times New Roman" pitchFamily="18" charset="0"/>
+                <a:cs typeface="Times New Roman" pitchFamily="18" charset="0"/>
+              </a:rPr>
+              <a:t>Titre</a:t>
+            </a:r>
+            <a:endParaRPr lang="fr-FR" dirty="0"/>
+          </a:p>
+        </p:txBody>
+      </p:sp>
+      <p:sp>
+        <p:nvSpPr>
+          <p:cNvPr id="3" name="Espace réservé du contenu 2"/>
+          <p:cNvSpPr>
+            <a:spLocks noGrp="1"/>
+          </p:cNvSpPr>
+          <p:nvPr>
+            <p:ph idx="1"/>
+          </p:nvPr>
+        </p:nvSpPr>
+        <p:spPr/>
+        <p:txBody>
+          <a:bodyPr/>
+          <a:lstStyle/>
+          <a:p>
+            <a:pPr marL="0" indent="0" algn="just">
+              <a:spcBef>
+                <a:spcPts val="0"/>
+              </a:spcBef>
+              <a:buNone/>
+            </a:pPr>
+            <a:r>
+              <a:rPr lang="fr-FR" dirty="0" smtClean="0"/>
+              <a:t>texte</a:t>
+            </a:r>
+            <a:endParaRPr lang="fr-FR" dirty="0"/>
+          </a:p>
+        </p:txBody>
+      </p:sp>
+    </p:spTree>
+    <p:extLst>
+      <p:ext uri="{BB962C8B-B14F-4D97-AF65-F5344CB8AC3E}">
+        <p14:creationId xmlns:p14="http://schemas.microsoft.com/office/powerpoint/2010/main" val="3780635001"/>
+      </p:ext>
+    </p:extLst>
   </p:cSld>
   <p:clrMapOvr>
     <a:masterClrMapping/>
@@ -4726,4 +7449,289 @@
   <a:objectDefaults/>
   <a:extraClrSchemeLst/>
 </a:theme>
+</file>
+
+<file path=ppt/theme/theme2.xml><?xml version="1.0" encoding="utf-8"?>
+<a:theme xmlns:a="http://schemas.openxmlformats.org/drawingml/2006/main" name="Thème Office">
+  <a:themeElements>
+    <a:clrScheme name="Office">
+      <a:dk1>
+        <a:sysClr val="windowText" lastClr="000000"/>
+      </a:dk1>
+      <a:lt1>
+        <a:sysClr val="window" lastClr="FFFFFF"/>
+      </a:lt1>
+      <a:dk2>
+        <a:srgbClr val="1F497D"/>
+      </a:dk2>
+      <a:lt2>
+        <a:srgbClr val="EEECE1"/>
+      </a:lt2>
+      <a:accent1>
+        <a:srgbClr val="4F81BD"/>
+      </a:accent1>
+      <a:accent2>
+        <a:srgbClr val="C0504D"/>
+      </a:accent2>
+      <a:accent3>
+        <a:srgbClr val="9BBB59"/>
+      </a:accent3>
+      <a:accent4>
+        <a:srgbClr val="8064A2"/>
+      </a:accent4>
+      <a:accent5>
+        <a:srgbClr val="4BACC6"/>
+      </a:accent5>
+      <a:accent6>
+        <a:srgbClr val="F79646"/>
+      </a:accent6>
+      <a:hlink>
+        <a:srgbClr val="0000FF"/>
+      </a:hlink>
+      <a:folHlink>
+        <a:srgbClr val="800080"/>
+      </a:folHlink>
+    </a:clrScheme>
+    <a:fontScheme name="Office">
+      <a:majorFont>
+        <a:latin typeface="Calibri"/>
+        <a:ea typeface=""/>
+        <a:cs typeface=""/>
+        <a:font script="Jpan" typeface="ＭＳ Ｐゴシック"/>
+        <a:font script="Hang" typeface="맑은 고딕"/>
+        <a:font script="Hans" typeface="宋体"/>
+        <a:font script="Hant" typeface="新細明體"/>
+        <a:font script="Arab" typeface="Times New Roman"/>
+        <a:font script="Hebr" typeface="Times New Roman"/>
+        <a:font script="Thai" typeface="Angsana New"/>
+        <a:font script="Ethi" typeface="Nyala"/>
+        <a:font script="Beng" typeface="Vrinda"/>
+        <a:font script="Gujr" typeface="Shruti"/>
+        <a:font script="Khmr" typeface="MoolBoran"/>
+        <a:font script="Knda" typeface="Tunga"/>
+        <a:font script="Guru" typeface="Raavi"/>
+        <a:font script="Cans" typeface="Euphemia"/>
+        <a:font script="Cher" typeface="Plantagenet Cherokee"/>
+        <a:font script="Yiii" typeface="Microsoft Yi Baiti"/>
+        <a:font script="Tibt" typeface="Microsoft Himalaya"/>
+        <a:font script="Thaa" typeface="MV Boli"/>
+        <a:font script="Deva" typeface="Mangal"/>
+        <a:font script="Telu" typeface="Gautami"/>
+        <a:font script="Taml" typeface="Latha"/>
+        <a:font script="Syrc" typeface="Estrangelo Edessa"/>
+        <a:font script="Orya" typeface="Kalinga"/>
+        <a:font script="Mlym" typeface="Kartika"/>
+        <a:font script="Laoo" typeface="DokChampa"/>
+        <a:font script="Sinh" typeface="Iskoola Pota"/>
+        <a:font script="Mong" typeface="Mongolian Baiti"/>
+        <a:font script="Viet" typeface="Times New Roman"/>
+        <a:font script="Uigh" typeface="Microsoft Uighur"/>
+        <a:font script="Geor" typeface="Sylfaen"/>
+      </a:majorFont>
+      <a:minorFont>
+        <a:latin typeface="Calibri"/>
+        <a:ea typeface=""/>
+        <a:cs typeface=""/>
+        <a:font script="Jpan" typeface="ＭＳ Ｐゴシック"/>
+        <a:font script="Hang" typeface="맑은 고딕"/>
+        <a:font script="Hans" typeface="宋体"/>
+        <a:font script="Hant" typeface="新細明體"/>
+        <a:font script="Arab" typeface="Arial"/>
+        <a:font script="Hebr" typeface="Arial"/>
+        <a:font script="Thai" typeface="Cordia New"/>
+        <a:font script="Ethi" typeface="Nyala"/>
+        <a:font script="Beng" typeface="Vrinda"/>
+        <a:font script="Gujr" typeface="Shruti"/>
+        <a:font script="Khmr" typeface="DaunPenh"/>
+        <a:font script="Knda" typeface="Tunga"/>
+        <a:font script="Guru" typeface="Raavi"/>
+        <a:font script="Cans" typeface="Euphemia"/>
+        <a:font script="Cher" typeface="Plantagenet Cherokee"/>
+        <a:font script="Yiii" typeface="Microsoft Yi Baiti"/>
+        <a:font script="Tibt" typeface="Microsoft Himalaya"/>
+        <a:font script="Thaa" typeface="MV Boli"/>
+        <a:font script="Deva" typeface="Mangal"/>
+        <a:font script="Telu" typeface="Gautami"/>
+        <a:font script="Taml" typeface="Latha"/>
+        <a:font script="Syrc" typeface="Estrangelo Edessa"/>
+        <a:font script="Orya" typeface="Kalinga"/>
+        <a:font script="Mlym" typeface="Kartika"/>
+        <a:font script="Laoo" typeface="DokChampa"/>
+        <a:font script="Sinh" typeface="Iskoola Pota"/>
+        <a:font script="Mong" typeface="Mongolian Baiti"/>
+        <a:font script="Viet" typeface="Arial"/>
+        <a:font script="Uigh" typeface="Microsoft Uighur"/>
+        <a:font script="Geor" typeface="Sylfaen"/>
+      </a:minorFont>
+    </a:fontScheme>
+    <a:fmtScheme name="Office">
+      <a:fillStyleLst>
+        <a:solidFill>
+          <a:schemeClr val="phClr"/>
+        </a:solidFill>
+        <a:gradFill rotWithShape="1">
+          <a:gsLst>
+            <a:gs pos="0">
+              <a:schemeClr val="phClr">
+                <a:tint val="50000"/>
+                <a:satMod val="300000"/>
+              </a:schemeClr>
+            </a:gs>
+            <a:gs pos="35000">
+              <a:schemeClr val="phClr">
+                <a:tint val="37000"/>
+                <a:satMod val="300000"/>
+              </a:schemeClr>
+            </a:gs>
+            <a:gs pos="100000">
+              <a:schemeClr val="phClr">
+                <a:tint val="15000"/>
+                <a:satMod val="350000"/>
+              </a:schemeClr>
+            </a:gs>
+          </a:gsLst>
+          <a:lin ang="16200000" scaled="1"/>
+        </a:gradFill>
+        <a:gradFill rotWithShape="1">
+          <a:gsLst>
+            <a:gs pos="0">
+              <a:schemeClr val="phClr">
+                <a:shade val="51000"/>
+                <a:satMod val="130000"/>
+              </a:schemeClr>
+            </a:gs>
+            <a:gs pos="80000">
+              <a:schemeClr val="phClr">
+                <a:shade val="93000"/>
+                <a:satMod val="130000"/>
+              </a:schemeClr>
+            </a:gs>
+            <a:gs pos="100000">
+              <a:schemeClr val="phClr">
+                <a:shade val="94000"/>
+                <a:satMod val="135000"/>
+              </a:schemeClr>
+            </a:gs>
+          </a:gsLst>
+          <a:lin ang="16200000" scaled="0"/>
+        </a:gradFill>
+      </a:fillStyleLst>
+      <a:lnStyleLst>
+        <a:ln w="9525" cap="flat" cmpd="sng" algn="ctr">
+          <a:solidFill>
+            <a:schemeClr val="phClr">
+              <a:shade val="95000"/>
+              <a:satMod val="105000"/>
+            </a:schemeClr>
+          </a:solidFill>
+          <a:prstDash val="solid"/>
+        </a:ln>
+        <a:ln w="25400" cap="flat" cmpd="sng" algn="ctr">
+          <a:solidFill>
+            <a:schemeClr val="phClr"/>
+          </a:solidFill>
+          <a:prstDash val="solid"/>
+        </a:ln>
+        <a:ln w="38100" cap="flat" cmpd="sng" algn="ctr">
+          <a:solidFill>
+            <a:schemeClr val="phClr"/>
+          </a:solidFill>
+          <a:prstDash val="solid"/>
+        </a:ln>
+      </a:lnStyleLst>
+      <a:effectStyleLst>
+        <a:effectStyle>
+          <a:effectLst>
+            <a:outerShdw blurRad="40000" dist="20000" dir="5400000" rotWithShape="0">
+              <a:srgbClr val="000000">
+                <a:alpha val="38000"/>
+              </a:srgbClr>
+            </a:outerShdw>
+          </a:effectLst>
+        </a:effectStyle>
+        <a:effectStyle>
+          <a:effectLst>
+            <a:outerShdw blurRad="40000" dist="23000" dir="5400000" rotWithShape="0">
+              <a:srgbClr val="000000">
+                <a:alpha val="35000"/>
+              </a:srgbClr>
+            </a:outerShdw>
+          </a:effectLst>
+        </a:effectStyle>
+        <a:effectStyle>
+          <a:effectLst>
+            <a:outerShdw blurRad="40000" dist="23000" dir="5400000" rotWithShape="0">
+              <a:srgbClr val="000000">
+                <a:alpha val="35000"/>
+              </a:srgbClr>
+            </a:outerShdw>
+          </a:effectLst>
+          <a:scene3d>
+            <a:camera prst="orthographicFront">
+              <a:rot lat="0" lon="0" rev="0"/>
+            </a:camera>
+            <a:lightRig rig="threePt" dir="t">
+              <a:rot lat="0" lon="0" rev="1200000"/>
+            </a:lightRig>
+          </a:scene3d>
+          <a:sp3d>
+            <a:bevelT w="63500" h="25400"/>
+          </a:sp3d>
+        </a:effectStyle>
+      </a:effectStyleLst>
+      <a:bgFillStyleLst>
+        <a:solidFill>
+          <a:schemeClr val="phClr"/>
+        </a:solidFill>
+        <a:gradFill rotWithShape="1">
+          <a:gsLst>
+            <a:gs pos="0">
+              <a:schemeClr val="phClr">
+                <a:tint val="40000"/>
+                <a:satMod val="350000"/>
+              </a:schemeClr>
+            </a:gs>
+            <a:gs pos="40000">
+              <a:schemeClr val="phClr">
+                <a:tint val="45000"/>
+                <a:shade val="99000"/>
+                <a:satMod val="350000"/>
+              </a:schemeClr>
+            </a:gs>
+            <a:gs pos="100000">
+              <a:schemeClr val="phClr">
+                <a:shade val="20000"/>
+                <a:satMod val="255000"/>
+              </a:schemeClr>
+            </a:gs>
+          </a:gsLst>
+          <a:path path="circle">
+            <a:fillToRect l="50000" t="-80000" r="50000" b="180000"/>
+          </a:path>
+        </a:gradFill>
+        <a:gradFill rotWithShape="1">
+          <a:gsLst>
+            <a:gs pos="0">
+              <a:schemeClr val="phClr">
+                <a:tint val="80000"/>
+                <a:satMod val="300000"/>
+              </a:schemeClr>
+            </a:gs>
+            <a:gs pos="100000">
+              <a:schemeClr val="phClr">
+                <a:shade val="30000"/>
+                <a:satMod val="200000"/>
+              </a:schemeClr>
+            </a:gs>
+          </a:gsLst>
+          <a:path path="circle">
+            <a:fillToRect l="50000" t="50000" r="50000" b="50000"/>
+          </a:path>
+        </a:gradFill>
+      </a:bgFillStyleLst>
+    </a:fmtScheme>
+  </a:themeElements>
+  <a:objectDefaults/>
+  <a:extraClrSchemeLst/>
+</a:theme>
 </file>
--- a/Projet/Presentation.pptx
+++ b/Projet/Presentation.pptx
@@ -4,12 +4,23 @@
   <p:sldMasterIdLst>
     <p:sldMasterId id="2147483648" r:id="rId1"/>
   </p:sldMasterIdLst>
+  <p:notesMasterIdLst>
+    <p:notesMasterId r:id="rId15"/>
+  </p:notesMasterIdLst>
   <p:sldIdLst>
     <p:sldId id="256" r:id="rId2"/>
     <p:sldId id="258" r:id="rId3"/>
     <p:sldId id="257" r:id="rId4"/>
-    <p:sldId id="259" r:id="rId5"/>
-    <p:sldId id="263" r:id="rId6"/>
+    <p:sldId id="264" r:id="rId5"/>
+    <p:sldId id="265" r:id="rId6"/>
+    <p:sldId id="266" r:id="rId7"/>
+    <p:sldId id="267" r:id="rId8"/>
+    <p:sldId id="270" r:id="rId9"/>
+    <p:sldId id="268" r:id="rId10"/>
+    <p:sldId id="269" r:id="rId11"/>
+    <p:sldId id="273" r:id="rId12"/>
+    <p:sldId id="274" r:id="rId13"/>
+    <p:sldId id="263" r:id="rId14"/>
   </p:sldIdLst>
   <p:sldSz cx="9144000" cy="6858000" type="screen4x3"/>
   <p:notesSz cx="6858000" cy="9144000"/>
@@ -111,6 +122,1984 @@
 </p:presentation>
 </file>
 
+<file path=ppt/notesMasters/notesMaster1.xml><?xml version="1.0" encoding="utf-8"?>
+<p:notesMaster xmlns:a="http://schemas.openxmlformats.org/drawingml/2006/main" xmlns:r="http://schemas.openxmlformats.org/officeDocument/2006/relationships" xmlns:p="http://schemas.openxmlformats.org/presentationml/2006/main">
+  <p:cSld>
+    <p:bg>
+      <p:bgRef idx="1001">
+        <a:schemeClr val="bg1"/>
+      </p:bgRef>
+    </p:bg>
+    <p:spTree>
+      <p:nvGrpSpPr>
+        <p:cNvPr id="1" name=""/>
+        <p:cNvGrpSpPr/>
+        <p:nvPr/>
+      </p:nvGrpSpPr>
+      <p:grpSpPr>
+        <a:xfrm>
+          <a:off x="0" y="0"/>
+          <a:ext cx="0" cy="0"/>
+          <a:chOff x="0" y="0"/>
+          <a:chExt cx="0" cy="0"/>
+        </a:xfrm>
+      </p:grpSpPr>
+      <p:sp>
+        <p:nvSpPr>
+          <p:cNvPr id="2" name="Espace réservé de l'en-tête 1"/>
+          <p:cNvSpPr>
+            <a:spLocks noGrp="1"/>
+          </p:cNvSpPr>
+          <p:nvPr>
+            <p:ph type="hdr" sz="quarter"/>
+          </p:nvPr>
+        </p:nvSpPr>
+        <p:spPr>
+          <a:xfrm>
+            <a:off x="0" y="0"/>
+            <a:ext cx="2971800" cy="457200"/>
+          </a:xfrm>
+          <a:prstGeom prst="rect">
+            <a:avLst/>
+          </a:prstGeom>
+        </p:spPr>
+        <p:txBody>
+          <a:bodyPr vert="horz" lIns="91440" tIns="45720" rIns="91440" bIns="45720" rtlCol="0"/>
+          <a:lstStyle>
+            <a:lvl1pPr algn="l">
+              <a:defRPr sz="1200"/>
+            </a:lvl1pPr>
+          </a:lstStyle>
+          <a:p>
+            <a:endParaRPr lang="fr-FR"/>
+          </a:p>
+        </p:txBody>
+      </p:sp>
+      <p:sp>
+        <p:nvSpPr>
+          <p:cNvPr id="3" name="Espace réservé de la date 2"/>
+          <p:cNvSpPr>
+            <a:spLocks noGrp="1"/>
+          </p:cNvSpPr>
+          <p:nvPr>
+            <p:ph type="dt" idx="1"/>
+          </p:nvPr>
+        </p:nvSpPr>
+        <p:spPr>
+          <a:xfrm>
+            <a:off x="3884613" y="0"/>
+            <a:ext cx="2971800" cy="457200"/>
+          </a:xfrm>
+          <a:prstGeom prst="rect">
+            <a:avLst/>
+          </a:prstGeom>
+        </p:spPr>
+        <p:txBody>
+          <a:bodyPr vert="horz" lIns="91440" tIns="45720" rIns="91440" bIns="45720" rtlCol="0"/>
+          <a:lstStyle>
+            <a:lvl1pPr algn="r">
+              <a:defRPr sz="1200"/>
+            </a:lvl1pPr>
+          </a:lstStyle>
+          <a:p>
+            <a:fld id="{9518B61E-126D-4CF8-8BA6-3D8629604CC7}" type="datetimeFigureOut">
+              <a:rPr lang="fr-FR" smtClean="0"/>
+              <a:t>14/12/2015</a:t>
+            </a:fld>
+            <a:endParaRPr lang="fr-FR"/>
+          </a:p>
+        </p:txBody>
+      </p:sp>
+      <p:sp>
+        <p:nvSpPr>
+          <p:cNvPr id="4" name="Espace réservé de l'image des diapositives 3"/>
+          <p:cNvSpPr>
+            <a:spLocks noGrp="1" noRot="1" noChangeAspect="1"/>
+          </p:cNvSpPr>
+          <p:nvPr>
+            <p:ph type="sldImg" idx="2"/>
+          </p:nvPr>
+        </p:nvSpPr>
+        <p:spPr>
+          <a:xfrm>
+            <a:off x="1143000" y="685800"/>
+            <a:ext cx="4572000" cy="3429000"/>
+          </a:xfrm>
+          <a:prstGeom prst="rect">
+            <a:avLst/>
+          </a:prstGeom>
+          <a:noFill/>
+          <a:ln w="12700">
+            <a:solidFill>
+              <a:prstClr val="black"/>
+            </a:solidFill>
+          </a:ln>
+        </p:spPr>
+        <p:txBody>
+          <a:bodyPr vert="horz" lIns="91440" tIns="45720" rIns="91440" bIns="45720" rtlCol="0" anchor="ctr"/>
+          <a:lstStyle/>
+          <a:p>
+            <a:endParaRPr lang="fr-FR"/>
+          </a:p>
+        </p:txBody>
+      </p:sp>
+      <p:sp>
+        <p:nvSpPr>
+          <p:cNvPr id="5" name="Espace réservé des commentaires 4"/>
+          <p:cNvSpPr>
+            <a:spLocks noGrp="1"/>
+          </p:cNvSpPr>
+          <p:nvPr>
+            <p:ph type="body" sz="quarter" idx="3"/>
+          </p:nvPr>
+        </p:nvSpPr>
+        <p:spPr>
+          <a:xfrm>
+            <a:off x="685800" y="4343400"/>
+            <a:ext cx="5486400" cy="4114800"/>
+          </a:xfrm>
+          <a:prstGeom prst="rect">
+            <a:avLst/>
+          </a:prstGeom>
+        </p:spPr>
+        <p:txBody>
+          <a:bodyPr vert="horz" lIns="91440" tIns="45720" rIns="91440" bIns="45720" rtlCol="0"/>
+          <a:lstStyle/>
+          <a:p>
+            <a:pPr lvl="0"/>
+            <a:r>
+              <a:rPr lang="fr-FR" smtClean="0"/>
+              <a:t>Modifiez les styles du texte du masque</a:t>
+            </a:r>
+          </a:p>
+          <a:p>
+            <a:pPr lvl="1"/>
+            <a:r>
+              <a:rPr lang="fr-FR" smtClean="0"/>
+              <a:t>Deuxième niveau</a:t>
+            </a:r>
+          </a:p>
+          <a:p>
+            <a:pPr lvl="2"/>
+            <a:r>
+              <a:rPr lang="fr-FR" smtClean="0"/>
+              <a:t>Troisième niveau</a:t>
+            </a:r>
+          </a:p>
+          <a:p>
+            <a:pPr lvl="3"/>
+            <a:r>
+              <a:rPr lang="fr-FR" smtClean="0"/>
+              <a:t>Quatrième niveau</a:t>
+            </a:r>
+          </a:p>
+          <a:p>
+            <a:pPr lvl="4"/>
+            <a:r>
+              <a:rPr lang="fr-FR" smtClean="0"/>
+              <a:t>Cinquième niveau</a:t>
+            </a:r>
+            <a:endParaRPr lang="fr-FR"/>
+          </a:p>
+        </p:txBody>
+      </p:sp>
+      <p:sp>
+        <p:nvSpPr>
+          <p:cNvPr id="6" name="Espace réservé du pied de page 5"/>
+          <p:cNvSpPr>
+            <a:spLocks noGrp="1"/>
+          </p:cNvSpPr>
+          <p:nvPr>
+            <p:ph type="ftr" sz="quarter" idx="4"/>
+          </p:nvPr>
+        </p:nvSpPr>
+        <p:spPr>
+          <a:xfrm>
+            <a:off x="0" y="8685213"/>
+            <a:ext cx="2971800" cy="457200"/>
+          </a:xfrm>
+          <a:prstGeom prst="rect">
+            <a:avLst/>
+          </a:prstGeom>
+        </p:spPr>
+        <p:txBody>
+          <a:bodyPr vert="horz" lIns="91440" tIns="45720" rIns="91440" bIns="45720" rtlCol="0" anchor="b"/>
+          <a:lstStyle>
+            <a:lvl1pPr algn="l">
+              <a:defRPr sz="1200"/>
+            </a:lvl1pPr>
+          </a:lstStyle>
+          <a:p>
+            <a:endParaRPr lang="fr-FR"/>
+          </a:p>
+        </p:txBody>
+      </p:sp>
+      <p:sp>
+        <p:nvSpPr>
+          <p:cNvPr id="7" name="Espace réservé du numéro de diapositive 6"/>
+          <p:cNvSpPr>
+            <a:spLocks noGrp="1"/>
+          </p:cNvSpPr>
+          <p:nvPr>
+            <p:ph type="sldNum" sz="quarter" idx="5"/>
+          </p:nvPr>
+        </p:nvSpPr>
+        <p:spPr>
+          <a:xfrm>
+            <a:off x="3884613" y="8685213"/>
+            <a:ext cx="2971800" cy="457200"/>
+          </a:xfrm>
+          <a:prstGeom prst="rect">
+            <a:avLst/>
+          </a:prstGeom>
+        </p:spPr>
+        <p:txBody>
+          <a:bodyPr vert="horz" lIns="91440" tIns="45720" rIns="91440" bIns="45720" rtlCol="0" anchor="b"/>
+          <a:lstStyle>
+            <a:lvl1pPr algn="r">
+              <a:defRPr sz="1200"/>
+            </a:lvl1pPr>
+          </a:lstStyle>
+          <a:p>
+            <a:fld id="{4591B0C5-0830-4071-9532-C38F6D3FACB2}" type="slidenum">
+              <a:rPr lang="fr-FR" smtClean="0"/>
+              <a:t>‹N°›</a:t>
+            </a:fld>
+            <a:endParaRPr lang="fr-FR"/>
+          </a:p>
+        </p:txBody>
+      </p:sp>
+    </p:spTree>
+    <p:extLst>
+      <p:ext uri="{BB962C8B-B14F-4D97-AF65-F5344CB8AC3E}">
+        <p14:creationId xmlns:p14="http://schemas.microsoft.com/office/powerpoint/2010/main" val="3148730369"/>
+      </p:ext>
+    </p:extLst>
+  </p:cSld>
+  <p:clrMap bg1="lt1" tx1="dk1" bg2="lt2" tx2="dk2" accent1="accent1" accent2="accent2" accent3="accent3" accent4="accent4" accent5="accent5" accent6="accent6" hlink="hlink" folHlink="folHlink"/>
+  <p:notesStyle>
+    <a:lvl1pPr marL="0" algn="l" defTabSz="914400" rtl="0" eaLnBrk="1" latinLnBrk="0" hangingPunct="1">
+      <a:defRPr sz="1200" kern="1200">
+        <a:solidFill>
+          <a:schemeClr val="tx1"/>
+        </a:solidFill>
+        <a:latin typeface="+mn-lt"/>
+        <a:ea typeface="+mn-ea"/>
+        <a:cs typeface="+mn-cs"/>
+      </a:defRPr>
+    </a:lvl1pPr>
+    <a:lvl2pPr marL="457200" algn="l" defTabSz="914400" rtl="0" eaLnBrk="1" latinLnBrk="0" hangingPunct="1">
+      <a:defRPr sz="1200" kern="1200">
+        <a:solidFill>
+          <a:schemeClr val="tx1"/>
+        </a:solidFill>
+        <a:latin typeface="+mn-lt"/>
+        <a:ea typeface="+mn-ea"/>
+        <a:cs typeface="+mn-cs"/>
+      </a:defRPr>
+    </a:lvl2pPr>
+    <a:lvl3pPr marL="914400" algn="l" defTabSz="914400" rtl="0" eaLnBrk="1" latinLnBrk="0" hangingPunct="1">
+      <a:defRPr sz="1200" kern="1200">
+        <a:solidFill>
+          <a:schemeClr val="tx1"/>
+        </a:solidFill>
+        <a:latin typeface="+mn-lt"/>
+        <a:ea typeface="+mn-ea"/>
+        <a:cs typeface="+mn-cs"/>
+      </a:defRPr>
+    </a:lvl3pPr>
+    <a:lvl4pPr marL="1371600" algn="l" defTabSz="914400" rtl="0" eaLnBrk="1" latinLnBrk="0" hangingPunct="1">
+      <a:defRPr sz="1200" kern="1200">
+        <a:solidFill>
+          <a:schemeClr val="tx1"/>
+        </a:solidFill>
+        <a:latin typeface="+mn-lt"/>
+        <a:ea typeface="+mn-ea"/>
+        <a:cs typeface="+mn-cs"/>
+      </a:defRPr>
+    </a:lvl4pPr>
+    <a:lvl5pPr marL="1828800" algn="l" defTabSz="914400" rtl="0" eaLnBrk="1" latinLnBrk="0" hangingPunct="1">
+      <a:defRPr sz="1200" kern="1200">
+        <a:solidFill>
+          <a:schemeClr val="tx1"/>
+        </a:solidFill>
+        <a:latin typeface="+mn-lt"/>
+        <a:ea typeface="+mn-ea"/>
+        <a:cs typeface="+mn-cs"/>
+      </a:defRPr>
+    </a:lvl5pPr>
+    <a:lvl6pPr marL="2286000" algn="l" defTabSz="914400" rtl="0" eaLnBrk="1" latinLnBrk="0" hangingPunct="1">
+      <a:defRPr sz="1200" kern="1200">
+        <a:solidFill>
+          <a:schemeClr val="tx1"/>
+        </a:solidFill>
+        <a:latin typeface="+mn-lt"/>
+        <a:ea typeface="+mn-ea"/>
+        <a:cs typeface="+mn-cs"/>
+      </a:defRPr>
+    </a:lvl6pPr>
+    <a:lvl7pPr marL="2743200" algn="l" defTabSz="914400" rtl="0" eaLnBrk="1" latinLnBrk="0" hangingPunct="1">
+      <a:defRPr sz="1200" kern="1200">
+        <a:solidFill>
+          <a:schemeClr val="tx1"/>
+        </a:solidFill>
+        <a:latin typeface="+mn-lt"/>
+        <a:ea typeface="+mn-ea"/>
+        <a:cs typeface="+mn-cs"/>
+      </a:defRPr>
+    </a:lvl7pPr>
+    <a:lvl8pPr marL="3200400" algn="l" defTabSz="914400" rtl="0" eaLnBrk="1" latinLnBrk="0" hangingPunct="1">
+      <a:defRPr sz="1200" kern="1200">
+        <a:solidFill>
+          <a:schemeClr val="tx1"/>
+        </a:solidFill>
+        <a:latin typeface="+mn-lt"/>
+        <a:ea typeface="+mn-ea"/>
+        <a:cs typeface="+mn-cs"/>
+      </a:defRPr>
+    </a:lvl8pPr>
+    <a:lvl9pPr marL="3657600" algn="l" defTabSz="914400" rtl="0" eaLnBrk="1" latinLnBrk="0" hangingPunct="1">
+      <a:defRPr sz="1200" kern="1200">
+        <a:solidFill>
+          <a:schemeClr val="tx1"/>
+        </a:solidFill>
+        <a:latin typeface="+mn-lt"/>
+        <a:ea typeface="+mn-ea"/>
+        <a:cs typeface="+mn-cs"/>
+      </a:defRPr>
+    </a:lvl9pPr>
+  </p:notesStyle>
+</p:notesMaster>
+</file>
+
+<file path=ppt/notesSlides/notesSlide1.xml><?xml version="1.0" encoding="utf-8"?>
+<p:notes xmlns:a="http://schemas.openxmlformats.org/drawingml/2006/main" xmlns:r="http://schemas.openxmlformats.org/officeDocument/2006/relationships" xmlns:p="http://schemas.openxmlformats.org/presentationml/2006/main">
+  <p:cSld>
+    <p:spTree>
+      <p:nvGrpSpPr>
+        <p:cNvPr id="1" name=""/>
+        <p:cNvGrpSpPr/>
+        <p:nvPr/>
+      </p:nvGrpSpPr>
+      <p:grpSpPr>
+        <a:xfrm>
+          <a:off x="0" y="0"/>
+          <a:ext cx="0" cy="0"/>
+          <a:chOff x="0" y="0"/>
+          <a:chExt cx="0" cy="0"/>
+        </a:xfrm>
+      </p:grpSpPr>
+      <p:sp>
+        <p:nvSpPr>
+          <p:cNvPr id="2" name="Espace réservé de l'image des diapositives 1"/>
+          <p:cNvSpPr>
+            <a:spLocks noGrp="1" noRot="1" noChangeAspect="1"/>
+          </p:cNvSpPr>
+          <p:nvPr>
+            <p:ph type="sldImg"/>
+          </p:nvPr>
+        </p:nvSpPr>
+        <p:spPr/>
+      </p:sp>
+      <p:sp>
+        <p:nvSpPr>
+          <p:cNvPr id="3" name="Espace réservé des commentaires 2"/>
+          <p:cNvSpPr>
+            <a:spLocks noGrp="1"/>
+          </p:cNvSpPr>
+          <p:nvPr>
+            <p:ph type="body" idx="1"/>
+          </p:nvPr>
+        </p:nvSpPr>
+        <p:spPr/>
+        <p:txBody>
+          <a:bodyPr/>
+          <a:lstStyle/>
+          <a:p>
+            <a:r>
+              <a:rPr lang="en-US" dirty="0" smtClean="0"/>
+              <a:t>Under the master 2 GICAO we are asked to complete a project.</a:t>
+            </a:r>
+          </a:p>
+          <a:p>
+            <a:endParaRPr lang="en-US" dirty="0" smtClean="0"/>
+          </a:p>
+          <a:p>
+            <a:r>
+              <a:rPr lang="en-US" dirty="0" smtClean="0"/>
+              <a:t>This project aims to familiarize us with project management and not just in the coding portion, as the more administrative side.</a:t>
+            </a:r>
+          </a:p>
+          <a:p>
+            <a:endParaRPr lang="en-US" dirty="0" smtClean="0"/>
+          </a:p>
+          <a:p>
+            <a:r>
+              <a:rPr lang="en-US" dirty="0" smtClean="0"/>
+              <a:t>Today we are going to present the state of it to halfway.</a:t>
+            </a:r>
+            <a:endParaRPr lang="fr-FR" dirty="0"/>
+          </a:p>
+        </p:txBody>
+      </p:sp>
+      <p:sp>
+        <p:nvSpPr>
+          <p:cNvPr id="4" name="Espace réservé du numéro de diapositive 3"/>
+          <p:cNvSpPr>
+            <a:spLocks noGrp="1"/>
+          </p:cNvSpPr>
+          <p:nvPr>
+            <p:ph type="sldNum" sz="quarter" idx="10"/>
+          </p:nvPr>
+        </p:nvSpPr>
+        <p:spPr/>
+        <p:txBody>
+          <a:bodyPr/>
+          <a:lstStyle/>
+          <a:p>
+            <a:fld id="{4591B0C5-0830-4071-9532-C38F6D3FACB2}" type="slidenum">
+              <a:rPr lang="fr-FR" smtClean="0"/>
+              <a:t>2</a:t>
+            </a:fld>
+            <a:endParaRPr lang="fr-FR"/>
+          </a:p>
+        </p:txBody>
+      </p:sp>
+    </p:spTree>
+    <p:extLst>
+      <p:ext uri="{BB962C8B-B14F-4D97-AF65-F5344CB8AC3E}">
+        <p14:creationId xmlns:p14="http://schemas.microsoft.com/office/powerpoint/2010/main" val="4020981665"/>
+      </p:ext>
+    </p:extLst>
+  </p:cSld>
+  <p:clrMapOvr>
+    <a:masterClrMapping/>
+  </p:clrMapOvr>
+</p:notes>
+</file>
+
+<file path=ppt/notesSlides/notesSlide10.xml><?xml version="1.0" encoding="utf-8"?>
+<p:notes xmlns:a="http://schemas.openxmlformats.org/drawingml/2006/main" xmlns:r="http://schemas.openxmlformats.org/officeDocument/2006/relationships" xmlns:p="http://schemas.openxmlformats.org/presentationml/2006/main">
+  <p:cSld>
+    <p:spTree>
+      <p:nvGrpSpPr>
+        <p:cNvPr id="1" name=""/>
+        <p:cNvGrpSpPr/>
+        <p:nvPr/>
+      </p:nvGrpSpPr>
+      <p:grpSpPr>
+        <a:xfrm>
+          <a:off x="0" y="0"/>
+          <a:ext cx="0" cy="0"/>
+          <a:chOff x="0" y="0"/>
+          <a:chExt cx="0" cy="0"/>
+        </a:xfrm>
+      </p:grpSpPr>
+      <p:sp>
+        <p:nvSpPr>
+          <p:cNvPr id="2" name="Espace réservé de l'image des diapositives 1"/>
+          <p:cNvSpPr>
+            <a:spLocks noGrp="1" noRot="1" noChangeAspect="1"/>
+          </p:cNvSpPr>
+          <p:nvPr>
+            <p:ph type="sldImg"/>
+          </p:nvPr>
+        </p:nvSpPr>
+        <p:spPr/>
+      </p:sp>
+      <p:sp>
+        <p:nvSpPr>
+          <p:cNvPr id="3" name="Espace réservé des commentaires 2"/>
+          <p:cNvSpPr>
+            <a:spLocks noGrp="1"/>
+          </p:cNvSpPr>
+          <p:nvPr>
+            <p:ph type="body" idx="1"/>
+          </p:nvPr>
+        </p:nvSpPr>
+        <p:spPr/>
+        <p:txBody>
+          <a:bodyPr/>
+          <a:lstStyle/>
+          <a:p>
+            <a:r>
+              <a:rPr lang="en-US" dirty="0" smtClean="0"/>
+              <a:t>[…]</a:t>
+            </a:r>
+          </a:p>
+          <a:p>
+            <a:endParaRPr lang="en-US" dirty="0" smtClean="0"/>
+          </a:p>
+          <a:p>
+            <a:r>
+              <a:rPr lang="en-US" dirty="0" smtClean="0"/>
+              <a:t>Now that everything is explained, or are we concretely.</a:t>
+            </a:r>
+            <a:endParaRPr lang="fr-FR" dirty="0" smtClean="0"/>
+          </a:p>
+          <a:p>
+            <a:endParaRPr lang="fr-FR" dirty="0"/>
+          </a:p>
+        </p:txBody>
+      </p:sp>
+      <p:sp>
+        <p:nvSpPr>
+          <p:cNvPr id="4" name="Espace réservé du numéro de diapositive 3"/>
+          <p:cNvSpPr>
+            <a:spLocks noGrp="1"/>
+          </p:cNvSpPr>
+          <p:nvPr>
+            <p:ph type="sldNum" sz="quarter" idx="10"/>
+          </p:nvPr>
+        </p:nvSpPr>
+        <p:spPr/>
+        <p:txBody>
+          <a:bodyPr/>
+          <a:lstStyle/>
+          <a:p>
+            <a:fld id="{4591B0C5-0830-4071-9532-C38F6D3FACB2}" type="slidenum">
+              <a:rPr lang="fr-FR" smtClean="0"/>
+              <a:t>11</a:t>
+            </a:fld>
+            <a:endParaRPr lang="fr-FR"/>
+          </a:p>
+        </p:txBody>
+      </p:sp>
+    </p:spTree>
+    <p:extLst>
+      <p:ext uri="{BB962C8B-B14F-4D97-AF65-F5344CB8AC3E}">
+        <p14:creationId xmlns:p14="http://schemas.microsoft.com/office/powerpoint/2010/main" val="548499763"/>
+      </p:ext>
+    </p:extLst>
+  </p:cSld>
+  <p:clrMapOvr>
+    <a:masterClrMapping/>
+  </p:clrMapOvr>
+</p:notes>
+</file>
+
+<file path=ppt/notesSlides/notesSlide2.xml><?xml version="1.0" encoding="utf-8"?>
+<p:notes xmlns:a="http://schemas.openxmlformats.org/drawingml/2006/main" xmlns:r="http://schemas.openxmlformats.org/officeDocument/2006/relationships" xmlns:p="http://schemas.openxmlformats.org/presentationml/2006/main">
+  <p:cSld>
+    <p:spTree>
+      <p:nvGrpSpPr>
+        <p:cNvPr id="1" name=""/>
+        <p:cNvGrpSpPr/>
+        <p:nvPr/>
+      </p:nvGrpSpPr>
+      <p:grpSpPr>
+        <a:xfrm>
+          <a:off x="0" y="0"/>
+          <a:ext cx="0" cy="0"/>
+          <a:chOff x="0" y="0"/>
+          <a:chExt cx="0" cy="0"/>
+        </a:xfrm>
+      </p:grpSpPr>
+      <p:sp>
+        <p:nvSpPr>
+          <p:cNvPr id="2" name="Espace réservé de l'image des diapositives 1"/>
+          <p:cNvSpPr>
+            <a:spLocks noGrp="1" noRot="1" noChangeAspect="1"/>
+          </p:cNvSpPr>
+          <p:nvPr>
+            <p:ph type="sldImg"/>
+          </p:nvPr>
+        </p:nvSpPr>
+        <p:spPr/>
+      </p:sp>
+      <p:sp>
+        <p:nvSpPr>
+          <p:cNvPr id="3" name="Espace réservé des commentaires 2"/>
+          <p:cNvSpPr>
+            <a:spLocks noGrp="1"/>
+          </p:cNvSpPr>
+          <p:nvPr>
+            <p:ph type="body" idx="1"/>
+          </p:nvPr>
+        </p:nvSpPr>
+        <p:spPr/>
+        <p:txBody>
+          <a:bodyPr/>
+          <a:lstStyle/>
+          <a:p>
+            <a:r>
+              <a:rPr lang="en-US" dirty="0" smtClean="0"/>
+              <a:t>To introduce you to our project, we chose to follow this path.</a:t>
+            </a:r>
+            <a:endParaRPr lang="fr-FR" dirty="0"/>
+          </a:p>
+        </p:txBody>
+      </p:sp>
+      <p:sp>
+        <p:nvSpPr>
+          <p:cNvPr id="4" name="Espace réservé du numéro de diapositive 3"/>
+          <p:cNvSpPr>
+            <a:spLocks noGrp="1"/>
+          </p:cNvSpPr>
+          <p:nvPr>
+            <p:ph type="sldNum" sz="quarter" idx="10"/>
+          </p:nvPr>
+        </p:nvSpPr>
+        <p:spPr/>
+        <p:txBody>
+          <a:bodyPr/>
+          <a:lstStyle/>
+          <a:p>
+            <a:fld id="{4591B0C5-0830-4071-9532-C38F6D3FACB2}" type="slidenum">
+              <a:rPr lang="fr-FR" smtClean="0"/>
+              <a:t>3</a:t>
+            </a:fld>
+            <a:endParaRPr lang="fr-FR"/>
+          </a:p>
+        </p:txBody>
+      </p:sp>
+    </p:spTree>
+    <p:extLst>
+      <p:ext uri="{BB962C8B-B14F-4D97-AF65-F5344CB8AC3E}">
+        <p14:creationId xmlns:p14="http://schemas.microsoft.com/office/powerpoint/2010/main" val="336285421"/>
+      </p:ext>
+    </p:extLst>
+  </p:cSld>
+  <p:clrMapOvr>
+    <a:masterClrMapping/>
+  </p:clrMapOvr>
+</p:notes>
+</file>
+
+<file path=ppt/notesSlides/notesSlide3.xml><?xml version="1.0" encoding="utf-8"?>
+<p:notes xmlns:a="http://schemas.openxmlformats.org/drawingml/2006/main" xmlns:r="http://schemas.openxmlformats.org/officeDocument/2006/relationships" xmlns:p="http://schemas.openxmlformats.org/presentationml/2006/main">
+  <p:cSld>
+    <p:spTree>
+      <p:nvGrpSpPr>
+        <p:cNvPr id="1" name=""/>
+        <p:cNvGrpSpPr/>
+        <p:nvPr/>
+      </p:nvGrpSpPr>
+      <p:grpSpPr>
+        <a:xfrm>
+          <a:off x="0" y="0"/>
+          <a:ext cx="0" cy="0"/>
+          <a:chOff x="0" y="0"/>
+          <a:chExt cx="0" cy="0"/>
+        </a:xfrm>
+      </p:grpSpPr>
+      <p:sp>
+        <p:nvSpPr>
+          <p:cNvPr id="2" name="Espace réservé de l'image des diapositives 1"/>
+          <p:cNvSpPr>
+            <a:spLocks noGrp="1" noRot="1" noChangeAspect="1"/>
+          </p:cNvSpPr>
+          <p:nvPr>
+            <p:ph type="sldImg"/>
+          </p:nvPr>
+        </p:nvSpPr>
+        <p:spPr/>
+      </p:sp>
+      <p:sp>
+        <p:nvSpPr>
+          <p:cNvPr id="3" name="Espace réservé des commentaires 2"/>
+          <p:cNvSpPr>
+            <a:spLocks noGrp="1"/>
+          </p:cNvSpPr>
+          <p:nvPr>
+            <p:ph type="body" idx="1"/>
+          </p:nvPr>
+        </p:nvSpPr>
+        <p:spPr/>
+        <p:txBody>
+          <a:bodyPr/>
+          <a:lstStyle/>
+          <a:p>
+            <a:r>
+              <a:rPr lang="fr-FR" dirty="0" smtClean="0"/>
+              <a:t>EDF has </a:t>
+            </a:r>
+            <a:r>
+              <a:rPr lang="fr-FR" dirty="0" err="1" smtClean="0"/>
+              <a:t>done</a:t>
+            </a:r>
+            <a:r>
+              <a:rPr lang="fr-FR" baseline="0" dirty="0" smtClean="0"/>
+              <a:t> a </a:t>
+            </a:r>
+            <a:r>
+              <a:rPr lang="fr-FR" baseline="0" dirty="0" err="1" smtClean="0"/>
+              <a:t>manuals</a:t>
+            </a:r>
+            <a:r>
+              <a:rPr lang="fr-FR" baseline="0" dirty="0" smtClean="0"/>
+              <a:t> scans of </a:t>
+            </a:r>
+            <a:r>
+              <a:rPr lang="fr-FR" baseline="0" dirty="0" err="1" smtClean="0"/>
+              <a:t>objects</a:t>
+            </a:r>
+            <a:r>
+              <a:rPr lang="fr-FR" baseline="0" dirty="0" smtClean="0"/>
+              <a:t> </a:t>
+            </a:r>
+            <a:r>
+              <a:rPr lang="fr-FR" baseline="0" dirty="0" err="1" smtClean="0"/>
+              <a:t>that</a:t>
+            </a:r>
+            <a:r>
+              <a:rPr lang="fr-FR" baseline="0" dirty="0" smtClean="0"/>
+              <a:t> </a:t>
+            </a:r>
+            <a:r>
+              <a:rPr lang="fr-FR" baseline="0" dirty="0" err="1" smtClean="0"/>
+              <a:t>comes</a:t>
+            </a:r>
+            <a:r>
+              <a:rPr lang="fr-FR" baseline="0" dirty="0" smtClean="0"/>
+              <a:t> </a:t>
+            </a:r>
+            <a:r>
+              <a:rPr lang="fr-FR" baseline="0" dirty="0" err="1" smtClean="0"/>
+              <a:t>from</a:t>
+            </a:r>
+            <a:r>
+              <a:rPr lang="fr-FR" baseline="0" dirty="0" smtClean="0"/>
+              <a:t> a </a:t>
+            </a:r>
+            <a:r>
+              <a:rPr lang="fr-FR" baseline="0" dirty="0" err="1" smtClean="0"/>
+              <a:t>pump</a:t>
+            </a:r>
+            <a:r>
+              <a:rPr lang="fr-FR" baseline="0" dirty="0" smtClean="0"/>
+              <a:t> in </a:t>
+            </a:r>
+            <a:r>
+              <a:rPr lang="fr-FR" baseline="0" dirty="0" err="1" smtClean="0"/>
+              <a:t>order</a:t>
+            </a:r>
+            <a:r>
+              <a:rPr lang="fr-FR" baseline="0" dirty="0" smtClean="0"/>
+              <a:t> to </a:t>
+            </a:r>
+            <a:r>
+              <a:rPr lang="fr-FR" baseline="0" dirty="0" err="1" smtClean="0"/>
+              <a:t>reconstruct</a:t>
+            </a:r>
+            <a:r>
+              <a:rPr lang="fr-FR" baseline="0" dirty="0" smtClean="0"/>
+              <a:t> a CAD model</a:t>
+            </a:r>
+          </a:p>
+          <a:p>
+            <a:r>
+              <a:rPr lang="fr-FR" baseline="0" dirty="0" err="1" smtClean="0"/>
+              <a:t>Piece</a:t>
+            </a:r>
+            <a:r>
+              <a:rPr lang="fr-FR" baseline="0" dirty="0" smtClean="0"/>
+              <a:t> </a:t>
+            </a:r>
+            <a:r>
+              <a:rPr lang="fr-FR" baseline="0" dirty="0" err="1" smtClean="0"/>
+              <a:t>scanned</a:t>
+            </a:r>
+            <a:r>
+              <a:rPr lang="fr-FR" baseline="0" dirty="0" smtClean="0"/>
+              <a:t> are </a:t>
+            </a:r>
+            <a:r>
+              <a:rPr lang="fr-FR" baseline="0" dirty="0" err="1" smtClean="0"/>
+              <a:t>held</a:t>
+            </a:r>
+            <a:r>
+              <a:rPr lang="fr-FR" baseline="0" dirty="0" smtClean="0"/>
+              <a:t> by </a:t>
+            </a:r>
+            <a:r>
+              <a:rPr lang="fr-FR" baseline="0" dirty="0" err="1" smtClean="0"/>
+              <a:t>some</a:t>
+            </a:r>
+            <a:r>
+              <a:rPr lang="fr-FR" baseline="0" dirty="0" smtClean="0"/>
+              <a:t> </a:t>
+            </a:r>
+            <a:r>
+              <a:rPr lang="fr-FR" baseline="0" dirty="0" err="1" smtClean="0"/>
+              <a:t>devices</a:t>
+            </a:r>
+            <a:r>
+              <a:rPr lang="fr-FR" baseline="0" dirty="0" smtClean="0"/>
+              <a:t> (clamps, vices, V-</a:t>
+            </a:r>
+            <a:r>
+              <a:rPr lang="fr-FR" baseline="0" dirty="0" err="1" smtClean="0"/>
+              <a:t>shape</a:t>
+            </a:r>
+            <a:r>
+              <a:rPr lang="fr-FR" baseline="0" dirty="0" smtClean="0"/>
+              <a:t>, …) and a scanner </a:t>
+            </a:r>
+            <a:r>
+              <a:rPr lang="fr-FR" baseline="0" dirty="0" err="1" smtClean="0"/>
+              <a:t>is</a:t>
+            </a:r>
+            <a:r>
+              <a:rPr lang="fr-FR" baseline="0" dirty="0" smtClean="0"/>
+              <a:t> </a:t>
+            </a:r>
+            <a:r>
+              <a:rPr lang="fr-FR" baseline="0" dirty="0" err="1" smtClean="0"/>
+              <a:t>then</a:t>
+            </a:r>
+            <a:r>
+              <a:rPr lang="fr-FR" baseline="0" dirty="0" smtClean="0"/>
+              <a:t> </a:t>
+            </a:r>
+            <a:r>
+              <a:rPr lang="fr-FR" baseline="0" dirty="0" err="1" smtClean="0"/>
+              <a:t>performed</a:t>
+            </a:r>
+            <a:endParaRPr lang="fr-FR" baseline="0" dirty="0" smtClean="0"/>
+          </a:p>
+          <a:p>
+            <a:r>
+              <a:rPr lang="fr-FR" baseline="0" dirty="0" err="1" smtClean="0"/>
+              <a:t>These</a:t>
+            </a:r>
+            <a:r>
+              <a:rPr lang="fr-FR" baseline="0" dirty="0" smtClean="0"/>
+              <a:t> scans </a:t>
+            </a:r>
+            <a:r>
+              <a:rPr lang="fr-FR" baseline="0" dirty="0" err="1" smtClean="0"/>
+              <a:t>generate</a:t>
+            </a:r>
+            <a:r>
+              <a:rPr lang="fr-FR" baseline="0" dirty="0" smtClean="0"/>
+              <a:t> point </a:t>
+            </a:r>
+            <a:r>
+              <a:rPr lang="fr-FR" baseline="0" dirty="0" err="1" smtClean="0"/>
+              <a:t>cloud</a:t>
+            </a:r>
+            <a:r>
+              <a:rPr lang="fr-FR" baseline="0" dirty="0" smtClean="0"/>
+              <a:t> in </a:t>
+            </a:r>
+            <a:r>
+              <a:rPr lang="fr-FR" baseline="0" dirty="0" err="1" smtClean="0"/>
+              <a:t>which</a:t>
+            </a:r>
+            <a:r>
+              <a:rPr lang="fr-FR" baseline="0" dirty="0" smtClean="0"/>
+              <a:t> </a:t>
+            </a:r>
+            <a:r>
+              <a:rPr lang="fr-FR" baseline="0" dirty="0" err="1" smtClean="0"/>
+              <a:t>some</a:t>
+            </a:r>
+            <a:r>
+              <a:rPr lang="fr-FR" baseline="0" dirty="0" smtClean="0"/>
+              <a:t> point </a:t>
+            </a:r>
+            <a:r>
+              <a:rPr lang="fr-FR" baseline="0" dirty="0" err="1" smtClean="0"/>
+              <a:t>belongs</a:t>
+            </a:r>
+            <a:r>
+              <a:rPr lang="fr-FR" baseline="0" dirty="0" smtClean="0"/>
+              <a:t> to </a:t>
+            </a:r>
+            <a:r>
+              <a:rPr lang="fr-FR" baseline="0" dirty="0" err="1" smtClean="0"/>
+              <a:t>some</a:t>
+            </a:r>
+            <a:r>
+              <a:rPr lang="fr-FR" baseline="0" dirty="0" smtClean="0"/>
+              <a:t> </a:t>
+            </a:r>
+            <a:r>
+              <a:rPr lang="fr-FR" baseline="0" dirty="0" err="1" smtClean="0"/>
+              <a:t>near</a:t>
+            </a:r>
+            <a:r>
+              <a:rPr lang="fr-FR" baseline="0" dirty="0" smtClean="0"/>
+              <a:t> </a:t>
+            </a:r>
+            <a:r>
+              <a:rPr lang="fr-FR" baseline="0" dirty="0" err="1" smtClean="0"/>
+              <a:t>devices</a:t>
+            </a:r>
+            <a:endParaRPr lang="fr-FR" baseline="0" dirty="0" smtClean="0"/>
+          </a:p>
+          <a:p>
+            <a:r>
+              <a:rPr lang="fr-FR" baseline="0" dirty="0" err="1" smtClean="0"/>
+              <a:t>Before</a:t>
+            </a:r>
+            <a:r>
+              <a:rPr lang="fr-FR" baseline="0" dirty="0" smtClean="0"/>
+              <a:t> </a:t>
+            </a:r>
+            <a:r>
+              <a:rPr lang="fr-FR" baseline="0" dirty="0" err="1" smtClean="0"/>
+              <a:t>being</a:t>
+            </a:r>
+            <a:r>
+              <a:rPr lang="fr-FR" baseline="0" dirty="0" smtClean="0"/>
+              <a:t> able to </a:t>
+            </a:r>
+            <a:r>
+              <a:rPr lang="fr-FR" baseline="0" dirty="0" err="1" smtClean="0"/>
+              <a:t>manipulate</a:t>
+            </a:r>
+            <a:r>
+              <a:rPr lang="fr-FR" baseline="0" dirty="0" smtClean="0"/>
+              <a:t> a CAD model, </a:t>
+            </a:r>
+            <a:r>
+              <a:rPr lang="fr-FR" baseline="0" dirty="0" err="1" smtClean="0"/>
+              <a:t>these</a:t>
+            </a:r>
+            <a:r>
+              <a:rPr lang="fr-FR" baseline="0" dirty="0" smtClean="0"/>
+              <a:t> </a:t>
+            </a:r>
+            <a:r>
+              <a:rPr lang="fr-FR" baseline="0" dirty="0" err="1" smtClean="0"/>
+              <a:t>clouds</a:t>
+            </a:r>
+            <a:r>
+              <a:rPr lang="fr-FR" baseline="0" dirty="0" smtClean="0"/>
+              <a:t> have to </a:t>
+            </a:r>
+            <a:r>
+              <a:rPr lang="fr-FR" baseline="0" dirty="0" err="1" smtClean="0"/>
+              <a:t>undergo</a:t>
+            </a:r>
+            <a:r>
+              <a:rPr lang="fr-FR" baseline="0" dirty="0" smtClean="0"/>
+              <a:t> a clean of </a:t>
+            </a:r>
+            <a:r>
+              <a:rPr lang="fr-FR" baseline="0" dirty="0" err="1" smtClean="0"/>
+              <a:t>these</a:t>
+            </a:r>
+            <a:r>
+              <a:rPr lang="fr-FR" baseline="0" dirty="0" smtClean="0"/>
+              <a:t> </a:t>
+            </a:r>
+            <a:r>
+              <a:rPr lang="fr-FR" baseline="0" dirty="0" err="1" smtClean="0"/>
+              <a:t>foreign</a:t>
+            </a:r>
+            <a:r>
+              <a:rPr lang="fr-FR" baseline="0" dirty="0" smtClean="0"/>
+              <a:t> </a:t>
+            </a:r>
+            <a:r>
+              <a:rPr lang="fr-FR" baseline="0" dirty="0" err="1" smtClean="0"/>
+              <a:t>elements</a:t>
+            </a:r>
+            <a:endParaRPr lang="fr-FR" baseline="0" dirty="0" smtClean="0"/>
+          </a:p>
+          <a:p>
+            <a:endParaRPr lang="fr-FR" baseline="0" dirty="0" smtClean="0"/>
+          </a:p>
+          <a:p>
+            <a:r>
+              <a:rPr lang="en-US" dirty="0" smtClean="0"/>
+              <a:t>Here is our subject. Therefore we deduced therefrom a number of objectives.</a:t>
+            </a:r>
+            <a:endParaRPr lang="fr-FR" dirty="0"/>
+          </a:p>
+        </p:txBody>
+      </p:sp>
+      <p:sp>
+        <p:nvSpPr>
+          <p:cNvPr id="4" name="Espace réservé du numéro de diapositive 3"/>
+          <p:cNvSpPr>
+            <a:spLocks noGrp="1"/>
+          </p:cNvSpPr>
+          <p:nvPr>
+            <p:ph type="sldNum" sz="quarter" idx="10"/>
+          </p:nvPr>
+        </p:nvSpPr>
+        <p:spPr/>
+        <p:txBody>
+          <a:bodyPr/>
+          <a:lstStyle/>
+          <a:p>
+            <a:fld id="{4591B0C5-0830-4071-9532-C38F6D3FACB2}" type="slidenum">
+              <a:rPr lang="fr-FR" smtClean="0"/>
+              <a:t>4</a:t>
+            </a:fld>
+            <a:endParaRPr lang="fr-FR"/>
+          </a:p>
+        </p:txBody>
+      </p:sp>
+    </p:spTree>
+    <p:extLst>
+      <p:ext uri="{BB962C8B-B14F-4D97-AF65-F5344CB8AC3E}">
+        <p14:creationId xmlns:p14="http://schemas.microsoft.com/office/powerpoint/2010/main" val="1839379084"/>
+      </p:ext>
+    </p:extLst>
+  </p:cSld>
+  <p:clrMapOvr>
+    <a:masterClrMapping/>
+  </p:clrMapOvr>
+</p:notes>
+</file>
+
+<file path=ppt/notesSlides/notesSlide4.xml><?xml version="1.0" encoding="utf-8"?>
+<p:notes xmlns:a="http://schemas.openxmlformats.org/drawingml/2006/main" xmlns:r="http://schemas.openxmlformats.org/officeDocument/2006/relationships" xmlns:p="http://schemas.openxmlformats.org/presentationml/2006/main">
+  <p:cSld>
+    <p:spTree>
+      <p:nvGrpSpPr>
+        <p:cNvPr id="1" name=""/>
+        <p:cNvGrpSpPr/>
+        <p:nvPr/>
+      </p:nvGrpSpPr>
+      <p:grpSpPr>
+        <a:xfrm>
+          <a:off x="0" y="0"/>
+          <a:ext cx="0" cy="0"/>
+          <a:chOff x="0" y="0"/>
+          <a:chExt cx="0" cy="0"/>
+        </a:xfrm>
+      </p:grpSpPr>
+      <p:sp>
+        <p:nvSpPr>
+          <p:cNvPr id="2" name="Espace réservé de l'image des diapositives 1"/>
+          <p:cNvSpPr>
+            <a:spLocks noGrp="1" noRot="1" noChangeAspect="1"/>
+          </p:cNvSpPr>
+          <p:nvPr>
+            <p:ph type="sldImg"/>
+          </p:nvPr>
+        </p:nvSpPr>
+        <p:spPr/>
+      </p:sp>
+      <p:sp>
+        <p:nvSpPr>
+          <p:cNvPr id="3" name="Espace réservé des commentaires 2"/>
+          <p:cNvSpPr>
+            <a:spLocks noGrp="1"/>
+          </p:cNvSpPr>
+          <p:nvPr>
+            <p:ph type="body" idx="1"/>
+          </p:nvPr>
+        </p:nvSpPr>
+        <p:spPr/>
+        <p:txBody>
+          <a:bodyPr/>
+          <a:lstStyle/>
+          <a:p>
+            <a:r>
+              <a:rPr lang="en-US" dirty="0" smtClean="0"/>
+              <a:t>The ultimate goal is one, yet it is obvious that other intermediate goal come again and will add to it.</a:t>
+            </a:r>
+          </a:p>
+          <a:p>
+            <a:endParaRPr lang="en-US" dirty="0" smtClean="0"/>
+          </a:p>
+          <a:p>
+            <a:pPr marL="0" marR="0" indent="0" algn="l" defTabSz="914400" rtl="0" eaLnBrk="1" fontAlgn="auto" latinLnBrk="0" hangingPunct="1">
+              <a:lnSpc>
+                <a:spcPct val="100000"/>
+              </a:lnSpc>
+              <a:spcBef>
+                <a:spcPts val="0"/>
+              </a:spcBef>
+              <a:spcAft>
+                <a:spcPts val="0"/>
+              </a:spcAft>
+              <a:buClrTx/>
+              <a:buSzTx/>
+              <a:buFontTx/>
+              <a:buNone/>
+              <a:tabLst/>
+              <a:defRPr/>
+            </a:pPr>
+            <a:r>
+              <a:rPr lang="en-US" dirty="0" smtClean="0"/>
+              <a:t>To achieve this, we will use mostly software that was imposed on us : CloudCompare. </a:t>
+            </a:r>
+            <a:r>
+              <a:rPr lang="fr-FR" dirty="0" smtClean="0"/>
+              <a:t>CloudCompare</a:t>
+            </a:r>
+            <a:r>
+              <a:rPr lang="fr-FR" baseline="0" dirty="0" smtClean="0"/>
+              <a:t> permit to us to </a:t>
+            </a:r>
+            <a:r>
+              <a:rPr lang="fr-FR" baseline="0" dirty="0" err="1" smtClean="0"/>
+              <a:t>properly</a:t>
+            </a:r>
+            <a:r>
+              <a:rPr lang="fr-FR" baseline="0" dirty="0" smtClean="0"/>
+              <a:t> </a:t>
+            </a:r>
+            <a:r>
+              <a:rPr lang="fr-FR" baseline="0" dirty="0" err="1" smtClean="0"/>
+              <a:t>handle</a:t>
+            </a:r>
+            <a:r>
+              <a:rPr lang="fr-FR" baseline="0" dirty="0" smtClean="0"/>
+              <a:t> a point </a:t>
+            </a:r>
+            <a:r>
+              <a:rPr lang="fr-FR" baseline="0" dirty="0" err="1" smtClean="0"/>
+              <a:t>cloud</a:t>
+            </a:r>
+            <a:r>
+              <a:rPr lang="fr-FR" baseline="0" dirty="0" smtClean="0"/>
+              <a:t>, but w</a:t>
+            </a:r>
+            <a:r>
+              <a:rPr lang="en-US" dirty="0" smtClean="0"/>
+              <a:t>e present you this software in detail thereafter.</a:t>
+            </a:r>
+          </a:p>
+          <a:p>
+            <a:pPr marL="0" marR="0" indent="0" algn="l" defTabSz="914400" rtl="0" eaLnBrk="1" fontAlgn="auto" latinLnBrk="0" hangingPunct="1">
+              <a:lnSpc>
+                <a:spcPct val="100000"/>
+              </a:lnSpc>
+              <a:spcBef>
+                <a:spcPts val="0"/>
+              </a:spcBef>
+              <a:spcAft>
+                <a:spcPts val="0"/>
+              </a:spcAft>
+              <a:buClrTx/>
+              <a:buSzTx/>
+              <a:buFontTx/>
+              <a:buNone/>
+              <a:tabLst/>
+              <a:defRPr/>
+            </a:pPr>
+            <a:endParaRPr lang="en-US" dirty="0" smtClean="0"/>
+          </a:p>
+          <a:p>
+            <a:pPr marL="0" marR="0" indent="0" algn="l" defTabSz="914400" rtl="0" eaLnBrk="1" fontAlgn="auto" latinLnBrk="0" hangingPunct="1">
+              <a:lnSpc>
+                <a:spcPct val="100000"/>
+              </a:lnSpc>
+              <a:spcBef>
+                <a:spcPts val="0"/>
+              </a:spcBef>
+              <a:spcAft>
+                <a:spcPts val="0"/>
+              </a:spcAft>
+              <a:buClrTx/>
+              <a:buSzTx/>
+              <a:buFontTx/>
+              <a:buNone/>
+              <a:tabLst/>
+              <a:defRPr/>
+            </a:pPr>
+            <a:r>
+              <a:rPr lang="en-US" dirty="0" smtClean="0"/>
+              <a:t>So much for our goal. However, this project does not concern us only. As said quickly in introduction EDF is an actor (uninvolved but an actor anyway) but it's not the only one. So let introduce you to the people involved.</a:t>
+            </a:r>
+            <a:endParaRPr lang="fr-FR" dirty="0"/>
+          </a:p>
+        </p:txBody>
+      </p:sp>
+      <p:sp>
+        <p:nvSpPr>
+          <p:cNvPr id="4" name="Espace réservé du numéro de diapositive 3"/>
+          <p:cNvSpPr>
+            <a:spLocks noGrp="1"/>
+          </p:cNvSpPr>
+          <p:nvPr>
+            <p:ph type="sldNum" sz="quarter" idx="10"/>
+          </p:nvPr>
+        </p:nvSpPr>
+        <p:spPr/>
+        <p:txBody>
+          <a:bodyPr/>
+          <a:lstStyle/>
+          <a:p>
+            <a:fld id="{4591B0C5-0830-4071-9532-C38F6D3FACB2}" type="slidenum">
+              <a:rPr lang="fr-FR" smtClean="0"/>
+              <a:t>5</a:t>
+            </a:fld>
+            <a:endParaRPr lang="fr-FR"/>
+          </a:p>
+        </p:txBody>
+      </p:sp>
+    </p:spTree>
+    <p:extLst>
+      <p:ext uri="{BB962C8B-B14F-4D97-AF65-F5344CB8AC3E}">
+        <p14:creationId xmlns:p14="http://schemas.microsoft.com/office/powerpoint/2010/main" val="2589441266"/>
+      </p:ext>
+    </p:extLst>
+  </p:cSld>
+  <p:clrMapOvr>
+    <a:masterClrMapping/>
+  </p:clrMapOvr>
+</p:notes>
+</file>
+
+<file path=ppt/notesSlides/notesSlide5.xml><?xml version="1.0" encoding="utf-8"?>
+<p:notes xmlns:a="http://schemas.openxmlformats.org/drawingml/2006/main" xmlns:r="http://schemas.openxmlformats.org/officeDocument/2006/relationships" xmlns:p="http://schemas.openxmlformats.org/presentationml/2006/main">
+  <p:cSld>
+    <p:spTree>
+      <p:nvGrpSpPr>
+        <p:cNvPr id="1" name=""/>
+        <p:cNvGrpSpPr/>
+        <p:nvPr/>
+      </p:nvGrpSpPr>
+      <p:grpSpPr>
+        <a:xfrm>
+          <a:off x="0" y="0"/>
+          <a:ext cx="0" cy="0"/>
+          <a:chOff x="0" y="0"/>
+          <a:chExt cx="0" cy="0"/>
+        </a:xfrm>
+      </p:grpSpPr>
+      <p:sp>
+        <p:nvSpPr>
+          <p:cNvPr id="2" name="Espace réservé de l'image des diapositives 1"/>
+          <p:cNvSpPr>
+            <a:spLocks noGrp="1" noRot="1" noChangeAspect="1"/>
+          </p:cNvSpPr>
+          <p:nvPr>
+            <p:ph type="sldImg"/>
+          </p:nvPr>
+        </p:nvSpPr>
+        <p:spPr/>
+      </p:sp>
+      <p:sp>
+        <p:nvSpPr>
+          <p:cNvPr id="3" name="Espace réservé des commentaires 2"/>
+          <p:cNvSpPr>
+            <a:spLocks noGrp="1"/>
+          </p:cNvSpPr>
+          <p:nvPr>
+            <p:ph type="body" idx="1"/>
+          </p:nvPr>
+        </p:nvSpPr>
+        <p:spPr/>
+        <p:txBody>
+          <a:bodyPr/>
+          <a:lstStyle/>
+          <a:p>
+            <a:r>
+              <a:rPr lang="en-US" dirty="0" smtClean="0"/>
+              <a:t>Initially leaders, initiators of the project and our </a:t>
+            </a:r>
+            <a:r>
+              <a:rPr lang="en-US" dirty="0" err="1" smtClean="0"/>
+              <a:t>responsibles</a:t>
+            </a:r>
+            <a:r>
+              <a:rPr lang="en-US" dirty="0" smtClean="0"/>
+              <a:t> : …</a:t>
+            </a:r>
+          </a:p>
+          <a:p>
+            <a:endParaRPr lang="en-US" dirty="0" smtClean="0"/>
+          </a:p>
+          <a:p>
+            <a:r>
+              <a:rPr lang="en-US" dirty="0" smtClean="0"/>
+              <a:t>Then the head of the academic unit : …</a:t>
+            </a:r>
+          </a:p>
+          <a:p>
+            <a:endParaRPr lang="en-US" dirty="0" smtClean="0"/>
+          </a:p>
+          <a:p>
+            <a:r>
+              <a:rPr lang="en-US" dirty="0" smtClean="0"/>
+              <a:t>And finally we : …</a:t>
+            </a:r>
+          </a:p>
+          <a:p>
+            <a:endParaRPr lang="en-US" dirty="0" smtClean="0"/>
+          </a:p>
+          <a:p>
+            <a:r>
+              <a:rPr lang="en-US" dirty="0" smtClean="0"/>
+              <a:t>Now that we know the subject and all the actors in this project, we will present the different software used in it.</a:t>
+            </a:r>
+            <a:endParaRPr lang="fr-FR" dirty="0"/>
+          </a:p>
+        </p:txBody>
+      </p:sp>
+      <p:sp>
+        <p:nvSpPr>
+          <p:cNvPr id="4" name="Espace réservé du numéro de diapositive 3"/>
+          <p:cNvSpPr>
+            <a:spLocks noGrp="1"/>
+          </p:cNvSpPr>
+          <p:nvPr>
+            <p:ph type="sldNum" sz="quarter" idx="10"/>
+          </p:nvPr>
+        </p:nvSpPr>
+        <p:spPr/>
+        <p:txBody>
+          <a:bodyPr/>
+          <a:lstStyle/>
+          <a:p>
+            <a:fld id="{4591B0C5-0830-4071-9532-C38F6D3FACB2}" type="slidenum">
+              <a:rPr lang="fr-FR" smtClean="0"/>
+              <a:t>6</a:t>
+            </a:fld>
+            <a:endParaRPr lang="fr-FR"/>
+          </a:p>
+        </p:txBody>
+      </p:sp>
+    </p:spTree>
+    <p:extLst>
+      <p:ext uri="{BB962C8B-B14F-4D97-AF65-F5344CB8AC3E}">
+        <p14:creationId xmlns:p14="http://schemas.microsoft.com/office/powerpoint/2010/main" val="1730532838"/>
+      </p:ext>
+    </p:extLst>
+  </p:cSld>
+  <p:clrMapOvr>
+    <a:masterClrMapping/>
+  </p:clrMapOvr>
+</p:notes>
+</file>
+
+<file path=ppt/notesSlides/notesSlide6.xml><?xml version="1.0" encoding="utf-8"?>
+<p:notes xmlns:a="http://schemas.openxmlformats.org/drawingml/2006/main" xmlns:r="http://schemas.openxmlformats.org/officeDocument/2006/relationships" xmlns:p="http://schemas.openxmlformats.org/presentationml/2006/main">
+  <p:cSld>
+    <p:spTree>
+      <p:nvGrpSpPr>
+        <p:cNvPr id="1" name=""/>
+        <p:cNvGrpSpPr/>
+        <p:nvPr/>
+      </p:nvGrpSpPr>
+      <p:grpSpPr>
+        <a:xfrm>
+          <a:off x="0" y="0"/>
+          <a:ext cx="0" cy="0"/>
+          <a:chOff x="0" y="0"/>
+          <a:chExt cx="0" cy="0"/>
+        </a:xfrm>
+      </p:grpSpPr>
+      <p:sp>
+        <p:nvSpPr>
+          <p:cNvPr id="2" name="Espace réservé de l'image des diapositives 1"/>
+          <p:cNvSpPr>
+            <a:spLocks noGrp="1" noRot="1" noChangeAspect="1"/>
+          </p:cNvSpPr>
+          <p:nvPr>
+            <p:ph type="sldImg"/>
+          </p:nvPr>
+        </p:nvSpPr>
+        <p:spPr/>
+      </p:sp>
+      <p:sp>
+        <p:nvSpPr>
+          <p:cNvPr id="3" name="Espace réservé des commentaires 2"/>
+          <p:cNvSpPr>
+            <a:spLocks noGrp="1"/>
+          </p:cNvSpPr>
+          <p:nvPr>
+            <p:ph type="body" idx="1"/>
+          </p:nvPr>
+        </p:nvSpPr>
+        <p:spPr/>
+        <p:txBody>
+          <a:bodyPr/>
+          <a:lstStyle/>
+          <a:p>
+            <a:pPr marL="0" marR="0" indent="0" algn="l" defTabSz="914400" rtl="0" eaLnBrk="1" fontAlgn="auto" latinLnBrk="0" hangingPunct="1">
+              <a:lnSpc>
+                <a:spcPct val="100000"/>
+              </a:lnSpc>
+              <a:spcBef>
+                <a:spcPts val="0"/>
+              </a:spcBef>
+              <a:spcAft>
+                <a:spcPts val="0"/>
+              </a:spcAft>
+              <a:buClrTx/>
+              <a:buSzTx/>
+              <a:buFontTx/>
+              <a:buNone/>
+              <a:tabLst/>
+              <a:defRPr/>
+            </a:pPr>
+            <a:r>
+              <a:rPr lang="en-US" dirty="0" smtClean="0"/>
+              <a:t>Open source software available on multi OS. Users can interactively handle a point cloud or a triangle mesh.</a:t>
+            </a:r>
+          </a:p>
+          <a:p>
+            <a:pPr marL="0" marR="0" indent="0" algn="l" defTabSz="914400" rtl="0" eaLnBrk="1" fontAlgn="auto" latinLnBrk="0" hangingPunct="1">
+              <a:lnSpc>
+                <a:spcPct val="100000"/>
+              </a:lnSpc>
+              <a:spcBef>
+                <a:spcPts val="0"/>
+              </a:spcBef>
+              <a:spcAft>
+                <a:spcPts val="0"/>
+              </a:spcAft>
+              <a:buClrTx/>
+              <a:buSzTx/>
+              <a:buFontTx/>
+              <a:buNone/>
+              <a:tabLst/>
+              <a:defRPr/>
+            </a:pPr>
+            <a:endParaRPr lang="fr-FR" dirty="0" smtClean="0"/>
+          </a:p>
+          <a:p>
+            <a:pPr marL="0" marR="0" indent="0" algn="l" defTabSz="914400" rtl="0" eaLnBrk="1" fontAlgn="auto" latinLnBrk="0" hangingPunct="1">
+              <a:lnSpc>
+                <a:spcPct val="100000"/>
+              </a:lnSpc>
+              <a:spcBef>
+                <a:spcPts val="0"/>
+              </a:spcBef>
+              <a:spcAft>
+                <a:spcPts val="0"/>
+              </a:spcAft>
+              <a:buClrTx/>
+              <a:buSzTx/>
+              <a:buFontTx/>
+              <a:buNone/>
+              <a:tabLst/>
+              <a:defRPr/>
+            </a:pPr>
+            <a:r>
+              <a:rPr lang="en-US" dirty="0" err="1" smtClean="0"/>
+              <a:t>CloudCompare</a:t>
+            </a:r>
+            <a:r>
+              <a:rPr lang="en-US" dirty="0" smtClean="0"/>
+              <a:t> provides a set of basic tools for manually editing and rendering 3D points clouds</a:t>
+            </a:r>
+          </a:p>
+          <a:p>
+            <a:pPr marL="0" marR="0" indent="0" algn="l" defTabSz="914400" rtl="0" eaLnBrk="1" fontAlgn="auto" latinLnBrk="0" hangingPunct="1">
+              <a:lnSpc>
+                <a:spcPct val="100000"/>
+              </a:lnSpc>
+              <a:spcBef>
+                <a:spcPts val="0"/>
+              </a:spcBef>
+              <a:spcAft>
+                <a:spcPts val="0"/>
+              </a:spcAft>
+              <a:buClrTx/>
+              <a:buSzTx/>
+              <a:buFontTx/>
+              <a:buNone/>
+              <a:tabLst/>
+              <a:defRPr/>
+            </a:pPr>
+            <a:r>
+              <a:rPr lang="en-US" dirty="0" smtClean="0"/>
+              <a:t>So it</a:t>
+            </a:r>
+            <a:r>
+              <a:rPr lang="en-US" baseline="0" dirty="0" smtClean="0"/>
+              <a:t> has not been chosen randomly</a:t>
+            </a:r>
+            <a:endParaRPr lang="en-US" dirty="0" smtClean="0"/>
+          </a:p>
+          <a:p>
+            <a:endParaRPr lang="fr-FR" dirty="0" smtClean="0"/>
+          </a:p>
+          <a:p>
+            <a:pPr marL="0" marR="0" indent="0" algn="l" defTabSz="914400" rtl="0" eaLnBrk="1" fontAlgn="auto" latinLnBrk="0" hangingPunct="1">
+              <a:lnSpc>
+                <a:spcPct val="100000"/>
+              </a:lnSpc>
+              <a:spcBef>
+                <a:spcPts val="0"/>
+              </a:spcBef>
+              <a:spcAft>
+                <a:spcPts val="0"/>
+              </a:spcAft>
+              <a:buClrTx/>
+              <a:buSzTx/>
+              <a:buFontTx/>
+              <a:buNone/>
+              <a:tabLst/>
+              <a:defRPr/>
+            </a:pPr>
+            <a:r>
+              <a:rPr lang="fr-FR" dirty="0" err="1" smtClean="0"/>
+              <a:t>Allows</a:t>
+            </a:r>
+            <a:r>
+              <a:rPr lang="fr-FR" baseline="0" dirty="0" smtClean="0"/>
+              <a:t> </a:t>
+            </a:r>
+            <a:r>
+              <a:rPr lang="fr-FR" baseline="0" dirty="0" err="1" smtClean="0"/>
+              <a:t>users</a:t>
+            </a:r>
+            <a:r>
+              <a:rPr lang="fr-FR" baseline="0" dirty="0" smtClean="0"/>
+              <a:t> to </a:t>
+            </a:r>
+            <a:r>
+              <a:rPr lang="fr-FR" baseline="0" dirty="0" err="1" smtClean="0"/>
+              <a:t>write</a:t>
+            </a:r>
+            <a:r>
+              <a:rPr lang="fr-FR" baseline="0" dirty="0" smtClean="0"/>
+              <a:t> plugin in </a:t>
+            </a:r>
+            <a:r>
+              <a:rPr lang="fr-FR" baseline="0" dirty="0" err="1" smtClean="0"/>
+              <a:t>c</a:t>
+            </a:r>
+            <a:r>
+              <a:rPr lang="fr-FR" baseline="0" dirty="0" err="1" smtClean="0"/>
+              <a:t>++</a:t>
+            </a:r>
+            <a:r>
+              <a:rPr lang="fr-FR" baseline="0" dirty="0" smtClean="0"/>
+              <a:t> : Can </a:t>
+            </a:r>
+            <a:r>
+              <a:rPr lang="fr-FR" baseline="0" dirty="0" err="1" smtClean="0"/>
+              <a:t>using</a:t>
+            </a:r>
+            <a:r>
+              <a:rPr lang="fr-FR" baseline="0" dirty="0" smtClean="0"/>
+              <a:t> </a:t>
+            </a:r>
+            <a:r>
+              <a:rPr lang="fr-FR" baseline="0" dirty="0" err="1" smtClean="0"/>
+              <a:t>dummyModule</a:t>
+            </a:r>
+            <a:endParaRPr lang="fr-FR" baseline="0" dirty="0" smtClean="0"/>
+          </a:p>
+          <a:p>
+            <a:endParaRPr lang="fr-FR" baseline="0" dirty="0" smtClean="0"/>
+          </a:p>
+          <a:p>
+            <a:r>
+              <a:rPr lang="en-US" b="0" u="none" dirty="0" smtClean="0">
+                <a:solidFill>
+                  <a:schemeClr val="tx1"/>
+                </a:solidFill>
+              </a:rPr>
+              <a:t>Another software : Salome is </a:t>
+            </a:r>
+            <a:r>
+              <a:rPr lang="en-US" b="0" u="none" dirty="0" smtClean="0">
+                <a:solidFill>
+                  <a:schemeClr val="tx1"/>
+                </a:solidFill>
+                <a:hlinkClick r:id="rId3" tooltip="Free software"/>
+              </a:rPr>
+              <a:t>free software</a:t>
+            </a:r>
+            <a:r>
+              <a:rPr lang="en-US" b="0" u="none" dirty="0" smtClean="0">
+                <a:solidFill>
+                  <a:schemeClr val="tx1"/>
+                </a:solidFill>
+              </a:rPr>
+              <a:t> that provides a generic platform for Pre- and Post-Processing for </a:t>
+            </a:r>
+            <a:r>
+              <a:rPr lang="en-US" b="0" u="none" dirty="0" smtClean="0">
+                <a:solidFill>
+                  <a:schemeClr val="tx1"/>
+                </a:solidFill>
+                <a:hlinkClick r:id="rId4" tooltip="Numerical simulation"/>
+              </a:rPr>
+              <a:t>numerical simulation</a:t>
+            </a:r>
+            <a:r>
+              <a:rPr lang="en-US" b="0" u="none" dirty="0" smtClean="0">
+                <a:solidFill>
+                  <a:schemeClr val="tx1"/>
+                </a:solidFill>
+              </a:rPr>
+              <a:t>. It is based on an open and flexible architecture made of reusable components.</a:t>
+            </a:r>
+            <a:endParaRPr lang="fr-FR" b="0" u="none" dirty="0" smtClean="0">
+              <a:solidFill>
+                <a:schemeClr val="tx1"/>
+              </a:solidFill>
+            </a:endParaRPr>
+          </a:p>
+        </p:txBody>
+      </p:sp>
+      <p:sp>
+        <p:nvSpPr>
+          <p:cNvPr id="4" name="Espace réservé du numéro de diapositive 3"/>
+          <p:cNvSpPr>
+            <a:spLocks noGrp="1"/>
+          </p:cNvSpPr>
+          <p:nvPr>
+            <p:ph type="sldNum" sz="quarter" idx="10"/>
+          </p:nvPr>
+        </p:nvSpPr>
+        <p:spPr/>
+        <p:txBody>
+          <a:bodyPr/>
+          <a:lstStyle/>
+          <a:p>
+            <a:fld id="{4591B0C5-0830-4071-9532-C38F6D3FACB2}" type="slidenum">
+              <a:rPr lang="fr-FR" smtClean="0"/>
+              <a:t>7</a:t>
+            </a:fld>
+            <a:endParaRPr lang="fr-FR"/>
+          </a:p>
+        </p:txBody>
+      </p:sp>
+    </p:spTree>
+    <p:extLst>
+      <p:ext uri="{BB962C8B-B14F-4D97-AF65-F5344CB8AC3E}">
+        <p14:creationId xmlns:p14="http://schemas.microsoft.com/office/powerpoint/2010/main" val="2184774123"/>
+      </p:ext>
+    </p:extLst>
+  </p:cSld>
+  <p:clrMapOvr>
+    <a:masterClrMapping/>
+  </p:clrMapOvr>
+</p:notes>
+</file>
+
+<file path=ppt/notesSlides/notesSlide7.xml><?xml version="1.0" encoding="utf-8"?>
+<p:notes xmlns:a="http://schemas.openxmlformats.org/drawingml/2006/main" xmlns:r="http://schemas.openxmlformats.org/officeDocument/2006/relationships" xmlns:p="http://schemas.openxmlformats.org/presentationml/2006/main">
+  <p:cSld>
+    <p:spTree>
+      <p:nvGrpSpPr>
+        <p:cNvPr id="1" name=""/>
+        <p:cNvGrpSpPr/>
+        <p:nvPr/>
+      </p:nvGrpSpPr>
+      <p:grpSpPr>
+        <a:xfrm>
+          <a:off x="0" y="0"/>
+          <a:ext cx="0" cy="0"/>
+          <a:chOff x="0" y="0"/>
+          <a:chExt cx="0" cy="0"/>
+        </a:xfrm>
+      </p:grpSpPr>
+      <p:sp>
+        <p:nvSpPr>
+          <p:cNvPr id="2" name="Espace réservé de l'image des diapositives 1"/>
+          <p:cNvSpPr>
+            <a:spLocks noGrp="1" noRot="1" noChangeAspect="1"/>
+          </p:cNvSpPr>
+          <p:nvPr>
+            <p:ph type="sldImg"/>
+          </p:nvPr>
+        </p:nvSpPr>
+        <p:spPr/>
+      </p:sp>
+      <p:sp>
+        <p:nvSpPr>
+          <p:cNvPr id="3" name="Espace réservé des commentaires 2"/>
+          <p:cNvSpPr>
+            <a:spLocks noGrp="1"/>
+          </p:cNvSpPr>
+          <p:nvPr>
+            <p:ph type="body" idx="1"/>
+          </p:nvPr>
+        </p:nvSpPr>
+        <p:spPr/>
+        <p:txBody>
+          <a:bodyPr/>
+          <a:lstStyle/>
+          <a:p>
+            <a:r>
+              <a:rPr lang="en-US" dirty="0" smtClean="0"/>
+              <a:t>So we have our goals, and our software. But now it is necessary to define customer requirements (which we are so fixed) and that we set for ourselves.</a:t>
+            </a:r>
+          </a:p>
+          <a:p>
+            <a:endParaRPr lang="en-US" dirty="0" smtClean="0"/>
+          </a:p>
+          <a:p>
+            <a:r>
+              <a:rPr lang="en-US" dirty="0" smtClean="0"/>
+              <a:t>In</a:t>
+            </a:r>
+            <a:r>
+              <a:rPr lang="en-US" baseline="0" dirty="0" smtClean="0"/>
+              <a:t> a f</a:t>
+            </a:r>
+            <a:r>
+              <a:rPr lang="en-US" dirty="0" smtClean="0"/>
+              <a:t>irst time, the requirements set by others (responsible or academic) : …</a:t>
+            </a:r>
+          </a:p>
+          <a:p>
+            <a:endParaRPr lang="en-US" dirty="0" smtClean="0"/>
+          </a:p>
+          <a:p>
+            <a:r>
+              <a:rPr lang="en-US" dirty="0" smtClean="0"/>
+              <a:t>In a second time, ours : …</a:t>
+            </a:r>
+          </a:p>
+          <a:p>
+            <a:endParaRPr lang="en-US" dirty="0" smtClean="0"/>
+          </a:p>
+          <a:p>
+            <a:r>
+              <a:rPr lang="en-US" dirty="0" smtClean="0"/>
+              <a:t>Well, the subject is clear, and software requirements are too. Let us now see our organization in time.</a:t>
+            </a:r>
+            <a:endParaRPr lang="fr-FR" dirty="0"/>
+          </a:p>
+        </p:txBody>
+      </p:sp>
+      <p:sp>
+        <p:nvSpPr>
+          <p:cNvPr id="4" name="Espace réservé du numéro de diapositive 3"/>
+          <p:cNvSpPr>
+            <a:spLocks noGrp="1"/>
+          </p:cNvSpPr>
+          <p:nvPr>
+            <p:ph type="sldNum" sz="quarter" idx="10"/>
+          </p:nvPr>
+        </p:nvSpPr>
+        <p:spPr/>
+        <p:txBody>
+          <a:bodyPr/>
+          <a:lstStyle/>
+          <a:p>
+            <a:fld id="{4591B0C5-0830-4071-9532-C38F6D3FACB2}" type="slidenum">
+              <a:rPr lang="fr-FR" smtClean="0"/>
+              <a:t>8</a:t>
+            </a:fld>
+            <a:endParaRPr lang="fr-FR"/>
+          </a:p>
+        </p:txBody>
+      </p:sp>
+    </p:spTree>
+    <p:extLst>
+      <p:ext uri="{BB962C8B-B14F-4D97-AF65-F5344CB8AC3E}">
+        <p14:creationId xmlns:p14="http://schemas.microsoft.com/office/powerpoint/2010/main" val="696828848"/>
+      </p:ext>
+    </p:extLst>
+  </p:cSld>
+  <p:clrMapOvr>
+    <a:masterClrMapping/>
+  </p:clrMapOvr>
+</p:notes>
+</file>
+
+<file path=ppt/notesSlides/notesSlide8.xml><?xml version="1.0" encoding="utf-8"?>
+<p:notes xmlns:a="http://schemas.openxmlformats.org/drawingml/2006/main" xmlns:r="http://schemas.openxmlformats.org/officeDocument/2006/relationships" xmlns:p="http://schemas.openxmlformats.org/presentationml/2006/main">
+  <p:cSld>
+    <p:spTree>
+      <p:nvGrpSpPr>
+        <p:cNvPr id="1" name=""/>
+        <p:cNvGrpSpPr/>
+        <p:nvPr/>
+      </p:nvGrpSpPr>
+      <p:grpSpPr>
+        <a:xfrm>
+          <a:off x="0" y="0"/>
+          <a:ext cx="0" cy="0"/>
+          <a:chOff x="0" y="0"/>
+          <a:chExt cx="0" cy="0"/>
+        </a:xfrm>
+      </p:grpSpPr>
+      <p:sp>
+        <p:nvSpPr>
+          <p:cNvPr id="2" name="Espace réservé de l'image des diapositives 1"/>
+          <p:cNvSpPr>
+            <a:spLocks noGrp="1" noRot="1" noChangeAspect="1"/>
+          </p:cNvSpPr>
+          <p:nvPr>
+            <p:ph type="sldImg"/>
+          </p:nvPr>
+        </p:nvSpPr>
+        <p:spPr/>
+      </p:sp>
+      <p:sp>
+        <p:nvSpPr>
+          <p:cNvPr id="3" name="Espace réservé des commentaires 2"/>
+          <p:cNvSpPr>
+            <a:spLocks noGrp="1"/>
+          </p:cNvSpPr>
+          <p:nvPr>
+            <p:ph type="body" idx="1"/>
+          </p:nvPr>
+        </p:nvSpPr>
+        <p:spPr/>
+        <p:txBody>
+          <a:bodyPr/>
+          <a:lstStyle/>
+          <a:p>
+            <a:r>
+              <a:rPr lang="en-US" dirty="0" smtClean="0"/>
+              <a:t>The Gantt chart presented above is only a tool and overviews of our organization. We're spread spots and have thus set some deadline intermediary.</a:t>
+            </a:r>
+          </a:p>
+          <a:p>
+            <a:endParaRPr lang="en-US" dirty="0" smtClean="0"/>
+          </a:p>
+          <a:p>
+            <a:r>
+              <a:rPr lang="en-US" dirty="0" smtClean="0"/>
+              <a:t>[...]</a:t>
+            </a:r>
+          </a:p>
+          <a:p>
+            <a:endParaRPr lang="en-US" dirty="0" smtClean="0"/>
+          </a:p>
+          <a:p>
+            <a:r>
+              <a:rPr lang="en-US" dirty="0" smtClean="0"/>
+              <a:t>Of course this is the only one provisional schedule, it is obvious that it can not be observed to the letter. This is explained by the fact that we tried we organized in providing for the risks but can not however foresee everything. Besides, what are the risks?</a:t>
+            </a:r>
+            <a:endParaRPr lang="fr-FR" dirty="0"/>
+          </a:p>
+        </p:txBody>
+      </p:sp>
+      <p:sp>
+        <p:nvSpPr>
+          <p:cNvPr id="4" name="Espace réservé du numéro de diapositive 3"/>
+          <p:cNvSpPr>
+            <a:spLocks noGrp="1"/>
+          </p:cNvSpPr>
+          <p:nvPr>
+            <p:ph type="sldNum" sz="quarter" idx="10"/>
+          </p:nvPr>
+        </p:nvSpPr>
+        <p:spPr/>
+        <p:txBody>
+          <a:bodyPr/>
+          <a:lstStyle/>
+          <a:p>
+            <a:fld id="{4591B0C5-0830-4071-9532-C38F6D3FACB2}" type="slidenum">
+              <a:rPr lang="fr-FR" smtClean="0"/>
+              <a:t>9</a:t>
+            </a:fld>
+            <a:endParaRPr lang="fr-FR"/>
+          </a:p>
+        </p:txBody>
+      </p:sp>
+    </p:spTree>
+    <p:extLst>
+      <p:ext uri="{BB962C8B-B14F-4D97-AF65-F5344CB8AC3E}">
+        <p14:creationId xmlns:p14="http://schemas.microsoft.com/office/powerpoint/2010/main" val="3721735744"/>
+      </p:ext>
+    </p:extLst>
+  </p:cSld>
+  <p:clrMapOvr>
+    <a:masterClrMapping/>
+  </p:clrMapOvr>
+</p:notes>
+</file>
+
+<file path=ppt/notesSlides/notesSlide9.xml><?xml version="1.0" encoding="utf-8"?>
+<p:notes xmlns:a="http://schemas.openxmlformats.org/drawingml/2006/main" xmlns:r="http://schemas.openxmlformats.org/officeDocument/2006/relationships" xmlns:p="http://schemas.openxmlformats.org/presentationml/2006/main">
+  <p:cSld>
+    <p:spTree>
+      <p:nvGrpSpPr>
+        <p:cNvPr id="1" name=""/>
+        <p:cNvGrpSpPr/>
+        <p:nvPr/>
+      </p:nvGrpSpPr>
+      <p:grpSpPr>
+        <a:xfrm>
+          <a:off x="0" y="0"/>
+          <a:ext cx="0" cy="0"/>
+          <a:chOff x="0" y="0"/>
+          <a:chExt cx="0" cy="0"/>
+        </a:xfrm>
+      </p:grpSpPr>
+      <p:sp>
+        <p:nvSpPr>
+          <p:cNvPr id="2" name="Espace réservé de l'image des diapositives 1"/>
+          <p:cNvSpPr>
+            <a:spLocks noGrp="1" noRot="1" noChangeAspect="1"/>
+          </p:cNvSpPr>
+          <p:nvPr>
+            <p:ph type="sldImg"/>
+          </p:nvPr>
+        </p:nvSpPr>
+        <p:spPr/>
+      </p:sp>
+      <p:sp>
+        <p:nvSpPr>
+          <p:cNvPr id="3" name="Espace réservé des commentaires 2"/>
+          <p:cNvSpPr>
+            <a:spLocks noGrp="1"/>
+          </p:cNvSpPr>
+          <p:nvPr>
+            <p:ph type="body" idx="1"/>
+          </p:nvPr>
+        </p:nvSpPr>
+        <p:spPr/>
+        <p:txBody>
+          <a:bodyPr/>
+          <a:lstStyle/>
+          <a:p>
+            <a:r>
+              <a:rPr lang="en-US" dirty="0" smtClean="0"/>
+              <a:t>[…]</a:t>
+            </a:r>
+          </a:p>
+          <a:p>
+            <a:endParaRPr lang="en-US" dirty="0" smtClean="0"/>
+          </a:p>
+          <a:p>
+            <a:r>
+              <a:rPr lang="en-US" dirty="0" smtClean="0"/>
+              <a:t>We have presented a certain amount of risks that we anticipated and analyzed, and thus we have found some few</a:t>
+            </a:r>
+            <a:r>
+              <a:rPr lang="en-US" baseline="0" dirty="0" smtClean="0"/>
+              <a:t> </a:t>
+            </a:r>
+            <a:r>
+              <a:rPr lang="en-US" dirty="0" smtClean="0"/>
+              <a:t>solutions.</a:t>
+            </a:r>
+            <a:endParaRPr lang="fr-FR" dirty="0" smtClean="0"/>
+          </a:p>
+        </p:txBody>
+      </p:sp>
+      <p:sp>
+        <p:nvSpPr>
+          <p:cNvPr id="4" name="Espace réservé du numéro de diapositive 3"/>
+          <p:cNvSpPr>
+            <a:spLocks noGrp="1"/>
+          </p:cNvSpPr>
+          <p:nvPr>
+            <p:ph type="sldNum" sz="quarter" idx="10"/>
+          </p:nvPr>
+        </p:nvSpPr>
+        <p:spPr/>
+        <p:txBody>
+          <a:bodyPr/>
+          <a:lstStyle/>
+          <a:p>
+            <a:fld id="{4591B0C5-0830-4071-9532-C38F6D3FACB2}" type="slidenum">
+              <a:rPr lang="fr-FR" smtClean="0"/>
+              <a:t>10</a:t>
+            </a:fld>
+            <a:endParaRPr lang="fr-FR"/>
+          </a:p>
+        </p:txBody>
+      </p:sp>
+    </p:spTree>
+    <p:extLst>
+      <p:ext uri="{BB962C8B-B14F-4D97-AF65-F5344CB8AC3E}">
+        <p14:creationId xmlns:p14="http://schemas.microsoft.com/office/powerpoint/2010/main" val="3508688229"/>
+      </p:ext>
+    </p:extLst>
+  </p:cSld>
+  <p:clrMapOvr>
+    <a:masterClrMapping/>
+  </p:clrMapOvr>
+</p:notes>
+</file>
+
 <file path=ppt/slideLayouts/slideLayout1.xml><?xml version="1.0" encoding="utf-8"?>
 <p:sldLayout xmlns:a="http://schemas.openxmlformats.org/drawingml/2006/main" xmlns:r="http://schemas.openxmlformats.org/officeDocument/2006/relationships" xmlns:p="http://schemas.openxmlformats.org/presentationml/2006/main" type="title" preserve="1">
   <p:cSld name="Diapositive de titre">
@@ -292,7 +2281,7 @@
           <a:p>
             <a:fld id="{5AC2F450-EA90-4DF9-835C-1781C18C8735}" type="datetimeFigureOut">
               <a:rPr lang="fr-FR" smtClean="0"/>
-              <a:t>09/12/2015</a:t>
+              <a:t>14/12/2015</a:t>
             </a:fld>
             <a:endParaRPr lang="fr-FR" dirty="0"/>
           </a:p>
@@ -457,7 +2446,7 @@
           <a:p>
             <a:fld id="{5AC2F450-EA90-4DF9-835C-1781C18C8735}" type="datetimeFigureOut">
               <a:rPr lang="fr-FR" smtClean="0"/>
-              <a:t>09/12/2015</a:t>
+              <a:t>14/12/2015</a:t>
             </a:fld>
             <a:endParaRPr lang="fr-FR" dirty="0"/>
           </a:p>
@@ -632,7 +2621,7 @@
           <a:p>
             <a:fld id="{5AC2F450-EA90-4DF9-835C-1781C18C8735}" type="datetimeFigureOut">
               <a:rPr lang="fr-FR" smtClean="0"/>
-              <a:t>09/12/2015</a:t>
+              <a:t>14/12/2015</a:t>
             </a:fld>
             <a:endParaRPr lang="fr-FR" dirty="0"/>
           </a:p>
@@ -797,7 +2786,7 @@
           <a:p>
             <a:fld id="{5AC2F450-EA90-4DF9-835C-1781C18C8735}" type="datetimeFigureOut">
               <a:rPr lang="fr-FR" smtClean="0"/>
-              <a:t>09/12/2015</a:t>
+              <a:t>14/12/2015</a:t>
             </a:fld>
             <a:endParaRPr lang="fr-FR" dirty="0"/>
           </a:p>
@@ -1038,7 +3027,7 @@
           <a:p>
             <a:fld id="{5AC2F450-EA90-4DF9-835C-1781C18C8735}" type="datetimeFigureOut">
               <a:rPr lang="fr-FR" smtClean="0"/>
-              <a:t>09/12/2015</a:t>
+              <a:t>14/12/2015</a:t>
             </a:fld>
             <a:endParaRPr lang="fr-FR" dirty="0"/>
           </a:p>
@@ -1321,7 +3310,7 @@
           <a:p>
             <a:fld id="{5AC2F450-EA90-4DF9-835C-1781C18C8735}" type="datetimeFigureOut">
               <a:rPr lang="fr-FR" smtClean="0"/>
-              <a:t>09/12/2015</a:t>
+              <a:t>14/12/2015</a:t>
             </a:fld>
             <a:endParaRPr lang="fr-FR" dirty="0"/>
           </a:p>
@@ -1738,7 +3727,7 @@
           <a:p>
             <a:fld id="{5AC2F450-EA90-4DF9-835C-1781C18C8735}" type="datetimeFigureOut">
               <a:rPr lang="fr-FR" smtClean="0"/>
-              <a:t>09/12/2015</a:t>
+              <a:t>14/12/2015</a:t>
             </a:fld>
             <a:endParaRPr lang="fr-FR" dirty="0"/>
           </a:p>
@@ -1851,7 +3840,7 @@
           <a:p>
             <a:fld id="{5AC2F450-EA90-4DF9-835C-1781C18C8735}" type="datetimeFigureOut">
               <a:rPr lang="fr-FR" smtClean="0"/>
-              <a:t>09/12/2015</a:t>
+              <a:t>14/12/2015</a:t>
             </a:fld>
             <a:endParaRPr lang="fr-FR" dirty="0"/>
           </a:p>
@@ -1941,7 +3930,7 @@
           <a:p>
             <a:fld id="{5AC2F450-EA90-4DF9-835C-1781C18C8735}" type="datetimeFigureOut">
               <a:rPr lang="fr-FR" smtClean="0"/>
-              <a:t>09/12/2015</a:t>
+              <a:t>14/12/2015</a:t>
             </a:fld>
             <a:endParaRPr lang="fr-FR" dirty="0"/>
           </a:p>
@@ -2213,7 +4202,7 @@
           <a:p>
             <a:fld id="{5AC2F450-EA90-4DF9-835C-1781C18C8735}" type="datetimeFigureOut">
               <a:rPr lang="fr-FR" smtClean="0"/>
-              <a:t>09/12/2015</a:t>
+              <a:t>14/12/2015</a:t>
             </a:fld>
             <a:endParaRPr lang="fr-FR" dirty="0"/>
           </a:p>
@@ -2461,7 +4450,7 @@
           <a:p>
             <a:fld id="{5AC2F450-EA90-4DF9-835C-1781C18C8735}" type="datetimeFigureOut">
               <a:rPr lang="fr-FR" smtClean="0"/>
-              <a:t>09/12/2015</a:t>
+              <a:t>14/12/2015</a:t>
             </a:fld>
             <a:endParaRPr lang="fr-FR" dirty="0"/>
           </a:p>
@@ -2669,7 +4658,7 @@
           <a:p>
             <a:fld id="{5AC2F450-EA90-4DF9-835C-1781C18C8735}" type="datetimeFigureOut">
               <a:rPr lang="fr-FR" smtClean="0"/>
-              <a:t>09/12/2015</a:t>
+              <a:t>14/12/2015</a:t>
             </a:fld>
             <a:endParaRPr lang="fr-FR" dirty="0"/>
           </a:p>
@@ -3076,7 +5065,57 @@
                 <a:latin typeface="Times New Roman" pitchFamily="18" charset="0"/>
                 <a:cs typeface="Times New Roman" pitchFamily="18" charset="0"/>
               </a:rPr>
-              <a:t>Présentation Projet </a:t>
+              <a:t>Point Cloud Segmentation :</a:t>
+            </a:r>
+            <a:br>
+              <a:rPr lang="fr-FR" b="1" u="sng" dirty="0" smtClean="0">
+                <a:solidFill>
+                  <a:srgbClr val="0070C0"/>
+                </a:solidFill>
+                <a:effectLst>
+                  <a:outerShdw blurRad="38100" dist="38100" dir="2700000" algn="tl">
+                    <a:srgbClr val="000000">
+                      <a:alpha val="43137"/>
+                    </a:srgbClr>
+                  </a:outerShdw>
+                </a:effectLst>
+                <a:latin typeface="Times New Roman" pitchFamily="18" charset="0"/>
+                <a:cs typeface="Times New Roman" pitchFamily="18" charset="0"/>
+              </a:rPr>
+            </a:br>
+            <a:r>
+              <a:rPr lang="fr-FR" b="1" u="sng" dirty="0" smtClean="0">
+                <a:solidFill>
+                  <a:srgbClr val="0070C0"/>
+                </a:solidFill>
+                <a:effectLst>
+                  <a:outerShdw blurRad="38100" dist="38100" dir="2700000" algn="tl">
+                    <a:srgbClr val="000000">
+                      <a:alpha val="43137"/>
+                    </a:srgbClr>
+                  </a:outerShdw>
+                </a:effectLst>
+                <a:latin typeface="Times New Roman" pitchFamily="18" charset="0"/>
+                <a:cs typeface="Times New Roman" pitchFamily="18" charset="0"/>
+              </a:rPr>
+              <a:t>Plugin </a:t>
+            </a:r>
+            <a:r>
+              <a:rPr lang="fr-FR" b="1" u="sng" dirty="0" err="1" smtClean="0">
+                <a:solidFill>
+                  <a:srgbClr val="0070C0"/>
+                </a:solidFill>
+                <a:effectLst>
+                  <a:outerShdw blurRad="38100" dist="38100" dir="2700000" algn="tl">
+                    <a:srgbClr val="000000">
+                      <a:alpha val="43137"/>
+                    </a:srgbClr>
+                  </a:outerShdw>
+                </a:effectLst>
+                <a:latin typeface="Times New Roman" pitchFamily="18" charset="0"/>
+                <a:cs typeface="Times New Roman" pitchFamily="18" charset="0"/>
+              </a:rPr>
+              <a:t>development</a:t>
             </a:r>
             <a:endParaRPr lang="fr-FR" b="1" u="sng" dirty="0">
               <a:solidFill>
@@ -3125,15 +5164,7 @@
           <a:p>
             <a:r>
               <a:rPr lang="fr-FR" sz="2400" dirty="0" smtClean="0"/>
-              <a:t>SEGURET</a:t>
-            </a:r>
-            <a:r>
-              <a:rPr lang="fr-FR" sz="2400" dirty="0" smtClean="0"/>
-              <a:t> </a:t>
-            </a:r>
-            <a:r>
-              <a:rPr lang="fr-FR" sz="2400" dirty="0" smtClean="0"/>
-              <a:t>Aymeric  – M2 Mia parcours GICAO</a:t>
+              <a:t>SEGURET Aymeric  – M2 Mia parcours GICAO</a:t>
             </a:r>
             <a:endParaRPr lang="fr-FR" sz="2400" dirty="0"/>
           </a:p>
@@ -3247,7 +5278,7 @@
 </p:sld>
 </file>
 
-<file path=ppt/slides/slide2.xml><?xml version="1.0" encoding="utf-8"?>
+<file path=ppt/slides/slide10.xml><?xml version="1.0" encoding="utf-8"?>
 <p:sld xmlns:a="http://schemas.openxmlformats.org/drawingml/2006/main" xmlns:r="http://schemas.openxmlformats.org/officeDocument/2006/relationships" xmlns:p="http://schemas.openxmlformats.org/presentationml/2006/main">
   <p:cSld>
     <p:spTree>
@@ -3280,6 +5311,631 @@
           <a:lstStyle/>
           <a:p>
             <a:r>
+              <a:rPr lang="fr-FR" b="1" u="sng" dirty="0" err="1" smtClean="0">
+                <a:solidFill>
+                  <a:srgbClr val="0070C0"/>
+                </a:solidFill>
+                <a:latin typeface="Times New Roman" pitchFamily="18" charset="0"/>
+                <a:cs typeface="Times New Roman" pitchFamily="18" charset="0"/>
+              </a:rPr>
+              <a:t>Risks</a:t>
+            </a:r>
+            <a:endParaRPr lang="fr-FR" dirty="0"/>
+          </a:p>
+        </p:txBody>
+      </p:sp>
+      <p:sp>
+        <p:nvSpPr>
+          <p:cNvPr id="3" name="Espace réservé du contenu 2"/>
+          <p:cNvSpPr>
+            <a:spLocks noGrp="1"/>
+          </p:cNvSpPr>
+          <p:nvPr>
+            <p:ph idx="1"/>
+          </p:nvPr>
+        </p:nvSpPr>
+        <p:spPr/>
+        <p:txBody>
+          <a:bodyPr/>
+          <a:lstStyle/>
+          <a:p>
+            <a:pPr marL="0" indent="0" algn="just">
+              <a:spcBef>
+                <a:spcPts val="0"/>
+              </a:spcBef>
+              <a:buNone/>
+            </a:pPr>
+            <a:r>
+              <a:rPr lang="fr-FR" dirty="0" err="1" smtClean="0"/>
+              <a:t>We</a:t>
+            </a:r>
+            <a:r>
+              <a:rPr lang="fr-FR" dirty="0" smtClean="0"/>
+              <a:t> are n</a:t>
+            </a:r>
+            <a:r>
+              <a:rPr lang="fr-FR" dirty="0" smtClean="0"/>
+              <a:t>ot </a:t>
+            </a:r>
+            <a:r>
+              <a:rPr lang="fr-FR" dirty="0" err="1" smtClean="0"/>
+              <a:t>admin</a:t>
+            </a:r>
+            <a:r>
+              <a:rPr lang="fr-FR" dirty="0" smtClean="0"/>
+              <a:t> on network</a:t>
+            </a:r>
+          </a:p>
+          <a:p>
+            <a:pPr marL="0" indent="0" algn="just">
+              <a:spcBef>
+                <a:spcPts val="0"/>
+              </a:spcBef>
+              <a:buNone/>
+            </a:pPr>
+            <a:endParaRPr lang="fr-FR" dirty="0"/>
+          </a:p>
+          <a:p>
+            <a:pPr marL="0" indent="0" algn="just">
+              <a:spcBef>
+                <a:spcPts val="0"/>
+              </a:spcBef>
+              <a:buNone/>
+            </a:pPr>
+            <a:r>
+              <a:rPr lang="fr-FR" dirty="0" smtClean="0"/>
+              <a:t>Size of the Data (3,5 GB</a:t>
+            </a:r>
+            <a:r>
+              <a:rPr lang="fr-FR" dirty="0" smtClean="0"/>
+              <a:t>)</a:t>
+            </a:r>
+            <a:endParaRPr lang="fr-FR" dirty="0" smtClean="0"/>
+          </a:p>
+          <a:p>
+            <a:pPr marL="0" indent="0" algn="just">
+              <a:spcBef>
+                <a:spcPts val="0"/>
+              </a:spcBef>
+              <a:buNone/>
+            </a:pPr>
+            <a:endParaRPr lang="fr-FR" dirty="0"/>
+          </a:p>
+          <a:p>
+            <a:pPr marL="0" indent="0" algn="just">
+              <a:spcBef>
+                <a:spcPts val="0"/>
+              </a:spcBef>
+              <a:buNone/>
+            </a:pPr>
+            <a:r>
+              <a:rPr lang="fr-FR" dirty="0"/>
+              <a:t>Shape </a:t>
+            </a:r>
+            <a:r>
+              <a:rPr lang="fr-FR" dirty="0" smtClean="0"/>
+              <a:t>recognition : </a:t>
+            </a:r>
+            <a:r>
+              <a:rPr lang="fr-FR" dirty="0" err="1" smtClean="0"/>
+              <a:t>thesis</a:t>
+            </a:r>
+            <a:r>
+              <a:rPr lang="fr-FR" dirty="0" smtClean="0"/>
+              <a:t> &amp; </a:t>
+            </a:r>
+            <a:r>
+              <a:rPr lang="fr-FR" dirty="0" err="1" smtClean="0"/>
+              <a:t>search</a:t>
+            </a:r>
+            <a:endParaRPr lang="fr-FR" dirty="0" smtClean="0"/>
+          </a:p>
+          <a:p>
+            <a:pPr marL="0" indent="0" algn="just">
+              <a:spcBef>
+                <a:spcPts val="0"/>
+              </a:spcBef>
+              <a:buNone/>
+            </a:pPr>
+            <a:endParaRPr lang="fr-FR" dirty="0" smtClean="0"/>
+          </a:p>
+          <a:p>
+            <a:pPr marL="0" indent="0" algn="just">
+              <a:spcBef>
+                <a:spcPts val="0"/>
+              </a:spcBef>
+              <a:buNone/>
+            </a:pPr>
+            <a:r>
+              <a:rPr lang="fr-FR" dirty="0" smtClean="0"/>
+              <a:t>No optimal </a:t>
+            </a:r>
+            <a:r>
+              <a:rPr lang="fr-FR" dirty="0" err="1" smtClean="0"/>
+              <a:t>algorithms</a:t>
+            </a:r>
+            <a:r>
+              <a:rPr lang="fr-FR" dirty="0" smtClean="0"/>
+              <a:t>/solution</a:t>
+            </a:r>
+            <a:endParaRPr lang="fr-FR" dirty="0"/>
+          </a:p>
+          <a:p>
+            <a:pPr marL="0" indent="0" algn="just">
+              <a:spcBef>
+                <a:spcPts val="0"/>
+              </a:spcBef>
+              <a:buNone/>
+            </a:pPr>
+            <a:endParaRPr lang="fr-FR" dirty="0"/>
+          </a:p>
+          <a:p>
+            <a:pPr marL="0" indent="0" algn="just">
+              <a:spcBef>
+                <a:spcPts val="0"/>
+              </a:spcBef>
+              <a:buNone/>
+            </a:pPr>
+            <a:r>
+              <a:rPr lang="fr-FR" dirty="0" err="1"/>
+              <a:t>Work</a:t>
+            </a:r>
+            <a:r>
+              <a:rPr lang="fr-FR" dirty="0"/>
+              <a:t> </a:t>
+            </a:r>
+            <a:r>
+              <a:rPr lang="fr-FR" dirty="0" err="1" smtClean="0"/>
+              <a:t>overload</a:t>
+            </a:r>
+            <a:endParaRPr lang="fr-FR" dirty="0" smtClean="0"/>
+          </a:p>
+          <a:p>
+            <a:pPr marL="0" indent="0" algn="just">
+              <a:spcBef>
+                <a:spcPts val="0"/>
+              </a:spcBef>
+              <a:buNone/>
+            </a:pPr>
+            <a:endParaRPr lang="fr-FR" dirty="0"/>
+          </a:p>
+        </p:txBody>
+      </p:sp>
+      <p:pic>
+        <p:nvPicPr>
+          <p:cNvPr id="5122" name="Picture 2" descr="http://m.c.lnkd.licdn.com/mpr/mpr/p/4/005/086/00c/1d1d20c.jpg"/>
+          <p:cNvPicPr>
+            <a:picLocks noChangeAspect="1" noChangeArrowheads="1"/>
+          </p:cNvPicPr>
+          <p:nvPr/>
+        </p:nvPicPr>
+        <p:blipFill>
+          <a:blip r:embed="rId3">
+            <a:extLst>
+              <a:ext uri="{28A0092B-C50C-407E-A947-70E740481C1C}">
+                <a14:useLocalDpi xmlns:a14="http://schemas.microsoft.com/office/drawing/2010/main" val="0"/>
+              </a:ext>
+            </a:extLst>
+          </a:blip>
+          <a:srcRect/>
+          <a:stretch>
+            <a:fillRect/>
+          </a:stretch>
+        </p:blipFill>
+        <p:spPr bwMode="auto">
+          <a:xfrm>
+            <a:off x="6009811" y="4857724"/>
+            <a:ext cx="2957801" cy="2000276"/>
+          </a:xfrm>
+          <a:prstGeom prst="rect">
+            <a:avLst/>
+          </a:prstGeom>
+          <a:noFill/>
+          <a:extLst>
+            <a:ext uri="{909E8E84-426E-40DD-AFC4-6F175D3DCCD1}">
+              <a14:hiddenFill xmlns:a14="http://schemas.microsoft.com/office/drawing/2010/main">
+                <a:solidFill>
+                  <a:srgbClr val="FFFFFF"/>
+                </a:solidFill>
+              </a14:hiddenFill>
+            </a:ext>
+          </a:extLst>
+        </p:spPr>
+      </p:pic>
+    </p:spTree>
+    <p:extLst>
+      <p:ext uri="{BB962C8B-B14F-4D97-AF65-F5344CB8AC3E}">
+        <p14:creationId xmlns:p14="http://schemas.microsoft.com/office/powerpoint/2010/main" val="3116936156"/>
+      </p:ext>
+    </p:extLst>
+  </p:cSld>
+  <p:clrMapOvr>
+    <a:masterClrMapping/>
+  </p:clrMapOvr>
+  <p:timing>
+    <p:tnLst>
+      <p:par>
+        <p:cTn id="1" dur="indefinite" restart="never" nodeType="tmRoot">
+          <p:childTnLst>
+            <p:seq concurrent="1" nextAc="seek">
+              <p:cTn id="2" dur="indefinite" nodeType="mainSeq">
+                <p:childTnLst>
+                  <p:par>
+                    <p:cTn id="3" fill="hold">
+                      <p:stCondLst>
+                        <p:cond delay="indefinite"/>
+                      </p:stCondLst>
+                      <p:childTnLst>
+                        <p:par>
+                          <p:cTn id="4" fill="hold">
+                            <p:stCondLst>
+                              <p:cond delay="0"/>
+                            </p:stCondLst>
+                            <p:childTnLst>
+                              <p:par>
+                                <p:cTn id="5" presetID="10" presetClass="entr" presetSubtype="0" fill="hold" grpId="0" nodeType="clickEffect">
+                                  <p:stCondLst>
+                                    <p:cond delay="0"/>
+                                  </p:stCondLst>
+                                  <p:childTnLst>
+                                    <p:set>
+                                      <p:cBhvr>
+                                        <p:cTn id="6" dur="1" fill="hold">
+                                          <p:stCondLst>
+                                            <p:cond delay="0"/>
+                                          </p:stCondLst>
+                                        </p:cTn>
+                                        <p:tgtEl>
+                                          <p:spTgt spid="3">
+                                            <p:txEl>
+                                              <p:pRg st="0" end="0"/>
+                                            </p:txEl>
+                                          </p:spTgt>
+                                        </p:tgtEl>
+                                        <p:attrNameLst>
+                                          <p:attrName>style.visibility</p:attrName>
+                                        </p:attrNameLst>
+                                      </p:cBhvr>
+                                      <p:to>
+                                        <p:strVal val="visible"/>
+                                      </p:to>
+                                    </p:set>
+                                    <p:animEffect transition="in" filter="fade">
+                                      <p:cBhvr>
+                                        <p:cTn id="7" dur="500"/>
+                                        <p:tgtEl>
+                                          <p:spTgt spid="3">
+                                            <p:txEl>
+                                              <p:pRg st="0" end="0"/>
+                                            </p:txEl>
+                                          </p:spTgt>
+                                        </p:tgtEl>
+                                      </p:cBhvr>
+                                    </p:animEffect>
+                                  </p:childTnLst>
+                                </p:cTn>
+                              </p:par>
+                            </p:childTnLst>
+                          </p:cTn>
+                        </p:par>
+                      </p:childTnLst>
+                    </p:cTn>
+                  </p:par>
+                  <p:par>
+                    <p:cTn id="8" fill="hold">
+                      <p:stCondLst>
+                        <p:cond delay="indefinite"/>
+                      </p:stCondLst>
+                      <p:childTnLst>
+                        <p:par>
+                          <p:cTn id="9" fill="hold">
+                            <p:stCondLst>
+                              <p:cond delay="0"/>
+                            </p:stCondLst>
+                            <p:childTnLst>
+                              <p:par>
+                                <p:cTn id="10" presetID="10" presetClass="entr" presetSubtype="0" fill="hold" grpId="0" nodeType="clickEffect">
+                                  <p:stCondLst>
+                                    <p:cond delay="0"/>
+                                  </p:stCondLst>
+                                  <p:childTnLst>
+                                    <p:set>
+                                      <p:cBhvr>
+                                        <p:cTn id="11" dur="1" fill="hold">
+                                          <p:stCondLst>
+                                            <p:cond delay="0"/>
+                                          </p:stCondLst>
+                                        </p:cTn>
+                                        <p:tgtEl>
+                                          <p:spTgt spid="3">
+                                            <p:txEl>
+                                              <p:pRg st="2" end="2"/>
+                                            </p:txEl>
+                                          </p:spTgt>
+                                        </p:tgtEl>
+                                        <p:attrNameLst>
+                                          <p:attrName>style.visibility</p:attrName>
+                                        </p:attrNameLst>
+                                      </p:cBhvr>
+                                      <p:to>
+                                        <p:strVal val="visible"/>
+                                      </p:to>
+                                    </p:set>
+                                    <p:animEffect transition="in" filter="fade">
+                                      <p:cBhvr>
+                                        <p:cTn id="12" dur="500"/>
+                                        <p:tgtEl>
+                                          <p:spTgt spid="3">
+                                            <p:txEl>
+                                              <p:pRg st="2" end="2"/>
+                                            </p:txEl>
+                                          </p:spTgt>
+                                        </p:tgtEl>
+                                      </p:cBhvr>
+                                    </p:animEffect>
+                                  </p:childTnLst>
+                                </p:cTn>
+                              </p:par>
+                            </p:childTnLst>
+                          </p:cTn>
+                        </p:par>
+                      </p:childTnLst>
+                    </p:cTn>
+                  </p:par>
+                  <p:par>
+                    <p:cTn id="13" fill="hold">
+                      <p:stCondLst>
+                        <p:cond delay="indefinite"/>
+                      </p:stCondLst>
+                      <p:childTnLst>
+                        <p:par>
+                          <p:cTn id="14" fill="hold">
+                            <p:stCondLst>
+                              <p:cond delay="0"/>
+                            </p:stCondLst>
+                            <p:childTnLst>
+                              <p:par>
+                                <p:cTn id="15" presetID="10" presetClass="entr" presetSubtype="0" fill="hold" grpId="0" nodeType="clickEffect">
+                                  <p:stCondLst>
+                                    <p:cond delay="0"/>
+                                  </p:stCondLst>
+                                  <p:childTnLst>
+                                    <p:set>
+                                      <p:cBhvr>
+                                        <p:cTn id="16" dur="1" fill="hold">
+                                          <p:stCondLst>
+                                            <p:cond delay="0"/>
+                                          </p:stCondLst>
+                                        </p:cTn>
+                                        <p:tgtEl>
+                                          <p:spTgt spid="3">
+                                            <p:txEl>
+                                              <p:pRg st="4" end="4"/>
+                                            </p:txEl>
+                                          </p:spTgt>
+                                        </p:tgtEl>
+                                        <p:attrNameLst>
+                                          <p:attrName>style.visibility</p:attrName>
+                                        </p:attrNameLst>
+                                      </p:cBhvr>
+                                      <p:to>
+                                        <p:strVal val="visible"/>
+                                      </p:to>
+                                    </p:set>
+                                    <p:animEffect transition="in" filter="fade">
+                                      <p:cBhvr>
+                                        <p:cTn id="17" dur="500"/>
+                                        <p:tgtEl>
+                                          <p:spTgt spid="3">
+                                            <p:txEl>
+                                              <p:pRg st="4" end="4"/>
+                                            </p:txEl>
+                                          </p:spTgt>
+                                        </p:tgtEl>
+                                      </p:cBhvr>
+                                    </p:animEffect>
+                                  </p:childTnLst>
+                                </p:cTn>
+                              </p:par>
+                            </p:childTnLst>
+                          </p:cTn>
+                        </p:par>
+                      </p:childTnLst>
+                    </p:cTn>
+                  </p:par>
+                  <p:par>
+                    <p:cTn id="18" fill="hold">
+                      <p:stCondLst>
+                        <p:cond delay="indefinite"/>
+                      </p:stCondLst>
+                      <p:childTnLst>
+                        <p:par>
+                          <p:cTn id="19" fill="hold">
+                            <p:stCondLst>
+                              <p:cond delay="0"/>
+                            </p:stCondLst>
+                            <p:childTnLst>
+                              <p:par>
+                                <p:cTn id="20" presetID="10" presetClass="entr" presetSubtype="0" fill="hold" grpId="0" nodeType="clickEffect">
+                                  <p:stCondLst>
+                                    <p:cond delay="0"/>
+                                  </p:stCondLst>
+                                  <p:childTnLst>
+                                    <p:set>
+                                      <p:cBhvr>
+                                        <p:cTn id="21" dur="1" fill="hold">
+                                          <p:stCondLst>
+                                            <p:cond delay="0"/>
+                                          </p:stCondLst>
+                                        </p:cTn>
+                                        <p:tgtEl>
+                                          <p:spTgt spid="3">
+                                            <p:txEl>
+                                              <p:pRg st="6" end="6"/>
+                                            </p:txEl>
+                                          </p:spTgt>
+                                        </p:tgtEl>
+                                        <p:attrNameLst>
+                                          <p:attrName>style.visibility</p:attrName>
+                                        </p:attrNameLst>
+                                      </p:cBhvr>
+                                      <p:to>
+                                        <p:strVal val="visible"/>
+                                      </p:to>
+                                    </p:set>
+                                    <p:animEffect transition="in" filter="fade">
+                                      <p:cBhvr>
+                                        <p:cTn id="22" dur="500"/>
+                                        <p:tgtEl>
+                                          <p:spTgt spid="3">
+                                            <p:txEl>
+                                              <p:pRg st="6" end="6"/>
+                                            </p:txEl>
+                                          </p:spTgt>
+                                        </p:tgtEl>
+                                      </p:cBhvr>
+                                    </p:animEffect>
+                                  </p:childTnLst>
+                                </p:cTn>
+                              </p:par>
+                            </p:childTnLst>
+                          </p:cTn>
+                        </p:par>
+                      </p:childTnLst>
+                    </p:cTn>
+                  </p:par>
+                  <p:par>
+                    <p:cTn id="23" fill="hold">
+                      <p:stCondLst>
+                        <p:cond delay="indefinite"/>
+                      </p:stCondLst>
+                      <p:childTnLst>
+                        <p:par>
+                          <p:cTn id="24" fill="hold">
+                            <p:stCondLst>
+                              <p:cond delay="0"/>
+                            </p:stCondLst>
+                            <p:childTnLst>
+                              <p:par>
+                                <p:cTn id="25" presetID="10" presetClass="entr" presetSubtype="0" fill="hold" grpId="0" nodeType="clickEffect">
+                                  <p:stCondLst>
+                                    <p:cond delay="0"/>
+                                  </p:stCondLst>
+                                  <p:childTnLst>
+                                    <p:set>
+                                      <p:cBhvr>
+                                        <p:cTn id="26" dur="1" fill="hold">
+                                          <p:stCondLst>
+                                            <p:cond delay="0"/>
+                                          </p:stCondLst>
+                                        </p:cTn>
+                                        <p:tgtEl>
+                                          <p:spTgt spid="3">
+                                            <p:txEl>
+                                              <p:pRg st="8" end="8"/>
+                                            </p:txEl>
+                                          </p:spTgt>
+                                        </p:tgtEl>
+                                        <p:attrNameLst>
+                                          <p:attrName>style.visibility</p:attrName>
+                                        </p:attrNameLst>
+                                      </p:cBhvr>
+                                      <p:to>
+                                        <p:strVal val="visible"/>
+                                      </p:to>
+                                    </p:set>
+                                    <p:animEffect transition="in" filter="fade">
+                                      <p:cBhvr>
+                                        <p:cTn id="27" dur="500"/>
+                                        <p:tgtEl>
+                                          <p:spTgt spid="3">
+                                            <p:txEl>
+                                              <p:pRg st="8" end="8"/>
+                                            </p:txEl>
+                                          </p:spTgt>
+                                        </p:tgtEl>
+                                      </p:cBhvr>
+                                    </p:animEffect>
+                                  </p:childTnLst>
+                                </p:cTn>
+                              </p:par>
+                            </p:childTnLst>
+                          </p:cTn>
+                        </p:par>
+                      </p:childTnLst>
+                    </p:cTn>
+                  </p:par>
+                </p:childTnLst>
+              </p:cTn>
+              <p:prevCondLst>
+                <p:cond evt="onPrev" delay="0">
+                  <p:tgtEl>
+                    <p:sldTgt/>
+                  </p:tgtEl>
+                </p:cond>
+              </p:prevCondLst>
+              <p:nextCondLst>
+                <p:cond evt="onNext" delay="0">
+                  <p:tgtEl>
+                    <p:sldTgt/>
+                  </p:tgtEl>
+                </p:cond>
+              </p:nextCondLst>
+            </p:seq>
+          </p:childTnLst>
+        </p:cTn>
+      </p:par>
+    </p:tnLst>
+    <p:bldLst>
+      <p:bldP spid="3" grpId="0" build="p"/>
+    </p:bldLst>
+  </p:timing>
+</p:sld>
+</file>
+
+<file path=ppt/slides/slide11.xml><?xml version="1.0" encoding="utf-8"?>
+<p:sld xmlns:a="http://schemas.openxmlformats.org/drawingml/2006/main" xmlns:r="http://schemas.openxmlformats.org/officeDocument/2006/relationships" xmlns:p="http://schemas.openxmlformats.org/presentationml/2006/main">
+  <p:cSld>
+    <p:spTree>
+      <p:nvGrpSpPr>
+        <p:cNvPr id="1" name=""/>
+        <p:cNvGrpSpPr/>
+        <p:nvPr/>
+      </p:nvGrpSpPr>
+      <p:grpSpPr>
+        <a:xfrm>
+          <a:off x="0" y="0"/>
+          <a:ext cx="0" cy="0"/>
+          <a:chOff x="0" y="0"/>
+          <a:chExt cx="0" cy="0"/>
+        </a:xfrm>
+      </p:grpSpPr>
+      <p:sp>
+        <p:nvSpPr>
+          <p:cNvPr id="2" name="Titre 1"/>
+          <p:cNvSpPr>
+            <a:spLocks noGrp="1"/>
+          </p:cNvSpPr>
+          <p:nvPr>
+            <p:ph type="title"/>
+          </p:nvPr>
+        </p:nvSpPr>
+        <p:spPr/>
+        <p:txBody>
+          <a:bodyPr/>
+          <a:lstStyle/>
+          <a:p>
+            <a:r>
+              <a:rPr lang="fr-FR" b="1" u="sng" dirty="0" err="1" smtClean="0">
+                <a:solidFill>
+                  <a:srgbClr val="0070C0"/>
+                </a:solidFill>
+                <a:latin typeface="Times New Roman" pitchFamily="18" charset="0"/>
+                <a:cs typeface="Times New Roman" pitchFamily="18" charset="0"/>
+              </a:rPr>
+              <a:t>Responses</a:t>
+            </a:r>
+            <a:r>
               <a:rPr lang="fr-FR" b="1" u="sng" dirty="0" smtClean="0">
                 <a:solidFill>
                   <a:srgbClr val="0070C0"/>
@@ -3287,7 +5943,1141 @@
                 <a:latin typeface="Times New Roman" pitchFamily="18" charset="0"/>
                 <a:cs typeface="Times New Roman" pitchFamily="18" charset="0"/>
               </a:rPr>
-              <a:t>Introduction</a:t>
+              <a:t> to </a:t>
+            </a:r>
+            <a:r>
+              <a:rPr lang="fr-FR" b="1" u="sng" dirty="0" err="1" smtClean="0">
+                <a:solidFill>
+                  <a:srgbClr val="0070C0"/>
+                </a:solidFill>
+                <a:latin typeface="Times New Roman" pitchFamily="18" charset="0"/>
+                <a:cs typeface="Times New Roman" pitchFamily="18" charset="0"/>
+              </a:rPr>
+              <a:t>risks</a:t>
+            </a:r>
+            <a:endParaRPr lang="fr-FR" dirty="0"/>
+          </a:p>
+        </p:txBody>
+      </p:sp>
+      <p:sp>
+        <p:nvSpPr>
+          <p:cNvPr id="3" name="Espace réservé du contenu 2"/>
+          <p:cNvSpPr>
+            <a:spLocks noGrp="1"/>
+          </p:cNvSpPr>
+          <p:nvPr>
+            <p:ph idx="1"/>
+          </p:nvPr>
+        </p:nvSpPr>
+        <p:spPr>
+          <a:xfrm>
+            <a:off x="539552" y="1988840"/>
+            <a:ext cx="8229600" cy="4525963"/>
+          </a:xfrm>
+        </p:spPr>
+        <p:txBody>
+          <a:bodyPr/>
+          <a:lstStyle/>
+          <a:p>
+            <a:pPr marL="0" indent="0" algn="just">
+              <a:spcBef>
+                <a:spcPts val="0"/>
+              </a:spcBef>
+              <a:buNone/>
+            </a:pPr>
+            <a:r>
+              <a:rPr lang="fr-FR" dirty="0" err="1" smtClean="0"/>
+              <a:t>Work</a:t>
+            </a:r>
+            <a:r>
+              <a:rPr lang="fr-FR" dirty="0" smtClean="0"/>
+              <a:t> on </a:t>
+            </a:r>
+            <a:r>
+              <a:rPr lang="fr-FR" dirty="0" err="1" smtClean="0"/>
+              <a:t>personnal</a:t>
+            </a:r>
+            <a:r>
+              <a:rPr lang="fr-FR" dirty="0" smtClean="0"/>
+              <a:t> </a:t>
+            </a:r>
+            <a:r>
+              <a:rPr lang="fr-FR" dirty="0" smtClean="0"/>
+              <a:t>computer</a:t>
+            </a:r>
+            <a:endParaRPr lang="fr-FR" dirty="0" smtClean="0"/>
+          </a:p>
+          <a:p>
+            <a:pPr marL="0" indent="0" algn="just">
+              <a:spcBef>
+                <a:spcPts val="0"/>
+              </a:spcBef>
+              <a:buNone/>
+            </a:pPr>
+            <a:endParaRPr lang="fr-FR" dirty="0"/>
+          </a:p>
+          <a:p>
+            <a:pPr marL="0" indent="0" algn="just">
+              <a:spcBef>
+                <a:spcPts val="0"/>
+              </a:spcBef>
+              <a:buNone/>
+            </a:pPr>
+            <a:r>
+              <a:rPr lang="fr-FR" dirty="0" err="1" smtClean="0"/>
+              <a:t>Many</a:t>
+            </a:r>
+            <a:r>
+              <a:rPr lang="fr-FR" dirty="0" smtClean="0"/>
+              <a:t> </a:t>
+            </a:r>
+            <a:r>
+              <a:rPr lang="fr-FR" dirty="0" err="1" smtClean="0"/>
+              <a:t>algorithm</a:t>
+            </a:r>
+            <a:r>
+              <a:rPr lang="fr-FR" dirty="0" smtClean="0"/>
+              <a:t> to </a:t>
+            </a:r>
+            <a:r>
+              <a:rPr lang="fr-FR" dirty="0" err="1" smtClean="0"/>
+              <a:t>try</a:t>
+            </a:r>
+            <a:endParaRPr lang="fr-FR" dirty="0" smtClean="0"/>
+          </a:p>
+          <a:p>
+            <a:pPr marL="0" indent="0" algn="just">
+              <a:spcBef>
+                <a:spcPts val="0"/>
+              </a:spcBef>
+              <a:buNone/>
+            </a:pPr>
+            <a:endParaRPr lang="fr-FR" dirty="0" smtClean="0"/>
+          </a:p>
+          <a:p>
+            <a:pPr marL="0" indent="0" algn="just">
+              <a:spcBef>
+                <a:spcPts val="0"/>
+              </a:spcBef>
+              <a:buNone/>
+            </a:pPr>
+            <a:r>
+              <a:rPr lang="fr-FR" dirty="0" err="1" smtClean="0"/>
+              <a:t>Many</a:t>
+            </a:r>
+            <a:r>
+              <a:rPr lang="fr-FR" dirty="0" smtClean="0"/>
+              <a:t> </a:t>
+            </a:r>
+            <a:r>
+              <a:rPr lang="fr-FR" dirty="0" err="1" smtClean="0"/>
+              <a:t>papers</a:t>
+            </a:r>
+            <a:r>
+              <a:rPr lang="fr-FR" dirty="0" smtClean="0"/>
+              <a:t> on </a:t>
+            </a:r>
+            <a:r>
+              <a:rPr lang="fr-FR" dirty="0" err="1" smtClean="0"/>
+              <a:t>subject</a:t>
+            </a:r>
+            <a:endParaRPr lang="fr-FR" dirty="0" smtClean="0"/>
+          </a:p>
+          <a:p>
+            <a:pPr marL="0" indent="0" algn="just">
+              <a:spcBef>
+                <a:spcPts val="0"/>
+              </a:spcBef>
+              <a:buNone/>
+            </a:pPr>
+            <a:endParaRPr lang="fr-FR" dirty="0"/>
+          </a:p>
+          <a:p>
+            <a:pPr marL="0" indent="0" algn="just">
+              <a:spcBef>
+                <a:spcPts val="0"/>
+              </a:spcBef>
+              <a:buNone/>
+            </a:pPr>
+            <a:r>
+              <a:rPr lang="fr-FR" dirty="0" smtClean="0"/>
+              <a:t>A good </a:t>
+            </a:r>
+            <a:r>
+              <a:rPr lang="fr-FR" dirty="0" smtClean="0"/>
+              <a:t>organisation</a:t>
+            </a:r>
+            <a:endParaRPr lang="fr-FR" dirty="0"/>
+          </a:p>
+          <a:p>
+            <a:pPr marL="0" indent="0" algn="just">
+              <a:spcBef>
+                <a:spcPts val="0"/>
+              </a:spcBef>
+              <a:buNone/>
+            </a:pPr>
+            <a:endParaRPr lang="fr-FR" dirty="0"/>
+          </a:p>
+        </p:txBody>
+      </p:sp>
+    </p:spTree>
+    <p:extLst>
+      <p:ext uri="{BB962C8B-B14F-4D97-AF65-F5344CB8AC3E}">
+        <p14:creationId xmlns:p14="http://schemas.microsoft.com/office/powerpoint/2010/main" val="3572987647"/>
+      </p:ext>
+    </p:extLst>
+  </p:cSld>
+  <p:clrMapOvr>
+    <a:masterClrMapping/>
+  </p:clrMapOvr>
+  <p:timing>
+    <p:tnLst>
+      <p:par>
+        <p:cTn id="1" dur="indefinite" restart="never" nodeType="tmRoot">
+          <p:childTnLst>
+            <p:seq concurrent="1" nextAc="seek">
+              <p:cTn id="2" dur="indefinite" nodeType="mainSeq">
+                <p:childTnLst>
+                  <p:par>
+                    <p:cTn id="3" fill="hold">
+                      <p:stCondLst>
+                        <p:cond delay="indefinite"/>
+                      </p:stCondLst>
+                      <p:childTnLst>
+                        <p:par>
+                          <p:cTn id="4" fill="hold">
+                            <p:stCondLst>
+                              <p:cond delay="0"/>
+                            </p:stCondLst>
+                            <p:childTnLst>
+                              <p:par>
+                                <p:cTn id="5" presetID="10" presetClass="entr" presetSubtype="0" fill="hold" grpId="0" nodeType="clickEffect">
+                                  <p:stCondLst>
+                                    <p:cond delay="0"/>
+                                  </p:stCondLst>
+                                  <p:childTnLst>
+                                    <p:set>
+                                      <p:cBhvr>
+                                        <p:cTn id="6" dur="1" fill="hold">
+                                          <p:stCondLst>
+                                            <p:cond delay="0"/>
+                                          </p:stCondLst>
+                                        </p:cTn>
+                                        <p:tgtEl>
+                                          <p:spTgt spid="3">
+                                            <p:txEl>
+                                              <p:pRg st="0" end="0"/>
+                                            </p:txEl>
+                                          </p:spTgt>
+                                        </p:tgtEl>
+                                        <p:attrNameLst>
+                                          <p:attrName>style.visibility</p:attrName>
+                                        </p:attrNameLst>
+                                      </p:cBhvr>
+                                      <p:to>
+                                        <p:strVal val="visible"/>
+                                      </p:to>
+                                    </p:set>
+                                    <p:animEffect transition="in" filter="fade">
+                                      <p:cBhvr>
+                                        <p:cTn id="7" dur="500"/>
+                                        <p:tgtEl>
+                                          <p:spTgt spid="3">
+                                            <p:txEl>
+                                              <p:pRg st="0" end="0"/>
+                                            </p:txEl>
+                                          </p:spTgt>
+                                        </p:tgtEl>
+                                      </p:cBhvr>
+                                    </p:animEffect>
+                                  </p:childTnLst>
+                                </p:cTn>
+                              </p:par>
+                            </p:childTnLst>
+                          </p:cTn>
+                        </p:par>
+                      </p:childTnLst>
+                    </p:cTn>
+                  </p:par>
+                  <p:par>
+                    <p:cTn id="8" fill="hold">
+                      <p:stCondLst>
+                        <p:cond delay="indefinite"/>
+                      </p:stCondLst>
+                      <p:childTnLst>
+                        <p:par>
+                          <p:cTn id="9" fill="hold">
+                            <p:stCondLst>
+                              <p:cond delay="0"/>
+                            </p:stCondLst>
+                            <p:childTnLst>
+                              <p:par>
+                                <p:cTn id="10" presetID="10" presetClass="entr" presetSubtype="0" fill="hold" grpId="0" nodeType="clickEffect">
+                                  <p:stCondLst>
+                                    <p:cond delay="0"/>
+                                  </p:stCondLst>
+                                  <p:childTnLst>
+                                    <p:set>
+                                      <p:cBhvr>
+                                        <p:cTn id="11" dur="1" fill="hold">
+                                          <p:stCondLst>
+                                            <p:cond delay="0"/>
+                                          </p:stCondLst>
+                                        </p:cTn>
+                                        <p:tgtEl>
+                                          <p:spTgt spid="3">
+                                            <p:txEl>
+                                              <p:pRg st="2" end="2"/>
+                                            </p:txEl>
+                                          </p:spTgt>
+                                        </p:tgtEl>
+                                        <p:attrNameLst>
+                                          <p:attrName>style.visibility</p:attrName>
+                                        </p:attrNameLst>
+                                      </p:cBhvr>
+                                      <p:to>
+                                        <p:strVal val="visible"/>
+                                      </p:to>
+                                    </p:set>
+                                    <p:animEffect transition="in" filter="fade">
+                                      <p:cBhvr>
+                                        <p:cTn id="12" dur="500"/>
+                                        <p:tgtEl>
+                                          <p:spTgt spid="3">
+                                            <p:txEl>
+                                              <p:pRg st="2" end="2"/>
+                                            </p:txEl>
+                                          </p:spTgt>
+                                        </p:tgtEl>
+                                      </p:cBhvr>
+                                    </p:animEffect>
+                                  </p:childTnLst>
+                                </p:cTn>
+                              </p:par>
+                            </p:childTnLst>
+                          </p:cTn>
+                        </p:par>
+                      </p:childTnLst>
+                    </p:cTn>
+                  </p:par>
+                  <p:par>
+                    <p:cTn id="13" fill="hold">
+                      <p:stCondLst>
+                        <p:cond delay="indefinite"/>
+                      </p:stCondLst>
+                      <p:childTnLst>
+                        <p:par>
+                          <p:cTn id="14" fill="hold">
+                            <p:stCondLst>
+                              <p:cond delay="0"/>
+                            </p:stCondLst>
+                            <p:childTnLst>
+                              <p:par>
+                                <p:cTn id="15" presetID="10" presetClass="entr" presetSubtype="0" fill="hold" grpId="0" nodeType="clickEffect">
+                                  <p:stCondLst>
+                                    <p:cond delay="0"/>
+                                  </p:stCondLst>
+                                  <p:childTnLst>
+                                    <p:set>
+                                      <p:cBhvr>
+                                        <p:cTn id="16" dur="1" fill="hold">
+                                          <p:stCondLst>
+                                            <p:cond delay="0"/>
+                                          </p:stCondLst>
+                                        </p:cTn>
+                                        <p:tgtEl>
+                                          <p:spTgt spid="3">
+                                            <p:txEl>
+                                              <p:pRg st="4" end="4"/>
+                                            </p:txEl>
+                                          </p:spTgt>
+                                        </p:tgtEl>
+                                        <p:attrNameLst>
+                                          <p:attrName>style.visibility</p:attrName>
+                                        </p:attrNameLst>
+                                      </p:cBhvr>
+                                      <p:to>
+                                        <p:strVal val="visible"/>
+                                      </p:to>
+                                    </p:set>
+                                    <p:animEffect transition="in" filter="fade">
+                                      <p:cBhvr>
+                                        <p:cTn id="17" dur="500"/>
+                                        <p:tgtEl>
+                                          <p:spTgt spid="3">
+                                            <p:txEl>
+                                              <p:pRg st="4" end="4"/>
+                                            </p:txEl>
+                                          </p:spTgt>
+                                        </p:tgtEl>
+                                      </p:cBhvr>
+                                    </p:animEffect>
+                                  </p:childTnLst>
+                                </p:cTn>
+                              </p:par>
+                            </p:childTnLst>
+                          </p:cTn>
+                        </p:par>
+                      </p:childTnLst>
+                    </p:cTn>
+                  </p:par>
+                  <p:par>
+                    <p:cTn id="18" fill="hold">
+                      <p:stCondLst>
+                        <p:cond delay="indefinite"/>
+                      </p:stCondLst>
+                      <p:childTnLst>
+                        <p:par>
+                          <p:cTn id="19" fill="hold">
+                            <p:stCondLst>
+                              <p:cond delay="0"/>
+                            </p:stCondLst>
+                            <p:childTnLst>
+                              <p:par>
+                                <p:cTn id="20" presetID="10" presetClass="entr" presetSubtype="0" fill="hold" grpId="0" nodeType="clickEffect">
+                                  <p:stCondLst>
+                                    <p:cond delay="0"/>
+                                  </p:stCondLst>
+                                  <p:childTnLst>
+                                    <p:set>
+                                      <p:cBhvr>
+                                        <p:cTn id="21" dur="1" fill="hold">
+                                          <p:stCondLst>
+                                            <p:cond delay="0"/>
+                                          </p:stCondLst>
+                                        </p:cTn>
+                                        <p:tgtEl>
+                                          <p:spTgt spid="3">
+                                            <p:txEl>
+                                              <p:pRg st="6" end="6"/>
+                                            </p:txEl>
+                                          </p:spTgt>
+                                        </p:tgtEl>
+                                        <p:attrNameLst>
+                                          <p:attrName>style.visibility</p:attrName>
+                                        </p:attrNameLst>
+                                      </p:cBhvr>
+                                      <p:to>
+                                        <p:strVal val="visible"/>
+                                      </p:to>
+                                    </p:set>
+                                    <p:animEffect transition="in" filter="fade">
+                                      <p:cBhvr>
+                                        <p:cTn id="22" dur="500"/>
+                                        <p:tgtEl>
+                                          <p:spTgt spid="3">
+                                            <p:txEl>
+                                              <p:pRg st="6" end="6"/>
+                                            </p:txEl>
+                                          </p:spTgt>
+                                        </p:tgtEl>
+                                      </p:cBhvr>
+                                    </p:animEffect>
+                                  </p:childTnLst>
+                                </p:cTn>
+                              </p:par>
+                            </p:childTnLst>
+                          </p:cTn>
+                        </p:par>
+                      </p:childTnLst>
+                    </p:cTn>
+                  </p:par>
+                </p:childTnLst>
+              </p:cTn>
+              <p:prevCondLst>
+                <p:cond evt="onPrev" delay="0">
+                  <p:tgtEl>
+                    <p:sldTgt/>
+                  </p:tgtEl>
+                </p:cond>
+              </p:prevCondLst>
+              <p:nextCondLst>
+                <p:cond evt="onNext" delay="0">
+                  <p:tgtEl>
+                    <p:sldTgt/>
+                  </p:tgtEl>
+                </p:cond>
+              </p:nextCondLst>
+            </p:seq>
+          </p:childTnLst>
+        </p:cTn>
+      </p:par>
+    </p:tnLst>
+    <p:bldLst>
+      <p:bldP spid="3" grpId="0" build="p"/>
+    </p:bldLst>
+  </p:timing>
+</p:sld>
+</file>
+
+<file path=ppt/slides/slide12.xml><?xml version="1.0" encoding="utf-8"?>
+<p:sld xmlns:a="http://schemas.openxmlformats.org/drawingml/2006/main" xmlns:r="http://schemas.openxmlformats.org/officeDocument/2006/relationships" xmlns:p="http://schemas.openxmlformats.org/presentationml/2006/main">
+  <p:cSld>
+    <p:spTree>
+      <p:nvGrpSpPr>
+        <p:cNvPr id="1" name=""/>
+        <p:cNvGrpSpPr/>
+        <p:nvPr/>
+      </p:nvGrpSpPr>
+      <p:grpSpPr>
+        <a:xfrm>
+          <a:off x="0" y="0"/>
+          <a:ext cx="0" cy="0"/>
+          <a:chOff x="0" y="0"/>
+          <a:chExt cx="0" cy="0"/>
+        </a:xfrm>
+      </p:grpSpPr>
+      <p:sp>
+        <p:nvSpPr>
+          <p:cNvPr id="2" name="Titre 1"/>
+          <p:cNvSpPr>
+            <a:spLocks noGrp="1"/>
+          </p:cNvSpPr>
+          <p:nvPr>
+            <p:ph type="title"/>
+          </p:nvPr>
+        </p:nvSpPr>
+        <p:spPr/>
+        <p:txBody>
+          <a:bodyPr/>
+          <a:lstStyle/>
+          <a:p>
+            <a:r>
+              <a:rPr lang="fr-FR" b="1" u="sng" dirty="0" err="1" smtClean="0">
+                <a:solidFill>
+                  <a:srgbClr val="0070C0"/>
+                </a:solidFill>
+                <a:latin typeface="Times New Roman" pitchFamily="18" charset="0"/>
+                <a:cs typeface="Times New Roman" pitchFamily="18" charset="0"/>
+              </a:rPr>
+              <a:t>Results</a:t>
+            </a:r>
+            <a:r>
+              <a:rPr lang="fr-FR" b="1" u="sng" dirty="0" smtClean="0">
+                <a:solidFill>
+                  <a:srgbClr val="0070C0"/>
+                </a:solidFill>
+                <a:latin typeface="Times New Roman" pitchFamily="18" charset="0"/>
+                <a:cs typeface="Times New Roman" pitchFamily="18" charset="0"/>
+              </a:rPr>
+              <a:t> // </a:t>
+            </a:r>
+            <a:r>
+              <a:rPr lang="fr-FR" b="1" u="sng" dirty="0" err="1" smtClean="0">
+                <a:solidFill>
+                  <a:srgbClr val="0070C0"/>
+                </a:solidFill>
+                <a:latin typeface="Times New Roman" pitchFamily="18" charset="0"/>
+                <a:cs typeface="Times New Roman" pitchFamily="18" charset="0"/>
+              </a:rPr>
+              <a:t>Statement</a:t>
+            </a:r>
+            <a:r>
+              <a:rPr lang="fr-FR" b="1" u="sng" dirty="0" smtClean="0">
+                <a:solidFill>
+                  <a:srgbClr val="0070C0"/>
+                </a:solidFill>
+                <a:latin typeface="Times New Roman" pitchFamily="18" charset="0"/>
+                <a:cs typeface="Times New Roman" pitchFamily="18" charset="0"/>
+              </a:rPr>
+              <a:t> of </a:t>
+            </a:r>
+            <a:r>
+              <a:rPr lang="fr-FR" b="1" u="sng" dirty="0" err="1" smtClean="0">
+                <a:solidFill>
+                  <a:srgbClr val="0070C0"/>
+                </a:solidFill>
+                <a:latin typeface="Times New Roman" pitchFamily="18" charset="0"/>
+                <a:cs typeface="Times New Roman" pitchFamily="18" charset="0"/>
+              </a:rPr>
+              <a:t>accounts</a:t>
+            </a:r>
+            <a:endParaRPr lang="fr-FR" dirty="0"/>
+          </a:p>
+        </p:txBody>
+      </p:sp>
+      <p:sp>
+        <p:nvSpPr>
+          <p:cNvPr id="3" name="Espace réservé du contenu 2"/>
+          <p:cNvSpPr>
+            <a:spLocks noGrp="1"/>
+          </p:cNvSpPr>
+          <p:nvPr>
+            <p:ph idx="1"/>
+          </p:nvPr>
+        </p:nvSpPr>
+        <p:spPr/>
+        <p:txBody>
+          <a:bodyPr/>
+          <a:lstStyle/>
+          <a:p>
+            <a:pPr marL="0" indent="0" algn="just">
+              <a:spcBef>
+                <a:spcPts val="0"/>
+              </a:spcBef>
+              <a:buNone/>
+            </a:pPr>
+            <a:r>
+              <a:rPr lang="fr-FR" dirty="0" smtClean="0"/>
+              <a:t>Installation of CloudCompare on the </a:t>
+            </a:r>
+            <a:r>
+              <a:rPr lang="fr-FR" dirty="0" smtClean="0"/>
+              <a:t>network</a:t>
+            </a:r>
+            <a:endParaRPr lang="fr-FR" dirty="0" smtClean="0"/>
+          </a:p>
+          <a:p>
+            <a:pPr marL="0" indent="0" algn="just">
+              <a:spcBef>
+                <a:spcPts val="0"/>
+              </a:spcBef>
+              <a:buNone/>
+            </a:pPr>
+            <a:endParaRPr lang="fr-FR" dirty="0"/>
+          </a:p>
+          <a:p>
+            <a:pPr marL="0" indent="0" algn="just">
+              <a:spcBef>
+                <a:spcPts val="0"/>
+              </a:spcBef>
+              <a:buNone/>
+            </a:pPr>
+            <a:r>
+              <a:rPr lang="fr-FR" dirty="0" err="1" smtClean="0"/>
+              <a:t>Subject</a:t>
+            </a:r>
+            <a:r>
+              <a:rPr lang="fr-FR" dirty="0" smtClean="0"/>
+              <a:t> </a:t>
+            </a:r>
+            <a:r>
+              <a:rPr lang="fr-FR" dirty="0" err="1" smtClean="0"/>
+              <a:t>comprehension</a:t>
+            </a:r>
+            <a:endParaRPr lang="fr-FR" dirty="0" smtClean="0"/>
+          </a:p>
+          <a:p>
+            <a:pPr marL="0" indent="0" algn="just">
+              <a:spcBef>
+                <a:spcPts val="0"/>
+              </a:spcBef>
+              <a:buNone/>
+            </a:pPr>
+            <a:endParaRPr lang="fr-FR" dirty="0"/>
+          </a:p>
+          <a:p>
+            <a:pPr marL="0" indent="0" algn="just">
+              <a:spcBef>
+                <a:spcPts val="0"/>
+              </a:spcBef>
+              <a:buNone/>
+            </a:pPr>
+            <a:r>
+              <a:rPr lang="fr-FR" dirty="0" smtClean="0"/>
+              <a:t>Data and software </a:t>
+            </a:r>
+            <a:r>
+              <a:rPr lang="fr-FR" dirty="0" smtClean="0"/>
+              <a:t>handling</a:t>
+            </a:r>
+            <a:endParaRPr lang="fr-FR" dirty="0" smtClean="0"/>
+          </a:p>
+          <a:p>
+            <a:pPr marL="0" indent="0" algn="just">
+              <a:spcBef>
+                <a:spcPts val="0"/>
+              </a:spcBef>
+              <a:buNone/>
+            </a:pPr>
+            <a:endParaRPr lang="fr-FR" dirty="0"/>
+          </a:p>
+          <a:p>
+            <a:pPr marL="0" indent="0" algn="just">
+              <a:spcBef>
+                <a:spcPts val="0"/>
+              </a:spcBef>
+              <a:buNone/>
+            </a:pPr>
+            <a:r>
+              <a:rPr lang="fr-FR" dirty="0" smtClean="0"/>
+              <a:t>Long-</a:t>
+            </a:r>
+            <a:r>
+              <a:rPr lang="fr-FR" dirty="0" err="1" smtClean="0"/>
+              <a:t>term</a:t>
+            </a:r>
+            <a:r>
+              <a:rPr lang="fr-FR" dirty="0" smtClean="0"/>
+              <a:t> </a:t>
+            </a:r>
+            <a:r>
+              <a:rPr lang="fr-FR" dirty="0" err="1" smtClean="0"/>
+              <a:t>organization</a:t>
+            </a:r>
+            <a:endParaRPr lang="fr-FR" dirty="0" smtClean="0"/>
+          </a:p>
+          <a:p>
+            <a:pPr marL="0" indent="0" algn="just">
+              <a:spcBef>
+                <a:spcPts val="0"/>
+              </a:spcBef>
+              <a:buNone/>
+            </a:pPr>
+            <a:endParaRPr lang="fr-FR" dirty="0"/>
+          </a:p>
+        </p:txBody>
+      </p:sp>
+      <p:sp>
+        <p:nvSpPr>
+          <p:cNvPr id="4" name="AutoShape 2" descr="https://www.newsassurancespro.com/wp-content/uploads/2011/05/Graph-red-rise.jpg"/>
+          <p:cNvSpPr>
+            <a:spLocks noChangeAspect="1" noChangeArrowheads="1"/>
+          </p:cNvSpPr>
+          <p:nvPr/>
+        </p:nvSpPr>
+        <p:spPr bwMode="auto">
+          <a:xfrm>
+            <a:off x="155575" y="-144463"/>
+            <a:ext cx="304800" cy="304801"/>
+          </a:xfrm>
+          <a:prstGeom prst="rect">
+            <a:avLst/>
+          </a:prstGeom>
+          <a:noFill/>
+          <a:extLst>
+            <a:ext uri="{909E8E84-426E-40DD-AFC4-6F175D3DCCD1}">
+              <a14:hiddenFill xmlns:a14="http://schemas.microsoft.com/office/drawing/2010/main">
+                <a:solidFill>
+                  <a:srgbClr val="FFFFFF"/>
+                </a:solidFill>
+              </a14:hiddenFill>
+            </a:ext>
+          </a:extLst>
+        </p:spPr>
+        <p:txBody>
+          <a:bodyPr vert="horz" wrap="square" lIns="91440" tIns="45720" rIns="91440" bIns="45720" numCol="1" anchor="t" anchorCtr="0" compatLnSpc="1">
+            <a:prstTxWarp prst="textNoShape">
+              <a:avLst/>
+            </a:prstTxWarp>
+          </a:bodyPr>
+          <a:lstStyle/>
+          <a:p>
+            <a:endParaRPr lang="fr-FR"/>
+          </a:p>
+        </p:txBody>
+      </p:sp>
+      <p:sp>
+        <p:nvSpPr>
+          <p:cNvPr id="5" name="AutoShape 4" descr="https://www.newsassurancespro.com/wp-content/uploads/2011/05/Graph-red-rise.jpg"/>
+          <p:cNvSpPr>
+            <a:spLocks noChangeAspect="1" noChangeArrowheads="1"/>
+          </p:cNvSpPr>
+          <p:nvPr/>
+        </p:nvSpPr>
+        <p:spPr bwMode="auto">
+          <a:xfrm>
+            <a:off x="307975" y="7937"/>
+            <a:ext cx="304800" cy="304801"/>
+          </a:xfrm>
+          <a:prstGeom prst="rect">
+            <a:avLst/>
+          </a:prstGeom>
+          <a:noFill/>
+          <a:extLst>
+            <a:ext uri="{909E8E84-426E-40DD-AFC4-6F175D3DCCD1}">
+              <a14:hiddenFill xmlns:a14="http://schemas.microsoft.com/office/drawing/2010/main">
+                <a:solidFill>
+                  <a:srgbClr val="FFFFFF"/>
+                </a:solidFill>
+              </a14:hiddenFill>
+            </a:ext>
+          </a:extLst>
+        </p:spPr>
+        <p:txBody>
+          <a:bodyPr vert="horz" wrap="square" lIns="91440" tIns="45720" rIns="91440" bIns="45720" numCol="1" anchor="t" anchorCtr="0" compatLnSpc="1">
+            <a:prstTxWarp prst="textNoShape">
+              <a:avLst/>
+            </a:prstTxWarp>
+          </a:bodyPr>
+          <a:lstStyle/>
+          <a:p>
+            <a:endParaRPr lang="fr-FR"/>
+          </a:p>
+        </p:txBody>
+      </p:sp>
+      <p:pic>
+        <p:nvPicPr>
+          <p:cNvPr id="7175" name="Picture 7" descr="http://cardeaconcept.re/wp-content/uploads/2015/06/bonhomme-escalier.jpg"/>
+          <p:cNvPicPr>
+            <a:picLocks noChangeAspect="1" noChangeArrowheads="1"/>
+          </p:cNvPicPr>
+          <p:nvPr/>
+        </p:nvPicPr>
+        <p:blipFill>
+          <a:blip r:embed="rId2">
+            <a:extLst>
+              <a:ext uri="{28A0092B-C50C-407E-A947-70E740481C1C}">
+                <a14:useLocalDpi xmlns:a14="http://schemas.microsoft.com/office/drawing/2010/main" val="0"/>
+              </a:ext>
+            </a:extLst>
+          </a:blip>
+          <a:srcRect/>
+          <a:stretch>
+            <a:fillRect/>
+          </a:stretch>
+        </p:blipFill>
+        <p:spPr bwMode="auto">
+          <a:xfrm>
+            <a:off x="5292080" y="4139604"/>
+            <a:ext cx="3851920" cy="2714626"/>
+          </a:xfrm>
+          <a:prstGeom prst="rect">
+            <a:avLst/>
+          </a:prstGeom>
+          <a:noFill/>
+          <a:extLst>
+            <a:ext uri="{909E8E84-426E-40DD-AFC4-6F175D3DCCD1}">
+              <a14:hiddenFill xmlns:a14="http://schemas.microsoft.com/office/drawing/2010/main">
+                <a:solidFill>
+                  <a:srgbClr val="FFFFFF"/>
+                </a:solidFill>
+              </a14:hiddenFill>
+            </a:ext>
+          </a:extLst>
+        </p:spPr>
+      </p:pic>
+    </p:spTree>
+    <p:extLst>
+      <p:ext uri="{BB962C8B-B14F-4D97-AF65-F5344CB8AC3E}">
+        <p14:creationId xmlns:p14="http://schemas.microsoft.com/office/powerpoint/2010/main" val="3702601792"/>
+      </p:ext>
+    </p:extLst>
+  </p:cSld>
+  <p:clrMapOvr>
+    <a:masterClrMapping/>
+  </p:clrMapOvr>
+  <p:timing>
+    <p:tnLst>
+      <p:par>
+        <p:cTn id="1" dur="indefinite" restart="never" nodeType="tmRoot">
+          <p:childTnLst>
+            <p:seq concurrent="1" nextAc="seek">
+              <p:cTn id="2" dur="indefinite" nodeType="mainSeq">
+                <p:childTnLst>
+                  <p:par>
+                    <p:cTn id="3" fill="hold">
+                      <p:stCondLst>
+                        <p:cond delay="indefinite"/>
+                      </p:stCondLst>
+                      <p:childTnLst>
+                        <p:par>
+                          <p:cTn id="4" fill="hold">
+                            <p:stCondLst>
+                              <p:cond delay="0"/>
+                            </p:stCondLst>
+                            <p:childTnLst>
+                              <p:par>
+                                <p:cTn id="5" presetID="10" presetClass="entr" presetSubtype="0" fill="hold" grpId="0" nodeType="clickEffect">
+                                  <p:stCondLst>
+                                    <p:cond delay="0"/>
+                                  </p:stCondLst>
+                                  <p:childTnLst>
+                                    <p:set>
+                                      <p:cBhvr>
+                                        <p:cTn id="6" dur="1" fill="hold">
+                                          <p:stCondLst>
+                                            <p:cond delay="0"/>
+                                          </p:stCondLst>
+                                        </p:cTn>
+                                        <p:tgtEl>
+                                          <p:spTgt spid="3">
+                                            <p:txEl>
+                                              <p:pRg st="0" end="0"/>
+                                            </p:txEl>
+                                          </p:spTgt>
+                                        </p:tgtEl>
+                                        <p:attrNameLst>
+                                          <p:attrName>style.visibility</p:attrName>
+                                        </p:attrNameLst>
+                                      </p:cBhvr>
+                                      <p:to>
+                                        <p:strVal val="visible"/>
+                                      </p:to>
+                                    </p:set>
+                                    <p:animEffect transition="in" filter="fade">
+                                      <p:cBhvr>
+                                        <p:cTn id="7" dur="500"/>
+                                        <p:tgtEl>
+                                          <p:spTgt spid="3">
+                                            <p:txEl>
+                                              <p:pRg st="0" end="0"/>
+                                            </p:txEl>
+                                          </p:spTgt>
+                                        </p:tgtEl>
+                                      </p:cBhvr>
+                                    </p:animEffect>
+                                  </p:childTnLst>
+                                </p:cTn>
+                              </p:par>
+                            </p:childTnLst>
+                          </p:cTn>
+                        </p:par>
+                      </p:childTnLst>
+                    </p:cTn>
+                  </p:par>
+                  <p:par>
+                    <p:cTn id="8" fill="hold">
+                      <p:stCondLst>
+                        <p:cond delay="indefinite"/>
+                      </p:stCondLst>
+                      <p:childTnLst>
+                        <p:par>
+                          <p:cTn id="9" fill="hold">
+                            <p:stCondLst>
+                              <p:cond delay="0"/>
+                            </p:stCondLst>
+                            <p:childTnLst>
+                              <p:par>
+                                <p:cTn id="10" presetID="10" presetClass="entr" presetSubtype="0" fill="hold" grpId="0" nodeType="clickEffect">
+                                  <p:stCondLst>
+                                    <p:cond delay="0"/>
+                                  </p:stCondLst>
+                                  <p:childTnLst>
+                                    <p:set>
+                                      <p:cBhvr>
+                                        <p:cTn id="11" dur="1" fill="hold">
+                                          <p:stCondLst>
+                                            <p:cond delay="0"/>
+                                          </p:stCondLst>
+                                        </p:cTn>
+                                        <p:tgtEl>
+                                          <p:spTgt spid="3">
+                                            <p:txEl>
+                                              <p:pRg st="2" end="2"/>
+                                            </p:txEl>
+                                          </p:spTgt>
+                                        </p:tgtEl>
+                                        <p:attrNameLst>
+                                          <p:attrName>style.visibility</p:attrName>
+                                        </p:attrNameLst>
+                                      </p:cBhvr>
+                                      <p:to>
+                                        <p:strVal val="visible"/>
+                                      </p:to>
+                                    </p:set>
+                                    <p:animEffect transition="in" filter="fade">
+                                      <p:cBhvr>
+                                        <p:cTn id="12" dur="500"/>
+                                        <p:tgtEl>
+                                          <p:spTgt spid="3">
+                                            <p:txEl>
+                                              <p:pRg st="2" end="2"/>
+                                            </p:txEl>
+                                          </p:spTgt>
+                                        </p:tgtEl>
+                                      </p:cBhvr>
+                                    </p:animEffect>
+                                  </p:childTnLst>
+                                </p:cTn>
+                              </p:par>
+                            </p:childTnLst>
+                          </p:cTn>
+                        </p:par>
+                      </p:childTnLst>
+                    </p:cTn>
+                  </p:par>
+                  <p:par>
+                    <p:cTn id="13" fill="hold">
+                      <p:stCondLst>
+                        <p:cond delay="indefinite"/>
+                      </p:stCondLst>
+                      <p:childTnLst>
+                        <p:par>
+                          <p:cTn id="14" fill="hold">
+                            <p:stCondLst>
+                              <p:cond delay="0"/>
+                            </p:stCondLst>
+                            <p:childTnLst>
+                              <p:par>
+                                <p:cTn id="15" presetID="10" presetClass="entr" presetSubtype="0" fill="hold" grpId="0" nodeType="clickEffect">
+                                  <p:stCondLst>
+                                    <p:cond delay="0"/>
+                                  </p:stCondLst>
+                                  <p:childTnLst>
+                                    <p:set>
+                                      <p:cBhvr>
+                                        <p:cTn id="16" dur="1" fill="hold">
+                                          <p:stCondLst>
+                                            <p:cond delay="0"/>
+                                          </p:stCondLst>
+                                        </p:cTn>
+                                        <p:tgtEl>
+                                          <p:spTgt spid="3">
+                                            <p:txEl>
+                                              <p:pRg st="4" end="4"/>
+                                            </p:txEl>
+                                          </p:spTgt>
+                                        </p:tgtEl>
+                                        <p:attrNameLst>
+                                          <p:attrName>style.visibility</p:attrName>
+                                        </p:attrNameLst>
+                                      </p:cBhvr>
+                                      <p:to>
+                                        <p:strVal val="visible"/>
+                                      </p:to>
+                                    </p:set>
+                                    <p:animEffect transition="in" filter="fade">
+                                      <p:cBhvr>
+                                        <p:cTn id="17" dur="500"/>
+                                        <p:tgtEl>
+                                          <p:spTgt spid="3">
+                                            <p:txEl>
+                                              <p:pRg st="4" end="4"/>
+                                            </p:txEl>
+                                          </p:spTgt>
+                                        </p:tgtEl>
+                                      </p:cBhvr>
+                                    </p:animEffect>
+                                  </p:childTnLst>
+                                </p:cTn>
+                              </p:par>
+                            </p:childTnLst>
+                          </p:cTn>
+                        </p:par>
+                      </p:childTnLst>
+                    </p:cTn>
+                  </p:par>
+                  <p:par>
+                    <p:cTn id="18" fill="hold">
+                      <p:stCondLst>
+                        <p:cond delay="indefinite"/>
+                      </p:stCondLst>
+                      <p:childTnLst>
+                        <p:par>
+                          <p:cTn id="19" fill="hold">
+                            <p:stCondLst>
+                              <p:cond delay="0"/>
+                            </p:stCondLst>
+                            <p:childTnLst>
+                              <p:par>
+                                <p:cTn id="20" presetID="10" presetClass="entr" presetSubtype="0" fill="hold" grpId="0" nodeType="clickEffect">
+                                  <p:stCondLst>
+                                    <p:cond delay="0"/>
+                                  </p:stCondLst>
+                                  <p:childTnLst>
+                                    <p:set>
+                                      <p:cBhvr>
+                                        <p:cTn id="21" dur="1" fill="hold">
+                                          <p:stCondLst>
+                                            <p:cond delay="0"/>
+                                          </p:stCondLst>
+                                        </p:cTn>
+                                        <p:tgtEl>
+                                          <p:spTgt spid="3">
+                                            <p:txEl>
+                                              <p:pRg st="6" end="6"/>
+                                            </p:txEl>
+                                          </p:spTgt>
+                                        </p:tgtEl>
+                                        <p:attrNameLst>
+                                          <p:attrName>style.visibility</p:attrName>
+                                        </p:attrNameLst>
+                                      </p:cBhvr>
+                                      <p:to>
+                                        <p:strVal val="visible"/>
+                                      </p:to>
+                                    </p:set>
+                                    <p:animEffect transition="in" filter="fade">
+                                      <p:cBhvr>
+                                        <p:cTn id="22" dur="500"/>
+                                        <p:tgtEl>
+                                          <p:spTgt spid="3">
+                                            <p:txEl>
+                                              <p:pRg st="6" end="6"/>
+                                            </p:txEl>
+                                          </p:spTgt>
+                                        </p:tgtEl>
+                                      </p:cBhvr>
+                                    </p:animEffect>
+                                  </p:childTnLst>
+                                </p:cTn>
+                              </p:par>
+                            </p:childTnLst>
+                          </p:cTn>
+                        </p:par>
+                      </p:childTnLst>
+                    </p:cTn>
+                  </p:par>
+                </p:childTnLst>
+              </p:cTn>
+              <p:prevCondLst>
+                <p:cond evt="onPrev" delay="0">
+                  <p:tgtEl>
+                    <p:sldTgt/>
+                  </p:tgtEl>
+                </p:cond>
+              </p:prevCondLst>
+              <p:nextCondLst>
+                <p:cond evt="onNext" delay="0">
+                  <p:tgtEl>
+                    <p:sldTgt/>
+                  </p:tgtEl>
+                </p:cond>
+              </p:nextCondLst>
+            </p:seq>
+          </p:childTnLst>
+        </p:cTn>
+      </p:par>
+    </p:tnLst>
+    <p:bldLst>
+      <p:bldP spid="3" grpId="0" build="p"/>
+    </p:bldLst>
+  </p:timing>
+</p:sld>
+</file>
+
+<file path=ppt/slides/slide13.xml><?xml version="1.0" encoding="utf-8"?>
+<p:sld xmlns:a="http://schemas.openxmlformats.org/drawingml/2006/main" xmlns:r="http://schemas.openxmlformats.org/officeDocument/2006/relationships" xmlns:p="http://schemas.openxmlformats.org/presentationml/2006/main">
+  <p:cSld>
+    <p:spTree>
+      <p:nvGrpSpPr>
+        <p:cNvPr id="1" name=""/>
+        <p:cNvGrpSpPr/>
+        <p:nvPr/>
+      </p:nvGrpSpPr>
+      <p:grpSpPr>
+        <a:xfrm>
+          <a:off x="0" y="0"/>
+          <a:ext cx="0" cy="0"/>
+          <a:chOff x="0" y="0"/>
+          <a:chExt cx="0" cy="0"/>
+        </a:xfrm>
+      </p:grpSpPr>
+      <p:sp>
+        <p:nvSpPr>
+          <p:cNvPr id="2" name="Titre 1"/>
+          <p:cNvSpPr>
+            <a:spLocks noGrp="1"/>
+          </p:cNvSpPr>
+          <p:nvPr>
+            <p:ph type="title"/>
+          </p:nvPr>
+        </p:nvSpPr>
+        <p:spPr/>
+        <p:txBody>
+          <a:bodyPr/>
+          <a:lstStyle/>
+          <a:p>
+            <a:r>
+              <a:rPr lang="fr-FR" b="1" u="sng" dirty="0" smtClean="0">
+                <a:solidFill>
+                  <a:srgbClr val="0070C0"/>
+                </a:solidFill>
+                <a:latin typeface="Times New Roman" pitchFamily="18" charset="0"/>
+                <a:cs typeface="Times New Roman" pitchFamily="18" charset="0"/>
+              </a:rPr>
+              <a:t>Conclusion and Questions</a:t>
             </a:r>
             <a:endParaRPr lang="fr-FR" b="1" u="sng" dirty="0">
               <a:solidFill>
@@ -3322,10 +7112,149 @@
               </a:spcBef>
               <a:buNone/>
             </a:pPr>
+            <a:endParaRPr lang="en-US" dirty="0" smtClean="0"/>
+          </a:p>
+          <a:p>
+            <a:pPr marL="0" indent="0" algn="just">
+              <a:spcBef>
+                <a:spcPts val="0"/>
+              </a:spcBef>
+              <a:buNone/>
+            </a:pPr>
+            <a:r>
+              <a:rPr lang="en-US" dirty="0" smtClean="0"/>
+              <a:t>Still </a:t>
+            </a:r>
+            <a:r>
+              <a:rPr lang="en-US" dirty="0"/>
+              <a:t>a lot of </a:t>
+            </a:r>
+            <a:r>
+              <a:rPr lang="en-US" dirty="0" smtClean="0"/>
+              <a:t>work</a:t>
+            </a:r>
+            <a:endParaRPr lang="en-US" dirty="0" smtClean="0"/>
+          </a:p>
+          <a:p>
+            <a:pPr marL="0" indent="0" algn="just">
+              <a:spcBef>
+                <a:spcPts val="0"/>
+              </a:spcBef>
+              <a:buNone/>
+            </a:pPr>
+            <a:endParaRPr lang="en-US" dirty="0"/>
+          </a:p>
+          <a:p>
+            <a:pPr marL="0" indent="0" algn="just">
+              <a:spcBef>
+                <a:spcPts val="0"/>
+              </a:spcBef>
+              <a:buNone/>
+            </a:pPr>
+            <a:r>
+              <a:rPr lang="en-US" dirty="0" smtClean="0"/>
+              <a:t>Many c</a:t>
+            </a:r>
+            <a:r>
+              <a:rPr lang="en-US" dirty="0" smtClean="0"/>
+              <a:t>ode line </a:t>
+            </a:r>
+            <a:r>
+              <a:rPr lang="en-US" dirty="0" smtClean="0"/>
+              <a:t>to </a:t>
+            </a:r>
+            <a:r>
+              <a:rPr lang="en-US" dirty="0" smtClean="0"/>
+              <a:t>write and test</a:t>
+            </a:r>
+          </a:p>
+          <a:p>
+            <a:pPr marL="0" indent="0" algn="just">
+              <a:spcBef>
+                <a:spcPts val="0"/>
+              </a:spcBef>
+              <a:buNone/>
+            </a:pPr>
+            <a:endParaRPr lang="en-US" dirty="0" smtClean="0"/>
+          </a:p>
+          <a:p>
+            <a:pPr marL="0" indent="0" algn="just">
+              <a:spcBef>
+                <a:spcPts val="0"/>
+              </a:spcBef>
+              <a:buNone/>
+            </a:pPr>
+            <a:endParaRPr lang="en-US" dirty="0"/>
+          </a:p>
+          <a:p>
+            <a:pPr marL="0" indent="0" algn="just">
+              <a:spcBef>
+                <a:spcPts val="0"/>
+              </a:spcBef>
+              <a:buNone/>
+            </a:pPr>
+            <a:endParaRPr lang="en-US" dirty="0" smtClean="0"/>
+          </a:p>
+          <a:p>
+            <a:pPr marL="0" indent="0" algn="just">
+              <a:spcBef>
+                <a:spcPts val="0"/>
+              </a:spcBef>
+              <a:buNone/>
+            </a:pPr>
+            <a:r>
+              <a:rPr lang="en-US" dirty="0"/>
+              <a:t>	</a:t>
+            </a:r>
+            <a:r>
+              <a:rPr lang="en-US" dirty="0" smtClean="0"/>
+              <a:t>Any questions ?</a:t>
+            </a:r>
             <a:endParaRPr lang="fr-FR" dirty="0" smtClean="0"/>
           </a:p>
         </p:txBody>
       </p:sp>
+      <p:pic>
+        <p:nvPicPr>
+          <p:cNvPr id="1026" name="Picture 2" descr="http://www.mag-conception.fr/upload/news/z-bonhomme-interrogation-20150114-132511-52594.jpg"/>
+          <p:cNvPicPr>
+            <a:picLocks noChangeAspect="1" noChangeArrowheads="1"/>
+          </p:cNvPicPr>
+          <p:nvPr/>
+        </p:nvPicPr>
+        <p:blipFill>
+          <a:blip r:embed="rId2">
+            <a:extLst>
+              <a:ext uri="{28A0092B-C50C-407E-A947-70E740481C1C}">
+                <a14:useLocalDpi xmlns:a14="http://schemas.microsoft.com/office/drawing/2010/main" val="0"/>
+              </a:ext>
+            </a:extLst>
+          </a:blip>
+          <a:srcRect/>
+          <a:stretch>
+            <a:fillRect/>
+          </a:stretch>
+        </p:blipFill>
+        <p:spPr bwMode="auto">
+          <a:xfrm>
+            <a:off x="5004048" y="4365104"/>
+            <a:ext cx="2388890" cy="2388891"/>
+          </a:xfrm>
+          <a:prstGeom prst="rect">
+            <a:avLst/>
+          </a:prstGeom>
+          <a:noFill/>
+          <a:extLst>
+            <a:ext uri="{909E8E84-426E-40DD-AFC4-6F175D3DCCD1}">
+              <a14:hiddenFill xmlns:a14="http://schemas.microsoft.com/office/drawing/2010/main">
+                <a:solidFill>
+                  <a:srgbClr val="FFFFFF"/>
+                </a:solidFill>
+              </a14:hiddenFill>
+            </a:ext>
+          </a:extLst>
+        </p:spPr>
+      </p:pic>
     </p:spTree>
   </p:cSld>
   <p:clrMapOvr>
@@ -3352,15 +7281,10 @@
                             </p:stCondLst>
                             <p:childTnLst>
                               <p:par>
-                                <p:cTn id="5" presetID="10" presetClass="entr" presetSubtype="0" fill="hold" nodeType="clickEffect" nodePh="1">
+                                <p:cTn id="5" presetID="10" presetClass="entr" presetSubtype="0" fill="hold" grpId="0" nodeType="clickEffect">
                                   <p:stCondLst>
                                     <p:cond delay="0"/>
                                   </p:stCondLst>
-                                  <p:endCondLst>
-                                    <p:cond evt="begin" delay="0">
-                                      <p:tn val="5"/>
-                                    </p:cond>
-                                  </p:endCondLst>
                                   <p:childTnLst>
                                     <p:set>
                                       <p:cBhvr>
@@ -3372,7 +7296,473 @@
                                         <p:tgtEl>
                                           <p:spTgt spid="3">
                                             <p:txEl>
-                                              <p:pRg st="0" end="0"/>
+                                              <p:pRg st="1" end="1"/>
+                                            </p:txEl>
+                                          </p:spTgt>
+                                        </p:tgtEl>
+                                        <p:attrNameLst>
+                                          <p:attrName>style.visibility</p:attrName>
+                                        </p:attrNameLst>
+                                      </p:cBhvr>
+                                      <p:to>
+                                        <p:strVal val="visible"/>
+                                      </p:to>
+                                    </p:set>
+                                    <p:animEffect transition="in" filter="fade">
+                                      <p:cBhvr>
+                                        <p:cTn id="7" dur="500"/>
+                                        <p:tgtEl>
+                                          <p:spTgt spid="3">
+                                            <p:txEl>
+                                              <p:pRg st="1" end="1"/>
+                                            </p:txEl>
+                                          </p:spTgt>
+                                        </p:tgtEl>
+                                      </p:cBhvr>
+                                    </p:animEffect>
+                                  </p:childTnLst>
+                                </p:cTn>
+                              </p:par>
+                            </p:childTnLst>
+                          </p:cTn>
+                        </p:par>
+                      </p:childTnLst>
+                    </p:cTn>
+                  </p:par>
+                  <p:par>
+                    <p:cTn id="8" fill="hold">
+                      <p:stCondLst>
+                        <p:cond delay="indefinite"/>
+                      </p:stCondLst>
+                      <p:childTnLst>
+                        <p:par>
+                          <p:cTn id="9" fill="hold">
+                            <p:stCondLst>
+                              <p:cond delay="0"/>
+                            </p:stCondLst>
+                            <p:childTnLst>
+                              <p:par>
+                                <p:cTn id="10" presetID="10" presetClass="entr" presetSubtype="0" fill="hold" grpId="0" nodeType="clickEffect">
+                                  <p:stCondLst>
+                                    <p:cond delay="0"/>
+                                  </p:stCondLst>
+                                  <p:childTnLst>
+                                    <p:set>
+                                      <p:cBhvr>
+                                        <p:cTn id="11" dur="1" fill="hold">
+                                          <p:stCondLst>
+                                            <p:cond delay="0"/>
+                                          </p:stCondLst>
+                                        </p:cTn>
+                                        <p:tgtEl>
+                                          <p:spTgt spid="3">
+                                            <p:txEl>
+                                              <p:pRg st="3" end="3"/>
+                                            </p:txEl>
+                                          </p:spTgt>
+                                        </p:tgtEl>
+                                        <p:attrNameLst>
+                                          <p:attrName>style.visibility</p:attrName>
+                                        </p:attrNameLst>
+                                      </p:cBhvr>
+                                      <p:to>
+                                        <p:strVal val="visible"/>
+                                      </p:to>
+                                    </p:set>
+                                    <p:animEffect transition="in" filter="fade">
+                                      <p:cBhvr>
+                                        <p:cTn id="12" dur="500"/>
+                                        <p:tgtEl>
+                                          <p:spTgt spid="3">
+                                            <p:txEl>
+                                              <p:pRg st="3" end="3"/>
+                                            </p:txEl>
+                                          </p:spTgt>
+                                        </p:tgtEl>
+                                      </p:cBhvr>
+                                    </p:animEffect>
+                                  </p:childTnLst>
+                                </p:cTn>
+                              </p:par>
+                            </p:childTnLst>
+                          </p:cTn>
+                        </p:par>
+                      </p:childTnLst>
+                    </p:cTn>
+                  </p:par>
+                  <p:par>
+                    <p:cTn id="13" fill="hold">
+                      <p:stCondLst>
+                        <p:cond delay="indefinite"/>
+                      </p:stCondLst>
+                      <p:childTnLst>
+                        <p:par>
+                          <p:cTn id="14" fill="hold">
+                            <p:stCondLst>
+                              <p:cond delay="0"/>
+                            </p:stCondLst>
+                            <p:childTnLst>
+                              <p:par>
+                                <p:cTn id="15" presetID="10" presetClass="entr" presetSubtype="0" fill="hold" grpId="0" nodeType="clickEffect">
+                                  <p:stCondLst>
+                                    <p:cond delay="0"/>
+                                  </p:stCondLst>
+                                  <p:childTnLst>
+                                    <p:set>
+                                      <p:cBhvr>
+                                        <p:cTn id="16" dur="1" fill="hold">
+                                          <p:stCondLst>
+                                            <p:cond delay="0"/>
+                                          </p:stCondLst>
+                                        </p:cTn>
+                                        <p:tgtEl>
+                                          <p:spTgt spid="3">
+                                            <p:txEl>
+                                              <p:pRg st="7" end="7"/>
+                                            </p:txEl>
+                                          </p:spTgt>
+                                        </p:tgtEl>
+                                        <p:attrNameLst>
+                                          <p:attrName>style.visibility</p:attrName>
+                                        </p:attrNameLst>
+                                      </p:cBhvr>
+                                      <p:to>
+                                        <p:strVal val="visible"/>
+                                      </p:to>
+                                    </p:set>
+                                    <p:animEffect transition="in" filter="fade">
+                                      <p:cBhvr>
+                                        <p:cTn id="17" dur="500"/>
+                                        <p:tgtEl>
+                                          <p:spTgt spid="3">
+                                            <p:txEl>
+                                              <p:pRg st="7" end="7"/>
+                                            </p:txEl>
+                                          </p:spTgt>
+                                        </p:tgtEl>
+                                      </p:cBhvr>
+                                    </p:animEffect>
+                                  </p:childTnLst>
+                                </p:cTn>
+                              </p:par>
+                              <p:par>
+                                <p:cTn id="18" presetID="10" presetClass="entr" presetSubtype="0" fill="hold" nodeType="withEffect">
+                                  <p:stCondLst>
+                                    <p:cond delay="0"/>
+                                  </p:stCondLst>
+                                  <p:childTnLst>
+                                    <p:set>
+                                      <p:cBhvr>
+                                        <p:cTn id="19" dur="1" fill="hold">
+                                          <p:stCondLst>
+                                            <p:cond delay="0"/>
+                                          </p:stCondLst>
+                                        </p:cTn>
+                                        <p:tgtEl>
+                                          <p:spTgt spid="1026"/>
+                                        </p:tgtEl>
+                                        <p:attrNameLst>
+                                          <p:attrName>style.visibility</p:attrName>
+                                        </p:attrNameLst>
+                                      </p:cBhvr>
+                                      <p:to>
+                                        <p:strVal val="visible"/>
+                                      </p:to>
+                                    </p:set>
+                                    <p:animEffect transition="in" filter="fade">
+                                      <p:cBhvr>
+                                        <p:cTn id="20" dur="500"/>
+                                        <p:tgtEl>
+                                          <p:spTgt spid="1026"/>
+                                        </p:tgtEl>
+                                      </p:cBhvr>
+                                    </p:animEffect>
+                                  </p:childTnLst>
+                                </p:cTn>
+                              </p:par>
+                            </p:childTnLst>
+                          </p:cTn>
+                        </p:par>
+                      </p:childTnLst>
+                    </p:cTn>
+                  </p:par>
+                </p:childTnLst>
+              </p:cTn>
+              <p:prevCondLst>
+                <p:cond evt="onPrev" delay="0">
+                  <p:tgtEl>
+                    <p:sldTgt/>
+                  </p:tgtEl>
+                </p:cond>
+              </p:prevCondLst>
+              <p:nextCondLst>
+                <p:cond evt="onNext" delay="0">
+                  <p:tgtEl>
+                    <p:sldTgt/>
+                  </p:tgtEl>
+                </p:cond>
+              </p:nextCondLst>
+            </p:seq>
+          </p:childTnLst>
+        </p:cTn>
+      </p:par>
+    </p:tnLst>
+    <p:bldLst>
+      <p:bldP spid="3" grpId="0" uiExpand="1" build="p"/>
+    </p:bldLst>
+  </p:timing>
+</p:sld>
+</file>
+
+<file path=ppt/slides/slide2.xml><?xml version="1.0" encoding="utf-8"?>
+<p:sld xmlns:a="http://schemas.openxmlformats.org/drawingml/2006/main" xmlns:r="http://schemas.openxmlformats.org/officeDocument/2006/relationships" xmlns:p="http://schemas.openxmlformats.org/presentationml/2006/main">
+  <p:cSld>
+    <p:spTree>
+      <p:nvGrpSpPr>
+        <p:cNvPr id="1" name=""/>
+        <p:cNvGrpSpPr/>
+        <p:nvPr/>
+      </p:nvGrpSpPr>
+      <p:grpSpPr>
+        <a:xfrm>
+          <a:off x="0" y="0"/>
+          <a:ext cx="0" cy="0"/>
+          <a:chOff x="0" y="0"/>
+          <a:chExt cx="0" cy="0"/>
+        </a:xfrm>
+      </p:grpSpPr>
+      <p:sp>
+        <p:nvSpPr>
+          <p:cNvPr id="2" name="Titre 1"/>
+          <p:cNvSpPr>
+            <a:spLocks noGrp="1"/>
+          </p:cNvSpPr>
+          <p:nvPr>
+            <p:ph type="title"/>
+          </p:nvPr>
+        </p:nvSpPr>
+        <p:spPr/>
+        <p:txBody>
+          <a:bodyPr/>
+          <a:lstStyle/>
+          <a:p>
+            <a:r>
+              <a:rPr lang="fr-FR" b="1" u="sng" dirty="0" smtClean="0">
+                <a:solidFill>
+                  <a:srgbClr val="0070C0"/>
+                </a:solidFill>
+                <a:latin typeface="Times New Roman" pitchFamily="18" charset="0"/>
+                <a:cs typeface="Times New Roman" pitchFamily="18" charset="0"/>
+              </a:rPr>
+              <a:t>Introduction</a:t>
+            </a:r>
+            <a:endParaRPr lang="fr-FR" b="1" u="sng" dirty="0">
+              <a:solidFill>
+                <a:srgbClr val="0070C0"/>
+              </a:solidFill>
+              <a:latin typeface="Times New Roman" pitchFamily="18" charset="0"/>
+              <a:cs typeface="Times New Roman" pitchFamily="18" charset="0"/>
+            </a:endParaRPr>
+          </a:p>
+        </p:txBody>
+      </p:sp>
+      <p:sp>
+        <p:nvSpPr>
+          <p:cNvPr id="3" name="Espace réservé du contenu 2"/>
+          <p:cNvSpPr>
+            <a:spLocks noGrp="1"/>
+          </p:cNvSpPr>
+          <p:nvPr>
+            <p:ph idx="1"/>
+          </p:nvPr>
+        </p:nvSpPr>
+        <p:spPr/>
+        <p:txBody>
+          <a:bodyPr>
+            <a:normAutofit/>
+          </a:bodyPr>
+          <a:lstStyle/>
+          <a:p>
+            <a:pPr marL="0" indent="0" algn="just">
+              <a:spcBef>
+                <a:spcPts val="0"/>
+              </a:spcBef>
+              <a:buNone/>
+            </a:pPr>
+            <a:endParaRPr lang="fr-FR" dirty="0" smtClean="0"/>
+          </a:p>
+          <a:p>
+            <a:pPr marL="0" indent="0" algn="just">
+              <a:spcBef>
+                <a:spcPts val="0"/>
+              </a:spcBef>
+              <a:buNone/>
+            </a:pPr>
+            <a:endParaRPr lang="fr-FR" dirty="0" smtClean="0"/>
+          </a:p>
+          <a:p>
+            <a:pPr marL="0" indent="0" algn="just">
+              <a:spcBef>
+                <a:spcPts val="0"/>
+              </a:spcBef>
+              <a:buNone/>
+            </a:pPr>
+            <a:r>
+              <a:rPr lang="fr-FR" dirty="0" smtClean="0"/>
+              <a:t>M2 Project</a:t>
+            </a:r>
+          </a:p>
+          <a:p>
+            <a:pPr marL="0" indent="0" algn="just">
+              <a:spcBef>
+                <a:spcPts val="0"/>
+              </a:spcBef>
+              <a:buNone/>
+            </a:pPr>
+            <a:endParaRPr lang="fr-FR" dirty="0"/>
+          </a:p>
+          <a:p>
+            <a:pPr marL="0" indent="0" algn="just">
+              <a:spcBef>
+                <a:spcPts val="0"/>
+              </a:spcBef>
+              <a:buNone/>
+            </a:pPr>
+            <a:r>
+              <a:rPr lang="fr-FR" dirty="0" err="1" smtClean="0"/>
+              <a:t>Presentation</a:t>
+            </a:r>
+            <a:r>
+              <a:rPr lang="fr-FR" dirty="0" smtClean="0"/>
+              <a:t> to </a:t>
+            </a:r>
+            <a:r>
+              <a:rPr lang="fr-FR" dirty="0" err="1" smtClean="0"/>
+              <a:t>halfway</a:t>
+            </a:r>
+            <a:endParaRPr lang="fr-FR" dirty="0" smtClean="0"/>
+          </a:p>
+          <a:p>
+            <a:pPr marL="0" indent="0" algn="just">
+              <a:spcBef>
+                <a:spcPts val="0"/>
+              </a:spcBef>
+              <a:buNone/>
+            </a:pPr>
+            <a:endParaRPr lang="fr-FR" dirty="0"/>
+          </a:p>
+          <a:p>
+            <a:pPr marL="0" indent="0" algn="just">
+              <a:spcBef>
+                <a:spcPts val="0"/>
+              </a:spcBef>
+              <a:buNone/>
+            </a:pPr>
+            <a:endParaRPr lang="fr-FR" dirty="0" smtClean="0"/>
+          </a:p>
+          <a:p>
+            <a:pPr marL="0" indent="0" algn="just">
+              <a:spcBef>
+                <a:spcPts val="0"/>
+              </a:spcBef>
+              <a:buNone/>
+            </a:pPr>
+            <a:endParaRPr lang="fr-FR" dirty="0"/>
+          </a:p>
+          <a:p>
+            <a:pPr marL="0" indent="0" algn="just">
+              <a:spcBef>
+                <a:spcPts val="0"/>
+              </a:spcBef>
+              <a:buNone/>
+            </a:pPr>
+            <a:endParaRPr lang="fr-FR" dirty="0" smtClean="0"/>
+          </a:p>
+        </p:txBody>
+      </p:sp>
+      <p:pic>
+        <p:nvPicPr>
+          <p:cNvPr id="10244" name="Picture 4" descr="http://www.alternativesfrance.com/crbst_Bonhomme-couv.gif?v=2as9y05knjx189m"/>
+          <p:cNvPicPr>
+            <a:picLocks noChangeAspect="1" noChangeArrowheads="1"/>
+          </p:cNvPicPr>
+          <p:nvPr/>
+        </p:nvPicPr>
+        <p:blipFill>
+          <a:blip r:embed="rId3">
+            <a:extLst>
+              <a:ext uri="{28A0092B-C50C-407E-A947-70E740481C1C}">
+                <a14:useLocalDpi xmlns:a14="http://schemas.microsoft.com/office/drawing/2010/main" val="0"/>
+              </a:ext>
+            </a:extLst>
+          </a:blip>
+          <a:srcRect/>
+          <a:stretch>
+            <a:fillRect/>
+          </a:stretch>
+        </p:blipFill>
+        <p:spPr bwMode="auto">
+          <a:xfrm>
+            <a:off x="6444207" y="260648"/>
+            <a:ext cx="1857375" cy="2247901"/>
+          </a:xfrm>
+          <a:prstGeom prst="rect">
+            <a:avLst/>
+          </a:prstGeom>
+          <a:noFill/>
+          <a:extLst>
+            <a:ext uri="{909E8E84-426E-40DD-AFC4-6F175D3DCCD1}">
+              <a14:hiddenFill xmlns:a14="http://schemas.microsoft.com/office/drawing/2010/main">
+                <a:solidFill>
+                  <a:srgbClr val="FFFFFF"/>
+                </a:solidFill>
+              </a14:hiddenFill>
+            </a:ext>
+          </a:extLst>
+        </p:spPr>
+      </p:pic>
+    </p:spTree>
+  </p:cSld>
+  <p:clrMapOvr>
+    <a:masterClrMapping/>
+  </p:clrMapOvr>
+  <p:timing>
+    <p:tnLst>
+      <p:par>
+        <p:cTn id="1" dur="indefinite" restart="never" nodeType="tmRoot">
+          <p:childTnLst>
+            <p:seq concurrent="1" nextAc="seek">
+              <p:cTn id="2" dur="indefinite" nodeType="mainSeq">
+                <p:childTnLst>
+                  <p:par>
+                    <p:cTn id="3" fill="hold">
+                      <p:stCondLst>
+                        <p:cond delay="indefinite"/>
+                      </p:stCondLst>
+                      <p:childTnLst>
+                        <p:par>
+                          <p:cTn id="4" fill="hold">
+                            <p:stCondLst>
+                              <p:cond delay="0"/>
+                            </p:stCondLst>
+                            <p:childTnLst>
+                              <p:par>
+                                <p:cTn id="5" presetID="10" presetClass="entr" presetSubtype="0" fill="hold" nodeType="clickEffect">
+                                  <p:stCondLst>
+                                    <p:cond delay="0"/>
+                                  </p:stCondLst>
+                                  <p:childTnLst>
+                                    <p:set>
+                                      <p:cBhvr>
+                                        <p:cTn id="6" dur="1" fill="hold">
+                                          <p:stCondLst>
+                                            <p:cond delay="0"/>
+                                          </p:stCondLst>
+                                        </p:cTn>
+                                        <p:tgtEl>
+                                          <p:spTgt spid="3">
+                                            <p:txEl>
+                                              <p:pRg st="2" end="2"/>
                                             </p:txEl>
                                           </p:spTgt>
                                         </p:tgtEl>
@@ -3390,7 +7780,68 @@
                                         <p:tgtEl>
                                           <p:spTgt spid="3">
                                             <p:txEl>
-                                              <p:pRg st="0" end="0"/>
+                                              <p:pRg st="2" end="2"/>
+                                            </p:txEl>
+                                          </p:spTgt>
+                                        </p:tgtEl>
+                                      </p:cBhvr>
+                                    </p:animEffect>
+                                  </p:childTnLst>
+                                </p:cTn>
+                              </p:par>
+                            </p:childTnLst>
+                          </p:cTn>
+                        </p:par>
+                      </p:childTnLst>
+                    </p:cTn>
+                  </p:par>
+                  <p:par>
+                    <p:cTn id="8" fill="hold">
+                      <p:stCondLst>
+                        <p:cond delay="indefinite"/>
+                      </p:stCondLst>
+                      <p:childTnLst>
+                        <p:par>
+                          <p:cTn id="9" fill="hold">
+                            <p:stCondLst>
+                              <p:cond delay="0"/>
+                            </p:stCondLst>
+                            <p:childTnLst>
+                              <p:par>
+                                <p:cTn id="10" presetID="10" presetClass="entr" presetSubtype="0" fill="hold" nodeType="clickEffect">
+                                  <p:stCondLst>
+                                    <p:cond delay="0"/>
+                                  </p:stCondLst>
+                                  <p:childTnLst>
+                                    <p:set>
+                                      <p:cBhvr>
+                                        <p:cTn id="11" dur="1" fill="hold">
+                                          <p:stCondLst>
+                                            <p:cond delay="0"/>
+                                          </p:stCondLst>
+                                        </p:cTn>
+                                        <p:tgtEl>
+                                          <p:spTgt spid="3">
+                                            <p:txEl>
+                                              <p:pRg st="4" end="4"/>
+                                            </p:txEl>
+                                          </p:spTgt>
+                                        </p:tgtEl>
+                                        <p:attrNameLst>
+                                          <p:attrName>style.visibility</p:attrName>
+                                        </p:attrNameLst>
+                                      </p:cBhvr>
+                                      <p:to>
+                                        <p:strVal val="visible"/>
+                                      </p:to>
+                                    </p:set>
+                                    <p:animEffect transition="in" filter="fade">
+                                      <p:cBhvr>
+                                        <p:cTn id="12" dur="2000"/>
+                                        <p:tgtEl>
+                                          <p:spTgt spid="3">
+                                            <p:txEl>
+                                              <p:pRg st="4" end="4"/>
                                             </p:txEl>
                                           </p:spTgt>
                                         </p:tgtEl>
@@ -3529,9 +7980,10 @@
               </a:spcBef>
             </a:pPr>
             <a:r>
-              <a:rPr lang="fr-FR" dirty="0" smtClean="0"/>
-              <a:t>Sujet</a:t>
-            </a:r>
+              <a:rPr lang="fr-FR" dirty="0" err="1" smtClean="0"/>
+              <a:t>Subject</a:t>
+            </a:r>
+            <a:endParaRPr lang="fr-FR" dirty="0" smtClean="0"/>
           </a:p>
           <a:p>
             <a:pPr marL="0">
@@ -3552,8 +8004,13 @@
             </a:pPr>
             <a:r>
               <a:rPr lang="fr-FR" dirty="0" smtClean="0"/>
-              <a:t>Rôle des intervenants</a:t>
-            </a:r>
+              <a:t>People </a:t>
+            </a:r>
+            <a:r>
+              <a:rPr lang="fr-FR" dirty="0" err="1" smtClean="0"/>
+              <a:t>concerned</a:t>
+            </a:r>
+            <a:endParaRPr lang="fr-FR" dirty="0" smtClean="0"/>
           </a:p>
           <a:p>
             <a:pPr marL="0">
@@ -3563,8 +8020,13 @@
             </a:pPr>
             <a:r>
               <a:rPr lang="fr-FR" dirty="0" smtClean="0"/>
-              <a:t>Tenant et aboutissant</a:t>
-            </a:r>
+              <a:t>Software and </a:t>
+            </a:r>
+            <a:r>
+              <a:rPr lang="fr-FR" dirty="0" err="1" smtClean="0"/>
+              <a:t>requirements</a:t>
+            </a:r>
+            <a:endParaRPr lang="fr-FR" dirty="0" smtClean="0"/>
           </a:p>
           <a:p>
             <a:pPr marL="0">
@@ -3573,9 +8035,10 @@
               </a:spcBef>
             </a:pPr>
             <a:r>
-              <a:rPr lang="fr-FR" dirty="0" smtClean="0"/>
-              <a:t>Organisation dans le temps</a:t>
-            </a:r>
+              <a:rPr lang="fr-FR" dirty="0" err="1" smtClean="0"/>
+              <a:t>Plannification</a:t>
+            </a:r>
+            <a:endParaRPr lang="fr-FR" dirty="0" smtClean="0"/>
           </a:p>
           <a:p>
             <a:pPr marL="0">
@@ -3584,8 +8047,20 @@
               </a:spcBef>
             </a:pPr>
             <a:r>
+              <a:rPr lang="fr-FR" dirty="0" err="1" smtClean="0"/>
+              <a:t>Risks</a:t>
+            </a:r>
+            <a:r>
               <a:rPr lang="fr-FR" dirty="0" smtClean="0"/>
-              <a:t>Risques</a:t>
+              <a:t> (</a:t>
+            </a:r>
+            <a:r>
+              <a:rPr lang="fr-FR" dirty="0" err="1" smtClean="0"/>
+              <a:t>evaluation</a:t>
+            </a:r>
+            <a:r>
+              <a:rPr lang="fr-FR" dirty="0" smtClean="0"/>
+              <a:t>)</a:t>
             </a:r>
           </a:p>
           <a:p>
@@ -3595,9 +8070,18 @@
               </a:spcBef>
             </a:pPr>
             <a:r>
-              <a:rPr lang="fr-FR" dirty="0" smtClean="0"/>
-              <a:t>Bilan</a:t>
-            </a:r>
+              <a:rPr lang="fr-FR" dirty="0" err="1"/>
+              <a:t>Responses</a:t>
+            </a:r>
+            <a:r>
+              <a:rPr lang="fr-FR" dirty="0"/>
+              <a:t> to </a:t>
+            </a:r>
+            <a:r>
+              <a:rPr lang="fr-FR" dirty="0" err="1" smtClean="0"/>
+              <a:t>risks</a:t>
+            </a:r>
+            <a:endParaRPr lang="fr-FR" dirty="0" smtClean="0"/>
           </a:p>
           <a:p>
             <a:pPr marL="0">
@@ -3606,8 +8090,28 @@
               </a:spcBef>
             </a:pPr>
             <a:r>
+              <a:rPr lang="fr-FR" dirty="0" err="1" smtClean="0"/>
+              <a:t>Results</a:t>
+            </a:r>
+            <a:r>
+              <a:rPr lang="fr-FR" dirty="0"/>
+              <a:t> // </a:t>
+            </a:r>
+            <a:r>
+              <a:rPr lang="fr-FR" dirty="0" err="1"/>
+              <a:t>statement</a:t>
+            </a:r>
+            <a:r>
+              <a:rPr lang="fr-FR" dirty="0"/>
+              <a:t> of </a:t>
+            </a:r>
+            <a:r>
+              <a:rPr lang="fr-FR" dirty="0" err="1" smtClean="0"/>
+              <a:t>accounts</a:t>
+            </a:r>
+            <a:r>
               <a:rPr lang="fr-FR" dirty="0" smtClean="0"/>
-              <a:t>Réponse au risques</a:t>
+              <a:t> (terme a choisir)</a:t>
             </a:r>
           </a:p>
           <a:p>
@@ -3625,17 +8129,54 @@
               </a:spcBef>
             </a:pPr>
             <a:r>
-              <a:rPr lang="fr-FR" dirty="0"/>
-              <a:t>C</a:t>
-            </a:r>
-            <a:r>
               <a:rPr lang="fr-FR" dirty="0" smtClean="0"/>
-              <a:t>onclusion</a:t>
+              <a:t>Conclusion and Questions</a:t>
             </a:r>
             <a:endParaRPr lang="fr-FR" dirty="0"/>
           </a:p>
         </p:txBody>
       </p:sp>
+      <p:pic>
+        <p:nvPicPr>
+          <p:cNvPr id="4100" name="Picture 4" descr="http://newspaperread.info/wp-content/uploads/2015/06/plan.jpg"/>
+          <p:cNvPicPr>
+            <a:picLocks noChangeAspect="1" noChangeArrowheads="1"/>
+          </p:cNvPicPr>
+          <p:nvPr/>
+        </p:nvPicPr>
+        <p:blipFill>
+          <a:blip r:embed="rId3">
+            <a:extLst>
+              <a:ext uri="{28A0092B-C50C-407E-A947-70E740481C1C}">
+                <a14:useLocalDpi xmlns:a14="http://schemas.microsoft.com/office/drawing/2010/main" val="0"/>
+              </a:ext>
+            </a:extLst>
+          </a:blip>
+          <a:srcRect/>
+          <a:stretch>
+            <a:fillRect/>
+          </a:stretch>
+        </p:blipFill>
+        <p:spPr bwMode="auto">
+          <a:xfrm>
+            <a:off x="6300192" y="188640"/>
+            <a:ext cx="2179514" cy="2179515"/>
+          </a:xfrm>
+          <a:prstGeom prst="rect">
+            <a:avLst/>
+          </a:prstGeom>
+          <a:noFill/>
+          <a:extLst>
+            <a:ext uri="{909E8E84-426E-40DD-AFC4-6F175D3DCCD1}">
+              <a14:hiddenFill xmlns:a14="http://schemas.microsoft.com/office/drawing/2010/main">
+                <a:solidFill>
+                  <a:srgbClr val="FFFFFF"/>
+                </a:solidFill>
+              </a14:hiddenFill>
+            </a:ext>
+          </a:extLst>
+        </p:spPr>
+      </p:pic>
     </p:spTree>
   </p:cSld>
   <p:clrMapOvr>
@@ -4311,32 +8852,282 @@
             <p:ph type="title"/>
           </p:nvPr>
         </p:nvSpPr>
-        <p:spPr/>
+        <p:spPr>
+          <a:xfrm>
+            <a:off x="467544" y="332656"/>
+            <a:ext cx="8229600" cy="1143000"/>
+          </a:xfrm>
+        </p:spPr>
         <p:txBody>
           <a:bodyPr/>
           <a:lstStyle/>
           <a:p>
             <a:r>
-              <a:rPr lang="fr-FR" b="1" u="sng" dirty="0" smtClean="0">
+              <a:rPr lang="fr-FR" b="1" u="sng" dirty="0" err="1">
                 <a:solidFill>
                   <a:srgbClr val="0070C0"/>
                 </a:solidFill>
                 <a:latin typeface="Times New Roman" pitchFamily="18" charset="0"/>
                 <a:cs typeface="Times New Roman" pitchFamily="18" charset="0"/>
               </a:rPr>
-              <a:t>XXX</a:t>
-            </a:r>
-            <a:endParaRPr lang="fr-FR" b="1" u="sng" dirty="0">
-              <a:solidFill>
-                <a:srgbClr val="0070C0"/>
-              </a:solidFill>
-              <a:latin typeface="Times New Roman" pitchFamily="18" charset="0"/>
-              <a:cs typeface="Times New Roman" pitchFamily="18" charset="0"/>
-            </a:endParaRPr>
+              <a:t>Subject</a:t>
+            </a:r>
+            <a:endParaRPr lang="fr-FR" dirty="0"/>
           </a:p>
         </p:txBody>
       </p:sp>
+      <p:sp>
+        <p:nvSpPr>
+          <p:cNvPr id="3" name="Espace réservé du contenu 2"/>
+          <p:cNvSpPr>
+            <a:spLocks noGrp="1"/>
+          </p:cNvSpPr>
+          <p:nvPr>
+            <p:ph idx="1"/>
+          </p:nvPr>
+        </p:nvSpPr>
+        <p:spPr/>
+        <p:txBody>
+          <a:bodyPr/>
+          <a:lstStyle/>
+          <a:p>
+            <a:pPr marL="0" indent="0" algn="just">
+              <a:spcBef>
+                <a:spcPts val="0"/>
+              </a:spcBef>
+              <a:buNone/>
+            </a:pPr>
+            <a:r>
+              <a:rPr lang="en-US" dirty="0" smtClean="0"/>
+              <a:t>Contribution to </a:t>
+            </a:r>
+            <a:r>
+              <a:rPr lang="en-US" dirty="0"/>
+              <a:t>CAD assembly reconstruction from 3D laser </a:t>
+            </a:r>
+            <a:r>
+              <a:rPr lang="en-US" dirty="0" smtClean="0"/>
+              <a:t>scanning</a:t>
+            </a:r>
+            <a:endParaRPr lang="fr-FR" dirty="0"/>
+          </a:p>
+          <a:p>
+            <a:pPr marL="0" indent="0" algn="just">
+              <a:spcBef>
+                <a:spcPts val="0"/>
+              </a:spcBef>
+              <a:buNone/>
+            </a:pPr>
+            <a:endParaRPr lang="fr-FR" dirty="0"/>
+          </a:p>
+          <a:p>
+            <a:pPr marL="0" indent="0" algn="just">
+              <a:spcBef>
+                <a:spcPts val="0"/>
+              </a:spcBef>
+              <a:buNone/>
+            </a:pPr>
+            <a:r>
+              <a:rPr lang="en-US" dirty="0" smtClean="0"/>
+              <a:t>Manual</a:t>
+            </a:r>
+            <a:r>
+              <a:rPr lang="fr-FR" dirty="0" smtClean="0"/>
+              <a:t> scan </a:t>
+            </a:r>
+            <a:r>
+              <a:rPr lang="en-US" dirty="0" smtClean="0"/>
+              <a:t>done</a:t>
+            </a:r>
+            <a:r>
+              <a:rPr lang="fr-FR" dirty="0" smtClean="0"/>
+              <a:t> by EDF</a:t>
+            </a:r>
+          </a:p>
+          <a:p>
+            <a:pPr marL="0" indent="0" algn="just">
+              <a:spcBef>
+                <a:spcPts val="0"/>
+              </a:spcBef>
+              <a:buNone/>
+            </a:pPr>
+            <a:r>
+              <a:rPr lang="fr-FR" dirty="0" smtClean="0"/>
+              <a:t>Point </a:t>
+            </a:r>
+            <a:r>
+              <a:rPr lang="fr-FR" dirty="0" err="1" smtClean="0"/>
+              <a:t>cloud</a:t>
+            </a:r>
+            <a:r>
+              <a:rPr lang="fr-FR" dirty="0" smtClean="0"/>
+              <a:t> to </a:t>
+            </a:r>
+            <a:r>
+              <a:rPr lang="fr-FR" dirty="0" err="1" smtClean="0"/>
+              <a:t>clear</a:t>
+            </a:r>
+            <a:r>
+              <a:rPr lang="fr-FR" dirty="0" smtClean="0"/>
+              <a:t> </a:t>
+            </a:r>
+            <a:r>
+              <a:rPr lang="fr-FR" dirty="0" err="1" smtClean="0"/>
+              <a:t>before</a:t>
+            </a:r>
+            <a:r>
+              <a:rPr lang="fr-FR" dirty="0" smtClean="0"/>
+              <a:t> manipulation</a:t>
+            </a:r>
+          </a:p>
+          <a:p>
+            <a:pPr marL="0" indent="0" algn="just">
+              <a:spcBef>
+                <a:spcPts val="0"/>
+              </a:spcBef>
+              <a:buNone/>
+            </a:pPr>
+            <a:endParaRPr lang="fr-FR" dirty="0" smtClean="0"/>
+          </a:p>
+          <a:p>
+            <a:pPr marL="0" indent="0" algn="just">
+              <a:spcBef>
+                <a:spcPts val="0"/>
+              </a:spcBef>
+              <a:buNone/>
+            </a:pPr>
+            <a:endParaRPr lang="en-US" dirty="0" smtClean="0"/>
+          </a:p>
+        </p:txBody>
+      </p:sp>
+      <p:pic>
+        <p:nvPicPr>
+          <p:cNvPr id="2050" name="Picture 2" descr="http://www.3dcadbrowser.com/th/1/12/12296.jpg"/>
+          <p:cNvPicPr>
+            <a:picLocks noChangeAspect="1" noChangeArrowheads="1"/>
+          </p:cNvPicPr>
+          <p:nvPr/>
+        </p:nvPicPr>
+        <p:blipFill>
+          <a:blip r:embed="rId3" cstate="print">
+            <a:extLst>
+              <a:ext uri="{28A0092B-C50C-407E-A947-70E740481C1C}">
+                <a14:useLocalDpi xmlns:a14="http://schemas.microsoft.com/office/drawing/2010/main" val="0"/>
+              </a:ext>
+            </a:extLst>
+          </a:blip>
+          <a:srcRect/>
+          <a:stretch>
+            <a:fillRect/>
+          </a:stretch>
+        </p:blipFill>
+        <p:spPr bwMode="auto">
+          <a:xfrm>
+            <a:off x="4932040" y="4349452"/>
+            <a:ext cx="3024336" cy="2268252"/>
+          </a:xfrm>
+          <a:prstGeom prst="rect">
+            <a:avLst/>
+          </a:prstGeom>
+          <a:noFill/>
+          <a:extLst>
+            <a:ext uri="{909E8E84-426E-40DD-AFC4-6F175D3DCCD1}">
+              <a14:hiddenFill xmlns:a14="http://schemas.microsoft.com/office/drawing/2010/main">
+                <a:solidFill>
+                  <a:srgbClr val="FFFFFF"/>
+                </a:solidFill>
+              </a14:hiddenFill>
+            </a:ext>
+          </a:extLst>
+        </p:spPr>
+      </p:pic>
+      <p:pic>
+        <p:nvPicPr>
+          <p:cNvPr id="2052" name="Picture 4" descr="http://docplayer.fr/docs-images/18/789124/images/15-0.png"/>
+          <p:cNvPicPr>
+            <a:picLocks noChangeAspect="1" noChangeArrowheads="1"/>
+          </p:cNvPicPr>
+          <p:nvPr/>
+        </p:nvPicPr>
+        <p:blipFill>
+          <a:blip r:embed="rId4">
+            <a:extLst>
+              <a:ext uri="{28A0092B-C50C-407E-A947-70E740481C1C}">
+                <a14:useLocalDpi xmlns:a14="http://schemas.microsoft.com/office/drawing/2010/main" val="0"/>
+              </a:ext>
+            </a:extLst>
+          </a:blip>
+          <a:srcRect/>
+          <a:stretch>
+            <a:fillRect/>
+          </a:stretch>
+        </p:blipFill>
+        <p:spPr bwMode="auto">
+          <a:xfrm>
+            <a:off x="1187624" y="4488215"/>
+            <a:ext cx="1905000" cy="1990725"/>
+          </a:xfrm>
+          <a:prstGeom prst="rect">
+            <a:avLst/>
+          </a:prstGeom>
+          <a:noFill/>
+          <a:extLst>
+            <a:ext uri="{909E8E84-426E-40DD-AFC4-6F175D3DCCD1}">
+              <a14:hiddenFill xmlns:a14="http://schemas.microsoft.com/office/drawing/2010/main">
+                <a:solidFill>
+                  <a:srgbClr val="FFFFFF"/>
+                </a:solidFill>
+              </a14:hiddenFill>
+            </a:ext>
+          </a:extLst>
+        </p:spPr>
+      </p:pic>
+      <p:sp>
+        <p:nvSpPr>
+          <p:cNvPr id="4" name="Flèche droite 3"/>
+          <p:cNvSpPr/>
+          <p:nvPr/>
+        </p:nvSpPr>
+        <p:spPr>
+          <a:xfrm>
+            <a:off x="3491880" y="5013176"/>
+            <a:ext cx="1368152" cy="792088"/>
+          </a:xfrm>
+          <a:prstGeom prst="rightArrow">
+            <a:avLst/>
+          </a:prstGeom>
+        </p:spPr>
+        <p:style>
+          <a:lnRef idx="2">
+            <a:schemeClr val="accent1">
+              <a:shade val="50000"/>
+            </a:schemeClr>
+          </a:lnRef>
+          <a:fillRef idx="1">
+            <a:schemeClr val="accent1"/>
+          </a:fillRef>
+          <a:effectRef idx="0">
+            <a:schemeClr val="accent1"/>
+          </a:effectRef>
+          <a:fontRef idx="minor">
+            <a:schemeClr val="lt1"/>
+          </a:fontRef>
+        </p:style>
+        <p:txBody>
+          <a:bodyPr rtlCol="0" anchor="ctr"/>
+          <a:lstStyle/>
+          <a:p>
+            <a:pPr algn="ctr"/>
+            <a:endParaRPr lang="fr-FR"/>
+          </a:p>
+        </p:txBody>
+      </p:sp>
     </p:spTree>
+    <p:extLst>
+      <p:ext uri="{BB962C8B-B14F-4D97-AF65-F5344CB8AC3E}">
+        <p14:creationId xmlns:p14="http://schemas.microsoft.com/office/powerpoint/2010/main" val="3909680258"/>
+      </p:ext>
+    </p:extLst>
   </p:cSld>
   <p:clrMapOvr>
     <a:masterClrMapping/>
@@ -4344,9 +9135,342 @@
   <p:timing>
     <p:tnLst>
       <p:par>
-        <p:cTn id="1" dur="indefinite" restart="never" nodeType="tmRoot"/>
+        <p:cTn id="1" dur="indefinite" restart="never" nodeType="tmRoot">
+          <p:childTnLst>
+            <p:seq concurrent="1" nextAc="seek">
+              <p:cTn id="2" dur="indefinite" nodeType="mainSeq">
+                <p:childTnLst>
+                  <p:par>
+                    <p:cTn id="3" fill="hold">
+                      <p:stCondLst>
+                        <p:cond delay="indefinite"/>
+                      </p:stCondLst>
+                      <p:childTnLst>
+                        <p:par>
+                          <p:cTn id="4" fill="hold">
+                            <p:stCondLst>
+                              <p:cond delay="0"/>
+                            </p:stCondLst>
+                            <p:childTnLst>
+                              <p:par>
+                                <p:cTn id="5" presetID="10" presetClass="entr" presetSubtype="0" fill="hold" grpId="0" nodeType="clickEffect">
+                                  <p:stCondLst>
+                                    <p:cond delay="0"/>
+                                  </p:stCondLst>
+                                  <p:childTnLst>
+                                    <p:set>
+                                      <p:cBhvr>
+                                        <p:cTn id="6" dur="1" fill="hold">
+                                          <p:stCondLst>
+                                            <p:cond delay="0"/>
+                                          </p:stCondLst>
+                                        </p:cTn>
+                                        <p:tgtEl>
+                                          <p:spTgt spid="3">
+                                            <p:txEl>
+                                              <p:pRg st="0" end="0"/>
+                                            </p:txEl>
+                                          </p:spTgt>
+                                        </p:tgtEl>
+                                        <p:attrNameLst>
+                                          <p:attrName>style.visibility</p:attrName>
+                                        </p:attrNameLst>
+                                      </p:cBhvr>
+                                      <p:to>
+                                        <p:strVal val="visible"/>
+                                      </p:to>
+                                    </p:set>
+                                    <p:animEffect transition="in" filter="fade">
+                                      <p:cBhvr>
+                                        <p:cTn id="7" dur="500"/>
+                                        <p:tgtEl>
+                                          <p:spTgt spid="3">
+                                            <p:txEl>
+                                              <p:pRg st="0" end="0"/>
+                                            </p:txEl>
+                                          </p:spTgt>
+                                        </p:tgtEl>
+                                      </p:cBhvr>
+                                    </p:animEffect>
+                                  </p:childTnLst>
+                                </p:cTn>
+                              </p:par>
+                            </p:childTnLst>
+                          </p:cTn>
+                        </p:par>
+                      </p:childTnLst>
+                    </p:cTn>
+                  </p:par>
+                  <p:par>
+                    <p:cTn id="8" fill="hold">
+                      <p:stCondLst>
+                        <p:cond delay="indefinite"/>
+                      </p:stCondLst>
+                      <p:childTnLst>
+                        <p:par>
+                          <p:cTn id="9" fill="hold">
+                            <p:stCondLst>
+                              <p:cond delay="0"/>
+                            </p:stCondLst>
+                            <p:childTnLst>
+                              <p:par>
+                                <p:cTn id="10" presetID="10" presetClass="entr" presetSubtype="0" fill="hold" grpId="0" nodeType="clickEffect">
+                                  <p:stCondLst>
+                                    <p:cond delay="0"/>
+                                  </p:stCondLst>
+                                  <p:childTnLst>
+                                    <p:set>
+                                      <p:cBhvr>
+                                        <p:cTn id="11" dur="1" fill="hold">
+                                          <p:stCondLst>
+                                            <p:cond delay="0"/>
+                                          </p:stCondLst>
+                                        </p:cTn>
+                                        <p:tgtEl>
+                                          <p:spTgt spid="3">
+                                            <p:txEl>
+                                              <p:pRg st="2" end="2"/>
+                                            </p:txEl>
+                                          </p:spTgt>
+                                        </p:tgtEl>
+                                        <p:attrNameLst>
+                                          <p:attrName>style.visibility</p:attrName>
+                                        </p:attrNameLst>
+                                      </p:cBhvr>
+                                      <p:to>
+                                        <p:strVal val="visible"/>
+                                      </p:to>
+                                    </p:set>
+                                    <p:animEffect transition="in" filter="fade">
+                                      <p:cBhvr>
+                                        <p:cTn id="12" dur="500"/>
+                                        <p:tgtEl>
+                                          <p:spTgt spid="3">
+                                            <p:txEl>
+                                              <p:pRg st="2" end="2"/>
+                                            </p:txEl>
+                                          </p:spTgt>
+                                        </p:tgtEl>
+                                      </p:cBhvr>
+                                    </p:animEffect>
+                                  </p:childTnLst>
+                                </p:cTn>
+                              </p:par>
+                            </p:childTnLst>
+                          </p:cTn>
+                        </p:par>
+                      </p:childTnLst>
+                    </p:cTn>
+                  </p:par>
+                  <p:par>
+                    <p:cTn id="13" fill="hold">
+                      <p:stCondLst>
+                        <p:cond delay="indefinite"/>
+                      </p:stCondLst>
+                      <p:childTnLst>
+                        <p:par>
+                          <p:cTn id="14" fill="hold">
+                            <p:stCondLst>
+                              <p:cond delay="0"/>
+                            </p:stCondLst>
+                            <p:childTnLst>
+                              <p:par>
+                                <p:cTn id="15" presetID="10" presetClass="entr" presetSubtype="0" fill="hold" grpId="0" nodeType="clickEffect">
+                                  <p:stCondLst>
+                                    <p:cond delay="0"/>
+                                  </p:stCondLst>
+                                  <p:childTnLst>
+                                    <p:set>
+                                      <p:cBhvr>
+                                        <p:cTn id="16" dur="1" fill="hold">
+                                          <p:stCondLst>
+                                            <p:cond delay="0"/>
+                                          </p:stCondLst>
+                                        </p:cTn>
+                                        <p:tgtEl>
+                                          <p:spTgt spid="3">
+                                            <p:txEl>
+                                              <p:pRg st="3" end="3"/>
+                                            </p:txEl>
+                                          </p:spTgt>
+                                        </p:tgtEl>
+                                        <p:attrNameLst>
+                                          <p:attrName>style.visibility</p:attrName>
+                                        </p:attrNameLst>
+                                      </p:cBhvr>
+                                      <p:to>
+                                        <p:strVal val="visible"/>
+                                      </p:to>
+                                    </p:set>
+                                    <p:animEffect transition="in" filter="fade">
+                                      <p:cBhvr>
+                                        <p:cTn id="17" dur="500"/>
+                                        <p:tgtEl>
+                                          <p:spTgt spid="3">
+                                            <p:txEl>
+                                              <p:pRg st="3" end="3"/>
+                                            </p:txEl>
+                                          </p:spTgt>
+                                        </p:tgtEl>
+                                      </p:cBhvr>
+                                    </p:animEffect>
+                                  </p:childTnLst>
+                                </p:cTn>
+                              </p:par>
+                              <p:par>
+                                <p:cTn id="18" presetID="10" presetClass="entr" presetSubtype="0" fill="hold" nodeType="withEffect">
+                                  <p:stCondLst>
+                                    <p:cond delay="0"/>
+                                  </p:stCondLst>
+                                  <p:childTnLst>
+                                    <p:set>
+                                      <p:cBhvr>
+                                        <p:cTn id="19" dur="1" fill="hold">
+                                          <p:stCondLst>
+                                            <p:cond delay="0"/>
+                                          </p:stCondLst>
+                                        </p:cTn>
+                                        <p:tgtEl>
+                                          <p:spTgt spid="2052"/>
+                                        </p:tgtEl>
+                                        <p:attrNameLst>
+                                          <p:attrName>style.visibility</p:attrName>
+                                        </p:attrNameLst>
+                                      </p:cBhvr>
+                                      <p:to>
+                                        <p:strVal val="visible"/>
+                                      </p:to>
+                                    </p:set>
+                                    <p:animEffect transition="in" filter="fade">
+                                      <p:cBhvr>
+                                        <p:cTn id="20" dur="500"/>
+                                        <p:tgtEl>
+                                          <p:spTgt spid="2052"/>
+                                        </p:tgtEl>
+                                      </p:cBhvr>
+                                    </p:animEffect>
+                                  </p:childTnLst>
+                                </p:cTn>
+                              </p:par>
+                            </p:childTnLst>
+                          </p:cTn>
+                        </p:par>
+                      </p:childTnLst>
+                    </p:cTn>
+                  </p:par>
+                  <p:par>
+                    <p:cTn id="21" fill="hold">
+                      <p:stCondLst>
+                        <p:cond delay="indefinite"/>
+                      </p:stCondLst>
+                      <p:childTnLst>
+                        <p:par>
+                          <p:cTn id="22" fill="hold">
+                            <p:stCondLst>
+                              <p:cond delay="0"/>
+                            </p:stCondLst>
+                            <p:childTnLst>
+                              <p:par>
+                                <p:cTn id="23" presetID="10" presetClass="entr" presetSubtype="0" fill="hold" grpId="0" nodeType="clickEffect">
+                                  <p:stCondLst>
+                                    <p:cond delay="0"/>
+                                  </p:stCondLst>
+                                  <p:childTnLst>
+                                    <p:set>
+                                      <p:cBhvr>
+                                        <p:cTn id="24" dur="1" fill="hold">
+                                          <p:stCondLst>
+                                            <p:cond delay="0"/>
+                                          </p:stCondLst>
+                                        </p:cTn>
+                                        <p:tgtEl>
+                                          <p:spTgt spid="4"/>
+                                        </p:tgtEl>
+                                        <p:attrNameLst>
+                                          <p:attrName>style.visibility</p:attrName>
+                                        </p:attrNameLst>
+                                      </p:cBhvr>
+                                      <p:to>
+                                        <p:strVal val="visible"/>
+                                      </p:to>
+                                    </p:set>
+                                    <p:animEffect transition="in" filter="fade">
+                                      <p:cBhvr>
+                                        <p:cTn id="25" dur="500"/>
+                                        <p:tgtEl>
+                                          <p:spTgt spid="4"/>
+                                        </p:tgtEl>
+                                      </p:cBhvr>
+                                    </p:animEffect>
+                                  </p:childTnLst>
+                                </p:cTn>
+                              </p:par>
+                              <p:par>
+                                <p:cTn id="26" presetID="10" presetClass="entr" presetSubtype="0" fill="hold" nodeType="withEffect">
+                                  <p:stCondLst>
+                                    <p:cond delay="0"/>
+                                  </p:stCondLst>
+                                  <p:childTnLst>
+                                    <p:set>
+                                      <p:cBhvr>
+                                        <p:cTn id="27" dur="1" fill="hold">
+                                          <p:stCondLst>
+                                            <p:cond delay="0"/>
+                                          </p:stCondLst>
+                                        </p:cTn>
+                                        <p:tgtEl>
+                                          <p:spTgt spid="2050"/>
+                                        </p:tgtEl>
+                                        <p:attrNameLst>
+                                          <p:attrName>style.visibility</p:attrName>
+                                        </p:attrNameLst>
+                                      </p:cBhvr>
+                                      <p:to>
+                                        <p:strVal val="visible"/>
+                                      </p:to>
+                                    </p:set>
+                                    <p:animEffect transition="in" filter="fade">
+                                      <p:cBhvr>
+                                        <p:cTn id="28" dur="500"/>
+                                        <p:tgtEl>
+                                          <p:spTgt spid="2050"/>
+                                        </p:tgtEl>
+                                      </p:cBhvr>
+                                    </p:animEffect>
+                                  </p:childTnLst>
+                                </p:cTn>
+                              </p:par>
+                            </p:childTnLst>
+                          </p:cTn>
+                        </p:par>
+                      </p:childTnLst>
+                    </p:cTn>
+                  </p:par>
+                </p:childTnLst>
+              </p:cTn>
+              <p:prevCondLst>
+                <p:cond evt="onPrev" delay="0">
+                  <p:tgtEl>
+                    <p:sldTgt/>
+                  </p:tgtEl>
+                </p:cond>
+              </p:prevCondLst>
+              <p:nextCondLst>
+                <p:cond evt="onNext" delay="0">
+                  <p:tgtEl>
+                    <p:sldTgt/>
+                  </p:tgtEl>
+                </p:cond>
+              </p:nextCondLst>
+            </p:seq>
+          </p:childTnLst>
+        </p:cTn>
       </p:par>
     </p:tnLst>
+    <p:bldLst>
+      <p:bldP spid="3" grpId="0" uiExpand="1" build="p"/>
+      <p:bldP spid="4" grpId="0" animBg="1"/>
+    </p:bldLst>
   </p:timing>
 </p:sld>
 </file>
@@ -4391,15 +9515,9 @@
                 <a:latin typeface="Times New Roman" pitchFamily="18" charset="0"/>
                 <a:cs typeface="Times New Roman" pitchFamily="18" charset="0"/>
               </a:rPr>
-              <a:t>Conclusion</a:t>
-            </a:r>
-            <a:endParaRPr lang="fr-FR" b="1" u="sng" dirty="0">
-              <a:solidFill>
-                <a:srgbClr val="0070C0"/>
-              </a:solidFill>
-              <a:latin typeface="Times New Roman" pitchFamily="18" charset="0"/>
-              <a:cs typeface="Times New Roman" pitchFamily="18" charset="0"/>
-            </a:endParaRPr>
+              <a:t>Objectifs</a:t>
+            </a:r>
+            <a:endParaRPr lang="fr-FR" dirty="0"/>
           </a:p>
         </p:txBody>
       </p:sp>
@@ -4415,9 +9533,7 @@
         </p:nvSpPr>
         <p:spPr/>
         <p:txBody>
-          <a:bodyPr>
-            <a:normAutofit/>
-          </a:bodyPr>
+          <a:bodyPr/>
           <a:lstStyle/>
           <a:p>
             <a:pPr marL="0" indent="0" algn="just">
@@ -4428,9 +9544,158 @@
             </a:pPr>
             <a:endParaRPr lang="fr-FR" dirty="0" smtClean="0"/>
           </a:p>
+          <a:p>
+            <a:pPr marL="0" indent="0" algn="just">
+              <a:spcBef>
+                <a:spcPts val="0"/>
+              </a:spcBef>
+              <a:buNone/>
+            </a:pPr>
+            <a:r>
+              <a:rPr lang="fr-FR" b="1" u="sng" dirty="0" smtClean="0"/>
+              <a:t>Final objectif :</a:t>
+            </a:r>
+            <a:r>
+              <a:rPr lang="fr-FR" b="1" dirty="0" smtClean="0"/>
+              <a:t> </a:t>
+            </a:r>
+            <a:r>
+              <a:rPr lang="fr-FR" dirty="0" err="1" smtClean="0"/>
+              <a:t>implement</a:t>
+            </a:r>
+            <a:r>
+              <a:rPr lang="fr-FR" dirty="0" smtClean="0"/>
+              <a:t> a </a:t>
+            </a:r>
+            <a:r>
+              <a:rPr lang="fr-FR" dirty="0" err="1" smtClean="0"/>
+              <a:t>method</a:t>
+            </a:r>
+            <a:r>
+              <a:rPr lang="fr-FR" dirty="0" smtClean="0"/>
+              <a:t> to segment a point </a:t>
+            </a:r>
+            <a:r>
+              <a:rPr lang="fr-FR" dirty="0" err="1" smtClean="0"/>
+              <a:t>cloud</a:t>
+            </a:r>
+            <a:endParaRPr lang="fr-FR" dirty="0" smtClean="0"/>
+          </a:p>
+          <a:p>
+            <a:pPr marL="0" indent="0" algn="just">
+              <a:spcBef>
+                <a:spcPts val="0"/>
+              </a:spcBef>
+              <a:buNone/>
+            </a:pPr>
+            <a:endParaRPr lang="fr-FR" dirty="0" smtClean="0"/>
+          </a:p>
+          <a:p>
+            <a:pPr marL="0" indent="0" algn="just">
+              <a:spcBef>
+                <a:spcPts val="0"/>
+              </a:spcBef>
+              <a:buNone/>
+            </a:pPr>
+            <a:endParaRPr lang="fr-FR" dirty="0" smtClean="0"/>
+          </a:p>
+          <a:p>
+            <a:pPr marL="0" indent="0" algn="just">
+              <a:spcBef>
+                <a:spcPts val="0"/>
+              </a:spcBef>
+              <a:buNone/>
+            </a:pPr>
+            <a:r>
+              <a:rPr lang="fr-FR" dirty="0" smtClean="0"/>
+              <a:t>Principal software </a:t>
+            </a:r>
+            <a:r>
+              <a:rPr lang="fr-FR" dirty="0" err="1" smtClean="0"/>
+              <a:t>used</a:t>
+            </a:r>
+            <a:r>
+              <a:rPr lang="fr-FR" dirty="0" smtClean="0"/>
+              <a:t> : </a:t>
+            </a:r>
+          </a:p>
+          <a:p>
+            <a:pPr marL="0" indent="0" algn="just">
+              <a:spcBef>
+                <a:spcPts val="0"/>
+              </a:spcBef>
+              <a:buNone/>
+            </a:pPr>
+            <a:r>
+              <a:rPr lang="fr-FR" dirty="0" err="1" smtClean="0"/>
+              <a:t>CloudCompare</a:t>
+            </a:r>
+            <a:r>
+              <a:rPr lang="fr-FR" dirty="0"/>
+              <a:t> </a:t>
+            </a:r>
+            <a:r>
+              <a:rPr lang="fr-FR" dirty="0" smtClean="0"/>
+              <a:t>(</a:t>
+            </a:r>
+            <a:r>
+              <a:rPr lang="fr-FR" dirty="0" err="1" smtClean="0"/>
+              <a:t>write</a:t>
+            </a:r>
+            <a:r>
+              <a:rPr lang="fr-FR" dirty="0" smtClean="0"/>
+              <a:t> a plugin)</a:t>
+            </a:r>
+          </a:p>
         </p:txBody>
       </p:sp>
+      <p:pic>
+        <p:nvPicPr>
+          <p:cNvPr id="4" name="Picture 2" descr="http://pledgie.com/assets/campaigns/19052/medium/cc_logo_v2_qt.png?1358006230"/>
+          <p:cNvPicPr>
+            <a:picLocks noChangeAspect="1" noChangeArrowheads="1"/>
+          </p:cNvPicPr>
+          <p:nvPr/>
+        </p:nvPicPr>
+        <p:blipFill>
+          <a:blip r:embed="rId3">
+            <a:extLst>
+              <a:ext uri="{28A0092B-C50C-407E-A947-70E740481C1C}">
+                <a14:useLocalDpi xmlns:a14="http://schemas.microsoft.com/office/drawing/2010/main" val="0"/>
+              </a:ext>
+            </a:extLst>
+          </a:blip>
+          <a:srcRect/>
+          <a:stretch>
+            <a:fillRect/>
+          </a:stretch>
+        </p:blipFill>
+        <p:spPr bwMode="auto">
+          <a:xfrm>
+            <a:off x="6012160" y="3933056"/>
+            <a:ext cx="2381250" cy="2362200"/>
+          </a:xfrm>
+          <a:prstGeom prst="rect">
+            <a:avLst/>
+          </a:prstGeom>
+          <a:noFill/>
+          <a:extLst>
+            <a:ext uri="{909E8E84-426E-40DD-AFC4-6F175D3DCCD1}">
+              <a14:hiddenFill xmlns:a14="http://schemas.microsoft.com/office/drawing/2010/main">
+                <a:solidFill>
+                  <a:srgbClr val="FFFFFF"/>
+                </a:solidFill>
+              </a14:hiddenFill>
+            </a:ext>
+          </a:extLst>
+        </p:spPr>
+      </p:pic>
     </p:spTree>
+    <p:extLst>
+      <p:ext uri="{BB962C8B-B14F-4D97-AF65-F5344CB8AC3E}">
+        <p14:creationId xmlns:p14="http://schemas.microsoft.com/office/powerpoint/2010/main" val="288777318"/>
+      </p:ext>
+    </p:extLst>
   </p:cSld>
   <p:clrMapOvr>
     <a:masterClrMapping/>
@@ -4438,9 +9703,3066 @@
   <p:timing>
     <p:tnLst>
       <p:par>
-        <p:cTn id="1" dur="indefinite" restart="never" nodeType="tmRoot"/>
+        <p:cTn id="1" dur="indefinite" restart="never" nodeType="tmRoot">
+          <p:childTnLst>
+            <p:seq concurrent="1" nextAc="seek">
+              <p:cTn id="2" dur="indefinite" nodeType="mainSeq">
+                <p:childTnLst>
+                  <p:par>
+                    <p:cTn id="3" fill="hold">
+                      <p:stCondLst>
+                        <p:cond delay="indefinite"/>
+                      </p:stCondLst>
+                      <p:childTnLst>
+                        <p:par>
+                          <p:cTn id="4" fill="hold">
+                            <p:stCondLst>
+                              <p:cond delay="0"/>
+                            </p:stCondLst>
+                            <p:childTnLst>
+                              <p:par>
+                                <p:cTn id="5" presetID="10" presetClass="entr" presetSubtype="0" fill="hold" grpId="0" nodeType="clickEffect">
+                                  <p:stCondLst>
+                                    <p:cond delay="0"/>
+                                  </p:stCondLst>
+                                  <p:childTnLst>
+                                    <p:set>
+                                      <p:cBhvr>
+                                        <p:cTn id="6" dur="1" fill="hold">
+                                          <p:stCondLst>
+                                            <p:cond delay="0"/>
+                                          </p:stCondLst>
+                                        </p:cTn>
+                                        <p:tgtEl>
+                                          <p:spTgt spid="3">
+                                            <p:txEl>
+                                              <p:pRg st="1" end="1"/>
+                                            </p:txEl>
+                                          </p:spTgt>
+                                        </p:tgtEl>
+                                        <p:attrNameLst>
+                                          <p:attrName>style.visibility</p:attrName>
+                                        </p:attrNameLst>
+                                      </p:cBhvr>
+                                      <p:to>
+                                        <p:strVal val="visible"/>
+                                      </p:to>
+                                    </p:set>
+                                    <p:animEffect transition="in" filter="fade">
+                                      <p:cBhvr>
+                                        <p:cTn id="7" dur="500"/>
+                                        <p:tgtEl>
+                                          <p:spTgt spid="3">
+                                            <p:txEl>
+                                              <p:pRg st="1" end="1"/>
+                                            </p:txEl>
+                                          </p:spTgt>
+                                        </p:tgtEl>
+                                      </p:cBhvr>
+                                    </p:animEffect>
+                                  </p:childTnLst>
+                                </p:cTn>
+                              </p:par>
+                            </p:childTnLst>
+                          </p:cTn>
+                        </p:par>
+                      </p:childTnLst>
+                    </p:cTn>
+                  </p:par>
+                  <p:par>
+                    <p:cTn id="8" fill="hold">
+                      <p:stCondLst>
+                        <p:cond delay="indefinite"/>
+                      </p:stCondLst>
+                      <p:childTnLst>
+                        <p:par>
+                          <p:cTn id="9" fill="hold">
+                            <p:stCondLst>
+                              <p:cond delay="0"/>
+                            </p:stCondLst>
+                            <p:childTnLst>
+                              <p:par>
+                                <p:cTn id="10" presetID="10" presetClass="entr" presetSubtype="0" fill="hold" grpId="0" nodeType="clickEffect">
+                                  <p:stCondLst>
+                                    <p:cond delay="0"/>
+                                  </p:stCondLst>
+                                  <p:childTnLst>
+                                    <p:set>
+                                      <p:cBhvr>
+                                        <p:cTn id="11" dur="1" fill="hold">
+                                          <p:stCondLst>
+                                            <p:cond delay="0"/>
+                                          </p:stCondLst>
+                                        </p:cTn>
+                                        <p:tgtEl>
+                                          <p:spTgt spid="3">
+                                            <p:txEl>
+                                              <p:pRg st="4" end="4"/>
+                                            </p:txEl>
+                                          </p:spTgt>
+                                        </p:tgtEl>
+                                        <p:attrNameLst>
+                                          <p:attrName>style.visibility</p:attrName>
+                                        </p:attrNameLst>
+                                      </p:cBhvr>
+                                      <p:to>
+                                        <p:strVal val="visible"/>
+                                      </p:to>
+                                    </p:set>
+                                    <p:animEffect transition="in" filter="fade">
+                                      <p:cBhvr>
+                                        <p:cTn id="12" dur="500"/>
+                                        <p:tgtEl>
+                                          <p:spTgt spid="3">
+                                            <p:txEl>
+                                              <p:pRg st="4" end="4"/>
+                                            </p:txEl>
+                                          </p:spTgt>
+                                        </p:tgtEl>
+                                      </p:cBhvr>
+                                    </p:animEffect>
+                                  </p:childTnLst>
+                                </p:cTn>
+                              </p:par>
+                            </p:childTnLst>
+                          </p:cTn>
+                        </p:par>
+                      </p:childTnLst>
+                    </p:cTn>
+                  </p:par>
+                  <p:par>
+                    <p:cTn id="13" fill="hold">
+                      <p:stCondLst>
+                        <p:cond delay="indefinite"/>
+                      </p:stCondLst>
+                      <p:childTnLst>
+                        <p:par>
+                          <p:cTn id="14" fill="hold">
+                            <p:stCondLst>
+                              <p:cond delay="0"/>
+                            </p:stCondLst>
+                            <p:childTnLst>
+                              <p:par>
+                                <p:cTn id="15" presetID="10" presetClass="entr" presetSubtype="0" fill="hold" grpId="0" nodeType="clickEffect">
+                                  <p:stCondLst>
+                                    <p:cond delay="0"/>
+                                  </p:stCondLst>
+                                  <p:childTnLst>
+                                    <p:set>
+                                      <p:cBhvr>
+                                        <p:cTn id="16" dur="1" fill="hold">
+                                          <p:stCondLst>
+                                            <p:cond delay="0"/>
+                                          </p:stCondLst>
+                                        </p:cTn>
+                                        <p:tgtEl>
+                                          <p:spTgt spid="3">
+                                            <p:txEl>
+                                              <p:pRg st="5" end="5"/>
+                                            </p:txEl>
+                                          </p:spTgt>
+                                        </p:tgtEl>
+                                        <p:attrNameLst>
+                                          <p:attrName>style.visibility</p:attrName>
+                                        </p:attrNameLst>
+                                      </p:cBhvr>
+                                      <p:to>
+                                        <p:strVal val="visible"/>
+                                      </p:to>
+                                    </p:set>
+                                    <p:animEffect transition="in" filter="fade">
+                                      <p:cBhvr>
+                                        <p:cTn id="17" dur="500"/>
+                                        <p:tgtEl>
+                                          <p:spTgt spid="3">
+                                            <p:txEl>
+                                              <p:pRg st="5" end="5"/>
+                                            </p:txEl>
+                                          </p:spTgt>
+                                        </p:tgtEl>
+                                      </p:cBhvr>
+                                    </p:animEffect>
+                                  </p:childTnLst>
+                                </p:cTn>
+                              </p:par>
+                              <p:par>
+                                <p:cTn id="18" presetID="10" presetClass="entr" presetSubtype="0" fill="hold" nodeType="withEffect">
+                                  <p:stCondLst>
+                                    <p:cond delay="0"/>
+                                  </p:stCondLst>
+                                  <p:childTnLst>
+                                    <p:set>
+                                      <p:cBhvr>
+                                        <p:cTn id="19" dur="1" fill="hold">
+                                          <p:stCondLst>
+                                            <p:cond delay="0"/>
+                                          </p:stCondLst>
+                                        </p:cTn>
+                                        <p:tgtEl>
+                                          <p:spTgt spid="4"/>
+                                        </p:tgtEl>
+                                        <p:attrNameLst>
+                                          <p:attrName>style.visibility</p:attrName>
+                                        </p:attrNameLst>
+                                      </p:cBhvr>
+                                      <p:to>
+                                        <p:strVal val="visible"/>
+                                      </p:to>
+                                    </p:set>
+                                    <p:animEffect transition="in" filter="fade">
+                                      <p:cBhvr>
+                                        <p:cTn id="20" dur="500"/>
+                                        <p:tgtEl>
+                                          <p:spTgt spid="4"/>
+                                        </p:tgtEl>
+                                      </p:cBhvr>
+                                    </p:animEffect>
+                                  </p:childTnLst>
+                                </p:cTn>
+                              </p:par>
+                            </p:childTnLst>
+                          </p:cTn>
+                        </p:par>
+                      </p:childTnLst>
+                    </p:cTn>
+                  </p:par>
+                </p:childTnLst>
+              </p:cTn>
+              <p:prevCondLst>
+                <p:cond evt="onPrev" delay="0">
+                  <p:tgtEl>
+                    <p:sldTgt/>
+                  </p:tgtEl>
+                </p:cond>
+              </p:prevCondLst>
+              <p:nextCondLst>
+                <p:cond evt="onNext" delay="0">
+                  <p:tgtEl>
+                    <p:sldTgt/>
+                  </p:tgtEl>
+                </p:cond>
+              </p:nextCondLst>
+            </p:seq>
+          </p:childTnLst>
+        </p:cTn>
       </p:par>
     </p:tnLst>
+    <p:bldLst>
+      <p:bldP spid="3" grpId="0" uiExpand="1" build="p"/>
+    </p:bldLst>
+  </p:timing>
+</p:sld>
+</file>
+
+<file path=ppt/slides/slide6.xml><?xml version="1.0" encoding="utf-8"?>
+<p:sld xmlns:a="http://schemas.openxmlformats.org/drawingml/2006/main" xmlns:r="http://schemas.openxmlformats.org/officeDocument/2006/relationships" xmlns:p="http://schemas.openxmlformats.org/presentationml/2006/main">
+  <p:cSld>
+    <p:spTree>
+      <p:nvGrpSpPr>
+        <p:cNvPr id="1" name=""/>
+        <p:cNvGrpSpPr/>
+        <p:nvPr/>
+      </p:nvGrpSpPr>
+      <p:grpSpPr>
+        <a:xfrm>
+          <a:off x="0" y="0"/>
+          <a:ext cx="0" cy="0"/>
+          <a:chOff x="0" y="0"/>
+          <a:chExt cx="0" cy="0"/>
+        </a:xfrm>
+      </p:grpSpPr>
+      <p:sp>
+        <p:nvSpPr>
+          <p:cNvPr id="2" name="Titre 1"/>
+          <p:cNvSpPr>
+            <a:spLocks noGrp="1"/>
+          </p:cNvSpPr>
+          <p:nvPr>
+            <p:ph type="title"/>
+          </p:nvPr>
+        </p:nvSpPr>
+        <p:spPr/>
+        <p:txBody>
+          <a:bodyPr/>
+          <a:lstStyle/>
+          <a:p>
+            <a:r>
+              <a:rPr lang="fr-FR" b="1" u="sng" dirty="0" smtClean="0">
+                <a:solidFill>
+                  <a:srgbClr val="0070C0"/>
+                </a:solidFill>
+                <a:latin typeface="Times New Roman" pitchFamily="18" charset="0"/>
+                <a:cs typeface="Times New Roman" pitchFamily="18" charset="0"/>
+              </a:rPr>
+              <a:t>People </a:t>
+            </a:r>
+            <a:r>
+              <a:rPr lang="fr-FR" b="1" u="sng" dirty="0" err="1" smtClean="0">
+                <a:solidFill>
+                  <a:srgbClr val="0070C0"/>
+                </a:solidFill>
+                <a:latin typeface="Times New Roman" pitchFamily="18" charset="0"/>
+                <a:cs typeface="Times New Roman" pitchFamily="18" charset="0"/>
+              </a:rPr>
+              <a:t>concerned</a:t>
+            </a:r>
+            <a:endParaRPr lang="fr-FR" dirty="0"/>
+          </a:p>
+        </p:txBody>
+      </p:sp>
+      <p:sp>
+        <p:nvSpPr>
+          <p:cNvPr id="3" name="Espace réservé du contenu 2"/>
+          <p:cNvSpPr>
+            <a:spLocks noGrp="1"/>
+          </p:cNvSpPr>
+          <p:nvPr>
+            <p:ph idx="1"/>
+          </p:nvPr>
+        </p:nvSpPr>
+        <p:spPr>
+          <a:xfrm>
+            <a:off x="457200" y="1600200"/>
+            <a:ext cx="8229600" cy="4997152"/>
+          </a:xfrm>
+        </p:spPr>
+        <p:txBody>
+          <a:bodyPr>
+            <a:normAutofit fontScale="92500" lnSpcReduction="10000"/>
+          </a:bodyPr>
+          <a:lstStyle/>
+          <a:p>
+            <a:pPr marL="0" indent="0">
+              <a:lnSpc>
+                <a:spcPct val="110000"/>
+              </a:lnSpc>
+              <a:spcBef>
+                <a:spcPts val="0"/>
+              </a:spcBef>
+              <a:buNone/>
+            </a:pPr>
+            <a:r>
+              <a:rPr lang="fr-FR" b="1" u="sng" dirty="0" err="1"/>
+              <a:t>Responsibles</a:t>
+            </a:r>
+            <a:r>
+              <a:rPr lang="fr-FR" b="1" u="sng" dirty="0"/>
+              <a:t> :</a:t>
+            </a:r>
+          </a:p>
+          <a:p>
+            <a:pPr marL="0" indent="0">
+              <a:lnSpc>
+                <a:spcPct val="110000"/>
+              </a:lnSpc>
+              <a:spcBef>
+                <a:spcPts val="0"/>
+              </a:spcBef>
+              <a:buNone/>
+            </a:pPr>
+            <a:r>
+              <a:rPr lang="fr-FR" dirty="0"/>
+              <a:t>Pablo </a:t>
+            </a:r>
+            <a:r>
+              <a:rPr lang="fr-FR" dirty="0" err="1"/>
+              <a:t>Coves</a:t>
+            </a:r>
+            <a:r>
+              <a:rPr lang="fr-FR" dirty="0"/>
+              <a:t> - INRIA</a:t>
+            </a:r>
+          </a:p>
+          <a:p>
+            <a:pPr marL="0" indent="0">
+              <a:lnSpc>
+                <a:spcPct val="110000"/>
+              </a:lnSpc>
+              <a:spcBef>
+                <a:spcPts val="0"/>
+              </a:spcBef>
+              <a:buNone/>
+            </a:pPr>
+            <a:r>
+              <a:rPr lang="fr-FR" dirty="0"/>
+              <a:t>Jean-Claude Léon - INRIA</a:t>
+            </a:r>
+            <a:endParaRPr lang="fr-FR" b="1" u="sng" dirty="0"/>
+          </a:p>
+          <a:p>
+            <a:pPr marL="0" indent="0">
+              <a:lnSpc>
+                <a:spcPct val="110000"/>
+              </a:lnSpc>
+              <a:spcBef>
+                <a:spcPts val="0"/>
+              </a:spcBef>
+              <a:buNone/>
+            </a:pPr>
+            <a:endParaRPr lang="fr-FR" b="1" u="sng" dirty="0" smtClean="0"/>
+          </a:p>
+          <a:p>
+            <a:pPr marL="0" indent="0">
+              <a:lnSpc>
+                <a:spcPct val="110000"/>
+              </a:lnSpc>
+              <a:spcBef>
+                <a:spcPts val="0"/>
+              </a:spcBef>
+              <a:buNone/>
+            </a:pPr>
+            <a:r>
+              <a:rPr lang="fr-FR" b="1" u="sng" dirty="0" err="1" smtClean="0"/>
+              <a:t>Tutor</a:t>
+            </a:r>
+            <a:r>
+              <a:rPr lang="fr-FR" b="1" u="sng" dirty="0" smtClean="0"/>
+              <a:t> :</a:t>
+            </a:r>
+          </a:p>
+          <a:p>
+            <a:pPr marL="0" indent="0">
+              <a:lnSpc>
+                <a:spcPct val="110000"/>
+              </a:lnSpc>
+              <a:spcBef>
+                <a:spcPts val="0"/>
+              </a:spcBef>
+              <a:buNone/>
+            </a:pPr>
+            <a:r>
+              <a:rPr lang="fr-FR" dirty="0" smtClean="0"/>
+              <a:t>Didier Morel - Staff </a:t>
+            </a:r>
+            <a:r>
+              <a:rPr lang="fr-FR" dirty="0" err="1"/>
+              <a:t>Statistician</a:t>
+            </a:r>
+            <a:r>
+              <a:rPr lang="fr-FR" dirty="0"/>
+              <a:t> </a:t>
+            </a:r>
+            <a:r>
+              <a:rPr lang="fr-FR" dirty="0" err="1"/>
+              <a:t>at</a:t>
+            </a:r>
+            <a:r>
+              <a:rPr lang="fr-FR" dirty="0"/>
+              <a:t> BD</a:t>
+            </a:r>
+          </a:p>
+          <a:p>
+            <a:pPr marL="0" indent="0">
+              <a:lnSpc>
+                <a:spcPct val="110000"/>
+              </a:lnSpc>
+              <a:spcBef>
+                <a:spcPts val="0"/>
+              </a:spcBef>
+              <a:buNone/>
+            </a:pPr>
+            <a:endParaRPr lang="fr-FR" b="1" u="sng" dirty="0" smtClean="0"/>
+          </a:p>
+          <a:p>
+            <a:pPr marL="0" indent="0">
+              <a:lnSpc>
+                <a:spcPct val="110000"/>
+              </a:lnSpc>
+              <a:spcBef>
+                <a:spcPts val="0"/>
+              </a:spcBef>
+              <a:buNone/>
+            </a:pPr>
+            <a:r>
+              <a:rPr lang="fr-FR" b="1" u="sng" dirty="0" err="1" smtClean="0"/>
+              <a:t>Students</a:t>
+            </a:r>
+            <a:r>
+              <a:rPr lang="fr-FR" b="1" u="sng" dirty="0" smtClean="0"/>
+              <a:t> :</a:t>
+            </a:r>
+          </a:p>
+          <a:p>
+            <a:pPr marL="0" indent="0">
+              <a:lnSpc>
+                <a:spcPct val="110000"/>
+              </a:lnSpc>
+              <a:spcBef>
+                <a:spcPts val="0"/>
+              </a:spcBef>
+              <a:buNone/>
+            </a:pPr>
+            <a:r>
+              <a:rPr lang="fr-FR" dirty="0" smtClean="0"/>
+              <a:t>Henry Lefèvre – M2 GICAO</a:t>
+            </a:r>
+          </a:p>
+          <a:p>
+            <a:pPr marL="0" indent="0">
+              <a:lnSpc>
+                <a:spcPct val="110000"/>
+              </a:lnSpc>
+              <a:spcBef>
+                <a:spcPts val="0"/>
+              </a:spcBef>
+              <a:buNone/>
+            </a:pPr>
+            <a:r>
+              <a:rPr lang="fr-FR" dirty="0" smtClean="0"/>
+              <a:t>Aymeric </a:t>
+            </a:r>
+            <a:r>
+              <a:rPr lang="fr-FR" dirty="0"/>
+              <a:t>Seguret – M2 GICAO</a:t>
+            </a:r>
+          </a:p>
+        </p:txBody>
+      </p:sp>
+      <p:sp>
+        <p:nvSpPr>
+          <p:cNvPr id="4" name="AutoShape 2" descr="https://upload.wikimedia.org/wikipedia/en/thumb/4/46/Becton_Dickinson-ColorLogo.svg/1280px-Becton_Dickinson-ColorLogo.svg.png"/>
+          <p:cNvSpPr>
+            <a:spLocks noChangeAspect="1" noChangeArrowheads="1"/>
+          </p:cNvSpPr>
+          <p:nvPr/>
+        </p:nvSpPr>
+        <p:spPr bwMode="auto">
+          <a:xfrm>
+            <a:off x="155575" y="-144463"/>
+            <a:ext cx="304800" cy="304801"/>
+          </a:xfrm>
+          <a:prstGeom prst="rect">
+            <a:avLst/>
+          </a:prstGeom>
+          <a:noFill/>
+          <a:extLst>
+            <a:ext uri="{909E8E84-426E-40DD-AFC4-6F175D3DCCD1}">
+              <a14:hiddenFill xmlns:a14="http://schemas.microsoft.com/office/drawing/2010/main">
+                <a:solidFill>
+                  <a:srgbClr val="FFFFFF"/>
+                </a:solidFill>
+              </a14:hiddenFill>
+            </a:ext>
+          </a:extLst>
+        </p:spPr>
+        <p:txBody>
+          <a:bodyPr vert="horz" wrap="square" lIns="91440" tIns="45720" rIns="91440" bIns="45720" numCol="1" anchor="t" anchorCtr="0" compatLnSpc="1">
+            <a:prstTxWarp prst="textNoShape">
+              <a:avLst/>
+            </a:prstTxWarp>
+          </a:bodyPr>
+          <a:lstStyle/>
+          <a:p>
+            <a:endParaRPr lang="fr-FR"/>
+          </a:p>
+        </p:txBody>
+      </p:sp>
+      <p:sp>
+        <p:nvSpPr>
+          <p:cNvPr id="5" name="AutoShape 4" descr="https://upload.wikimedia.org/wikipedia/en/thumb/4/46/Becton_Dickinson-ColorLogo.svg/1280px-Becton_Dickinson-ColorLogo.svg.png"/>
+          <p:cNvSpPr>
+            <a:spLocks noChangeAspect="1" noChangeArrowheads="1"/>
+          </p:cNvSpPr>
+          <p:nvPr/>
+        </p:nvSpPr>
+        <p:spPr bwMode="auto">
+          <a:xfrm>
+            <a:off x="307975" y="7937"/>
+            <a:ext cx="304800" cy="304801"/>
+          </a:xfrm>
+          <a:prstGeom prst="rect">
+            <a:avLst/>
+          </a:prstGeom>
+          <a:noFill/>
+          <a:extLst>
+            <a:ext uri="{909E8E84-426E-40DD-AFC4-6F175D3DCCD1}">
+              <a14:hiddenFill xmlns:a14="http://schemas.microsoft.com/office/drawing/2010/main">
+                <a:solidFill>
+                  <a:srgbClr val="FFFFFF"/>
+                </a:solidFill>
+              </a14:hiddenFill>
+            </a:ext>
+          </a:extLst>
+        </p:spPr>
+        <p:txBody>
+          <a:bodyPr vert="horz" wrap="square" lIns="91440" tIns="45720" rIns="91440" bIns="45720" numCol="1" anchor="t" anchorCtr="0" compatLnSpc="1">
+            <a:prstTxWarp prst="textNoShape">
+              <a:avLst/>
+            </a:prstTxWarp>
+          </a:bodyPr>
+          <a:lstStyle/>
+          <a:p>
+            <a:endParaRPr lang="fr-FR"/>
+          </a:p>
+        </p:txBody>
+      </p:sp>
+      <p:sp>
+        <p:nvSpPr>
+          <p:cNvPr id="6" name="AutoShape 6" descr="https://upload.wikimedia.org/wikipedia/en/thumb/4/46/Becton_Dickinson-ColorLogo.svg/1280px-Becton_Dickinson-ColorLogo.svg.png"/>
+          <p:cNvSpPr>
+            <a:spLocks noChangeAspect="1" noChangeArrowheads="1"/>
+          </p:cNvSpPr>
+          <p:nvPr/>
+        </p:nvSpPr>
+        <p:spPr bwMode="auto">
+          <a:xfrm>
+            <a:off x="460375" y="160337"/>
+            <a:ext cx="304800" cy="304801"/>
+          </a:xfrm>
+          <a:prstGeom prst="rect">
+            <a:avLst/>
+          </a:prstGeom>
+          <a:noFill/>
+          <a:extLst>
+            <a:ext uri="{909E8E84-426E-40DD-AFC4-6F175D3DCCD1}">
+              <a14:hiddenFill xmlns:a14="http://schemas.microsoft.com/office/drawing/2010/main">
+                <a:solidFill>
+                  <a:srgbClr val="FFFFFF"/>
+                </a:solidFill>
+              </a14:hiddenFill>
+            </a:ext>
+          </a:extLst>
+        </p:spPr>
+        <p:txBody>
+          <a:bodyPr vert="horz" wrap="square" lIns="91440" tIns="45720" rIns="91440" bIns="45720" numCol="1" anchor="t" anchorCtr="0" compatLnSpc="1">
+            <a:prstTxWarp prst="textNoShape">
+              <a:avLst/>
+            </a:prstTxWarp>
+          </a:bodyPr>
+          <a:lstStyle/>
+          <a:p>
+            <a:endParaRPr lang="fr-FR"/>
+          </a:p>
+        </p:txBody>
+      </p:sp>
+      <p:sp>
+        <p:nvSpPr>
+          <p:cNvPr id="7" name="AutoShape 8" descr="File:Becton Dickinson-ColorLogo.svg"/>
+          <p:cNvSpPr>
+            <a:spLocks noChangeAspect="1" noChangeArrowheads="1"/>
+          </p:cNvSpPr>
+          <p:nvPr/>
+        </p:nvSpPr>
+        <p:spPr bwMode="auto">
+          <a:xfrm>
+            <a:off x="155575" y="-457200"/>
+            <a:ext cx="2524125" cy="952500"/>
+          </a:xfrm>
+          <a:prstGeom prst="rect">
+            <a:avLst/>
+          </a:prstGeom>
+          <a:noFill/>
+          <a:extLst>
+            <a:ext uri="{909E8E84-426E-40DD-AFC4-6F175D3DCCD1}">
+              <a14:hiddenFill xmlns:a14="http://schemas.microsoft.com/office/drawing/2010/main">
+                <a:solidFill>
+                  <a:srgbClr val="FFFFFF"/>
+                </a:solidFill>
+              </a14:hiddenFill>
+            </a:ext>
+          </a:extLst>
+        </p:spPr>
+        <p:txBody>
+          <a:bodyPr vert="horz" wrap="square" lIns="91440" tIns="45720" rIns="91440" bIns="45720" numCol="1" anchor="t" anchorCtr="0" compatLnSpc="1">
+            <a:prstTxWarp prst="textNoShape">
+              <a:avLst/>
+            </a:prstTxWarp>
+          </a:bodyPr>
+          <a:lstStyle/>
+          <a:p>
+            <a:endParaRPr lang="fr-FR"/>
+          </a:p>
+        </p:txBody>
+      </p:sp>
+      <p:pic>
+        <p:nvPicPr>
+          <p:cNvPr id="2058" name="Picture 10" descr="http://www.lyonbiopole.com/eng/img/logo_adherent/59.jpg"/>
+          <p:cNvPicPr>
+            <a:picLocks noChangeAspect="1" noChangeArrowheads="1"/>
+          </p:cNvPicPr>
+          <p:nvPr/>
+        </p:nvPicPr>
+        <p:blipFill>
+          <a:blip r:embed="rId3">
+            <a:extLst>
+              <a:ext uri="{28A0092B-C50C-407E-A947-70E740481C1C}">
+                <a14:useLocalDpi xmlns:a14="http://schemas.microsoft.com/office/drawing/2010/main" val="0"/>
+              </a:ext>
+            </a:extLst>
+          </a:blip>
+          <a:srcRect/>
+          <a:stretch>
+            <a:fillRect/>
+          </a:stretch>
+        </p:blipFill>
+        <p:spPr bwMode="auto">
+          <a:xfrm>
+            <a:off x="6329436" y="3429000"/>
+            <a:ext cx="2645972" cy="1382533"/>
+          </a:xfrm>
+          <a:prstGeom prst="rect">
+            <a:avLst/>
+          </a:prstGeom>
+          <a:noFill/>
+          <a:extLst>
+            <a:ext uri="{909E8E84-426E-40DD-AFC4-6F175D3DCCD1}">
+              <a14:hiddenFill xmlns:a14="http://schemas.microsoft.com/office/drawing/2010/main">
+                <a:solidFill>
+                  <a:srgbClr val="FFFFFF"/>
+                </a:solidFill>
+              </a14:hiddenFill>
+            </a:ext>
+          </a:extLst>
+        </p:spPr>
+      </p:pic>
+      <p:pic>
+        <p:nvPicPr>
+          <p:cNvPr id="2060" name="Picture 12" descr="http://chercheurs.lille.inria.fr/~gdujardi/pictures/INRIA-SCIENTIFIQUE-FR-CMJN.jpg"/>
+          <p:cNvPicPr>
+            <a:picLocks noChangeAspect="1" noChangeArrowheads="1"/>
+          </p:cNvPicPr>
+          <p:nvPr/>
+        </p:nvPicPr>
+        <p:blipFill>
+          <a:blip r:embed="rId4">
+            <a:extLst>
+              <a:ext uri="{28A0092B-C50C-407E-A947-70E740481C1C}">
+                <a14:useLocalDpi xmlns:a14="http://schemas.microsoft.com/office/drawing/2010/main" val="0"/>
+              </a:ext>
+            </a:extLst>
+          </a:blip>
+          <a:srcRect/>
+          <a:stretch>
+            <a:fillRect/>
+          </a:stretch>
+        </p:blipFill>
+        <p:spPr bwMode="auto">
+          <a:xfrm>
+            <a:off x="6228184" y="1916832"/>
+            <a:ext cx="2645972" cy="1123951"/>
+          </a:xfrm>
+          <a:prstGeom prst="rect">
+            <a:avLst/>
+          </a:prstGeom>
+          <a:noFill/>
+          <a:extLst>
+            <a:ext uri="{909E8E84-426E-40DD-AFC4-6F175D3DCCD1}">
+              <a14:hiddenFill xmlns:a14="http://schemas.microsoft.com/office/drawing/2010/main">
+                <a:solidFill>
+                  <a:srgbClr val="FFFFFF"/>
+                </a:solidFill>
+              </a14:hiddenFill>
+            </a:ext>
+          </a:extLst>
+        </p:spPr>
+      </p:pic>
+      <p:pic>
+        <p:nvPicPr>
+          <p:cNvPr id="2062" name="Picture 14" descr="http://inf352.forge.imag.fr/logoUFRIM2AG.png"/>
+          <p:cNvPicPr>
+            <a:picLocks noChangeAspect="1" noChangeArrowheads="1"/>
+          </p:cNvPicPr>
+          <p:nvPr/>
+        </p:nvPicPr>
+        <p:blipFill>
+          <a:blip r:embed="rId5" cstate="print">
+            <a:extLst>
+              <a:ext uri="{28A0092B-C50C-407E-A947-70E740481C1C}">
+                <a14:useLocalDpi xmlns:a14="http://schemas.microsoft.com/office/drawing/2010/main" val="0"/>
+              </a:ext>
+            </a:extLst>
+          </a:blip>
+          <a:srcRect/>
+          <a:stretch>
+            <a:fillRect/>
+          </a:stretch>
+        </p:blipFill>
+        <p:spPr bwMode="auto">
+          <a:xfrm>
+            <a:off x="6925115" y="5085184"/>
+            <a:ext cx="1368692" cy="1581945"/>
+          </a:xfrm>
+          <a:prstGeom prst="rect">
+            <a:avLst/>
+          </a:prstGeom>
+          <a:noFill/>
+          <a:extLst>
+            <a:ext uri="{909E8E84-426E-40DD-AFC4-6F175D3DCCD1}">
+              <a14:hiddenFill xmlns:a14="http://schemas.microsoft.com/office/drawing/2010/main">
+                <a:solidFill>
+                  <a:srgbClr val="FFFFFF"/>
+                </a:solidFill>
+              </a14:hiddenFill>
+            </a:ext>
+          </a:extLst>
+        </p:spPr>
+      </p:pic>
+    </p:spTree>
+    <p:extLst>
+      <p:ext uri="{BB962C8B-B14F-4D97-AF65-F5344CB8AC3E}">
+        <p14:creationId xmlns:p14="http://schemas.microsoft.com/office/powerpoint/2010/main" val="3029881562"/>
+      </p:ext>
+    </p:extLst>
+  </p:cSld>
+  <p:clrMapOvr>
+    <a:masterClrMapping/>
+  </p:clrMapOvr>
+  <p:timing>
+    <p:tnLst>
+      <p:par>
+        <p:cTn id="1" dur="indefinite" restart="never" nodeType="tmRoot">
+          <p:childTnLst>
+            <p:seq concurrent="1" nextAc="seek">
+              <p:cTn id="2" dur="indefinite" nodeType="mainSeq">
+                <p:childTnLst>
+                  <p:par>
+                    <p:cTn id="3" fill="hold">
+                      <p:stCondLst>
+                        <p:cond delay="indefinite"/>
+                      </p:stCondLst>
+                      <p:childTnLst>
+                        <p:par>
+                          <p:cTn id="4" fill="hold">
+                            <p:stCondLst>
+                              <p:cond delay="0"/>
+                            </p:stCondLst>
+                            <p:childTnLst>
+                              <p:par>
+                                <p:cTn id="5" presetID="10" presetClass="entr" presetSubtype="0" fill="hold" grpId="0" nodeType="clickEffect">
+                                  <p:stCondLst>
+                                    <p:cond delay="0"/>
+                                  </p:stCondLst>
+                                  <p:childTnLst>
+                                    <p:set>
+                                      <p:cBhvr>
+                                        <p:cTn id="6" dur="1" fill="hold">
+                                          <p:stCondLst>
+                                            <p:cond delay="0"/>
+                                          </p:stCondLst>
+                                        </p:cTn>
+                                        <p:tgtEl>
+                                          <p:spTgt spid="3">
+                                            <p:txEl>
+                                              <p:pRg st="0" end="0"/>
+                                            </p:txEl>
+                                          </p:spTgt>
+                                        </p:tgtEl>
+                                        <p:attrNameLst>
+                                          <p:attrName>style.visibility</p:attrName>
+                                        </p:attrNameLst>
+                                      </p:cBhvr>
+                                      <p:to>
+                                        <p:strVal val="visible"/>
+                                      </p:to>
+                                    </p:set>
+                                    <p:animEffect transition="in" filter="fade">
+                                      <p:cBhvr>
+                                        <p:cTn id="7" dur="500"/>
+                                        <p:tgtEl>
+                                          <p:spTgt spid="3">
+                                            <p:txEl>
+                                              <p:pRg st="0" end="0"/>
+                                            </p:txEl>
+                                          </p:spTgt>
+                                        </p:tgtEl>
+                                      </p:cBhvr>
+                                    </p:animEffect>
+                                  </p:childTnLst>
+                                </p:cTn>
+                              </p:par>
+                            </p:childTnLst>
+                          </p:cTn>
+                        </p:par>
+                      </p:childTnLst>
+                    </p:cTn>
+                  </p:par>
+                  <p:par>
+                    <p:cTn id="8" fill="hold">
+                      <p:stCondLst>
+                        <p:cond delay="indefinite"/>
+                      </p:stCondLst>
+                      <p:childTnLst>
+                        <p:par>
+                          <p:cTn id="9" fill="hold">
+                            <p:stCondLst>
+                              <p:cond delay="0"/>
+                            </p:stCondLst>
+                            <p:childTnLst>
+                              <p:par>
+                                <p:cTn id="10" presetID="10" presetClass="entr" presetSubtype="0" fill="hold" grpId="0" nodeType="clickEffect">
+                                  <p:stCondLst>
+                                    <p:cond delay="0"/>
+                                  </p:stCondLst>
+                                  <p:childTnLst>
+                                    <p:set>
+                                      <p:cBhvr>
+                                        <p:cTn id="11" dur="1" fill="hold">
+                                          <p:stCondLst>
+                                            <p:cond delay="0"/>
+                                          </p:stCondLst>
+                                        </p:cTn>
+                                        <p:tgtEl>
+                                          <p:spTgt spid="3">
+                                            <p:txEl>
+                                              <p:pRg st="1" end="1"/>
+                                            </p:txEl>
+                                          </p:spTgt>
+                                        </p:tgtEl>
+                                        <p:attrNameLst>
+                                          <p:attrName>style.visibility</p:attrName>
+                                        </p:attrNameLst>
+                                      </p:cBhvr>
+                                      <p:to>
+                                        <p:strVal val="visible"/>
+                                      </p:to>
+                                    </p:set>
+                                    <p:animEffect transition="in" filter="fade">
+                                      <p:cBhvr>
+                                        <p:cTn id="12" dur="500"/>
+                                        <p:tgtEl>
+                                          <p:spTgt spid="3">
+                                            <p:txEl>
+                                              <p:pRg st="1" end="1"/>
+                                            </p:txEl>
+                                          </p:spTgt>
+                                        </p:tgtEl>
+                                      </p:cBhvr>
+                                    </p:animEffect>
+                                  </p:childTnLst>
+                                </p:cTn>
+                              </p:par>
+                              <p:par>
+                                <p:cTn id="13" presetID="10" presetClass="entr" presetSubtype="0" fill="hold" grpId="0" nodeType="withEffect">
+                                  <p:stCondLst>
+                                    <p:cond delay="0"/>
+                                  </p:stCondLst>
+                                  <p:childTnLst>
+                                    <p:set>
+                                      <p:cBhvr>
+                                        <p:cTn id="14" dur="1" fill="hold">
+                                          <p:stCondLst>
+                                            <p:cond delay="0"/>
+                                          </p:stCondLst>
+                                        </p:cTn>
+                                        <p:tgtEl>
+                                          <p:spTgt spid="3">
+                                            <p:txEl>
+                                              <p:pRg st="2" end="2"/>
+                                            </p:txEl>
+                                          </p:spTgt>
+                                        </p:tgtEl>
+                                        <p:attrNameLst>
+                                          <p:attrName>style.visibility</p:attrName>
+                                        </p:attrNameLst>
+                                      </p:cBhvr>
+                                      <p:to>
+                                        <p:strVal val="visible"/>
+                                      </p:to>
+                                    </p:set>
+                                    <p:animEffect transition="in" filter="fade">
+                                      <p:cBhvr>
+                                        <p:cTn id="15" dur="500"/>
+                                        <p:tgtEl>
+                                          <p:spTgt spid="3">
+                                            <p:txEl>
+                                              <p:pRg st="2" end="2"/>
+                                            </p:txEl>
+                                          </p:spTgt>
+                                        </p:tgtEl>
+                                      </p:cBhvr>
+                                    </p:animEffect>
+                                  </p:childTnLst>
+                                </p:cTn>
+                              </p:par>
+                              <p:par>
+                                <p:cTn id="16" presetID="10" presetClass="entr" presetSubtype="0" fill="hold" nodeType="withEffect">
+                                  <p:stCondLst>
+                                    <p:cond delay="0"/>
+                                  </p:stCondLst>
+                                  <p:childTnLst>
+                                    <p:set>
+                                      <p:cBhvr>
+                                        <p:cTn id="17" dur="1" fill="hold">
+                                          <p:stCondLst>
+                                            <p:cond delay="0"/>
+                                          </p:stCondLst>
+                                        </p:cTn>
+                                        <p:tgtEl>
+                                          <p:spTgt spid="2060"/>
+                                        </p:tgtEl>
+                                        <p:attrNameLst>
+                                          <p:attrName>style.visibility</p:attrName>
+                                        </p:attrNameLst>
+                                      </p:cBhvr>
+                                      <p:to>
+                                        <p:strVal val="visible"/>
+                                      </p:to>
+                                    </p:set>
+                                    <p:animEffect transition="in" filter="fade">
+                                      <p:cBhvr>
+                                        <p:cTn id="18" dur="500"/>
+                                        <p:tgtEl>
+                                          <p:spTgt spid="2060"/>
+                                        </p:tgtEl>
+                                      </p:cBhvr>
+                                    </p:animEffect>
+                                  </p:childTnLst>
+                                </p:cTn>
+                              </p:par>
+                            </p:childTnLst>
+                          </p:cTn>
+                        </p:par>
+                      </p:childTnLst>
+                    </p:cTn>
+                  </p:par>
+                  <p:par>
+                    <p:cTn id="19" fill="hold">
+                      <p:stCondLst>
+                        <p:cond delay="indefinite"/>
+                      </p:stCondLst>
+                      <p:childTnLst>
+                        <p:par>
+                          <p:cTn id="20" fill="hold">
+                            <p:stCondLst>
+                              <p:cond delay="0"/>
+                            </p:stCondLst>
+                            <p:childTnLst>
+                              <p:par>
+                                <p:cTn id="21" presetID="10" presetClass="entr" presetSubtype="0" fill="hold" grpId="0" nodeType="clickEffect">
+                                  <p:stCondLst>
+                                    <p:cond delay="0"/>
+                                  </p:stCondLst>
+                                  <p:childTnLst>
+                                    <p:set>
+                                      <p:cBhvr>
+                                        <p:cTn id="22" dur="1" fill="hold">
+                                          <p:stCondLst>
+                                            <p:cond delay="0"/>
+                                          </p:stCondLst>
+                                        </p:cTn>
+                                        <p:tgtEl>
+                                          <p:spTgt spid="3">
+                                            <p:txEl>
+                                              <p:pRg st="4" end="4"/>
+                                            </p:txEl>
+                                          </p:spTgt>
+                                        </p:tgtEl>
+                                        <p:attrNameLst>
+                                          <p:attrName>style.visibility</p:attrName>
+                                        </p:attrNameLst>
+                                      </p:cBhvr>
+                                      <p:to>
+                                        <p:strVal val="visible"/>
+                                      </p:to>
+                                    </p:set>
+                                    <p:animEffect transition="in" filter="fade">
+                                      <p:cBhvr>
+                                        <p:cTn id="23" dur="500"/>
+                                        <p:tgtEl>
+                                          <p:spTgt spid="3">
+                                            <p:txEl>
+                                              <p:pRg st="4" end="4"/>
+                                            </p:txEl>
+                                          </p:spTgt>
+                                        </p:tgtEl>
+                                      </p:cBhvr>
+                                    </p:animEffect>
+                                  </p:childTnLst>
+                                </p:cTn>
+                              </p:par>
+                            </p:childTnLst>
+                          </p:cTn>
+                        </p:par>
+                      </p:childTnLst>
+                    </p:cTn>
+                  </p:par>
+                  <p:par>
+                    <p:cTn id="24" fill="hold">
+                      <p:stCondLst>
+                        <p:cond delay="indefinite"/>
+                      </p:stCondLst>
+                      <p:childTnLst>
+                        <p:par>
+                          <p:cTn id="25" fill="hold">
+                            <p:stCondLst>
+                              <p:cond delay="0"/>
+                            </p:stCondLst>
+                            <p:childTnLst>
+                              <p:par>
+                                <p:cTn id="26" presetID="10" presetClass="entr" presetSubtype="0" fill="hold" grpId="0" nodeType="clickEffect">
+                                  <p:stCondLst>
+                                    <p:cond delay="0"/>
+                                  </p:stCondLst>
+                                  <p:childTnLst>
+                                    <p:set>
+                                      <p:cBhvr>
+                                        <p:cTn id="27" dur="1" fill="hold">
+                                          <p:stCondLst>
+                                            <p:cond delay="0"/>
+                                          </p:stCondLst>
+                                        </p:cTn>
+                                        <p:tgtEl>
+                                          <p:spTgt spid="3">
+                                            <p:txEl>
+                                              <p:pRg st="5" end="5"/>
+                                            </p:txEl>
+                                          </p:spTgt>
+                                        </p:tgtEl>
+                                        <p:attrNameLst>
+                                          <p:attrName>style.visibility</p:attrName>
+                                        </p:attrNameLst>
+                                      </p:cBhvr>
+                                      <p:to>
+                                        <p:strVal val="visible"/>
+                                      </p:to>
+                                    </p:set>
+                                    <p:animEffect transition="in" filter="fade">
+                                      <p:cBhvr>
+                                        <p:cTn id="28" dur="500"/>
+                                        <p:tgtEl>
+                                          <p:spTgt spid="3">
+                                            <p:txEl>
+                                              <p:pRg st="5" end="5"/>
+                                            </p:txEl>
+                                          </p:spTgt>
+                                        </p:tgtEl>
+                                      </p:cBhvr>
+                                    </p:animEffect>
+                                  </p:childTnLst>
+                                </p:cTn>
+                              </p:par>
+                              <p:par>
+                                <p:cTn id="29" presetID="10" presetClass="entr" presetSubtype="0" fill="hold" nodeType="withEffect">
+                                  <p:stCondLst>
+                                    <p:cond delay="0"/>
+                                  </p:stCondLst>
+                                  <p:childTnLst>
+                                    <p:set>
+                                      <p:cBhvr>
+                                        <p:cTn id="30" dur="1" fill="hold">
+                                          <p:stCondLst>
+                                            <p:cond delay="0"/>
+                                          </p:stCondLst>
+                                        </p:cTn>
+                                        <p:tgtEl>
+                                          <p:spTgt spid="2058"/>
+                                        </p:tgtEl>
+                                        <p:attrNameLst>
+                                          <p:attrName>style.visibility</p:attrName>
+                                        </p:attrNameLst>
+                                      </p:cBhvr>
+                                      <p:to>
+                                        <p:strVal val="visible"/>
+                                      </p:to>
+                                    </p:set>
+                                    <p:animEffect transition="in" filter="fade">
+                                      <p:cBhvr>
+                                        <p:cTn id="31" dur="500"/>
+                                        <p:tgtEl>
+                                          <p:spTgt spid="2058"/>
+                                        </p:tgtEl>
+                                      </p:cBhvr>
+                                    </p:animEffect>
+                                  </p:childTnLst>
+                                </p:cTn>
+                              </p:par>
+                            </p:childTnLst>
+                          </p:cTn>
+                        </p:par>
+                      </p:childTnLst>
+                    </p:cTn>
+                  </p:par>
+                  <p:par>
+                    <p:cTn id="32" fill="hold">
+                      <p:stCondLst>
+                        <p:cond delay="indefinite"/>
+                      </p:stCondLst>
+                      <p:childTnLst>
+                        <p:par>
+                          <p:cTn id="33" fill="hold">
+                            <p:stCondLst>
+                              <p:cond delay="0"/>
+                            </p:stCondLst>
+                            <p:childTnLst>
+                              <p:par>
+                                <p:cTn id="34" presetID="10" presetClass="entr" presetSubtype="0" fill="hold" grpId="0" nodeType="clickEffect">
+                                  <p:stCondLst>
+                                    <p:cond delay="0"/>
+                                  </p:stCondLst>
+                                  <p:childTnLst>
+                                    <p:set>
+                                      <p:cBhvr>
+                                        <p:cTn id="35" dur="1" fill="hold">
+                                          <p:stCondLst>
+                                            <p:cond delay="0"/>
+                                          </p:stCondLst>
+                                        </p:cTn>
+                                        <p:tgtEl>
+                                          <p:spTgt spid="3">
+                                            <p:txEl>
+                                              <p:pRg st="7" end="7"/>
+                                            </p:txEl>
+                                          </p:spTgt>
+                                        </p:tgtEl>
+                                        <p:attrNameLst>
+                                          <p:attrName>style.visibility</p:attrName>
+                                        </p:attrNameLst>
+                                      </p:cBhvr>
+                                      <p:to>
+                                        <p:strVal val="visible"/>
+                                      </p:to>
+                                    </p:set>
+                                    <p:animEffect transition="in" filter="fade">
+                                      <p:cBhvr>
+                                        <p:cTn id="36" dur="500"/>
+                                        <p:tgtEl>
+                                          <p:spTgt spid="3">
+                                            <p:txEl>
+                                              <p:pRg st="7" end="7"/>
+                                            </p:txEl>
+                                          </p:spTgt>
+                                        </p:tgtEl>
+                                      </p:cBhvr>
+                                    </p:animEffect>
+                                  </p:childTnLst>
+                                </p:cTn>
+                              </p:par>
+                            </p:childTnLst>
+                          </p:cTn>
+                        </p:par>
+                      </p:childTnLst>
+                    </p:cTn>
+                  </p:par>
+                  <p:par>
+                    <p:cTn id="37" fill="hold">
+                      <p:stCondLst>
+                        <p:cond delay="indefinite"/>
+                      </p:stCondLst>
+                      <p:childTnLst>
+                        <p:par>
+                          <p:cTn id="38" fill="hold">
+                            <p:stCondLst>
+                              <p:cond delay="0"/>
+                            </p:stCondLst>
+                            <p:childTnLst>
+                              <p:par>
+                                <p:cTn id="39" presetID="10" presetClass="entr" presetSubtype="0" fill="hold" grpId="0" nodeType="clickEffect">
+                                  <p:stCondLst>
+                                    <p:cond delay="0"/>
+                                  </p:stCondLst>
+                                  <p:childTnLst>
+                                    <p:set>
+                                      <p:cBhvr>
+                                        <p:cTn id="40" dur="1" fill="hold">
+                                          <p:stCondLst>
+                                            <p:cond delay="0"/>
+                                          </p:stCondLst>
+                                        </p:cTn>
+                                        <p:tgtEl>
+                                          <p:spTgt spid="3">
+                                            <p:txEl>
+                                              <p:pRg st="8" end="8"/>
+                                            </p:txEl>
+                                          </p:spTgt>
+                                        </p:tgtEl>
+                                        <p:attrNameLst>
+                                          <p:attrName>style.visibility</p:attrName>
+                                        </p:attrNameLst>
+                                      </p:cBhvr>
+                                      <p:to>
+                                        <p:strVal val="visible"/>
+                                      </p:to>
+                                    </p:set>
+                                    <p:animEffect transition="in" filter="fade">
+                                      <p:cBhvr>
+                                        <p:cTn id="41" dur="500"/>
+                                        <p:tgtEl>
+                                          <p:spTgt spid="3">
+                                            <p:txEl>
+                                              <p:pRg st="8" end="8"/>
+                                            </p:txEl>
+                                          </p:spTgt>
+                                        </p:tgtEl>
+                                      </p:cBhvr>
+                                    </p:animEffect>
+                                  </p:childTnLst>
+                                </p:cTn>
+                              </p:par>
+                              <p:par>
+                                <p:cTn id="42" presetID="10" presetClass="entr" presetSubtype="0" fill="hold" grpId="0" nodeType="withEffect">
+                                  <p:stCondLst>
+                                    <p:cond delay="0"/>
+                                  </p:stCondLst>
+                                  <p:childTnLst>
+                                    <p:set>
+                                      <p:cBhvr>
+                                        <p:cTn id="43" dur="1" fill="hold">
+                                          <p:stCondLst>
+                                            <p:cond delay="0"/>
+                                          </p:stCondLst>
+                                        </p:cTn>
+                                        <p:tgtEl>
+                                          <p:spTgt spid="3">
+                                            <p:txEl>
+                                              <p:pRg st="9" end="9"/>
+                                            </p:txEl>
+                                          </p:spTgt>
+                                        </p:tgtEl>
+                                        <p:attrNameLst>
+                                          <p:attrName>style.visibility</p:attrName>
+                                        </p:attrNameLst>
+                                      </p:cBhvr>
+                                      <p:to>
+                                        <p:strVal val="visible"/>
+                                      </p:to>
+                                    </p:set>
+                                    <p:animEffect transition="in" filter="fade">
+                                      <p:cBhvr>
+                                        <p:cTn id="44" dur="500"/>
+                                        <p:tgtEl>
+                                          <p:spTgt spid="3">
+                                            <p:txEl>
+                                              <p:pRg st="9" end="9"/>
+                                            </p:txEl>
+                                          </p:spTgt>
+                                        </p:tgtEl>
+                                      </p:cBhvr>
+                                    </p:animEffect>
+                                  </p:childTnLst>
+                                </p:cTn>
+                              </p:par>
+                              <p:par>
+                                <p:cTn id="45" presetID="10" presetClass="entr" presetSubtype="0" fill="hold" nodeType="withEffect">
+                                  <p:stCondLst>
+                                    <p:cond delay="0"/>
+                                  </p:stCondLst>
+                                  <p:childTnLst>
+                                    <p:set>
+                                      <p:cBhvr>
+                                        <p:cTn id="46" dur="1" fill="hold">
+                                          <p:stCondLst>
+                                            <p:cond delay="0"/>
+                                          </p:stCondLst>
+                                        </p:cTn>
+                                        <p:tgtEl>
+                                          <p:spTgt spid="2062"/>
+                                        </p:tgtEl>
+                                        <p:attrNameLst>
+                                          <p:attrName>style.visibility</p:attrName>
+                                        </p:attrNameLst>
+                                      </p:cBhvr>
+                                      <p:to>
+                                        <p:strVal val="visible"/>
+                                      </p:to>
+                                    </p:set>
+                                    <p:animEffect transition="in" filter="fade">
+                                      <p:cBhvr>
+                                        <p:cTn id="47" dur="500"/>
+                                        <p:tgtEl>
+                                          <p:spTgt spid="2062"/>
+                                        </p:tgtEl>
+                                      </p:cBhvr>
+                                    </p:animEffect>
+                                  </p:childTnLst>
+                                </p:cTn>
+                              </p:par>
+                            </p:childTnLst>
+                          </p:cTn>
+                        </p:par>
+                      </p:childTnLst>
+                    </p:cTn>
+                  </p:par>
+                </p:childTnLst>
+              </p:cTn>
+              <p:prevCondLst>
+                <p:cond evt="onPrev" delay="0">
+                  <p:tgtEl>
+                    <p:sldTgt/>
+                  </p:tgtEl>
+                </p:cond>
+              </p:prevCondLst>
+              <p:nextCondLst>
+                <p:cond evt="onNext" delay="0">
+                  <p:tgtEl>
+                    <p:sldTgt/>
+                  </p:tgtEl>
+                </p:cond>
+              </p:nextCondLst>
+            </p:seq>
+          </p:childTnLst>
+        </p:cTn>
+      </p:par>
+    </p:tnLst>
+    <p:bldLst>
+      <p:bldP spid="3" grpId="0" uiExpand="1" build="p"/>
+    </p:bldLst>
+  </p:timing>
+</p:sld>
+</file>
+
+<file path=ppt/slides/slide7.xml><?xml version="1.0" encoding="utf-8"?>
+<p:sld xmlns:a="http://schemas.openxmlformats.org/drawingml/2006/main" xmlns:r="http://schemas.openxmlformats.org/officeDocument/2006/relationships" xmlns:p="http://schemas.openxmlformats.org/presentationml/2006/main">
+  <p:cSld>
+    <p:spTree>
+      <p:nvGrpSpPr>
+        <p:cNvPr id="1" name=""/>
+        <p:cNvGrpSpPr/>
+        <p:nvPr/>
+      </p:nvGrpSpPr>
+      <p:grpSpPr>
+        <a:xfrm>
+          <a:off x="0" y="0"/>
+          <a:ext cx="0" cy="0"/>
+          <a:chOff x="0" y="0"/>
+          <a:chExt cx="0" cy="0"/>
+        </a:xfrm>
+      </p:grpSpPr>
+      <p:sp>
+        <p:nvSpPr>
+          <p:cNvPr id="2" name="Titre 1"/>
+          <p:cNvSpPr>
+            <a:spLocks noGrp="1"/>
+          </p:cNvSpPr>
+          <p:nvPr>
+            <p:ph type="title"/>
+          </p:nvPr>
+        </p:nvSpPr>
+        <p:spPr/>
+        <p:txBody>
+          <a:bodyPr>
+            <a:normAutofit/>
+          </a:bodyPr>
+          <a:lstStyle/>
+          <a:p>
+            <a:r>
+              <a:rPr lang="fr-FR" b="1" u="sng" dirty="0" err="1" smtClean="0">
+                <a:solidFill>
+                  <a:srgbClr val="0070C0"/>
+                </a:solidFill>
+                <a:latin typeface="Times New Roman" pitchFamily="18" charset="0"/>
+                <a:cs typeface="Times New Roman" pitchFamily="18" charset="0"/>
+              </a:rPr>
+              <a:t>CloudCompare</a:t>
+            </a:r>
+            <a:endParaRPr lang="fr-FR" dirty="0"/>
+          </a:p>
+        </p:txBody>
+      </p:sp>
+      <p:sp>
+        <p:nvSpPr>
+          <p:cNvPr id="3" name="Espace réservé du contenu 2"/>
+          <p:cNvSpPr>
+            <a:spLocks noGrp="1"/>
+          </p:cNvSpPr>
+          <p:nvPr>
+            <p:ph idx="1"/>
+          </p:nvPr>
+        </p:nvSpPr>
+        <p:spPr>
+          <a:xfrm>
+            <a:off x="457200" y="1484784"/>
+            <a:ext cx="8229600" cy="4641379"/>
+          </a:xfrm>
+        </p:spPr>
+        <p:txBody>
+          <a:bodyPr/>
+          <a:lstStyle/>
+          <a:p>
+            <a:pPr marL="0" indent="0" algn="just">
+              <a:spcBef>
+                <a:spcPts val="0"/>
+              </a:spcBef>
+              <a:buNone/>
+            </a:pPr>
+            <a:r>
+              <a:rPr lang="en-US" dirty="0" err="1"/>
+              <a:t>CloudCompare</a:t>
+            </a:r>
+            <a:r>
+              <a:rPr lang="en-US" dirty="0"/>
+              <a:t> is a 3D point cloud processing </a:t>
+            </a:r>
+            <a:r>
+              <a:rPr lang="en-US" dirty="0" smtClean="0"/>
+              <a:t>software (</a:t>
+            </a:r>
+            <a:r>
+              <a:rPr lang="en-US" dirty="0"/>
+              <a:t>such as those obtained with a laser scanner).</a:t>
+            </a:r>
+          </a:p>
+          <a:p>
+            <a:pPr marL="0" indent="0" algn="just">
+              <a:spcBef>
+                <a:spcPts val="0"/>
+              </a:spcBef>
+              <a:buNone/>
+            </a:pPr>
+            <a:endParaRPr lang="fr-FR" dirty="0" smtClean="0"/>
+          </a:p>
+        </p:txBody>
+      </p:sp>
+      <p:sp>
+        <p:nvSpPr>
+          <p:cNvPr id="4" name="AutoShape 2" descr="CloudCompareV2 screenshot small.jpg"/>
+          <p:cNvSpPr>
+            <a:spLocks noChangeAspect="1" noChangeArrowheads="1"/>
+          </p:cNvSpPr>
+          <p:nvPr/>
+        </p:nvSpPr>
+        <p:spPr bwMode="auto">
+          <a:xfrm>
+            <a:off x="155575" y="-144463"/>
+            <a:ext cx="304800" cy="304801"/>
+          </a:xfrm>
+          <a:prstGeom prst="rect">
+            <a:avLst/>
+          </a:prstGeom>
+          <a:noFill/>
+          <a:extLst>
+            <a:ext uri="{909E8E84-426E-40DD-AFC4-6F175D3DCCD1}">
+              <a14:hiddenFill xmlns:a14="http://schemas.microsoft.com/office/drawing/2010/main">
+                <a:solidFill>
+                  <a:srgbClr val="FFFFFF"/>
+                </a:solidFill>
+              </a14:hiddenFill>
+            </a:ext>
+          </a:extLst>
+        </p:spPr>
+        <p:txBody>
+          <a:bodyPr vert="horz" wrap="square" lIns="91440" tIns="45720" rIns="91440" bIns="45720" numCol="1" anchor="t" anchorCtr="0" compatLnSpc="1">
+            <a:prstTxWarp prst="textNoShape">
+              <a:avLst/>
+            </a:prstTxWarp>
+          </a:bodyPr>
+          <a:lstStyle/>
+          <a:p>
+            <a:endParaRPr lang="fr-FR"/>
+          </a:p>
+        </p:txBody>
+      </p:sp>
+      <p:pic>
+        <p:nvPicPr>
+          <p:cNvPr id="3074" name="Picture 2" descr="http://agora3d.africamuseum.be/images/cloudcompare.png"/>
+          <p:cNvPicPr>
+            <a:picLocks noChangeAspect="1" noChangeArrowheads="1"/>
+          </p:cNvPicPr>
+          <p:nvPr/>
+        </p:nvPicPr>
+        <p:blipFill>
+          <a:blip r:embed="rId3">
+            <a:extLst>
+              <a:ext uri="{28A0092B-C50C-407E-A947-70E740481C1C}">
+                <a14:useLocalDpi xmlns:a14="http://schemas.microsoft.com/office/drawing/2010/main" val="0"/>
+              </a:ext>
+            </a:extLst>
+          </a:blip>
+          <a:srcRect/>
+          <a:stretch>
+            <a:fillRect/>
+          </a:stretch>
+        </p:blipFill>
+        <p:spPr bwMode="auto">
+          <a:xfrm>
+            <a:off x="612775" y="3171452"/>
+            <a:ext cx="4868862" cy="3043039"/>
+          </a:xfrm>
+          <a:prstGeom prst="rect">
+            <a:avLst/>
+          </a:prstGeom>
+          <a:noFill/>
+          <a:extLst>
+            <a:ext uri="{909E8E84-426E-40DD-AFC4-6F175D3DCCD1}">
+              <a14:hiddenFill xmlns:a14="http://schemas.microsoft.com/office/drawing/2010/main">
+                <a:solidFill>
+                  <a:srgbClr val="FFFFFF"/>
+                </a:solidFill>
+              </a14:hiddenFill>
+            </a:ext>
+          </a:extLst>
+        </p:spPr>
+      </p:pic>
+      <p:pic>
+        <p:nvPicPr>
+          <p:cNvPr id="3078" name="Picture 6" descr="http://allabttech.com/wp-content/uploads/2015/11/C-.png"/>
+          <p:cNvPicPr>
+            <a:picLocks noChangeAspect="1" noChangeArrowheads="1"/>
+          </p:cNvPicPr>
+          <p:nvPr/>
+        </p:nvPicPr>
+        <p:blipFill>
+          <a:blip r:embed="rId4" cstate="print">
+            <a:extLst>
+              <a:ext uri="{28A0092B-C50C-407E-A947-70E740481C1C}">
+                <a14:useLocalDpi xmlns:a14="http://schemas.microsoft.com/office/drawing/2010/main" val="0"/>
+              </a:ext>
+            </a:extLst>
+          </a:blip>
+          <a:srcRect/>
+          <a:stretch>
+            <a:fillRect/>
+          </a:stretch>
+        </p:blipFill>
+        <p:spPr bwMode="auto">
+          <a:xfrm>
+            <a:off x="6489526" y="3334891"/>
+            <a:ext cx="1728192" cy="864096"/>
+          </a:xfrm>
+          <a:prstGeom prst="rect">
+            <a:avLst/>
+          </a:prstGeom>
+          <a:noFill/>
+          <a:extLst>
+            <a:ext uri="{909E8E84-426E-40DD-AFC4-6F175D3DCCD1}">
+              <a14:hiddenFill xmlns:a14="http://schemas.microsoft.com/office/drawing/2010/main">
+                <a:solidFill>
+                  <a:srgbClr val="FFFFFF"/>
+                </a:solidFill>
+              </a14:hiddenFill>
+            </a:ext>
+          </a:extLst>
+        </p:spPr>
+      </p:pic>
+      <p:sp>
+        <p:nvSpPr>
+          <p:cNvPr id="5" name="AutoShape 8" descr="https://s2.graphiq.com/sites/default/files/1576/media/images/t2/_825728.png"/>
+          <p:cNvSpPr>
+            <a:spLocks noChangeAspect="1" noChangeArrowheads="1"/>
+          </p:cNvSpPr>
+          <p:nvPr/>
+        </p:nvSpPr>
+        <p:spPr bwMode="auto">
+          <a:xfrm>
+            <a:off x="307975" y="7937"/>
+            <a:ext cx="304800" cy="304801"/>
+          </a:xfrm>
+          <a:prstGeom prst="rect">
+            <a:avLst/>
+          </a:prstGeom>
+          <a:noFill/>
+          <a:extLst>
+            <a:ext uri="{909E8E84-426E-40DD-AFC4-6F175D3DCCD1}">
+              <a14:hiddenFill xmlns:a14="http://schemas.microsoft.com/office/drawing/2010/main">
+                <a:solidFill>
+                  <a:srgbClr val="FFFFFF"/>
+                </a:solidFill>
+              </a14:hiddenFill>
+            </a:ext>
+          </a:extLst>
+        </p:spPr>
+        <p:txBody>
+          <a:bodyPr vert="horz" wrap="square" lIns="91440" tIns="45720" rIns="91440" bIns="45720" numCol="1" anchor="t" anchorCtr="0" compatLnSpc="1">
+            <a:prstTxWarp prst="textNoShape">
+              <a:avLst/>
+            </a:prstTxWarp>
+          </a:bodyPr>
+          <a:lstStyle/>
+          <a:p>
+            <a:endParaRPr lang="fr-FR"/>
+          </a:p>
+        </p:txBody>
+      </p:sp>
+      <p:sp>
+        <p:nvSpPr>
+          <p:cNvPr id="6" name="AutoShape 10" descr="https://s2.graphiq.com/sites/default/files/1576/media/images/t2/_825728.png"/>
+          <p:cNvSpPr>
+            <a:spLocks noChangeAspect="1" noChangeArrowheads="1"/>
+          </p:cNvSpPr>
+          <p:nvPr/>
+        </p:nvSpPr>
+        <p:spPr bwMode="auto">
+          <a:xfrm>
+            <a:off x="460375" y="160337"/>
+            <a:ext cx="304800" cy="304801"/>
+          </a:xfrm>
+          <a:prstGeom prst="rect">
+            <a:avLst/>
+          </a:prstGeom>
+          <a:noFill/>
+          <a:extLst>
+            <a:ext uri="{909E8E84-426E-40DD-AFC4-6F175D3DCCD1}">
+              <a14:hiddenFill xmlns:a14="http://schemas.microsoft.com/office/drawing/2010/main">
+                <a:solidFill>
+                  <a:srgbClr val="FFFFFF"/>
+                </a:solidFill>
+              </a14:hiddenFill>
+            </a:ext>
+          </a:extLst>
+        </p:spPr>
+        <p:txBody>
+          <a:bodyPr vert="horz" wrap="square" lIns="91440" tIns="45720" rIns="91440" bIns="45720" numCol="1" anchor="t" anchorCtr="0" compatLnSpc="1">
+            <a:prstTxWarp prst="textNoShape">
+              <a:avLst/>
+            </a:prstTxWarp>
+          </a:bodyPr>
+          <a:lstStyle/>
+          <a:p>
+            <a:endParaRPr lang="fr-FR"/>
+          </a:p>
+        </p:txBody>
+      </p:sp>
+      <p:pic>
+        <p:nvPicPr>
+          <p:cNvPr id="3084" name="Picture 12" descr="http://docs.salome-platform.org/5/kernel/user/icon_about.png"/>
+          <p:cNvPicPr>
+            <a:picLocks noChangeAspect="1" noChangeArrowheads="1"/>
+          </p:cNvPicPr>
+          <p:nvPr/>
+        </p:nvPicPr>
+        <p:blipFill>
+          <a:blip r:embed="rId5">
+            <a:extLst>
+              <a:ext uri="{28A0092B-C50C-407E-A947-70E740481C1C}">
+                <a14:useLocalDpi xmlns:a14="http://schemas.microsoft.com/office/drawing/2010/main" val="0"/>
+              </a:ext>
+            </a:extLst>
+          </a:blip>
+          <a:srcRect/>
+          <a:stretch>
+            <a:fillRect/>
+          </a:stretch>
+        </p:blipFill>
+        <p:spPr bwMode="auto">
+          <a:xfrm>
+            <a:off x="6080298" y="4869160"/>
+            <a:ext cx="2546648" cy="1273324"/>
+          </a:xfrm>
+          <a:prstGeom prst="rect">
+            <a:avLst/>
+          </a:prstGeom>
+          <a:noFill/>
+          <a:extLst>
+            <a:ext uri="{909E8E84-426E-40DD-AFC4-6F175D3DCCD1}">
+              <a14:hiddenFill xmlns:a14="http://schemas.microsoft.com/office/drawing/2010/main">
+                <a:solidFill>
+                  <a:srgbClr val="FFFFFF"/>
+                </a:solidFill>
+              </a14:hiddenFill>
+            </a:ext>
+          </a:extLst>
+        </p:spPr>
+      </p:pic>
+    </p:spTree>
+    <p:extLst>
+      <p:ext uri="{BB962C8B-B14F-4D97-AF65-F5344CB8AC3E}">
+        <p14:creationId xmlns:p14="http://schemas.microsoft.com/office/powerpoint/2010/main" val="107255165"/>
+      </p:ext>
+    </p:extLst>
+  </p:cSld>
+  <p:clrMapOvr>
+    <a:masterClrMapping/>
+  </p:clrMapOvr>
+  <p:timing>
+    <p:tnLst>
+      <p:par>
+        <p:cTn id="1" dur="indefinite" restart="never" nodeType="tmRoot">
+          <p:childTnLst>
+            <p:seq concurrent="1" nextAc="seek">
+              <p:cTn id="2" dur="indefinite" nodeType="mainSeq">
+                <p:childTnLst>
+                  <p:par>
+                    <p:cTn id="3" fill="hold">
+                      <p:stCondLst>
+                        <p:cond delay="indefinite"/>
+                      </p:stCondLst>
+                      <p:childTnLst>
+                        <p:par>
+                          <p:cTn id="4" fill="hold">
+                            <p:stCondLst>
+                              <p:cond delay="0"/>
+                            </p:stCondLst>
+                            <p:childTnLst>
+                              <p:par>
+                                <p:cTn id="5" presetID="10" presetClass="entr" presetSubtype="0" fill="hold" grpId="0" nodeType="clickEffect">
+                                  <p:stCondLst>
+                                    <p:cond delay="0"/>
+                                  </p:stCondLst>
+                                  <p:childTnLst>
+                                    <p:set>
+                                      <p:cBhvr>
+                                        <p:cTn id="6" dur="1" fill="hold">
+                                          <p:stCondLst>
+                                            <p:cond delay="0"/>
+                                          </p:stCondLst>
+                                        </p:cTn>
+                                        <p:tgtEl>
+                                          <p:spTgt spid="3">
+                                            <p:txEl>
+                                              <p:pRg st="0" end="0"/>
+                                            </p:txEl>
+                                          </p:spTgt>
+                                        </p:tgtEl>
+                                        <p:attrNameLst>
+                                          <p:attrName>style.visibility</p:attrName>
+                                        </p:attrNameLst>
+                                      </p:cBhvr>
+                                      <p:to>
+                                        <p:strVal val="visible"/>
+                                      </p:to>
+                                    </p:set>
+                                    <p:animEffect transition="in" filter="fade">
+                                      <p:cBhvr>
+                                        <p:cTn id="7" dur="500"/>
+                                        <p:tgtEl>
+                                          <p:spTgt spid="3">
+                                            <p:txEl>
+                                              <p:pRg st="0" end="0"/>
+                                            </p:txEl>
+                                          </p:spTgt>
+                                        </p:tgtEl>
+                                      </p:cBhvr>
+                                    </p:animEffect>
+                                  </p:childTnLst>
+                                </p:cTn>
+                              </p:par>
+                            </p:childTnLst>
+                          </p:cTn>
+                        </p:par>
+                        <p:par>
+                          <p:cTn id="8" fill="hold">
+                            <p:stCondLst>
+                              <p:cond delay="500"/>
+                            </p:stCondLst>
+                            <p:childTnLst>
+                              <p:par>
+                                <p:cTn id="9" presetID="10" presetClass="entr" presetSubtype="0" fill="hold" nodeType="afterEffect">
+                                  <p:stCondLst>
+                                    <p:cond delay="0"/>
+                                  </p:stCondLst>
+                                  <p:childTnLst>
+                                    <p:set>
+                                      <p:cBhvr>
+                                        <p:cTn id="10" dur="1" fill="hold">
+                                          <p:stCondLst>
+                                            <p:cond delay="0"/>
+                                          </p:stCondLst>
+                                        </p:cTn>
+                                        <p:tgtEl>
+                                          <p:spTgt spid="3074"/>
+                                        </p:tgtEl>
+                                        <p:attrNameLst>
+                                          <p:attrName>style.visibility</p:attrName>
+                                        </p:attrNameLst>
+                                      </p:cBhvr>
+                                      <p:to>
+                                        <p:strVal val="visible"/>
+                                      </p:to>
+                                    </p:set>
+                                    <p:animEffect transition="in" filter="fade">
+                                      <p:cBhvr>
+                                        <p:cTn id="11" dur="500"/>
+                                        <p:tgtEl>
+                                          <p:spTgt spid="3074"/>
+                                        </p:tgtEl>
+                                      </p:cBhvr>
+                                    </p:animEffect>
+                                  </p:childTnLst>
+                                </p:cTn>
+                              </p:par>
+                            </p:childTnLst>
+                          </p:cTn>
+                        </p:par>
+                      </p:childTnLst>
+                    </p:cTn>
+                  </p:par>
+                  <p:par>
+                    <p:cTn id="12" fill="hold">
+                      <p:stCondLst>
+                        <p:cond delay="indefinite"/>
+                      </p:stCondLst>
+                      <p:childTnLst>
+                        <p:par>
+                          <p:cTn id="13" fill="hold">
+                            <p:stCondLst>
+                              <p:cond delay="0"/>
+                            </p:stCondLst>
+                            <p:childTnLst>
+                              <p:par>
+                                <p:cTn id="14" presetID="10" presetClass="entr" presetSubtype="0" fill="hold" nodeType="clickEffect">
+                                  <p:stCondLst>
+                                    <p:cond delay="0"/>
+                                  </p:stCondLst>
+                                  <p:childTnLst>
+                                    <p:set>
+                                      <p:cBhvr>
+                                        <p:cTn id="15" dur="1" fill="hold">
+                                          <p:stCondLst>
+                                            <p:cond delay="0"/>
+                                          </p:stCondLst>
+                                        </p:cTn>
+                                        <p:tgtEl>
+                                          <p:spTgt spid="3078"/>
+                                        </p:tgtEl>
+                                        <p:attrNameLst>
+                                          <p:attrName>style.visibility</p:attrName>
+                                        </p:attrNameLst>
+                                      </p:cBhvr>
+                                      <p:to>
+                                        <p:strVal val="visible"/>
+                                      </p:to>
+                                    </p:set>
+                                    <p:animEffect transition="in" filter="fade">
+                                      <p:cBhvr>
+                                        <p:cTn id="16" dur="500"/>
+                                        <p:tgtEl>
+                                          <p:spTgt spid="3078"/>
+                                        </p:tgtEl>
+                                      </p:cBhvr>
+                                    </p:animEffect>
+                                  </p:childTnLst>
+                                </p:cTn>
+                              </p:par>
+                            </p:childTnLst>
+                          </p:cTn>
+                        </p:par>
+                      </p:childTnLst>
+                    </p:cTn>
+                  </p:par>
+                  <p:par>
+                    <p:cTn id="17" fill="hold">
+                      <p:stCondLst>
+                        <p:cond delay="indefinite"/>
+                      </p:stCondLst>
+                      <p:childTnLst>
+                        <p:par>
+                          <p:cTn id="18" fill="hold">
+                            <p:stCondLst>
+                              <p:cond delay="0"/>
+                            </p:stCondLst>
+                            <p:childTnLst>
+                              <p:par>
+                                <p:cTn id="19" presetID="10" presetClass="entr" presetSubtype="0" fill="hold" nodeType="clickEffect">
+                                  <p:stCondLst>
+                                    <p:cond delay="0"/>
+                                  </p:stCondLst>
+                                  <p:childTnLst>
+                                    <p:set>
+                                      <p:cBhvr>
+                                        <p:cTn id="20" dur="1" fill="hold">
+                                          <p:stCondLst>
+                                            <p:cond delay="0"/>
+                                          </p:stCondLst>
+                                        </p:cTn>
+                                        <p:tgtEl>
+                                          <p:spTgt spid="3084"/>
+                                        </p:tgtEl>
+                                        <p:attrNameLst>
+                                          <p:attrName>style.visibility</p:attrName>
+                                        </p:attrNameLst>
+                                      </p:cBhvr>
+                                      <p:to>
+                                        <p:strVal val="visible"/>
+                                      </p:to>
+                                    </p:set>
+                                    <p:animEffect transition="in" filter="fade">
+                                      <p:cBhvr>
+                                        <p:cTn id="21" dur="500"/>
+                                        <p:tgtEl>
+                                          <p:spTgt spid="3084"/>
+                                        </p:tgtEl>
+                                      </p:cBhvr>
+                                    </p:animEffect>
+                                  </p:childTnLst>
+                                </p:cTn>
+                              </p:par>
+                            </p:childTnLst>
+                          </p:cTn>
+                        </p:par>
+                      </p:childTnLst>
+                    </p:cTn>
+                  </p:par>
+                </p:childTnLst>
+              </p:cTn>
+              <p:prevCondLst>
+                <p:cond evt="onPrev" delay="0">
+                  <p:tgtEl>
+                    <p:sldTgt/>
+                  </p:tgtEl>
+                </p:cond>
+              </p:prevCondLst>
+              <p:nextCondLst>
+                <p:cond evt="onNext" delay="0">
+                  <p:tgtEl>
+                    <p:sldTgt/>
+                  </p:tgtEl>
+                </p:cond>
+              </p:nextCondLst>
+            </p:seq>
+          </p:childTnLst>
+        </p:cTn>
+      </p:par>
+    </p:tnLst>
+    <p:bldLst>
+      <p:bldP spid="3" grpId="0" build="p"/>
+    </p:bldLst>
+  </p:timing>
+</p:sld>
+</file>
+
+<file path=ppt/slides/slide8.xml><?xml version="1.0" encoding="utf-8"?>
+<p:sld xmlns:a="http://schemas.openxmlformats.org/drawingml/2006/main" xmlns:r="http://schemas.openxmlformats.org/officeDocument/2006/relationships" xmlns:p="http://schemas.openxmlformats.org/presentationml/2006/main">
+  <p:cSld>
+    <p:spTree>
+      <p:nvGrpSpPr>
+        <p:cNvPr id="1" name=""/>
+        <p:cNvGrpSpPr/>
+        <p:nvPr/>
+      </p:nvGrpSpPr>
+      <p:grpSpPr>
+        <a:xfrm>
+          <a:off x="0" y="0"/>
+          <a:ext cx="0" cy="0"/>
+          <a:chOff x="0" y="0"/>
+          <a:chExt cx="0" cy="0"/>
+        </a:xfrm>
+      </p:grpSpPr>
+      <p:pic>
+        <p:nvPicPr>
+          <p:cNvPr id="6150" name="Picture 6" descr="le capital social"/>
+          <p:cNvPicPr>
+            <a:picLocks noChangeAspect="1" noChangeArrowheads="1"/>
+          </p:cNvPicPr>
+          <p:nvPr/>
+        </p:nvPicPr>
+        <p:blipFill>
+          <a:blip r:embed="rId3">
+            <a:extLst>
+              <a:ext uri="{28A0092B-C50C-407E-A947-70E740481C1C}">
+                <a14:useLocalDpi xmlns:a14="http://schemas.microsoft.com/office/drawing/2010/main" val="0"/>
+              </a:ext>
+            </a:extLst>
+          </a:blip>
+          <a:srcRect/>
+          <a:stretch>
+            <a:fillRect/>
+          </a:stretch>
+        </p:blipFill>
+        <p:spPr bwMode="auto">
+          <a:xfrm>
+            <a:off x="6713700" y="188640"/>
+            <a:ext cx="2410828" cy="2592288"/>
+          </a:xfrm>
+          <a:prstGeom prst="rect">
+            <a:avLst/>
+          </a:prstGeom>
+          <a:noFill/>
+          <a:extLst>
+            <a:ext uri="{909E8E84-426E-40DD-AFC4-6F175D3DCCD1}">
+              <a14:hiddenFill xmlns:a14="http://schemas.microsoft.com/office/drawing/2010/main">
+                <a:solidFill>
+                  <a:srgbClr val="FFFFFF"/>
+                </a:solidFill>
+              </a14:hiddenFill>
+            </a:ext>
+          </a:extLst>
+        </p:spPr>
+      </p:pic>
+      <p:sp>
+        <p:nvSpPr>
+          <p:cNvPr id="2" name="Titre 1"/>
+          <p:cNvSpPr>
+            <a:spLocks noGrp="1"/>
+          </p:cNvSpPr>
+          <p:nvPr>
+            <p:ph type="title"/>
+          </p:nvPr>
+        </p:nvSpPr>
+        <p:spPr/>
+        <p:txBody>
+          <a:bodyPr>
+            <a:normAutofit/>
+          </a:bodyPr>
+          <a:lstStyle/>
+          <a:p>
+            <a:r>
+              <a:rPr lang="fr-FR" b="1" u="sng" dirty="0" err="1" smtClean="0">
+                <a:solidFill>
+                  <a:srgbClr val="0070C0"/>
+                </a:solidFill>
+                <a:latin typeface="Times New Roman" pitchFamily="18" charset="0"/>
+                <a:cs typeface="Times New Roman" pitchFamily="18" charset="0"/>
+              </a:rPr>
+              <a:t>Requirements</a:t>
+            </a:r>
+            <a:endParaRPr lang="fr-FR" dirty="0"/>
+          </a:p>
+        </p:txBody>
+      </p:sp>
+      <p:sp>
+        <p:nvSpPr>
+          <p:cNvPr id="3" name="Espace réservé du contenu 2"/>
+          <p:cNvSpPr>
+            <a:spLocks noGrp="1"/>
+          </p:cNvSpPr>
+          <p:nvPr>
+            <p:ph idx="1"/>
+          </p:nvPr>
+        </p:nvSpPr>
+        <p:spPr>
+          <a:xfrm>
+            <a:off x="457200" y="1600200"/>
+            <a:ext cx="8229600" cy="4997152"/>
+          </a:xfrm>
+        </p:spPr>
+        <p:txBody>
+          <a:bodyPr>
+            <a:normAutofit/>
+          </a:bodyPr>
+          <a:lstStyle/>
+          <a:p>
+            <a:pPr marL="0" indent="0" algn="just">
+              <a:lnSpc>
+                <a:spcPct val="110000"/>
+              </a:lnSpc>
+              <a:spcBef>
+                <a:spcPts val="0"/>
+              </a:spcBef>
+              <a:buNone/>
+            </a:pPr>
+            <a:r>
+              <a:rPr lang="fr-FR" b="1" u="sng" dirty="0" err="1" smtClean="0"/>
+              <a:t>Fixed</a:t>
+            </a:r>
+            <a:r>
+              <a:rPr lang="fr-FR" b="1" u="sng" dirty="0" smtClean="0"/>
+              <a:t> :</a:t>
+            </a:r>
+          </a:p>
+          <a:p>
+            <a:pPr marL="0" indent="0" algn="just">
+              <a:lnSpc>
+                <a:spcPct val="110000"/>
+              </a:lnSpc>
+              <a:spcBef>
+                <a:spcPts val="0"/>
+              </a:spcBef>
+              <a:buNone/>
+            </a:pPr>
+            <a:r>
+              <a:rPr lang="fr-FR" dirty="0" smtClean="0"/>
+              <a:t>- Data as Point Cloud</a:t>
+            </a:r>
+          </a:p>
+          <a:p>
+            <a:pPr marL="0" indent="0" algn="just">
+              <a:lnSpc>
+                <a:spcPct val="110000"/>
+              </a:lnSpc>
+              <a:spcBef>
+                <a:spcPts val="0"/>
+              </a:spcBef>
+              <a:buNone/>
+            </a:pPr>
+            <a:r>
+              <a:rPr lang="fr-FR" dirty="0" smtClean="0"/>
+              <a:t>- </a:t>
+            </a:r>
+            <a:r>
+              <a:rPr lang="fr-FR" dirty="0" err="1" smtClean="0"/>
+              <a:t>Using</a:t>
+            </a:r>
+            <a:r>
+              <a:rPr lang="fr-FR" dirty="0" smtClean="0"/>
+              <a:t> </a:t>
+            </a:r>
+            <a:r>
+              <a:rPr lang="fr-FR" dirty="0" err="1" smtClean="0"/>
+              <a:t>CloudCompare</a:t>
+            </a:r>
+            <a:r>
+              <a:rPr lang="fr-FR" dirty="0" smtClean="0"/>
+              <a:t> and </a:t>
+            </a:r>
+            <a:r>
+              <a:rPr lang="fr-FR" dirty="0" err="1" smtClean="0"/>
+              <a:t>write</a:t>
+            </a:r>
+            <a:r>
+              <a:rPr lang="fr-FR" dirty="0" smtClean="0"/>
+              <a:t> plugin</a:t>
+            </a:r>
+          </a:p>
+          <a:p>
+            <a:pPr marL="0" indent="0">
+              <a:lnSpc>
+                <a:spcPct val="110000"/>
+              </a:lnSpc>
+              <a:spcBef>
+                <a:spcPts val="0"/>
+              </a:spcBef>
+              <a:buNone/>
+            </a:pPr>
+            <a:r>
+              <a:rPr lang="fr-FR" dirty="0" smtClean="0"/>
+              <a:t>- Date </a:t>
+            </a:r>
+            <a:r>
+              <a:rPr lang="fr-FR" dirty="0" err="1"/>
+              <a:t>rendering</a:t>
+            </a:r>
+            <a:endParaRPr lang="fr-FR" dirty="0"/>
+          </a:p>
+          <a:p>
+            <a:pPr marL="0" indent="0" algn="just">
+              <a:lnSpc>
+                <a:spcPct val="110000"/>
+              </a:lnSpc>
+              <a:spcBef>
+                <a:spcPts val="0"/>
+              </a:spcBef>
+              <a:buNone/>
+            </a:pPr>
+            <a:endParaRPr lang="fr-FR" dirty="0" smtClean="0"/>
+          </a:p>
+          <a:p>
+            <a:pPr marL="0" indent="0" algn="just">
+              <a:lnSpc>
+                <a:spcPct val="110000"/>
+              </a:lnSpc>
+              <a:spcBef>
+                <a:spcPts val="0"/>
+              </a:spcBef>
+              <a:buNone/>
+            </a:pPr>
+            <a:r>
+              <a:rPr lang="fr-FR" b="1" u="sng" dirty="0" err="1" smtClean="0"/>
+              <a:t>Personnal</a:t>
+            </a:r>
+            <a:r>
+              <a:rPr lang="fr-FR" b="1" u="sng" dirty="0" smtClean="0"/>
+              <a:t> :</a:t>
+            </a:r>
+          </a:p>
+          <a:p>
+            <a:pPr marL="0" indent="0" algn="just">
+              <a:lnSpc>
+                <a:spcPct val="110000"/>
+              </a:lnSpc>
+              <a:spcBef>
+                <a:spcPts val="0"/>
+              </a:spcBef>
+              <a:buFontTx/>
+              <a:buChar char="-"/>
+            </a:pPr>
+            <a:r>
+              <a:rPr lang="fr-FR" dirty="0" smtClean="0"/>
+              <a:t> Data and </a:t>
+            </a:r>
+            <a:r>
+              <a:rPr lang="fr-FR" dirty="0" err="1" smtClean="0"/>
+              <a:t>CouldCompare</a:t>
+            </a:r>
+            <a:r>
+              <a:rPr lang="fr-FR" dirty="0" smtClean="0"/>
+              <a:t> </a:t>
+            </a:r>
+            <a:r>
+              <a:rPr lang="fr-FR" dirty="0" err="1" smtClean="0"/>
+              <a:t>comprehension</a:t>
+            </a:r>
+            <a:endParaRPr lang="fr-FR" dirty="0" smtClean="0"/>
+          </a:p>
+          <a:p>
+            <a:pPr marL="0" indent="0" algn="just">
+              <a:lnSpc>
+                <a:spcPct val="110000"/>
+              </a:lnSpc>
+              <a:spcBef>
+                <a:spcPts val="0"/>
+              </a:spcBef>
+              <a:buFontTx/>
+              <a:buChar char="-"/>
+            </a:pPr>
+            <a:r>
+              <a:rPr lang="fr-FR" dirty="0" smtClean="0"/>
+              <a:t> Organisation</a:t>
+            </a:r>
+          </a:p>
+          <a:p>
+            <a:pPr marL="0" indent="0" algn="just">
+              <a:lnSpc>
+                <a:spcPct val="110000"/>
+              </a:lnSpc>
+              <a:spcBef>
+                <a:spcPts val="0"/>
+              </a:spcBef>
+              <a:buFontTx/>
+              <a:buChar char="-"/>
+            </a:pPr>
+            <a:endParaRPr lang="fr-FR" dirty="0"/>
+          </a:p>
+        </p:txBody>
+      </p:sp>
+    </p:spTree>
+    <p:extLst>
+      <p:ext uri="{BB962C8B-B14F-4D97-AF65-F5344CB8AC3E}">
+        <p14:creationId xmlns:p14="http://schemas.microsoft.com/office/powerpoint/2010/main" val="1143918067"/>
+      </p:ext>
+    </p:extLst>
+  </p:cSld>
+  <p:clrMapOvr>
+    <a:masterClrMapping/>
+  </p:clrMapOvr>
+  <p:timing>
+    <p:tnLst>
+      <p:par>
+        <p:cTn id="1" dur="indefinite" restart="never" nodeType="tmRoot">
+          <p:childTnLst>
+            <p:seq concurrent="1" nextAc="seek">
+              <p:cTn id="2" dur="indefinite" nodeType="mainSeq">
+                <p:childTnLst>
+                  <p:par>
+                    <p:cTn id="3" fill="hold">
+                      <p:stCondLst>
+                        <p:cond delay="indefinite"/>
+                      </p:stCondLst>
+                      <p:childTnLst>
+                        <p:par>
+                          <p:cTn id="4" fill="hold">
+                            <p:stCondLst>
+                              <p:cond delay="0"/>
+                            </p:stCondLst>
+                            <p:childTnLst>
+                              <p:par>
+                                <p:cTn id="5" presetID="10" presetClass="entr" presetSubtype="0" fill="hold" grpId="0" nodeType="clickEffect">
+                                  <p:stCondLst>
+                                    <p:cond delay="0"/>
+                                  </p:stCondLst>
+                                  <p:childTnLst>
+                                    <p:set>
+                                      <p:cBhvr>
+                                        <p:cTn id="6" dur="1" fill="hold">
+                                          <p:stCondLst>
+                                            <p:cond delay="0"/>
+                                          </p:stCondLst>
+                                        </p:cTn>
+                                        <p:tgtEl>
+                                          <p:spTgt spid="3">
+                                            <p:txEl>
+                                              <p:pRg st="0" end="0"/>
+                                            </p:txEl>
+                                          </p:spTgt>
+                                        </p:tgtEl>
+                                        <p:attrNameLst>
+                                          <p:attrName>style.visibility</p:attrName>
+                                        </p:attrNameLst>
+                                      </p:cBhvr>
+                                      <p:to>
+                                        <p:strVal val="visible"/>
+                                      </p:to>
+                                    </p:set>
+                                    <p:animEffect transition="in" filter="fade">
+                                      <p:cBhvr>
+                                        <p:cTn id="7" dur="500"/>
+                                        <p:tgtEl>
+                                          <p:spTgt spid="3">
+                                            <p:txEl>
+                                              <p:pRg st="0" end="0"/>
+                                            </p:txEl>
+                                          </p:spTgt>
+                                        </p:tgtEl>
+                                      </p:cBhvr>
+                                    </p:animEffect>
+                                  </p:childTnLst>
+                                </p:cTn>
+                              </p:par>
+                            </p:childTnLst>
+                          </p:cTn>
+                        </p:par>
+                      </p:childTnLst>
+                    </p:cTn>
+                  </p:par>
+                  <p:par>
+                    <p:cTn id="8" fill="hold">
+                      <p:stCondLst>
+                        <p:cond delay="indefinite"/>
+                      </p:stCondLst>
+                      <p:childTnLst>
+                        <p:par>
+                          <p:cTn id="9" fill="hold">
+                            <p:stCondLst>
+                              <p:cond delay="0"/>
+                            </p:stCondLst>
+                            <p:childTnLst>
+                              <p:par>
+                                <p:cTn id="10" presetID="10" presetClass="entr" presetSubtype="0" fill="hold" grpId="0" nodeType="clickEffect">
+                                  <p:stCondLst>
+                                    <p:cond delay="0"/>
+                                  </p:stCondLst>
+                                  <p:childTnLst>
+                                    <p:set>
+                                      <p:cBhvr>
+                                        <p:cTn id="11" dur="1" fill="hold">
+                                          <p:stCondLst>
+                                            <p:cond delay="0"/>
+                                          </p:stCondLst>
+                                        </p:cTn>
+                                        <p:tgtEl>
+                                          <p:spTgt spid="3">
+                                            <p:txEl>
+                                              <p:pRg st="1" end="1"/>
+                                            </p:txEl>
+                                          </p:spTgt>
+                                        </p:tgtEl>
+                                        <p:attrNameLst>
+                                          <p:attrName>style.visibility</p:attrName>
+                                        </p:attrNameLst>
+                                      </p:cBhvr>
+                                      <p:to>
+                                        <p:strVal val="visible"/>
+                                      </p:to>
+                                    </p:set>
+                                    <p:animEffect transition="in" filter="fade">
+                                      <p:cBhvr>
+                                        <p:cTn id="12" dur="500"/>
+                                        <p:tgtEl>
+                                          <p:spTgt spid="3">
+                                            <p:txEl>
+                                              <p:pRg st="1" end="1"/>
+                                            </p:txEl>
+                                          </p:spTgt>
+                                        </p:tgtEl>
+                                      </p:cBhvr>
+                                    </p:animEffect>
+                                  </p:childTnLst>
+                                </p:cTn>
+                              </p:par>
+                            </p:childTnLst>
+                          </p:cTn>
+                        </p:par>
+                      </p:childTnLst>
+                    </p:cTn>
+                  </p:par>
+                  <p:par>
+                    <p:cTn id="13" fill="hold">
+                      <p:stCondLst>
+                        <p:cond delay="indefinite"/>
+                      </p:stCondLst>
+                      <p:childTnLst>
+                        <p:par>
+                          <p:cTn id="14" fill="hold">
+                            <p:stCondLst>
+                              <p:cond delay="0"/>
+                            </p:stCondLst>
+                            <p:childTnLst>
+                              <p:par>
+                                <p:cTn id="15" presetID="10" presetClass="entr" presetSubtype="0" fill="hold" grpId="0" nodeType="clickEffect">
+                                  <p:stCondLst>
+                                    <p:cond delay="0"/>
+                                  </p:stCondLst>
+                                  <p:childTnLst>
+                                    <p:set>
+                                      <p:cBhvr>
+                                        <p:cTn id="16" dur="1" fill="hold">
+                                          <p:stCondLst>
+                                            <p:cond delay="0"/>
+                                          </p:stCondLst>
+                                        </p:cTn>
+                                        <p:tgtEl>
+                                          <p:spTgt spid="3">
+                                            <p:txEl>
+                                              <p:pRg st="2" end="2"/>
+                                            </p:txEl>
+                                          </p:spTgt>
+                                        </p:tgtEl>
+                                        <p:attrNameLst>
+                                          <p:attrName>style.visibility</p:attrName>
+                                        </p:attrNameLst>
+                                      </p:cBhvr>
+                                      <p:to>
+                                        <p:strVal val="visible"/>
+                                      </p:to>
+                                    </p:set>
+                                    <p:animEffect transition="in" filter="fade">
+                                      <p:cBhvr>
+                                        <p:cTn id="17" dur="500"/>
+                                        <p:tgtEl>
+                                          <p:spTgt spid="3">
+                                            <p:txEl>
+                                              <p:pRg st="2" end="2"/>
+                                            </p:txEl>
+                                          </p:spTgt>
+                                        </p:tgtEl>
+                                      </p:cBhvr>
+                                    </p:animEffect>
+                                  </p:childTnLst>
+                                </p:cTn>
+                              </p:par>
+                            </p:childTnLst>
+                          </p:cTn>
+                        </p:par>
+                      </p:childTnLst>
+                    </p:cTn>
+                  </p:par>
+                  <p:par>
+                    <p:cTn id="18" fill="hold">
+                      <p:stCondLst>
+                        <p:cond delay="indefinite"/>
+                      </p:stCondLst>
+                      <p:childTnLst>
+                        <p:par>
+                          <p:cTn id="19" fill="hold">
+                            <p:stCondLst>
+                              <p:cond delay="0"/>
+                            </p:stCondLst>
+                            <p:childTnLst>
+                              <p:par>
+                                <p:cTn id="20" presetID="10" presetClass="entr" presetSubtype="0" fill="hold" grpId="0" nodeType="clickEffect">
+                                  <p:stCondLst>
+                                    <p:cond delay="0"/>
+                                  </p:stCondLst>
+                                  <p:childTnLst>
+                                    <p:set>
+                                      <p:cBhvr>
+                                        <p:cTn id="21" dur="1" fill="hold">
+                                          <p:stCondLst>
+                                            <p:cond delay="0"/>
+                                          </p:stCondLst>
+                                        </p:cTn>
+                                        <p:tgtEl>
+                                          <p:spTgt spid="3">
+                                            <p:txEl>
+                                              <p:pRg st="3" end="3"/>
+                                            </p:txEl>
+                                          </p:spTgt>
+                                        </p:tgtEl>
+                                        <p:attrNameLst>
+                                          <p:attrName>style.visibility</p:attrName>
+                                        </p:attrNameLst>
+                                      </p:cBhvr>
+                                      <p:to>
+                                        <p:strVal val="visible"/>
+                                      </p:to>
+                                    </p:set>
+                                    <p:animEffect transition="in" filter="fade">
+                                      <p:cBhvr>
+                                        <p:cTn id="22" dur="500"/>
+                                        <p:tgtEl>
+                                          <p:spTgt spid="3">
+                                            <p:txEl>
+                                              <p:pRg st="3" end="3"/>
+                                            </p:txEl>
+                                          </p:spTgt>
+                                        </p:tgtEl>
+                                      </p:cBhvr>
+                                    </p:animEffect>
+                                  </p:childTnLst>
+                                </p:cTn>
+                              </p:par>
+                            </p:childTnLst>
+                          </p:cTn>
+                        </p:par>
+                      </p:childTnLst>
+                    </p:cTn>
+                  </p:par>
+                  <p:par>
+                    <p:cTn id="23" fill="hold">
+                      <p:stCondLst>
+                        <p:cond delay="indefinite"/>
+                      </p:stCondLst>
+                      <p:childTnLst>
+                        <p:par>
+                          <p:cTn id="24" fill="hold">
+                            <p:stCondLst>
+                              <p:cond delay="0"/>
+                            </p:stCondLst>
+                            <p:childTnLst>
+                              <p:par>
+                                <p:cTn id="25" presetID="10" presetClass="entr" presetSubtype="0" fill="hold" grpId="0" nodeType="clickEffect">
+                                  <p:stCondLst>
+                                    <p:cond delay="0"/>
+                                  </p:stCondLst>
+                                  <p:childTnLst>
+                                    <p:set>
+                                      <p:cBhvr>
+                                        <p:cTn id="26" dur="1" fill="hold">
+                                          <p:stCondLst>
+                                            <p:cond delay="0"/>
+                                          </p:stCondLst>
+                                        </p:cTn>
+                                        <p:tgtEl>
+                                          <p:spTgt spid="3">
+                                            <p:txEl>
+                                              <p:pRg st="5" end="5"/>
+                                            </p:txEl>
+                                          </p:spTgt>
+                                        </p:tgtEl>
+                                        <p:attrNameLst>
+                                          <p:attrName>style.visibility</p:attrName>
+                                        </p:attrNameLst>
+                                      </p:cBhvr>
+                                      <p:to>
+                                        <p:strVal val="visible"/>
+                                      </p:to>
+                                    </p:set>
+                                    <p:animEffect transition="in" filter="fade">
+                                      <p:cBhvr>
+                                        <p:cTn id="27" dur="500"/>
+                                        <p:tgtEl>
+                                          <p:spTgt spid="3">
+                                            <p:txEl>
+                                              <p:pRg st="5" end="5"/>
+                                            </p:txEl>
+                                          </p:spTgt>
+                                        </p:tgtEl>
+                                      </p:cBhvr>
+                                    </p:animEffect>
+                                  </p:childTnLst>
+                                </p:cTn>
+                              </p:par>
+                            </p:childTnLst>
+                          </p:cTn>
+                        </p:par>
+                      </p:childTnLst>
+                    </p:cTn>
+                  </p:par>
+                  <p:par>
+                    <p:cTn id="28" fill="hold">
+                      <p:stCondLst>
+                        <p:cond delay="indefinite"/>
+                      </p:stCondLst>
+                      <p:childTnLst>
+                        <p:par>
+                          <p:cTn id="29" fill="hold">
+                            <p:stCondLst>
+                              <p:cond delay="0"/>
+                            </p:stCondLst>
+                            <p:childTnLst>
+                              <p:par>
+                                <p:cTn id="30" presetID="10" presetClass="entr" presetSubtype="0" fill="hold" grpId="0" nodeType="clickEffect">
+                                  <p:stCondLst>
+                                    <p:cond delay="0"/>
+                                  </p:stCondLst>
+                                  <p:childTnLst>
+                                    <p:set>
+                                      <p:cBhvr>
+                                        <p:cTn id="31" dur="1" fill="hold">
+                                          <p:stCondLst>
+                                            <p:cond delay="0"/>
+                                          </p:stCondLst>
+                                        </p:cTn>
+                                        <p:tgtEl>
+                                          <p:spTgt spid="3">
+                                            <p:txEl>
+                                              <p:pRg st="6" end="6"/>
+                                            </p:txEl>
+                                          </p:spTgt>
+                                        </p:tgtEl>
+                                        <p:attrNameLst>
+                                          <p:attrName>style.visibility</p:attrName>
+                                        </p:attrNameLst>
+                                      </p:cBhvr>
+                                      <p:to>
+                                        <p:strVal val="visible"/>
+                                      </p:to>
+                                    </p:set>
+                                    <p:animEffect transition="in" filter="fade">
+                                      <p:cBhvr>
+                                        <p:cTn id="32" dur="500"/>
+                                        <p:tgtEl>
+                                          <p:spTgt spid="3">
+                                            <p:txEl>
+                                              <p:pRg st="6" end="6"/>
+                                            </p:txEl>
+                                          </p:spTgt>
+                                        </p:tgtEl>
+                                      </p:cBhvr>
+                                    </p:animEffect>
+                                  </p:childTnLst>
+                                </p:cTn>
+                              </p:par>
+                            </p:childTnLst>
+                          </p:cTn>
+                        </p:par>
+                      </p:childTnLst>
+                    </p:cTn>
+                  </p:par>
+                  <p:par>
+                    <p:cTn id="33" fill="hold">
+                      <p:stCondLst>
+                        <p:cond delay="indefinite"/>
+                      </p:stCondLst>
+                      <p:childTnLst>
+                        <p:par>
+                          <p:cTn id="34" fill="hold">
+                            <p:stCondLst>
+                              <p:cond delay="0"/>
+                            </p:stCondLst>
+                            <p:childTnLst>
+                              <p:par>
+                                <p:cTn id="35" presetID="10" presetClass="entr" presetSubtype="0" fill="hold" grpId="0" nodeType="clickEffect">
+                                  <p:stCondLst>
+                                    <p:cond delay="0"/>
+                                  </p:stCondLst>
+                                  <p:childTnLst>
+                                    <p:set>
+                                      <p:cBhvr>
+                                        <p:cTn id="36" dur="1" fill="hold">
+                                          <p:stCondLst>
+                                            <p:cond delay="0"/>
+                                          </p:stCondLst>
+                                        </p:cTn>
+                                        <p:tgtEl>
+                                          <p:spTgt spid="3">
+                                            <p:txEl>
+                                              <p:pRg st="7" end="7"/>
+                                            </p:txEl>
+                                          </p:spTgt>
+                                        </p:tgtEl>
+                                        <p:attrNameLst>
+                                          <p:attrName>style.visibility</p:attrName>
+                                        </p:attrNameLst>
+                                      </p:cBhvr>
+                                      <p:to>
+                                        <p:strVal val="visible"/>
+                                      </p:to>
+                                    </p:set>
+                                    <p:animEffect transition="in" filter="fade">
+                                      <p:cBhvr>
+                                        <p:cTn id="37" dur="500"/>
+                                        <p:tgtEl>
+                                          <p:spTgt spid="3">
+                                            <p:txEl>
+                                              <p:pRg st="7" end="7"/>
+                                            </p:txEl>
+                                          </p:spTgt>
+                                        </p:tgtEl>
+                                      </p:cBhvr>
+                                    </p:animEffect>
+                                  </p:childTnLst>
+                                </p:cTn>
+                              </p:par>
+                            </p:childTnLst>
+                          </p:cTn>
+                        </p:par>
+                      </p:childTnLst>
+                    </p:cTn>
+                  </p:par>
+                </p:childTnLst>
+              </p:cTn>
+              <p:prevCondLst>
+                <p:cond evt="onPrev" delay="0">
+                  <p:tgtEl>
+                    <p:sldTgt/>
+                  </p:tgtEl>
+                </p:cond>
+              </p:prevCondLst>
+              <p:nextCondLst>
+                <p:cond evt="onNext" delay="0">
+                  <p:tgtEl>
+                    <p:sldTgt/>
+                  </p:tgtEl>
+                </p:cond>
+              </p:nextCondLst>
+            </p:seq>
+          </p:childTnLst>
+        </p:cTn>
+      </p:par>
+    </p:tnLst>
+    <p:bldLst>
+      <p:bldP spid="3" grpId="0" build="p"/>
+    </p:bldLst>
+  </p:timing>
+</p:sld>
+</file>
+
+<file path=ppt/slides/slide9.xml><?xml version="1.0" encoding="utf-8"?>
+<p:sld xmlns:a="http://schemas.openxmlformats.org/drawingml/2006/main" xmlns:r="http://schemas.openxmlformats.org/officeDocument/2006/relationships" xmlns:p="http://schemas.openxmlformats.org/presentationml/2006/main">
+  <p:cSld>
+    <p:spTree>
+      <p:nvGrpSpPr>
+        <p:cNvPr id="1" name=""/>
+        <p:cNvGrpSpPr/>
+        <p:nvPr/>
+      </p:nvGrpSpPr>
+      <p:grpSpPr>
+        <a:xfrm>
+          <a:off x="0" y="0"/>
+          <a:ext cx="0" cy="0"/>
+          <a:chOff x="0" y="0"/>
+          <a:chExt cx="0" cy="0"/>
+        </a:xfrm>
+      </p:grpSpPr>
+      <p:sp>
+        <p:nvSpPr>
+          <p:cNvPr id="2" name="Titre 1"/>
+          <p:cNvSpPr>
+            <a:spLocks noGrp="1"/>
+          </p:cNvSpPr>
+          <p:nvPr>
+            <p:ph type="title"/>
+          </p:nvPr>
+        </p:nvSpPr>
+        <p:spPr/>
+        <p:txBody>
+          <a:bodyPr/>
+          <a:lstStyle/>
+          <a:p>
+            <a:r>
+              <a:rPr lang="fr-FR" b="1" u="sng" dirty="0" err="1" smtClean="0">
+                <a:solidFill>
+                  <a:srgbClr val="0070C0"/>
+                </a:solidFill>
+                <a:latin typeface="Times New Roman" pitchFamily="18" charset="0"/>
+                <a:cs typeface="Times New Roman" pitchFamily="18" charset="0"/>
+              </a:rPr>
+              <a:t>Plannification</a:t>
+            </a:r>
+            <a:endParaRPr lang="fr-FR" dirty="0"/>
+          </a:p>
+        </p:txBody>
+      </p:sp>
+      <p:pic>
+        <p:nvPicPr>
+          <p:cNvPr id="9218" name="Picture 2" descr="C:\Users\lefevreh.E-IM2AG.002\Downloads\Fake_Planning.png"/>
+          <p:cNvPicPr>
+            <a:picLocks noChangeAspect="1" noChangeArrowheads="1"/>
+          </p:cNvPicPr>
+          <p:nvPr/>
+        </p:nvPicPr>
+        <p:blipFill>
+          <a:blip r:embed="rId3">
+            <a:extLst>
+              <a:ext uri="{28A0092B-C50C-407E-A947-70E740481C1C}">
+                <a14:useLocalDpi xmlns:a14="http://schemas.microsoft.com/office/drawing/2010/main" val="0"/>
+              </a:ext>
+            </a:extLst>
+          </a:blip>
+          <a:srcRect/>
+          <a:stretch>
+            <a:fillRect/>
+          </a:stretch>
+        </p:blipFill>
+        <p:spPr bwMode="auto">
+          <a:xfrm>
+            <a:off x="107504" y="1772816"/>
+            <a:ext cx="8928992" cy="2637784"/>
+          </a:xfrm>
+          <a:prstGeom prst="rect">
+            <a:avLst/>
+          </a:prstGeom>
+          <a:noFill/>
+          <a:extLst>
+            <a:ext uri="{909E8E84-426E-40DD-AFC4-6F175D3DCCD1}">
+              <a14:hiddenFill xmlns:a14="http://schemas.microsoft.com/office/drawing/2010/main">
+                <a:solidFill>
+                  <a:srgbClr val="FFFFFF"/>
+                </a:solidFill>
+              </a14:hiddenFill>
+            </a:ext>
+          </a:extLst>
+        </p:spPr>
+      </p:pic>
+      <p:sp>
+        <p:nvSpPr>
+          <p:cNvPr id="4" name="ZoneTexte 3"/>
+          <p:cNvSpPr txBox="1"/>
+          <p:nvPr/>
+        </p:nvSpPr>
+        <p:spPr>
+          <a:xfrm>
+            <a:off x="251520" y="4653136"/>
+            <a:ext cx="8640960" cy="1569660"/>
+          </a:xfrm>
+          <a:prstGeom prst="rect">
+            <a:avLst/>
+          </a:prstGeom>
+          <a:noFill/>
+        </p:spPr>
+        <p:txBody>
+          <a:bodyPr wrap="square" rtlCol="0">
+            <a:spAutoFit/>
+          </a:bodyPr>
+          <a:lstStyle/>
+          <a:p>
+            <a:pPr algn="ctr"/>
+            <a:r>
+              <a:rPr lang="fr-FR" sz="3200" dirty="0" smtClean="0"/>
+              <a:t>First </a:t>
+            </a:r>
+            <a:r>
+              <a:rPr lang="fr-FR" sz="3200" dirty="0" err="1" smtClean="0"/>
+              <a:t>halfway</a:t>
+            </a:r>
+            <a:r>
+              <a:rPr lang="fr-FR" sz="3200" dirty="0" smtClean="0"/>
+              <a:t> </a:t>
+            </a:r>
+            <a:r>
+              <a:rPr lang="fr-FR" sz="3200" dirty="0" err="1" smtClean="0"/>
+              <a:t>presentation</a:t>
+            </a:r>
+            <a:r>
+              <a:rPr lang="fr-FR" sz="3200" dirty="0" smtClean="0"/>
+              <a:t> </a:t>
+            </a:r>
+            <a:r>
+              <a:rPr lang="fr-FR" sz="3200" dirty="0" smtClean="0"/>
+              <a:t>: 17/12</a:t>
+            </a:r>
+          </a:p>
+          <a:p>
+            <a:pPr algn="ctr"/>
+            <a:endParaRPr lang="fr-FR" sz="3200" dirty="0"/>
+          </a:p>
+          <a:p>
+            <a:pPr algn="ctr"/>
+            <a:r>
+              <a:rPr lang="fr-FR" sz="3200" dirty="0" smtClean="0"/>
+              <a:t>Deadline : 25/12</a:t>
+            </a:r>
+            <a:endParaRPr lang="fr-FR" sz="3200" dirty="0"/>
+          </a:p>
+        </p:txBody>
+      </p:sp>
+    </p:spTree>
+    <p:extLst>
+      <p:ext uri="{BB962C8B-B14F-4D97-AF65-F5344CB8AC3E}">
+        <p14:creationId xmlns:p14="http://schemas.microsoft.com/office/powerpoint/2010/main" val="3780635001"/>
+      </p:ext>
+    </p:extLst>
+  </p:cSld>
+  <p:clrMapOvr>
+    <a:masterClrMapping/>
+  </p:clrMapOvr>
+  <p:timing>
+    <p:tnLst>
+      <p:par>
+        <p:cTn id="1" dur="indefinite" restart="never" nodeType="tmRoot">
+          <p:childTnLst>
+            <p:seq concurrent="1" nextAc="seek">
+              <p:cTn id="2" dur="indefinite" nodeType="mainSeq">
+                <p:childTnLst>
+                  <p:par>
+                    <p:cTn id="3" fill="hold">
+                      <p:stCondLst>
+                        <p:cond delay="indefinite"/>
+                      </p:stCondLst>
+                      <p:childTnLst>
+                        <p:par>
+                          <p:cTn id="4" fill="hold">
+                            <p:stCondLst>
+                              <p:cond delay="0"/>
+                            </p:stCondLst>
+                            <p:childTnLst>
+                              <p:par>
+                                <p:cTn id="5" presetID="10" presetClass="entr" presetSubtype="0" fill="hold" nodeType="clickEffect">
+                                  <p:stCondLst>
+                                    <p:cond delay="0"/>
+                                  </p:stCondLst>
+                                  <p:childTnLst>
+                                    <p:set>
+                                      <p:cBhvr>
+                                        <p:cTn id="6" dur="1" fill="hold">
+                                          <p:stCondLst>
+                                            <p:cond delay="0"/>
+                                          </p:stCondLst>
+                                        </p:cTn>
+                                        <p:tgtEl>
+                                          <p:spTgt spid="9218"/>
+                                        </p:tgtEl>
+                                        <p:attrNameLst>
+                                          <p:attrName>style.visibility</p:attrName>
+                                        </p:attrNameLst>
+                                      </p:cBhvr>
+                                      <p:to>
+                                        <p:strVal val="visible"/>
+                                      </p:to>
+                                    </p:set>
+                                    <p:animEffect transition="in" filter="fade">
+                                      <p:cBhvr>
+                                        <p:cTn id="7" dur="500"/>
+                                        <p:tgtEl>
+                                          <p:spTgt spid="9218"/>
+                                        </p:tgtEl>
+                                      </p:cBhvr>
+                                    </p:animEffect>
+                                  </p:childTnLst>
+                                </p:cTn>
+                              </p:par>
+                            </p:childTnLst>
+                          </p:cTn>
+                        </p:par>
+                      </p:childTnLst>
+                    </p:cTn>
+                  </p:par>
+                  <p:par>
+                    <p:cTn id="8" fill="hold">
+                      <p:stCondLst>
+                        <p:cond delay="indefinite"/>
+                      </p:stCondLst>
+                      <p:childTnLst>
+                        <p:par>
+                          <p:cTn id="9" fill="hold">
+                            <p:stCondLst>
+                              <p:cond delay="0"/>
+                            </p:stCondLst>
+                            <p:childTnLst>
+                              <p:par>
+                                <p:cTn id="10" presetID="10" presetClass="entr" presetSubtype="0" fill="hold" grpId="0" nodeType="clickEffect">
+                                  <p:stCondLst>
+                                    <p:cond delay="0"/>
+                                  </p:stCondLst>
+                                  <p:childTnLst>
+                                    <p:set>
+                                      <p:cBhvr>
+                                        <p:cTn id="11" dur="1" fill="hold">
+                                          <p:stCondLst>
+                                            <p:cond delay="0"/>
+                                          </p:stCondLst>
+                                        </p:cTn>
+                                        <p:tgtEl>
+                                          <p:spTgt spid="4"/>
+                                        </p:tgtEl>
+                                        <p:attrNameLst>
+                                          <p:attrName>style.visibility</p:attrName>
+                                        </p:attrNameLst>
+                                      </p:cBhvr>
+                                      <p:to>
+                                        <p:strVal val="visible"/>
+                                      </p:to>
+                                    </p:set>
+                                    <p:animEffect transition="in" filter="fade">
+                                      <p:cBhvr>
+                                        <p:cTn id="12" dur="500"/>
+                                        <p:tgtEl>
+                                          <p:spTgt spid="4"/>
+                                        </p:tgtEl>
+                                      </p:cBhvr>
+                                    </p:animEffect>
+                                  </p:childTnLst>
+                                </p:cTn>
+                              </p:par>
+                            </p:childTnLst>
+                          </p:cTn>
+                        </p:par>
+                      </p:childTnLst>
+                    </p:cTn>
+                  </p:par>
+                </p:childTnLst>
+              </p:cTn>
+              <p:prevCondLst>
+                <p:cond evt="onPrev" delay="0">
+                  <p:tgtEl>
+                    <p:sldTgt/>
+                  </p:tgtEl>
+                </p:cond>
+              </p:prevCondLst>
+              <p:nextCondLst>
+                <p:cond evt="onNext" delay="0">
+                  <p:tgtEl>
+                    <p:sldTgt/>
+                  </p:tgtEl>
+                </p:cond>
+              </p:nextCondLst>
+            </p:seq>
+          </p:childTnLst>
+        </p:cTn>
+      </p:par>
+    </p:tnLst>
+    <p:bldLst>
+      <p:bldP spid="4" grpId="0"/>
+    </p:bldLst>
   </p:timing>
 </p:sld>
 </file>
@@ -4726,4 +13048,289 @@
   <a:objectDefaults/>
   <a:extraClrSchemeLst/>
 </a:theme>
+</file>
+
+<file path=ppt/theme/theme2.xml><?xml version="1.0" encoding="utf-8"?>
+<a:theme xmlns:a="http://schemas.openxmlformats.org/drawingml/2006/main" name="Thème Office">
+  <a:themeElements>
+    <a:clrScheme name="Office">
+      <a:dk1>
+        <a:sysClr val="windowText" lastClr="000000"/>
+      </a:dk1>
+      <a:lt1>
+        <a:sysClr val="window" lastClr="FFFFFF"/>
+      </a:lt1>
+      <a:dk2>
+        <a:srgbClr val="1F497D"/>
+      </a:dk2>
+      <a:lt2>
+        <a:srgbClr val="EEECE1"/>
+      </a:lt2>
+      <a:accent1>
+        <a:srgbClr val="4F81BD"/>
+      </a:accent1>
+      <a:accent2>
+        <a:srgbClr val="C0504D"/>
+      </a:accent2>
+      <a:accent3>
+        <a:srgbClr val="9BBB59"/>
+      </a:accent3>
+      <a:accent4>
+        <a:srgbClr val="8064A2"/>
+      </a:accent4>
+      <a:accent5>
+        <a:srgbClr val="4BACC6"/>
+      </a:accent5>
+      <a:accent6>
+        <a:srgbClr val="F79646"/>
+      </a:accent6>
+      <a:hlink>
+        <a:srgbClr val="0000FF"/>
+      </a:hlink>
+      <a:folHlink>
+        <a:srgbClr val="800080"/>
+      </a:folHlink>
+    </a:clrScheme>
+    <a:fontScheme name="Office">
+      <a:majorFont>
+        <a:latin typeface="Calibri"/>
+        <a:ea typeface=""/>
+        <a:cs typeface=""/>
+        <a:font script="Jpan" typeface="ＭＳ Ｐゴシック"/>
+        <a:font script="Hang" typeface="맑은 고딕"/>
+        <a:font script="Hans" typeface="宋体"/>
+        <a:font script="Hant" typeface="新細明體"/>
+        <a:font script="Arab" typeface="Times New Roman"/>
+        <a:font script="Hebr" typeface="Times New Roman"/>
+        <a:font script="Thai" typeface="Angsana New"/>
+        <a:font script="Ethi" typeface="Nyala"/>
+        <a:font script="Beng" typeface="Vrinda"/>
+        <a:font script="Gujr" typeface="Shruti"/>
+        <a:font script="Khmr" typeface="MoolBoran"/>
+        <a:font script="Knda" typeface="Tunga"/>
+        <a:font script="Guru" typeface="Raavi"/>
+        <a:font script="Cans" typeface="Euphemia"/>
+        <a:font script="Cher" typeface="Plantagenet Cherokee"/>
+        <a:font script="Yiii" typeface="Microsoft Yi Baiti"/>
+        <a:font script="Tibt" typeface="Microsoft Himalaya"/>
+        <a:font script="Thaa" typeface="MV Boli"/>
+        <a:font script="Deva" typeface="Mangal"/>
+        <a:font script="Telu" typeface="Gautami"/>
+        <a:font script="Taml" typeface="Latha"/>
+        <a:font script="Syrc" typeface="Estrangelo Edessa"/>
+        <a:font script="Orya" typeface="Kalinga"/>
+        <a:font script="Mlym" typeface="Kartika"/>
+        <a:font script="Laoo" typeface="DokChampa"/>
+        <a:font script="Sinh" typeface="Iskoola Pota"/>
+        <a:font script="Mong" typeface="Mongolian Baiti"/>
+        <a:font script="Viet" typeface="Times New Roman"/>
+        <a:font script="Uigh" typeface="Microsoft Uighur"/>
+        <a:font script="Geor" typeface="Sylfaen"/>
+      </a:majorFont>
+      <a:minorFont>
+        <a:latin typeface="Calibri"/>
+        <a:ea typeface=""/>
+        <a:cs typeface=""/>
+        <a:font script="Jpan" typeface="ＭＳ Ｐゴシック"/>
+        <a:font script="Hang" typeface="맑은 고딕"/>
+        <a:font script="Hans" typeface="宋体"/>
+        <a:font script="Hant" typeface="新細明體"/>
+        <a:font script="Arab" typeface="Arial"/>
+        <a:font script="Hebr" typeface="Arial"/>
+        <a:font script="Thai" typeface="Cordia New"/>
+        <a:font script="Ethi" typeface="Nyala"/>
+        <a:font script="Beng" typeface="Vrinda"/>
+        <a:font script="Gujr" typeface="Shruti"/>
+        <a:font script="Khmr" typeface="DaunPenh"/>
+        <a:font script="Knda" typeface="Tunga"/>
+        <a:font script="Guru" typeface="Raavi"/>
+        <a:font script="Cans" typeface="Euphemia"/>
+        <a:font script="Cher" typeface="Plantagenet Cherokee"/>
+        <a:font script="Yiii" typeface="Microsoft Yi Baiti"/>
+        <a:font script="Tibt" typeface="Microsoft Himalaya"/>
+        <a:font script="Thaa" typeface="MV Boli"/>
+        <a:font script="Deva" typeface="Mangal"/>
+        <a:font script="Telu" typeface="Gautami"/>
+        <a:font script="Taml" typeface="Latha"/>
+        <a:font script="Syrc" typeface="Estrangelo Edessa"/>
+        <a:font script="Orya" typeface="Kalinga"/>
+        <a:font script="Mlym" typeface="Kartika"/>
+        <a:font script="Laoo" typeface="DokChampa"/>
+        <a:font script="Sinh" typeface="Iskoola Pota"/>
+        <a:font script="Mong" typeface="Mongolian Baiti"/>
+        <a:font script="Viet" typeface="Arial"/>
+        <a:font script="Uigh" typeface="Microsoft Uighur"/>
+        <a:font script="Geor" typeface="Sylfaen"/>
+      </a:minorFont>
+    </a:fontScheme>
+    <a:fmtScheme name="Office">
+      <a:fillStyleLst>
+        <a:solidFill>
+          <a:schemeClr val="phClr"/>
+        </a:solidFill>
+        <a:gradFill rotWithShape="1">
+          <a:gsLst>
+            <a:gs pos="0">
+              <a:schemeClr val="phClr">
+                <a:tint val="50000"/>
+                <a:satMod val="300000"/>
+              </a:schemeClr>
+            </a:gs>
+            <a:gs pos="35000">
+              <a:schemeClr val="phClr">
+                <a:tint val="37000"/>
+                <a:satMod val="300000"/>
+              </a:schemeClr>
+            </a:gs>
+            <a:gs pos="100000">
+              <a:schemeClr val="phClr">
+                <a:tint val="15000"/>
+                <a:satMod val="350000"/>
+              </a:schemeClr>
+            </a:gs>
+          </a:gsLst>
+          <a:lin ang="16200000" scaled="1"/>
+        </a:gradFill>
+        <a:gradFill rotWithShape="1">
+          <a:gsLst>
+            <a:gs pos="0">
+              <a:schemeClr val="phClr">
+                <a:shade val="51000"/>
+                <a:satMod val="130000"/>
+              </a:schemeClr>
+            </a:gs>
+            <a:gs pos="80000">
+              <a:schemeClr val="phClr">
+                <a:shade val="93000"/>
+                <a:satMod val="130000"/>
+              </a:schemeClr>
+            </a:gs>
+            <a:gs pos="100000">
+              <a:schemeClr val="phClr">
+                <a:shade val="94000"/>
+                <a:satMod val="135000"/>
+              </a:schemeClr>
+            </a:gs>
+          </a:gsLst>
+          <a:lin ang="16200000" scaled="0"/>
+        </a:gradFill>
+      </a:fillStyleLst>
+      <a:lnStyleLst>
+        <a:ln w="9525" cap="flat" cmpd="sng" algn="ctr">
+          <a:solidFill>
+            <a:schemeClr val="phClr">
+              <a:shade val="95000"/>
+              <a:satMod val="105000"/>
+            </a:schemeClr>
+          </a:solidFill>
+          <a:prstDash val="solid"/>
+        </a:ln>
+        <a:ln w="25400" cap="flat" cmpd="sng" algn="ctr">
+          <a:solidFill>
+            <a:schemeClr val="phClr"/>
+          </a:solidFill>
+          <a:prstDash val="solid"/>
+        </a:ln>
+        <a:ln w="38100" cap="flat" cmpd="sng" algn="ctr">
+          <a:solidFill>
+            <a:schemeClr val="phClr"/>
+          </a:solidFill>
+          <a:prstDash val="solid"/>
+        </a:ln>
+      </a:lnStyleLst>
+      <a:effectStyleLst>
+        <a:effectStyle>
+          <a:effectLst>
+            <a:outerShdw blurRad="40000" dist="20000" dir="5400000" rotWithShape="0">
+              <a:srgbClr val="000000">
+                <a:alpha val="38000"/>
+              </a:srgbClr>
+            </a:outerShdw>
+          </a:effectLst>
+        </a:effectStyle>
+        <a:effectStyle>
+          <a:effectLst>
+            <a:outerShdw blurRad="40000" dist="23000" dir="5400000" rotWithShape="0">
+              <a:srgbClr val="000000">
+                <a:alpha val="35000"/>
+              </a:srgbClr>
+            </a:outerShdw>
+          </a:effectLst>
+        </a:effectStyle>
+        <a:effectStyle>
+          <a:effectLst>
+            <a:outerShdw blurRad="40000" dist="23000" dir="5400000" rotWithShape="0">
+              <a:srgbClr val="000000">
+                <a:alpha val="35000"/>
+              </a:srgbClr>
+            </a:outerShdw>
+          </a:effectLst>
+          <a:scene3d>
+            <a:camera prst="orthographicFront">
+              <a:rot lat="0" lon="0" rev="0"/>
+            </a:camera>
+            <a:lightRig rig="threePt" dir="t">
+              <a:rot lat="0" lon="0" rev="1200000"/>
+            </a:lightRig>
+          </a:scene3d>
+          <a:sp3d>
+            <a:bevelT w="63500" h="25400"/>
+          </a:sp3d>
+        </a:effectStyle>
+      </a:effectStyleLst>
+      <a:bgFillStyleLst>
+        <a:solidFill>
+          <a:schemeClr val="phClr"/>
+        </a:solidFill>
+        <a:gradFill rotWithShape="1">
+          <a:gsLst>
+            <a:gs pos="0">
+              <a:schemeClr val="phClr">
+                <a:tint val="40000"/>
+                <a:satMod val="350000"/>
+              </a:schemeClr>
+            </a:gs>
+            <a:gs pos="40000">
+              <a:schemeClr val="phClr">
+                <a:tint val="45000"/>
+                <a:shade val="99000"/>
+                <a:satMod val="350000"/>
+              </a:schemeClr>
+            </a:gs>
+            <a:gs pos="100000">
+              <a:schemeClr val="phClr">
+                <a:shade val="20000"/>
+                <a:satMod val="255000"/>
+              </a:schemeClr>
+            </a:gs>
+          </a:gsLst>
+          <a:path path="circle">
+            <a:fillToRect l="50000" t="-80000" r="50000" b="180000"/>
+          </a:path>
+        </a:gradFill>
+        <a:gradFill rotWithShape="1">
+          <a:gsLst>
+            <a:gs pos="0">
+              <a:schemeClr val="phClr">
+                <a:tint val="80000"/>
+                <a:satMod val="300000"/>
+              </a:schemeClr>
+            </a:gs>
+            <a:gs pos="100000">
+              <a:schemeClr val="phClr">
+                <a:shade val="30000"/>
+                <a:satMod val="200000"/>
+              </a:schemeClr>
+            </a:gs>
+          </a:gsLst>
+          <a:path path="circle">
+            <a:fillToRect l="50000" t="50000" r="50000" b="50000"/>
+          </a:path>
+        </a:gradFill>
+      </a:bgFillStyleLst>
+    </a:fmtScheme>
+  </a:themeElements>
+  <a:objectDefaults/>
+  <a:extraClrSchemeLst/>
+</a:theme>
 </file>
--- a/Projet/Presentation.pptx
+++ b/Projet/Presentation.pptx
@@ -4756,6 +4756,72 @@
           </a:p>
         </p:txBody>
       </p:sp>
+      <p:pic>
+        <p:nvPicPr>
+          <p:cNvPr id="4" name="Image 3" descr="Z:\Documents\M2-S1\Projet\Pour rapport\le_gant_project_initial.png"/>
+          <p:cNvPicPr/>
+          <p:nvPr/>
+        </p:nvPicPr>
+        <p:blipFill>
+          <a:blip r:embed="rId3" cstate="print">
+            <a:extLst>
+              <a:ext uri="{28A0092B-C50C-407E-A947-70E740481C1C}">
+                <a14:useLocalDpi xmlns:a14="http://schemas.microsoft.com/office/drawing/2010/main" val="0"/>
+              </a:ext>
+            </a:extLst>
+          </a:blip>
+          <a:srcRect/>
+          <a:stretch>
+            <a:fillRect/>
+          </a:stretch>
+        </p:blipFill>
+        <p:spPr bwMode="auto">
+          <a:xfrm>
+            <a:off x="179512" y="1268760"/>
+            <a:ext cx="8856984" cy="4944591"/>
+          </a:xfrm>
+          <a:prstGeom prst="rect">
+            <a:avLst/>
+          </a:prstGeom>
+          <a:noFill/>
+          <a:ln>
+            <a:noFill/>
+          </a:ln>
+        </p:spPr>
+      </p:pic>
+      <p:pic>
+        <p:nvPicPr>
+          <p:cNvPr id="5" name="Image 4" descr="Z:\Documents\M2-S1\Projet\Pour rapport\le_vrai_faux_gant_project.png"/>
+          <p:cNvPicPr/>
+          <p:nvPr/>
+        </p:nvPicPr>
+        <p:blipFill>
+          <a:blip r:embed="rId4" cstate="print">
+            <a:extLst>
+              <a:ext uri="{28A0092B-C50C-407E-A947-70E740481C1C}">
+                <a14:useLocalDpi xmlns:a14="http://schemas.microsoft.com/office/drawing/2010/main" val="0"/>
+              </a:ext>
+            </a:extLst>
+          </a:blip>
+          <a:srcRect/>
+          <a:stretch>
+            <a:fillRect/>
+          </a:stretch>
+        </p:blipFill>
+        <p:spPr bwMode="auto">
+          <a:xfrm>
+            <a:off x="173449" y="1268759"/>
+            <a:ext cx="8856984" cy="4944591"/>
+          </a:xfrm>
+          <a:prstGeom prst="rect">
+            <a:avLst/>
+          </a:prstGeom>
+          <a:noFill/>
+          <a:ln>
+            <a:noFill/>
+          </a:ln>
+        </p:spPr>
+      </p:pic>
     </p:spTree>
     <p:extLst>
       <p:ext uri="{BB962C8B-B14F-4D97-AF65-F5344CB8AC3E}">
@@ -4769,7 +4835,171 @@
   <p:timing>
     <p:tnLst>
       <p:par>
-        <p:cTn id="1" dur="indefinite" restart="never" nodeType="tmRoot"/>
+        <p:cTn id="1" dur="indefinite" restart="never" nodeType="tmRoot">
+          <p:childTnLst>
+            <p:seq concurrent="1" nextAc="seek">
+              <p:cTn id="2" dur="indefinite" nodeType="mainSeq">
+                <p:childTnLst>
+                  <p:par>
+                    <p:cTn id="3" fill="hold">
+                      <p:stCondLst>
+                        <p:cond delay="indefinite"/>
+                      </p:stCondLst>
+                      <p:childTnLst>
+                        <p:par>
+                          <p:cTn id="4" fill="hold">
+                            <p:stCondLst>
+                              <p:cond delay="0"/>
+                            </p:stCondLst>
+                            <p:childTnLst>
+                              <p:par>
+                                <p:cTn id="5" presetID="10" presetClass="entr" presetSubtype="0" fill="hold" nodeType="clickEffect">
+                                  <p:stCondLst>
+                                    <p:cond delay="0"/>
+                                  </p:stCondLst>
+                                  <p:childTnLst>
+                                    <p:set>
+                                      <p:cBhvr>
+                                        <p:cTn id="6" dur="1" fill="hold">
+                                          <p:stCondLst>
+                                            <p:cond delay="0"/>
+                                          </p:stCondLst>
+                                        </p:cTn>
+                                        <p:tgtEl>
+                                          <p:spTgt spid="4"/>
+                                        </p:tgtEl>
+                                        <p:attrNameLst>
+                                          <p:attrName>style.visibility</p:attrName>
+                                        </p:attrNameLst>
+                                      </p:cBhvr>
+                                      <p:to>
+                                        <p:strVal val="visible"/>
+                                      </p:to>
+                                    </p:set>
+                                    <p:animEffect transition="in" filter="fade">
+                                      <p:cBhvr>
+                                        <p:cTn id="7" dur="500"/>
+                                        <p:tgtEl>
+                                          <p:spTgt spid="4"/>
+                                        </p:tgtEl>
+                                      </p:cBhvr>
+                                    </p:animEffect>
+                                  </p:childTnLst>
+                                </p:cTn>
+                              </p:par>
+                            </p:childTnLst>
+                          </p:cTn>
+                        </p:par>
+                      </p:childTnLst>
+                    </p:cTn>
+                  </p:par>
+                  <p:par>
+                    <p:cTn id="8" fill="hold">
+                      <p:stCondLst>
+                        <p:cond delay="indefinite"/>
+                      </p:stCondLst>
+                      <p:childTnLst>
+                        <p:par>
+                          <p:cTn id="9" fill="hold">
+                            <p:stCondLst>
+                              <p:cond delay="0"/>
+                            </p:stCondLst>
+                            <p:childTnLst>
+                              <p:par>
+                                <p:cTn id="10" presetID="10" presetClass="exit" presetSubtype="0" fill="hold" nodeType="clickEffect">
+                                  <p:stCondLst>
+                                    <p:cond delay="0"/>
+                                  </p:stCondLst>
+                                  <p:childTnLst>
+                                    <p:animEffect transition="out" filter="fade">
+                                      <p:cBhvr>
+                                        <p:cTn id="11" dur="500"/>
+                                        <p:tgtEl>
+                                          <p:spTgt spid="4"/>
+                                        </p:tgtEl>
+                                      </p:cBhvr>
+                                    </p:animEffect>
+                                    <p:set>
+                                      <p:cBhvr>
+                                        <p:cTn id="12" dur="1" fill="hold">
+                                          <p:stCondLst>
+                                            <p:cond delay="499"/>
+                                          </p:stCondLst>
+                                        </p:cTn>
+                                        <p:tgtEl>
+                                          <p:spTgt spid="4"/>
+                                        </p:tgtEl>
+                                        <p:attrNameLst>
+                                          <p:attrName>style.visibility</p:attrName>
+                                        </p:attrNameLst>
+                                      </p:cBhvr>
+                                      <p:to>
+                                        <p:strVal val="hidden"/>
+                                      </p:to>
+                                    </p:set>
+                                  </p:childTnLst>
+                                </p:cTn>
+                              </p:par>
+                              <p:par>
+                                <p:cTn id="13" presetID="10" presetClass="entr" presetSubtype="0" fill="hold" nodeType="withEffect">
+                                  <p:stCondLst>
+                                    <p:cond delay="0"/>
+                                  </p:stCondLst>
+                                  <p:childTnLst>
+                                    <p:set>
+                                      <p:cBhvr>
+                                        <p:cTn id="14" dur="1" fill="hold">
+                                          <p:stCondLst>
+                                            <p:cond delay="0"/>
+                                          </p:stCondLst>
+                                        </p:cTn>
+                                        <p:tgtEl>
+                                          <p:spTgt spid="5"/>
+                                        </p:tgtEl>
+                                        <p:attrNameLst>
+                                          <p:attrName>style.visibility</p:attrName>
+                                        </p:attrNameLst>
+                                      </p:cBhvr>
+                                      <p:to>
+                                        <p:strVal val="visible"/>
+                                      </p:to>
+                                    </p:set>
+                                    <p:animEffect transition="in" filter="fade">
+                                      <p:cBhvr>
+                                        <p:cTn id="15" dur="500"/>
+                                        <p:tgtEl>
+                                          <p:spTgt spid="5"/>
+                                        </p:tgtEl>
+                                      </p:cBhvr>
+                                    </p:animEffect>
+                                  </p:childTnLst>
+                                </p:cTn>
+                              </p:par>
+                            </p:childTnLst>
+                          </p:cTn>
+                        </p:par>
+                      </p:childTnLst>
+                    </p:cTn>
+                  </p:par>
+                </p:childTnLst>
+              </p:cTn>
+              <p:prevCondLst>
+                <p:cond evt="onPrev" delay="0">
+                  <p:tgtEl>
+                    <p:sldTgt/>
+                  </p:tgtEl>
+                </p:cond>
+              </p:prevCondLst>
+              <p:nextCondLst>
+                <p:cond evt="onNext" delay="0">
+                  <p:tgtEl>
+                    <p:sldTgt/>
+                  </p:tgtEl>
+                </p:cond>
+              </p:nextCondLst>
+            </p:seq>
+          </p:childTnLst>
+        </p:cTn>
       </p:par>
     </p:tnLst>
   </p:timing>
@@ -5967,9 +6197,84 @@
               <a:buNone/>
             </a:pPr>
             <a:r>
+              <a:rPr lang="fr-FR" dirty="0" smtClean="0"/>
+              <a:t>Les tenants et les aboutissants :</a:t>
+            </a:r>
+          </a:p>
+          <a:p>
+            <a:pPr marL="0" indent="0" algn="just">
+              <a:spcBef>
+                <a:spcPts val="0"/>
+              </a:spcBef>
+              <a:buNone/>
+            </a:pPr>
+            <a:r>
               <a:rPr lang="fr-FR" dirty="0"/>
-              <a:t>JE DETESTE GILLIAN !!!!!!!!!!!!!!!!!!</a:t>
-            </a:r>
+              <a:t>	</a:t>
+            </a:r>
+            <a:r>
+              <a:rPr lang="fr-FR" dirty="0" smtClean="0"/>
+              <a:t>- plugin Vshape</a:t>
+            </a:r>
+          </a:p>
+          <a:p>
+            <a:pPr marL="0" indent="0" algn="just">
+              <a:spcBef>
+                <a:spcPts val="0"/>
+              </a:spcBef>
+              <a:buNone/>
+            </a:pPr>
+            <a:r>
+              <a:rPr lang="fr-FR" dirty="0"/>
+              <a:t>	</a:t>
+            </a:r>
+            <a:r>
+              <a:rPr lang="fr-FR" dirty="0" smtClean="0"/>
+              <a:t>- plugin Etau</a:t>
+            </a:r>
+          </a:p>
+          <a:p>
+            <a:pPr marL="0" indent="0" algn="just">
+              <a:spcBef>
+                <a:spcPts val="0"/>
+              </a:spcBef>
+              <a:buNone/>
+            </a:pPr>
+            <a:endParaRPr lang="fr-FR" dirty="0"/>
+          </a:p>
+          <a:p>
+            <a:pPr marL="0" indent="0" algn="just">
+              <a:spcBef>
+                <a:spcPts val="0"/>
+              </a:spcBef>
+              <a:buNone/>
+            </a:pPr>
+            <a:r>
+              <a:rPr lang="fr-FR" dirty="0" smtClean="0"/>
+              <a:t>Temps dédié et implication</a:t>
+            </a:r>
+          </a:p>
+          <a:p>
+            <a:pPr marL="0" indent="0" algn="just">
+              <a:spcBef>
+                <a:spcPts val="0"/>
+              </a:spcBef>
+              <a:buNone/>
+            </a:pPr>
+            <a:endParaRPr lang="fr-FR" dirty="0"/>
+          </a:p>
+          <a:p>
+            <a:pPr marL="0" indent="0" algn="just">
+              <a:spcBef>
+                <a:spcPts val="0"/>
+              </a:spcBef>
+              <a:buNone/>
+            </a:pPr>
+            <a:r>
+              <a:rPr lang="fr-FR" dirty="0" smtClean="0"/>
+              <a:t>Avec plus de temps</a:t>
+            </a:r>
+            <a:endParaRPr lang="fr-FR" dirty="0"/>
           </a:p>
         </p:txBody>
       </p:sp>
@@ -6139,6 +6444,250 @@
                                           <p:spTgt spid="3">
                                             <p:txEl>
                                               <p:pRg st="0" end="0"/>
+                                            </p:txEl>
+                                          </p:spTgt>
+                                        </p:tgtEl>
+                                      </p:cBhvr>
+                                    </p:animEffect>
+                                  </p:childTnLst>
+                                </p:cTn>
+                              </p:par>
+                            </p:childTnLst>
+                          </p:cTn>
+                        </p:par>
+                      </p:childTnLst>
+                    </p:cTn>
+                  </p:par>
+                  <p:par>
+                    <p:cTn id="8" fill="hold">
+                      <p:stCondLst>
+                        <p:cond delay="indefinite"/>
+                      </p:stCondLst>
+                      <p:childTnLst>
+                        <p:par>
+                          <p:cTn id="9" fill="hold">
+                            <p:stCondLst>
+                              <p:cond delay="0"/>
+                            </p:stCondLst>
+                            <p:childTnLst>
+                              <p:par>
+                                <p:cTn id="10" presetID="10" presetClass="entr" presetSubtype="0" fill="hold" grpId="0" nodeType="clickEffect">
+                                  <p:stCondLst>
+                                    <p:cond delay="0"/>
+                                  </p:stCondLst>
+                                  <p:childTnLst>
+                                    <p:set>
+                                      <p:cBhvr>
+                                        <p:cTn id="11" dur="1" fill="hold">
+                                          <p:stCondLst>
+                                            <p:cond delay="0"/>
+                                          </p:stCondLst>
+                                        </p:cTn>
+                                        <p:tgtEl>
+                                          <p:spTgt spid="3">
+                                            <p:txEl>
+                                              <p:pRg st="1" end="1"/>
+                                            </p:txEl>
+                                          </p:spTgt>
+                                        </p:tgtEl>
+                                        <p:attrNameLst>
+                                          <p:attrName>style.visibility</p:attrName>
+                                        </p:attrNameLst>
+                                      </p:cBhvr>
+                                      <p:to>
+                                        <p:strVal val="visible"/>
+                                      </p:to>
+                                    </p:set>
+                                    <p:animEffect transition="in" filter="fade">
+                                      <p:cBhvr>
+                                        <p:cTn id="12" dur="500"/>
+                                        <p:tgtEl>
+                                          <p:spTgt spid="3">
+                                            <p:txEl>
+                                              <p:pRg st="1" end="1"/>
+                                            </p:txEl>
+                                          </p:spTgt>
+                                        </p:tgtEl>
+                                      </p:cBhvr>
+                                    </p:animEffect>
+                                  </p:childTnLst>
+                                </p:cTn>
+                              </p:par>
+                            </p:childTnLst>
+                          </p:cTn>
+                        </p:par>
+                      </p:childTnLst>
+                    </p:cTn>
+                  </p:par>
+                  <p:par>
+                    <p:cTn id="13" fill="hold">
+                      <p:stCondLst>
+                        <p:cond delay="indefinite"/>
+                      </p:stCondLst>
+                      <p:childTnLst>
+                        <p:par>
+                          <p:cTn id="14" fill="hold">
+                            <p:stCondLst>
+                              <p:cond delay="0"/>
+                            </p:stCondLst>
+                            <p:childTnLst>
+                              <p:par>
+                                <p:cTn id="15" presetID="10" presetClass="entr" presetSubtype="0" fill="hold" grpId="0" nodeType="clickEffect">
+                                  <p:stCondLst>
+                                    <p:cond delay="0"/>
+                                  </p:stCondLst>
+                                  <p:childTnLst>
+                                    <p:set>
+                                      <p:cBhvr>
+                                        <p:cTn id="16" dur="1" fill="hold">
+                                          <p:stCondLst>
+                                            <p:cond delay="0"/>
+                                          </p:stCondLst>
+                                        </p:cTn>
+                                        <p:tgtEl>
+                                          <p:spTgt spid="3">
+                                            <p:txEl>
+                                              <p:pRg st="2" end="2"/>
+                                            </p:txEl>
+                                          </p:spTgt>
+                                        </p:tgtEl>
+                                        <p:attrNameLst>
+                                          <p:attrName>style.visibility</p:attrName>
+                                        </p:attrNameLst>
+                                      </p:cBhvr>
+                                      <p:to>
+                                        <p:strVal val="visible"/>
+                                      </p:to>
+                                    </p:set>
+                                    <p:animEffect transition="in" filter="fade">
+                                      <p:cBhvr>
+                                        <p:cTn id="17" dur="500"/>
+                                        <p:tgtEl>
+                                          <p:spTgt spid="3">
+                                            <p:txEl>
+                                              <p:pRg st="2" end="2"/>
+                                            </p:txEl>
+                                          </p:spTgt>
+                                        </p:tgtEl>
+                                      </p:cBhvr>
+                                    </p:animEffect>
+                                  </p:childTnLst>
+                                </p:cTn>
+                              </p:par>
+                            </p:childTnLst>
+                          </p:cTn>
+                        </p:par>
+                      </p:childTnLst>
+                    </p:cTn>
+                  </p:par>
+                  <p:par>
+                    <p:cTn id="18" fill="hold">
+                      <p:stCondLst>
+                        <p:cond delay="indefinite"/>
+                      </p:stCondLst>
+                      <p:childTnLst>
+                        <p:par>
+                          <p:cTn id="19" fill="hold">
+                            <p:stCondLst>
+                              <p:cond delay="0"/>
+                            </p:stCondLst>
+                            <p:childTnLst>
+                              <p:par>
+                                <p:cTn id="20" presetID="10" presetClass="entr" presetSubtype="0" fill="hold" grpId="0" nodeType="clickEffect">
+                                  <p:stCondLst>
+                                    <p:cond delay="0"/>
+                                  </p:stCondLst>
+                                  <p:childTnLst>
+                                    <p:set>
+                                      <p:cBhvr>
+                                        <p:cTn id="21" dur="1" fill="hold">
+                                          <p:stCondLst>
+                                            <p:cond delay="0"/>
+                                          </p:stCondLst>
+                                        </p:cTn>
+                                        <p:tgtEl>
+                                          <p:spTgt spid="3">
+                                            <p:txEl>
+                                              <p:pRg st="4" end="4"/>
+                                            </p:txEl>
+                                          </p:spTgt>
+                                        </p:tgtEl>
+                                        <p:attrNameLst>
+                                          <p:attrName>style.visibility</p:attrName>
+                                        </p:attrNameLst>
+                                      </p:cBhvr>
+                                      <p:to>
+                                        <p:strVal val="visible"/>
+                                      </p:to>
+                                    </p:set>
+                                    <p:animEffect transition="in" filter="fade">
+                                      <p:cBhvr>
+                                        <p:cTn id="22" dur="500"/>
+                                        <p:tgtEl>
+                                          <p:spTgt spid="3">
+                                            <p:txEl>
+                                              <p:pRg st="4" end="4"/>
+                                            </p:txEl>
+                                          </p:spTgt>
+                                        </p:tgtEl>
+                                      </p:cBhvr>
+                                    </p:animEffect>
+                                  </p:childTnLst>
+                                </p:cTn>
+                              </p:par>
+                            </p:childTnLst>
+                          </p:cTn>
+                        </p:par>
+                      </p:childTnLst>
+                    </p:cTn>
+                  </p:par>
+                  <p:par>
+                    <p:cTn id="23" fill="hold">
+                      <p:stCondLst>
+                        <p:cond delay="indefinite"/>
+                      </p:stCondLst>
+                      <p:childTnLst>
+                        <p:par>
+                          <p:cTn id="24" fill="hold">
+                            <p:stCondLst>
+                              <p:cond delay="0"/>
+                            </p:stCondLst>
+                            <p:childTnLst>
+                              <p:par>
+                                <p:cTn id="25" presetID="10" presetClass="entr" presetSubtype="0" fill="hold" grpId="0" nodeType="clickEffect">
+                                  <p:stCondLst>
+                                    <p:cond delay="0"/>
+                                  </p:stCondLst>
+                                  <p:childTnLst>
+                                    <p:set>
+                                      <p:cBhvr>
+                                        <p:cTn id="26" dur="1" fill="hold">
+                                          <p:stCondLst>
+                                            <p:cond delay="0"/>
+                                          </p:stCondLst>
+                                        </p:cTn>
+                                        <p:tgtEl>
+                                          <p:spTgt spid="3">
+                                            <p:txEl>
+                                              <p:pRg st="6" end="6"/>
+                                            </p:txEl>
+                                          </p:spTgt>
+                                        </p:tgtEl>
+                                        <p:attrNameLst>
+                                          <p:attrName>style.visibility</p:attrName>
+                                        </p:attrNameLst>
+                                      </p:cBhvr>
+                                      <p:to>
+                                        <p:strVal val="visible"/>
+                                      </p:to>
+                                    </p:set>
+                                    <p:animEffect transition="in" filter="fade">
+                                      <p:cBhvr>
+                                        <p:cTn id="27" dur="500"/>
+                                        <p:tgtEl>
+                                          <p:spTgt spid="3">
+                                            <p:txEl>
+                                              <p:pRg st="6" end="6"/>
                                             </p:txEl>
                                           </p:spTgt>
                                         </p:tgtEl>
@@ -6266,16 +6815,8 @@
               <a:buNone/>
             </a:pPr>
             <a:r>
-              <a:rPr lang="fr-FR" dirty="0" err="1" smtClean="0"/>
-              <a:t>Still</a:t>
-            </a:r>
-            <a:r>
               <a:rPr lang="fr-FR" dirty="0" smtClean="0"/>
-              <a:t> a lot of </a:t>
-            </a:r>
-            <a:r>
-              <a:rPr lang="fr-FR" dirty="0" err="1" smtClean="0"/>
-              <a:t>work</a:t>
+              <a:t>Plugins presque finis</a:t>
             </a:r>
             <a:endParaRPr lang="fr-FR" dirty="0" smtClean="0"/>
           </a:p>
@@ -6296,21 +6837,10 @@
               <a:buNone/>
             </a:pPr>
             <a:r>
-              <a:rPr lang="fr-FR" dirty="0" err="1" smtClean="0"/>
-              <a:t>Many</a:t>
-            </a:r>
-            <a:r>
               <a:rPr lang="fr-FR" dirty="0" smtClean="0"/>
-              <a:t> code line to </a:t>
-            </a:r>
-            <a:r>
-              <a:rPr lang="fr-FR" dirty="0" err="1" smtClean="0"/>
-              <a:t>write</a:t>
-            </a:r>
-            <a:r>
-              <a:rPr lang="fr-FR" dirty="0" smtClean="0"/>
-              <a:t> and test</a:t>
-            </a:r>
+              <a:t>Avec plus de temps</a:t>
+            </a:r>
+            <a:endParaRPr lang="fr-FR" dirty="0" smtClean="0"/>
           </a:p>
           <a:p>
             <a:pPr marL="0" indent="0" algn="just">
@@ -6347,12 +6877,8 @@
               <a:buNone/>
             </a:pPr>
             <a:r>
-              <a:rPr lang="fr-FR" smtClean="0"/>
-              <a:t>Avez-vous </a:t>
-            </a:r>
-            <a:r>
               <a:rPr lang="fr-FR" dirty="0" smtClean="0"/>
-              <a:t>des questions ?</a:t>
+              <a:t>Avez-vous des questions ?</a:t>
             </a:r>
             <a:endParaRPr lang="fr-FR" dirty="0" smtClean="0"/>
           </a:p>

--- a/Projet/Presentation.pptx
+++ b/Projet/Presentation.pptx
@@ -5,7 +5,7 @@
     <p:sldMasterId id="2147483648" r:id="rId1"/>
   </p:sldMasterIdLst>
   <p:notesMasterIdLst>
-    <p:notesMasterId r:id="rId16"/>
+    <p:notesMasterId r:id="rId18"/>
   </p:notesMasterIdLst>
   <p:sldIdLst>
     <p:sldId id="256" r:id="rId2"/>
@@ -16,12 +16,14 @@
     <p:sldId id="265" r:id="rId7"/>
     <p:sldId id="267" r:id="rId8"/>
     <p:sldId id="270" r:id="rId9"/>
-    <p:sldId id="275" r:id="rId10"/>
-    <p:sldId id="268" r:id="rId11"/>
-    <p:sldId id="269" r:id="rId12"/>
-    <p:sldId id="274" r:id="rId13"/>
-    <p:sldId id="276" r:id="rId14"/>
-    <p:sldId id="263" r:id="rId15"/>
+    <p:sldId id="277" r:id="rId10"/>
+    <p:sldId id="275" r:id="rId11"/>
+    <p:sldId id="268" r:id="rId12"/>
+    <p:sldId id="269" r:id="rId13"/>
+    <p:sldId id="274" r:id="rId14"/>
+    <p:sldId id="278" r:id="rId15"/>
+    <p:sldId id="276" r:id="rId16"/>
+    <p:sldId id="263" r:id="rId17"/>
   </p:sldIdLst>
   <p:sldSz cx="9144000" cy="6858000" type="screen4x3"/>
   <p:notesSz cx="6858000" cy="9144000"/>
@@ -205,7 +207,7 @@
           <a:p>
             <a:fld id="{9518B61E-126D-4CF8-8BA6-3D8629604CC7}" type="datetimeFigureOut">
               <a:rPr lang="fr-FR" smtClean="0"/>
-              <a:t>30/03/2016</a:t>
+              <a:t>31/03/2016</a:t>
             </a:fld>
             <a:endParaRPr lang="fr-FR"/>
           </a:p>
@@ -601,7 +603,7 @@
           <a:bodyPr/>
           <a:lstStyle/>
           <a:p>
-            <a:endParaRPr lang="fr-FR" dirty="0" smtClean="0"/>
+            <a:endParaRPr lang="fr-FR" dirty="0"/>
           </a:p>
         </p:txBody>
       </p:sp>
@@ -631,7 +633,7 @@
     </p:spTree>
     <p:extLst>
       <p:ext uri="{BB962C8B-B14F-4D97-AF65-F5344CB8AC3E}">
-        <p14:creationId xmlns:p14="http://schemas.microsoft.com/office/powerpoint/2010/main" val="3508688229"/>
+        <p14:creationId xmlns:p14="http://schemas.microsoft.com/office/powerpoint/2010/main" val="3721735744"/>
       </p:ext>
     </p:extLst>
   </p:cSld>
@@ -685,7 +687,7 @@
           <a:bodyPr/>
           <a:lstStyle/>
           <a:p>
-            <a:endParaRPr lang="fr-FR" dirty="0"/>
+            <a:endParaRPr lang="fr-FR" dirty="0" smtClean="0"/>
           </a:p>
         </p:txBody>
       </p:sp>
@@ -715,7 +717,7 @@
     </p:spTree>
     <p:extLst>
       <p:ext uri="{BB962C8B-B14F-4D97-AF65-F5344CB8AC3E}">
-        <p14:creationId xmlns:p14="http://schemas.microsoft.com/office/powerpoint/2010/main" val="1432473002"/>
+        <p14:creationId xmlns:p14="http://schemas.microsoft.com/office/powerpoint/2010/main" val="3508688229"/>
       </p:ext>
     </p:extLst>
   </p:cSld>
@@ -791,6 +793,174 @@
             <a:fld id="{4591B0C5-0830-4071-9532-C38F6D3FACB2}" type="slidenum">
               <a:rPr lang="fr-FR" smtClean="0"/>
               <a:t>13</a:t>
+            </a:fld>
+            <a:endParaRPr lang="fr-FR"/>
+          </a:p>
+        </p:txBody>
+      </p:sp>
+    </p:spTree>
+    <p:extLst>
+      <p:ext uri="{BB962C8B-B14F-4D97-AF65-F5344CB8AC3E}">
+        <p14:creationId xmlns:p14="http://schemas.microsoft.com/office/powerpoint/2010/main" val="1432473002"/>
+      </p:ext>
+    </p:extLst>
+  </p:cSld>
+  <p:clrMapOvr>
+    <a:masterClrMapping/>
+  </p:clrMapOvr>
+</p:notes>
+</file>
+
+<file path=ppt/notesSlides/notesSlide13.xml><?xml version="1.0" encoding="utf-8"?>
+<p:notes xmlns:a="http://schemas.openxmlformats.org/drawingml/2006/main" xmlns:r="http://schemas.openxmlformats.org/officeDocument/2006/relationships" xmlns:p="http://schemas.openxmlformats.org/presentationml/2006/main">
+  <p:cSld>
+    <p:spTree>
+      <p:nvGrpSpPr>
+        <p:cNvPr id="1" name=""/>
+        <p:cNvGrpSpPr/>
+        <p:nvPr/>
+      </p:nvGrpSpPr>
+      <p:grpSpPr>
+        <a:xfrm>
+          <a:off x="0" y="0"/>
+          <a:ext cx="0" cy="0"/>
+          <a:chOff x="0" y="0"/>
+          <a:chExt cx="0" cy="0"/>
+        </a:xfrm>
+      </p:grpSpPr>
+      <p:sp>
+        <p:nvSpPr>
+          <p:cNvPr id="2" name="Espace réservé de l'image des diapositives 1"/>
+          <p:cNvSpPr>
+            <a:spLocks noGrp="1" noRot="1" noChangeAspect="1"/>
+          </p:cNvSpPr>
+          <p:nvPr>
+            <p:ph type="sldImg"/>
+          </p:nvPr>
+        </p:nvSpPr>
+        <p:spPr/>
+      </p:sp>
+      <p:sp>
+        <p:nvSpPr>
+          <p:cNvPr id="3" name="Espace réservé des commentaires 2"/>
+          <p:cNvSpPr>
+            <a:spLocks noGrp="1"/>
+          </p:cNvSpPr>
+          <p:nvPr>
+            <p:ph type="body" idx="1"/>
+          </p:nvPr>
+        </p:nvSpPr>
+        <p:spPr/>
+        <p:txBody>
+          <a:bodyPr/>
+          <a:lstStyle/>
+          <a:p>
+            <a:endParaRPr lang="fr-FR" dirty="0"/>
+          </a:p>
+        </p:txBody>
+      </p:sp>
+      <p:sp>
+        <p:nvSpPr>
+          <p:cNvPr id="4" name="Espace réservé du numéro de diapositive 3"/>
+          <p:cNvSpPr>
+            <a:spLocks noGrp="1"/>
+          </p:cNvSpPr>
+          <p:nvPr>
+            <p:ph type="sldNum" sz="quarter" idx="10"/>
+          </p:nvPr>
+        </p:nvSpPr>
+        <p:spPr/>
+        <p:txBody>
+          <a:bodyPr/>
+          <a:lstStyle/>
+          <a:p>
+            <a:fld id="{4591B0C5-0830-4071-9532-C38F6D3FACB2}" type="slidenum">
+              <a:rPr lang="fr-FR" smtClean="0"/>
+              <a:t>14</a:t>
+            </a:fld>
+            <a:endParaRPr lang="fr-FR"/>
+          </a:p>
+        </p:txBody>
+      </p:sp>
+    </p:spTree>
+    <p:extLst>
+      <p:ext uri="{BB962C8B-B14F-4D97-AF65-F5344CB8AC3E}">
+        <p14:creationId xmlns:p14="http://schemas.microsoft.com/office/powerpoint/2010/main" val="1432473002"/>
+      </p:ext>
+    </p:extLst>
+  </p:cSld>
+  <p:clrMapOvr>
+    <a:masterClrMapping/>
+  </p:clrMapOvr>
+</p:notes>
+</file>
+
+<file path=ppt/notesSlides/notesSlide14.xml><?xml version="1.0" encoding="utf-8"?>
+<p:notes xmlns:a="http://schemas.openxmlformats.org/drawingml/2006/main" xmlns:r="http://schemas.openxmlformats.org/officeDocument/2006/relationships" xmlns:p="http://schemas.openxmlformats.org/presentationml/2006/main">
+  <p:cSld>
+    <p:spTree>
+      <p:nvGrpSpPr>
+        <p:cNvPr id="1" name=""/>
+        <p:cNvGrpSpPr/>
+        <p:nvPr/>
+      </p:nvGrpSpPr>
+      <p:grpSpPr>
+        <a:xfrm>
+          <a:off x="0" y="0"/>
+          <a:ext cx="0" cy="0"/>
+          <a:chOff x="0" y="0"/>
+          <a:chExt cx="0" cy="0"/>
+        </a:xfrm>
+      </p:grpSpPr>
+      <p:sp>
+        <p:nvSpPr>
+          <p:cNvPr id="2" name="Espace réservé de l'image des diapositives 1"/>
+          <p:cNvSpPr>
+            <a:spLocks noGrp="1" noRot="1" noChangeAspect="1"/>
+          </p:cNvSpPr>
+          <p:nvPr>
+            <p:ph type="sldImg"/>
+          </p:nvPr>
+        </p:nvSpPr>
+        <p:spPr/>
+      </p:sp>
+      <p:sp>
+        <p:nvSpPr>
+          <p:cNvPr id="3" name="Espace réservé des commentaires 2"/>
+          <p:cNvSpPr>
+            <a:spLocks noGrp="1"/>
+          </p:cNvSpPr>
+          <p:nvPr>
+            <p:ph type="body" idx="1"/>
+          </p:nvPr>
+        </p:nvSpPr>
+        <p:spPr/>
+        <p:txBody>
+          <a:bodyPr/>
+          <a:lstStyle/>
+          <a:p>
+            <a:endParaRPr lang="fr-FR" dirty="0"/>
+          </a:p>
+        </p:txBody>
+      </p:sp>
+      <p:sp>
+        <p:nvSpPr>
+          <p:cNvPr id="4" name="Espace réservé du numéro de diapositive 3"/>
+          <p:cNvSpPr>
+            <a:spLocks noGrp="1"/>
+          </p:cNvSpPr>
+          <p:nvPr>
+            <p:ph type="sldNum" sz="quarter" idx="10"/>
+          </p:nvPr>
+        </p:nvSpPr>
+        <p:spPr/>
+        <p:txBody>
+          <a:bodyPr/>
+          <a:lstStyle/>
+          <a:p>
+            <a:fld id="{4591B0C5-0830-4071-9532-C38F6D3FACB2}" type="slidenum">
+              <a:rPr lang="fr-FR" smtClean="0"/>
+              <a:t>15</a:t>
             </a:fld>
             <a:endParaRPr lang="fr-FR"/>
           </a:p>
@@ -1492,7 +1662,7 @@
     </p:spTree>
     <p:extLst>
       <p:ext uri="{BB962C8B-B14F-4D97-AF65-F5344CB8AC3E}">
-        <p14:creationId xmlns:p14="http://schemas.microsoft.com/office/powerpoint/2010/main" val="3721735744"/>
+        <p14:creationId xmlns:p14="http://schemas.microsoft.com/office/powerpoint/2010/main" val="696828848"/>
       </p:ext>
     </p:extLst>
   </p:cSld>
@@ -1683,7 +1853,7 @@
           <a:p>
             <a:fld id="{A9ABBF96-8495-4004-8A21-99EE7031ECF4}" type="datetime1">
               <a:rPr lang="fr-FR" smtClean="0"/>
-              <a:t>30/03/2016</a:t>
+              <a:t>31/03/2016</a:t>
             </a:fld>
             <a:endParaRPr lang="fr-FR" dirty="0"/>
           </a:p>
@@ -1848,7 +2018,7 @@
           <a:p>
             <a:fld id="{9AA3CADC-A76C-4219-B6FA-2A42F2756792}" type="datetime1">
               <a:rPr lang="fr-FR" smtClean="0"/>
-              <a:t>30/03/2016</a:t>
+              <a:t>31/03/2016</a:t>
             </a:fld>
             <a:endParaRPr lang="fr-FR" dirty="0"/>
           </a:p>
@@ -2023,7 +2193,7 @@
           <a:p>
             <a:fld id="{BC5BD400-A95B-4278-A096-25850FEC0DB1}" type="datetime1">
               <a:rPr lang="fr-FR" smtClean="0"/>
-              <a:t>30/03/2016</a:t>
+              <a:t>31/03/2016</a:t>
             </a:fld>
             <a:endParaRPr lang="fr-FR" dirty="0"/>
           </a:p>
@@ -2188,7 +2358,7 @@
           <a:p>
             <a:fld id="{596A28F6-139F-4CB9-9AAD-B5A343336F69}" type="datetime1">
               <a:rPr lang="fr-FR" smtClean="0"/>
-              <a:t>30/03/2016</a:t>
+              <a:t>31/03/2016</a:t>
             </a:fld>
             <a:endParaRPr lang="fr-FR" dirty="0"/>
           </a:p>
@@ -2429,7 +2599,7 @@
           <a:p>
             <a:fld id="{8D17CAB6-D5CC-4FBF-8746-93142E3CB1E1}" type="datetime1">
               <a:rPr lang="fr-FR" smtClean="0"/>
-              <a:t>30/03/2016</a:t>
+              <a:t>31/03/2016</a:t>
             </a:fld>
             <a:endParaRPr lang="fr-FR" dirty="0"/>
           </a:p>
@@ -2712,7 +2882,7 @@
           <a:p>
             <a:fld id="{C135C49B-CCB9-40B1-B5E6-8EEF6B0A0FD5}" type="datetime1">
               <a:rPr lang="fr-FR" smtClean="0"/>
-              <a:t>30/03/2016</a:t>
+              <a:t>31/03/2016</a:t>
             </a:fld>
             <a:endParaRPr lang="fr-FR" dirty="0"/>
           </a:p>
@@ -3129,7 +3299,7 @@
           <a:p>
             <a:fld id="{BBCEFCE8-247C-4501-9FEE-DBB2A671FDDD}" type="datetime1">
               <a:rPr lang="fr-FR" smtClean="0"/>
-              <a:t>30/03/2016</a:t>
+              <a:t>31/03/2016</a:t>
             </a:fld>
             <a:endParaRPr lang="fr-FR" dirty="0"/>
           </a:p>
@@ -3242,7 +3412,7 @@
           <a:p>
             <a:fld id="{18DFEE12-7258-4241-B9CA-8E4336E69A22}" type="datetime1">
               <a:rPr lang="fr-FR" smtClean="0"/>
-              <a:t>30/03/2016</a:t>
+              <a:t>31/03/2016</a:t>
             </a:fld>
             <a:endParaRPr lang="fr-FR" dirty="0"/>
           </a:p>
@@ -3332,7 +3502,7 @@
           <a:p>
             <a:fld id="{AA2162D4-2613-4BA1-B1F0-2F1200974038}" type="datetime1">
               <a:rPr lang="fr-FR" smtClean="0"/>
-              <a:t>30/03/2016</a:t>
+              <a:t>31/03/2016</a:t>
             </a:fld>
             <a:endParaRPr lang="fr-FR" dirty="0"/>
           </a:p>
@@ -3604,7 +3774,7 @@
           <a:p>
             <a:fld id="{88B8D54B-3B6A-4CD5-AE97-3FDF2C975168}" type="datetime1">
               <a:rPr lang="fr-FR" smtClean="0"/>
-              <a:t>30/03/2016</a:t>
+              <a:t>31/03/2016</a:t>
             </a:fld>
             <a:endParaRPr lang="fr-FR" dirty="0"/>
           </a:p>
@@ -3852,7 +4022,7 @@
           <a:p>
             <a:fld id="{551DA35A-7D07-4123-85B3-B76ACE21EDA2}" type="datetime1">
               <a:rPr lang="fr-FR" smtClean="0"/>
-              <a:t>30/03/2016</a:t>
+              <a:t>31/03/2016</a:t>
             </a:fld>
             <a:endParaRPr lang="fr-FR" dirty="0"/>
           </a:p>
@@ -4060,7 +4230,7 @@
           <a:p>
             <a:fld id="{36891682-2D77-4F7B-8769-8328E6797799}" type="datetime1">
               <a:rPr lang="fr-FR" smtClean="0"/>
-              <a:t>30/03/2016</a:t>
+              <a:t>31/03/2016</a:t>
             </a:fld>
             <a:endParaRPr lang="fr-FR" dirty="0"/>
           </a:p>
@@ -4714,6 +4884,332 @@
             <p:ph type="title"/>
           </p:nvPr>
         </p:nvSpPr>
+        <p:spPr>
+          <a:xfrm>
+            <a:off x="395536" y="96919"/>
+            <a:ext cx="8229600" cy="1143000"/>
+          </a:xfrm>
+        </p:spPr>
+        <p:txBody>
+          <a:bodyPr>
+            <a:normAutofit/>
+          </a:bodyPr>
+          <a:lstStyle/>
+          <a:p>
+            <a:r>
+              <a:rPr lang="fr-FR" b="1" u="sng" dirty="0" smtClean="0">
+                <a:solidFill>
+                  <a:srgbClr val="0070C0"/>
+                </a:solidFill>
+                <a:latin typeface="Times New Roman" pitchFamily="18" charset="0"/>
+                <a:cs typeface="Times New Roman" pitchFamily="18" charset="0"/>
+              </a:rPr>
+              <a:t>Méthode de détection (2)</a:t>
+            </a:r>
+            <a:endParaRPr lang="fr-FR" dirty="0"/>
+          </a:p>
+        </p:txBody>
+      </p:sp>
+      <p:pic>
+        <p:nvPicPr>
+          <p:cNvPr id="9" name="Image 8" descr="Z:\Documents\M2-S1\Projet\Photos\IMG_0293.JPG"/>
+          <p:cNvPicPr/>
+          <p:nvPr/>
+        </p:nvPicPr>
+        <p:blipFill>
+          <a:blip r:embed="rId3" cstate="print">
+            <a:extLst>
+              <a:ext uri="{28A0092B-C50C-407E-A947-70E740481C1C}">
+                <a14:useLocalDpi xmlns:a14="http://schemas.microsoft.com/office/drawing/2010/main" val="0"/>
+              </a:ext>
+            </a:extLst>
+          </a:blip>
+          <a:srcRect/>
+          <a:stretch>
+            <a:fillRect/>
+          </a:stretch>
+        </p:blipFill>
+        <p:spPr bwMode="auto">
+          <a:xfrm>
+            <a:off x="2627784" y="1239919"/>
+            <a:ext cx="3945565" cy="5264018"/>
+          </a:xfrm>
+          <a:prstGeom prst="rect">
+            <a:avLst/>
+          </a:prstGeom>
+          <a:noFill/>
+          <a:ln>
+            <a:noFill/>
+          </a:ln>
+        </p:spPr>
+      </p:pic>
+      <p:pic>
+        <p:nvPicPr>
+          <p:cNvPr id="10" name="Image 9"/>
+          <p:cNvPicPr/>
+          <p:nvPr/>
+        </p:nvPicPr>
+        <p:blipFill>
+          <a:blip r:embed="rId4">
+            <a:extLst>
+              <a:ext uri="{28A0092B-C50C-407E-A947-70E740481C1C}">
+                <a14:useLocalDpi xmlns:a14="http://schemas.microsoft.com/office/drawing/2010/main" val="0"/>
+              </a:ext>
+            </a:extLst>
+          </a:blip>
+          <a:srcRect/>
+          <a:stretch>
+            <a:fillRect/>
+          </a:stretch>
+        </p:blipFill>
+        <p:spPr bwMode="auto">
+          <a:xfrm>
+            <a:off x="611560" y="1216208"/>
+            <a:ext cx="8208912" cy="5416369"/>
+          </a:xfrm>
+          <a:prstGeom prst="rect">
+            <a:avLst/>
+          </a:prstGeom>
+          <a:noFill/>
+          <a:ln>
+            <a:noFill/>
+          </a:ln>
+        </p:spPr>
+      </p:pic>
+      <p:sp>
+        <p:nvSpPr>
+          <p:cNvPr id="3" name="Espace réservé du numéro de diapositive 2"/>
+          <p:cNvSpPr>
+            <a:spLocks noGrp="1"/>
+          </p:cNvSpPr>
+          <p:nvPr>
+            <p:ph type="sldNum" sz="quarter" idx="12"/>
+          </p:nvPr>
+        </p:nvSpPr>
+        <p:spPr/>
+        <p:txBody>
+          <a:bodyPr/>
+          <a:lstStyle/>
+          <a:p>
+            <a:fld id="{F4AC73F8-3F41-46E5-A24D-FECCAC78E32A}" type="slidenum">
+              <a:rPr lang="fr-FR" smtClean="0"/>
+              <a:t>10</a:t>
+            </a:fld>
+            <a:endParaRPr lang="fr-FR" dirty="0"/>
+          </a:p>
+        </p:txBody>
+      </p:sp>
+    </p:spTree>
+    <p:extLst>
+      <p:ext uri="{BB962C8B-B14F-4D97-AF65-F5344CB8AC3E}">
+        <p14:creationId xmlns:p14="http://schemas.microsoft.com/office/powerpoint/2010/main" val="3081321020"/>
+      </p:ext>
+    </p:extLst>
+  </p:cSld>
+  <p:clrMapOvr>
+    <a:masterClrMapping/>
+  </p:clrMapOvr>
+  <p:timing>
+    <p:tnLst>
+      <p:par>
+        <p:cTn id="1" dur="indefinite" restart="never" nodeType="tmRoot">
+          <p:childTnLst>
+            <p:seq concurrent="1" nextAc="seek">
+              <p:cTn id="2" dur="indefinite" nodeType="mainSeq">
+                <p:childTnLst>
+                  <p:par>
+                    <p:cTn id="3" fill="hold">
+                      <p:stCondLst>
+                        <p:cond delay="indefinite"/>
+                      </p:stCondLst>
+                      <p:childTnLst>
+                        <p:par>
+                          <p:cTn id="4" fill="hold">
+                            <p:stCondLst>
+                              <p:cond delay="0"/>
+                            </p:stCondLst>
+                            <p:childTnLst>
+                              <p:par>
+                                <p:cTn id="5" presetID="10" presetClass="entr" presetSubtype="0" fill="hold" nodeType="clickEffect">
+                                  <p:stCondLst>
+                                    <p:cond delay="0"/>
+                                  </p:stCondLst>
+                                  <p:childTnLst>
+                                    <p:set>
+                                      <p:cBhvr>
+                                        <p:cTn id="6" dur="1" fill="hold">
+                                          <p:stCondLst>
+                                            <p:cond delay="0"/>
+                                          </p:stCondLst>
+                                        </p:cTn>
+                                        <p:tgtEl>
+                                          <p:spTgt spid="9"/>
+                                        </p:tgtEl>
+                                        <p:attrNameLst>
+                                          <p:attrName>style.visibility</p:attrName>
+                                        </p:attrNameLst>
+                                      </p:cBhvr>
+                                      <p:to>
+                                        <p:strVal val="visible"/>
+                                      </p:to>
+                                    </p:set>
+                                    <p:animEffect transition="in" filter="fade">
+                                      <p:cBhvr>
+                                        <p:cTn id="7" dur="500"/>
+                                        <p:tgtEl>
+                                          <p:spTgt spid="9"/>
+                                        </p:tgtEl>
+                                      </p:cBhvr>
+                                    </p:animEffect>
+                                  </p:childTnLst>
+                                </p:cTn>
+                              </p:par>
+                            </p:childTnLst>
+                          </p:cTn>
+                        </p:par>
+                      </p:childTnLst>
+                    </p:cTn>
+                  </p:par>
+                  <p:par>
+                    <p:cTn id="8" fill="hold">
+                      <p:stCondLst>
+                        <p:cond delay="indefinite"/>
+                      </p:stCondLst>
+                      <p:childTnLst>
+                        <p:par>
+                          <p:cTn id="9" fill="hold">
+                            <p:stCondLst>
+                              <p:cond delay="0"/>
+                            </p:stCondLst>
+                            <p:childTnLst>
+                              <p:par>
+                                <p:cTn id="10" presetID="10" presetClass="exit" presetSubtype="0" fill="hold" nodeType="clickEffect">
+                                  <p:stCondLst>
+                                    <p:cond delay="0"/>
+                                  </p:stCondLst>
+                                  <p:childTnLst>
+                                    <p:animEffect transition="out" filter="fade">
+                                      <p:cBhvr>
+                                        <p:cTn id="11" dur="500"/>
+                                        <p:tgtEl>
+                                          <p:spTgt spid="9"/>
+                                        </p:tgtEl>
+                                      </p:cBhvr>
+                                    </p:animEffect>
+                                    <p:set>
+                                      <p:cBhvr>
+                                        <p:cTn id="12" dur="1" fill="hold">
+                                          <p:stCondLst>
+                                            <p:cond delay="499"/>
+                                          </p:stCondLst>
+                                        </p:cTn>
+                                        <p:tgtEl>
+                                          <p:spTgt spid="9"/>
+                                        </p:tgtEl>
+                                        <p:attrNameLst>
+                                          <p:attrName>style.visibility</p:attrName>
+                                        </p:attrNameLst>
+                                      </p:cBhvr>
+                                      <p:to>
+                                        <p:strVal val="hidden"/>
+                                      </p:to>
+                                    </p:set>
+                                  </p:childTnLst>
+                                </p:cTn>
+                              </p:par>
+                              <p:par>
+                                <p:cTn id="13" presetID="10" presetClass="entr" presetSubtype="0" fill="hold" nodeType="withEffect">
+                                  <p:stCondLst>
+                                    <p:cond delay="0"/>
+                                  </p:stCondLst>
+                                  <p:childTnLst>
+                                    <p:set>
+                                      <p:cBhvr>
+                                        <p:cTn id="14" dur="1" fill="hold">
+                                          <p:stCondLst>
+                                            <p:cond delay="0"/>
+                                          </p:stCondLst>
+                                        </p:cTn>
+                                        <p:tgtEl>
+                                          <p:spTgt spid="10"/>
+                                        </p:tgtEl>
+                                        <p:attrNameLst>
+                                          <p:attrName>style.visibility</p:attrName>
+                                        </p:attrNameLst>
+                                      </p:cBhvr>
+                                      <p:to>
+                                        <p:strVal val="visible"/>
+                                      </p:to>
+                                    </p:set>
+                                    <p:animEffect transition="in" filter="fade">
+                                      <p:cBhvr>
+                                        <p:cTn id="15" dur="500"/>
+                                        <p:tgtEl>
+                                          <p:spTgt spid="10"/>
+                                        </p:tgtEl>
+                                      </p:cBhvr>
+                                    </p:animEffect>
+                                  </p:childTnLst>
+                                </p:cTn>
+                              </p:par>
+                            </p:childTnLst>
+                          </p:cTn>
+                        </p:par>
+                      </p:childTnLst>
+                    </p:cTn>
+                  </p:par>
+                </p:childTnLst>
+              </p:cTn>
+              <p:prevCondLst>
+                <p:cond evt="onPrev" delay="0">
+                  <p:tgtEl>
+                    <p:sldTgt/>
+                  </p:tgtEl>
+                </p:cond>
+              </p:prevCondLst>
+              <p:nextCondLst>
+                <p:cond evt="onNext" delay="0">
+                  <p:tgtEl>
+                    <p:sldTgt/>
+                  </p:tgtEl>
+                </p:cond>
+              </p:nextCondLst>
+            </p:seq>
+          </p:childTnLst>
+        </p:cTn>
+      </p:par>
+    </p:tnLst>
+  </p:timing>
+</p:sld>
+</file>
+
+<file path=ppt/slides/slide11.xml><?xml version="1.0" encoding="utf-8"?>
+<p:sld xmlns:a="http://schemas.openxmlformats.org/drawingml/2006/main" xmlns:r="http://schemas.openxmlformats.org/officeDocument/2006/relationships" xmlns:p="http://schemas.openxmlformats.org/presentationml/2006/main">
+  <p:cSld>
+    <p:spTree>
+      <p:nvGrpSpPr>
+        <p:cNvPr id="1" name=""/>
+        <p:cNvGrpSpPr/>
+        <p:nvPr/>
+      </p:nvGrpSpPr>
+      <p:grpSpPr>
+        <a:xfrm>
+          <a:off x="0" y="0"/>
+          <a:ext cx="0" cy="0"/>
+          <a:chOff x="0" y="0"/>
+          <a:chExt cx="0" cy="0"/>
+        </a:xfrm>
+      </p:grpSpPr>
+      <p:sp>
+        <p:nvSpPr>
+          <p:cNvPr id="2" name="Titre 1"/>
+          <p:cNvSpPr>
+            <a:spLocks noGrp="1"/>
+          </p:cNvSpPr>
+          <p:nvPr>
+            <p:ph type="title"/>
+          </p:nvPr>
+        </p:nvSpPr>
         <p:spPr/>
         <p:txBody>
           <a:bodyPr/>
@@ -4750,7 +5246,7 @@
           <a:p>
             <a:fld id="{F4AC73F8-3F41-46E5-A24D-FECCAC78E32A}" type="slidenum">
               <a:rPr lang="fr-FR" smtClean="0"/>
-              <a:t>10</a:t>
+              <a:t>11</a:t>
             </a:fld>
             <a:endParaRPr lang="fr-FR" dirty="0"/>
           </a:p>
@@ -5006,7 +5502,7 @@
 </p:sld>
 </file>
 
-<file path=ppt/slides/slide11.xml><?xml version="1.0" encoding="utf-8"?>
+<file path=ppt/slides/slide12.xml><?xml version="1.0" encoding="utf-8"?>
 <p:sld xmlns:a="http://schemas.openxmlformats.org/drawingml/2006/main" xmlns:r="http://schemas.openxmlformats.org/officeDocument/2006/relationships" xmlns:p="http://schemas.openxmlformats.org/presentationml/2006/main">
   <p:cSld>
     <p:spTree>
@@ -5110,54 +5606,101 @@
           </a:xfrm>
         </p:spPr>
         <p:txBody>
+          <a:bodyPr>
+            <a:normAutofit/>
+          </a:bodyPr>
+          <a:lstStyle/>
+          <a:p>
+            <a:pPr algn="just"/>
+            <a:r>
+              <a:rPr lang="fr-FR" dirty="0">
+                <a:solidFill>
+                  <a:srgbClr val="00B050"/>
+                </a:solidFill>
+              </a:rPr>
+              <a:t>Pas de solutions prédéfinies </a:t>
+            </a:r>
+            <a:r>
+              <a:rPr lang="fr-FR" dirty="0"/>
+              <a:t>=&gt; Construction et mise en place d’un processus de détection détaillé plus </a:t>
+            </a:r>
+            <a:r>
+              <a:rPr lang="fr-FR" dirty="0" smtClean="0"/>
+              <a:t>haut</a:t>
+            </a:r>
+            <a:endParaRPr lang="fr-FR" dirty="0" smtClean="0"/>
+          </a:p>
+          <a:p>
+            <a:pPr lvl="0" algn="just"/>
+            <a:r>
+              <a:rPr lang="fr-FR" dirty="0" smtClean="0">
+                <a:solidFill>
+                  <a:srgbClr val="FFC000"/>
+                </a:solidFill>
+              </a:rPr>
+              <a:t>Installation </a:t>
+            </a:r>
+            <a:r>
+              <a:rPr lang="fr-FR" dirty="0">
+                <a:solidFill>
+                  <a:srgbClr val="FFC000"/>
+                </a:solidFill>
+              </a:rPr>
+              <a:t>et place nécessaire</a:t>
+            </a:r>
+            <a:r>
+              <a:rPr lang="fr-FR" dirty="0"/>
+              <a:t> =&gt; Mise en place d’un serveur dédié au projet où les étudiants avaient les droits administrateurs</a:t>
+            </a:r>
+          </a:p>
+          <a:p>
+            <a:pPr lvl="0" algn="just"/>
+            <a:r>
+              <a:rPr lang="fr-FR" dirty="0" smtClean="0">
+                <a:solidFill>
+                  <a:srgbClr val="FF0000"/>
+                </a:solidFill>
+              </a:rPr>
+              <a:t>Surcharge </a:t>
+            </a:r>
+            <a:r>
+              <a:rPr lang="fr-FR" dirty="0">
+                <a:solidFill>
+                  <a:srgbClr val="FF0000"/>
+                </a:solidFill>
+              </a:rPr>
+              <a:t>de travail </a:t>
+            </a:r>
+            <a:r>
+              <a:rPr lang="fr-FR" dirty="0"/>
+              <a:t>=&gt; adaptation du temps de travail en </a:t>
+            </a:r>
+            <a:r>
+              <a:rPr lang="fr-FR" dirty="0" smtClean="0"/>
+              <a:t>groupe</a:t>
+            </a:r>
+            <a:endParaRPr lang="fr-FR" dirty="0"/>
+          </a:p>
+        </p:txBody>
+      </p:sp>
+      <p:sp>
+        <p:nvSpPr>
+          <p:cNvPr id="4" name="Espace réservé du numéro de diapositive 3"/>
+          <p:cNvSpPr>
+            <a:spLocks noGrp="1"/>
+          </p:cNvSpPr>
+          <p:nvPr>
+            <p:ph type="sldNum" sz="quarter" idx="12"/>
+          </p:nvPr>
+        </p:nvSpPr>
+        <p:spPr/>
+        <p:txBody>
           <a:bodyPr/>
           <a:lstStyle/>
           <a:p>
-            <a:pPr lvl="0" algn="just"/>
-            <a:r>
-              <a:rPr lang="fr-FR" dirty="0"/>
-              <a:t>Installation et place nécessaire =&gt; Mise en place d’un serveur dédié au projet où les étudiants avaient les droits administrateurs</a:t>
-            </a:r>
-          </a:p>
-          <a:p>
-            <a:pPr lvl="0" algn="just"/>
-            <a:r>
-              <a:rPr lang="fr-FR" dirty="0"/>
-              <a:t>Pas de solutions prédéfinies =&gt; Construction et mise en place d’un processus de détection détaillé plus haut</a:t>
-            </a:r>
-          </a:p>
-          <a:p>
-            <a:pPr lvl="0" algn="just"/>
-            <a:r>
-              <a:rPr lang="fr-FR" dirty="0"/>
-              <a:t>Surcharge de travail =&gt; adaptation du temps de travail en </a:t>
-            </a:r>
-            <a:r>
-              <a:rPr lang="fr-FR" dirty="0" smtClean="0"/>
-              <a:t>groupe</a:t>
-            </a:r>
-            <a:endParaRPr lang="fr-FR" dirty="0"/>
-          </a:p>
-        </p:txBody>
-      </p:sp>
-      <p:sp>
-        <p:nvSpPr>
-          <p:cNvPr id="4" name="Espace réservé du numéro de diapositive 3"/>
-          <p:cNvSpPr>
-            <a:spLocks noGrp="1"/>
-          </p:cNvSpPr>
-          <p:nvPr>
-            <p:ph type="sldNum" sz="quarter" idx="12"/>
-          </p:nvPr>
-        </p:nvSpPr>
-        <p:spPr/>
-        <p:txBody>
-          <a:bodyPr/>
-          <a:lstStyle/>
-          <a:p>
             <a:fld id="{F4AC73F8-3F41-46E5-A24D-FECCAC78E32A}" type="slidenum">
               <a:rPr lang="fr-FR" smtClean="0"/>
-              <a:t>11</a:t>
+              <a:t>12</a:t>
             </a:fld>
             <a:endParaRPr lang="fr-FR" dirty="0"/>
           </a:p>
@@ -5392,7 +5935,7 @@
 </p:sld>
 </file>
 
-<file path=ppt/slides/slide12.xml><?xml version="1.0" encoding="utf-8"?>
+<file path=ppt/slides/slide13.xml><?xml version="1.0" encoding="utf-8"?>
 <p:sld xmlns:a="http://schemas.openxmlformats.org/drawingml/2006/main" xmlns:r="http://schemas.openxmlformats.org/officeDocument/2006/relationships" xmlns:p="http://schemas.openxmlformats.org/presentationml/2006/main">
   <p:cSld>
     <p:spTree>
@@ -5432,7 +5975,17 @@
                 <a:latin typeface="Times New Roman" pitchFamily="18" charset="0"/>
                 <a:cs typeface="Times New Roman" pitchFamily="18" charset="0"/>
               </a:rPr>
-              <a:t>Travail accomplis et résultats</a:t>
+              <a:t>Travail accomplis et </a:t>
+            </a:r>
+            <a:r>
+              <a:rPr lang="fr-FR" b="1" u="sng" dirty="0" smtClean="0">
+                <a:solidFill>
+                  <a:srgbClr val="0070C0"/>
+                </a:solidFill>
+                <a:latin typeface="Times New Roman" pitchFamily="18" charset="0"/>
+                <a:cs typeface="Times New Roman" pitchFamily="18" charset="0"/>
+              </a:rPr>
+              <a:t>résultats (1)</a:t>
             </a:r>
             <a:endParaRPr lang="fr-FR" dirty="0"/>
           </a:p>
@@ -5574,7 +6127,7 @@
           <a:p>
             <a:fld id="{F4AC73F8-3F41-46E5-A24D-FECCAC78E32A}" type="slidenum">
               <a:rPr lang="fr-FR" smtClean="0"/>
-              <a:t>12</a:t>
+              <a:t>13</a:t>
             </a:fld>
             <a:endParaRPr lang="fr-FR" dirty="0"/>
           </a:p>
@@ -6129,7 +6682,7 @@
 </p:sld>
 </file>
 
-<file path=ppt/slides/slide13.xml><?xml version="1.0" encoding="utf-8"?>
+<file path=ppt/slides/slide14.xml><?xml version="1.0" encoding="utf-8"?>
 <p:sld xmlns:a="http://schemas.openxmlformats.org/drawingml/2006/main" xmlns:r="http://schemas.openxmlformats.org/officeDocument/2006/relationships" xmlns:p="http://schemas.openxmlformats.org/presentationml/2006/main">
   <p:cSld>
     <p:spTree>
@@ -6162,6 +6715,16 @@
           <a:lstStyle/>
           <a:p>
             <a:r>
+              <a:rPr lang="fr-FR" b="1" u="sng" dirty="0">
+                <a:solidFill>
+                  <a:srgbClr val="0070C0"/>
+                </a:solidFill>
+                <a:latin typeface="Times New Roman" pitchFamily="18" charset="0"/>
+                <a:cs typeface="Times New Roman" pitchFamily="18" charset="0"/>
+              </a:rPr>
+              <a:t>Travail accomplis et </a:t>
+            </a:r>
+            <a:r>
               <a:rPr lang="fr-FR" b="1" u="sng" dirty="0" smtClean="0">
                 <a:solidFill>
                   <a:srgbClr val="0070C0"/>
@@ -6169,110 +6732,7 @@
                 <a:latin typeface="Times New Roman" pitchFamily="18" charset="0"/>
                 <a:cs typeface="Times New Roman" pitchFamily="18" charset="0"/>
               </a:rPr>
-              <a:t>Rétrospective</a:t>
-            </a:r>
-            <a:endParaRPr lang="fr-FR" dirty="0"/>
-          </a:p>
-        </p:txBody>
-      </p:sp>
-      <p:sp>
-        <p:nvSpPr>
-          <p:cNvPr id="3" name="Espace réservé du contenu 2"/>
-          <p:cNvSpPr>
-            <a:spLocks noGrp="1"/>
-          </p:cNvSpPr>
-          <p:nvPr>
-            <p:ph idx="1"/>
-          </p:nvPr>
-        </p:nvSpPr>
-        <p:spPr/>
-        <p:txBody>
-          <a:bodyPr/>
-          <a:lstStyle/>
-          <a:p>
-            <a:pPr marL="0" indent="0" algn="just">
-              <a:spcBef>
-                <a:spcPts val="0"/>
-              </a:spcBef>
-              <a:buNone/>
-            </a:pPr>
-            <a:r>
-              <a:rPr lang="fr-FR" dirty="0" smtClean="0"/>
-              <a:t>Les tenants et les aboutissants :</a:t>
-            </a:r>
-          </a:p>
-          <a:p>
-            <a:pPr marL="0" indent="0" algn="just">
-              <a:spcBef>
-                <a:spcPts val="0"/>
-              </a:spcBef>
-              <a:buNone/>
-            </a:pPr>
-            <a:r>
-              <a:rPr lang="fr-FR" dirty="0"/>
-              <a:t>	</a:t>
-            </a:r>
-            <a:r>
-              <a:rPr lang="fr-FR" dirty="0" smtClean="0"/>
-              <a:t>- plugin Vshape</a:t>
-            </a:r>
-          </a:p>
-          <a:p>
-            <a:pPr marL="0" indent="0" algn="just">
-              <a:spcBef>
-                <a:spcPts val="0"/>
-              </a:spcBef>
-              <a:buNone/>
-            </a:pPr>
-            <a:r>
-              <a:rPr lang="fr-FR" dirty="0"/>
-              <a:t>	</a:t>
-            </a:r>
-            <a:r>
-              <a:rPr lang="fr-FR" dirty="0" smtClean="0"/>
-              <a:t>- plugin Etau</a:t>
-            </a:r>
-          </a:p>
-          <a:p>
-            <a:pPr marL="0" indent="0" algn="just">
-              <a:spcBef>
-                <a:spcPts val="0"/>
-              </a:spcBef>
-              <a:buNone/>
-            </a:pPr>
-            <a:endParaRPr lang="fr-FR" dirty="0"/>
-          </a:p>
-          <a:p>
-            <a:pPr marL="0" indent="0" algn="just">
-              <a:spcBef>
-                <a:spcPts val="0"/>
-              </a:spcBef>
-              <a:buNone/>
-            </a:pPr>
-            <a:r>
-              <a:rPr lang="fr-FR" dirty="0" smtClean="0"/>
-              <a:t>Temps dédié et implication</a:t>
-            </a:r>
-          </a:p>
-          <a:p>
-            <a:pPr marL="0" indent="0" algn="just">
-              <a:spcBef>
-                <a:spcPts val="0"/>
-              </a:spcBef>
-              <a:buNone/>
-            </a:pPr>
-            <a:endParaRPr lang="fr-FR" dirty="0"/>
-          </a:p>
-          <a:p>
-            <a:pPr marL="0" indent="0" algn="just">
-              <a:spcBef>
-                <a:spcPts val="0"/>
-              </a:spcBef>
-              <a:buNone/>
-            </a:pPr>
-            <a:r>
-              <a:rPr lang="fr-FR" dirty="0" smtClean="0"/>
-              <a:t>Avec plus de temps</a:t>
+              <a:t>résultats (2)</a:t>
             </a:r>
             <a:endParaRPr lang="fr-FR" dirty="0"/>
           </a:p>
@@ -6373,7 +6833,625 @@
           <a:p>
             <a:fld id="{F4AC73F8-3F41-46E5-A24D-FECCAC78E32A}" type="slidenum">
               <a:rPr lang="fr-FR" smtClean="0"/>
-              <a:t>13</a:t>
+              <a:t>14</a:t>
+            </a:fld>
+            <a:endParaRPr lang="fr-FR" dirty="0"/>
+          </a:p>
+        </p:txBody>
+      </p:sp>
+      <p:pic>
+        <p:nvPicPr>
+          <p:cNvPr id="2050" name="Picture 2" descr="Z:\Documents\M2-S1\Projet\Image etau\etau.png"/>
+          <p:cNvPicPr>
+            <a:picLocks noChangeAspect="1" noChangeArrowheads="1"/>
+          </p:cNvPicPr>
+          <p:nvPr/>
+        </p:nvPicPr>
+        <p:blipFill>
+          <a:blip r:embed="rId3">
+            <a:extLst>
+              <a:ext uri="{28A0092B-C50C-407E-A947-70E740481C1C}">
+                <a14:useLocalDpi xmlns:a14="http://schemas.microsoft.com/office/drawing/2010/main" val="0"/>
+              </a:ext>
+            </a:extLst>
+          </a:blip>
+          <a:srcRect/>
+          <a:stretch>
+            <a:fillRect/>
+          </a:stretch>
+        </p:blipFill>
+        <p:spPr bwMode="auto">
+          <a:xfrm>
+            <a:off x="899592" y="1340768"/>
+            <a:ext cx="7380312" cy="4734670"/>
+          </a:xfrm>
+          <a:prstGeom prst="rect">
+            <a:avLst/>
+          </a:prstGeom>
+          <a:noFill/>
+          <a:extLst>
+            <a:ext uri="{909E8E84-426E-40DD-AFC4-6F175D3DCCD1}">
+              <a14:hiddenFill xmlns:a14="http://schemas.microsoft.com/office/drawing/2010/main">
+                <a:solidFill>
+                  <a:srgbClr val="FFFFFF"/>
+                </a:solidFill>
+              </a14:hiddenFill>
+            </a:ext>
+          </a:extLst>
+        </p:spPr>
+      </p:pic>
+      <p:pic>
+        <p:nvPicPr>
+          <p:cNvPr id="2051" name="Picture 3"/>
+          <p:cNvPicPr>
+            <a:picLocks noChangeAspect="1" noChangeArrowheads="1"/>
+          </p:cNvPicPr>
+          <p:nvPr/>
+        </p:nvPicPr>
+        <p:blipFill>
+          <a:blip r:embed="rId4">
+            <a:extLst>
+              <a:ext uri="{28A0092B-C50C-407E-A947-70E740481C1C}">
+                <a14:useLocalDpi xmlns:a14="http://schemas.microsoft.com/office/drawing/2010/main" val="0"/>
+              </a:ext>
+            </a:extLst>
+          </a:blip>
+          <a:srcRect/>
+          <a:stretch>
+            <a:fillRect/>
+          </a:stretch>
+        </p:blipFill>
+        <p:spPr bwMode="auto">
+          <a:xfrm>
+            <a:off x="155575" y="1362855"/>
+            <a:ext cx="4180401" cy="4878487"/>
+          </a:xfrm>
+          <a:prstGeom prst="rect">
+            <a:avLst/>
+          </a:prstGeom>
+          <a:noFill/>
+          <a:ln>
+            <a:noFill/>
+          </a:ln>
+          <a:extLst>
+            <a:ext uri="{909E8E84-426E-40DD-AFC4-6F175D3DCCD1}">
+              <a14:hiddenFill xmlns:a14="http://schemas.microsoft.com/office/drawing/2010/main">
+                <a:solidFill>
+                  <a:schemeClr val="accent1"/>
+                </a:solidFill>
+              </a14:hiddenFill>
+            </a:ext>
+            <a:ext uri="{91240B29-F687-4F45-9708-019B960494DF}">
+              <a14:hiddenLine xmlns:a14="http://schemas.microsoft.com/office/drawing/2010/main" w="9525">
+                <a:solidFill>
+                  <a:schemeClr val="tx1"/>
+                </a:solidFill>
+                <a:miter lim="800000"/>
+                <a:headEnd/>
+                <a:tailEnd/>
+              </a14:hiddenLine>
+            </a:ext>
+          </a:extLst>
+        </p:spPr>
+      </p:pic>
+      <p:pic>
+        <p:nvPicPr>
+          <p:cNvPr id="2052" name="Picture 4"/>
+          <p:cNvPicPr>
+            <a:picLocks noChangeAspect="1" noChangeArrowheads="1"/>
+          </p:cNvPicPr>
+          <p:nvPr/>
+        </p:nvPicPr>
+        <p:blipFill>
+          <a:blip r:embed="rId5">
+            <a:extLst>
+              <a:ext uri="{28A0092B-C50C-407E-A947-70E740481C1C}">
+                <a14:useLocalDpi xmlns:a14="http://schemas.microsoft.com/office/drawing/2010/main" val="0"/>
+              </a:ext>
+            </a:extLst>
+          </a:blip>
+          <a:srcRect/>
+          <a:stretch>
+            <a:fillRect/>
+          </a:stretch>
+        </p:blipFill>
+        <p:spPr bwMode="auto">
+          <a:xfrm>
+            <a:off x="4577916" y="2051506"/>
+            <a:ext cx="4431303" cy="3501183"/>
+          </a:xfrm>
+          <a:prstGeom prst="rect">
+            <a:avLst/>
+          </a:prstGeom>
+          <a:noFill/>
+          <a:ln>
+            <a:noFill/>
+          </a:ln>
+          <a:extLst>
+            <a:ext uri="{909E8E84-426E-40DD-AFC4-6F175D3DCCD1}">
+              <a14:hiddenFill xmlns:a14="http://schemas.microsoft.com/office/drawing/2010/main">
+                <a:solidFill>
+                  <a:schemeClr val="accent1"/>
+                </a:solidFill>
+              </a14:hiddenFill>
+            </a:ext>
+            <a:ext uri="{91240B29-F687-4F45-9708-019B960494DF}">
+              <a14:hiddenLine xmlns:a14="http://schemas.microsoft.com/office/drawing/2010/main" w="9525">
+                <a:solidFill>
+                  <a:schemeClr val="tx1"/>
+                </a:solidFill>
+                <a:miter lim="800000"/>
+                <a:headEnd/>
+                <a:tailEnd/>
+              </a14:hiddenLine>
+            </a:ext>
+          </a:extLst>
+        </p:spPr>
+      </p:pic>
+    </p:spTree>
+    <p:extLst>
+      <p:ext uri="{BB962C8B-B14F-4D97-AF65-F5344CB8AC3E}">
+        <p14:creationId xmlns:p14="http://schemas.microsoft.com/office/powerpoint/2010/main" val="2621581223"/>
+      </p:ext>
+    </p:extLst>
+  </p:cSld>
+  <p:clrMapOvr>
+    <a:masterClrMapping/>
+  </p:clrMapOvr>
+  <p:timing>
+    <p:tnLst>
+      <p:par>
+        <p:cTn id="1" dur="indefinite" restart="never" nodeType="tmRoot">
+          <p:childTnLst>
+            <p:seq concurrent="1" nextAc="seek">
+              <p:cTn id="2" dur="indefinite" nodeType="mainSeq">
+                <p:childTnLst>
+                  <p:par>
+                    <p:cTn id="3" fill="hold">
+                      <p:stCondLst>
+                        <p:cond delay="indefinite"/>
+                      </p:stCondLst>
+                      <p:childTnLst>
+                        <p:par>
+                          <p:cTn id="4" fill="hold">
+                            <p:stCondLst>
+                              <p:cond delay="0"/>
+                            </p:stCondLst>
+                            <p:childTnLst>
+                              <p:par>
+                                <p:cTn id="5" presetID="10" presetClass="entr" presetSubtype="0" fill="hold" nodeType="clickEffect">
+                                  <p:stCondLst>
+                                    <p:cond delay="0"/>
+                                  </p:stCondLst>
+                                  <p:childTnLst>
+                                    <p:set>
+                                      <p:cBhvr>
+                                        <p:cTn id="6" dur="1" fill="hold">
+                                          <p:stCondLst>
+                                            <p:cond delay="0"/>
+                                          </p:stCondLst>
+                                        </p:cTn>
+                                        <p:tgtEl>
+                                          <p:spTgt spid="2050"/>
+                                        </p:tgtEl>
+                                        <p:attrNameLst>
+                                          <p:attrName>style.visibility</p:attrName>
+                                        </p:attrNameLst>
+                                      </p:cBhvr>
+                                      <p:to>
+                                        <p:strVal val="visible"/>
+                                      </p:to>
+                                    </p:set>
+                                    <p:animEffect transition="in" filter="fade">
+                                      <p:cBhvr>
+                                        <p:cTn id="7" dur="500"/>
+                                        <p:tgtEl>
+                                          <p:spTgt spid="2050"/>
+                                        </p:tgtEl>
+                                      </p:cBhvr>
+                                    </p:animEffect>
+                                  </p:childTnLst>
+                                </p:cTn>
+                              </p:par>
+                            </p:childTnLst>
+                          </p:cTn>
+                        </p:par>
+                      </p:childTnLst>
+                    </p:cTn>
+                  </p:par>
+                  <p:par>
+                    <p:cTn id="8" fill="hold">
+                      <p:stCondLst>
+                        <p:cond delay="indefinite"/>
+                      </p:stCondLst>
+                      <p:childTnLst>
+                        <p:par>
+                          <p:cTn id="9" fill="hold">
+                            <p:stCondLst>
+                              <p:cond delay="0"/>
+                            </p:stCondLst>
+                            <p:childTnLst>
+                              <p:par>
+                                <p:cTn id="10" presetID="10" presetClass="exit" presetSubtype="0" fill="hold" nodeType="clickEffect">
+                                  <p:stCondLst>
+                                    <p:cond delay="0"/>
+                                  </p:stCondLst>
+                                  <p:childTnLst>
+                                    <p:animEffect transition="out" filter="fade">
+                                      <p:cBhvr>
+                                        <p:cTn id="11" dur="500"/>
+                                        <p:tgtEl>
+                                          <p:spTgt spid="2050"/>
+                                        </p:tgtEl>
+                                      </p:cBhvr>
+                                    </p:animEffect>
+                                    <p:set>
+                                      <p:cBhvr>
+                                        <p:cTn id="12" dur="1" fill="hold">
+                                          <p:stCondLst>
+                                            <p:cond delay="499"/>
+                                          </p:stCondLst>
+                                        </p:cTn>
+                                        <p:tgtEl>
+                                          <p:spTgt spid="2050"/>
+                                        </p:tgtEl>
+                                        <p:attrNameLst>
+                                          <p:attrName>style.visibility</p:attrName>
+                                        </p:attrNameLst>
+                                      </p:cBhvr>
+                                      <p:to>
+                                        <p:strVal val="hidden"/>
+                                      </p:to>
+                                    </p:set>
+                                  </p:childTnLst>
+                                </p:cTn>
+                              </p:par>
+                              <p:par>
+                                <p:cTn id="13" presetID="10" presetClass="entr" presetSubtype="0" fill="hold" nodeType="withEffect">
+                                  <p:stCondLst>
+                                    <p:cond delay="0"/>
+                                  </p:stCondLst>
+                                  <p:childTnLst>
+                                    <p:set>
+                                      <p:cBhvr>
+                                        <p:cTn id="14" dur="1" fill="hold">
+                                          <p:stCondLst>
+                                            <p:cond delay="0"/>
+                                          </p:stCondLst>
+                                        </p:cTn>
+                                        <p:tgtEl>
+                                          <p:spTgt spid="2051"/>
+                                        </p:tgtEl>
+                                        <p:attrNameLst>
+                                          <p:attrName>style.visibility</p:attrName>
+                                        </p:attrNameLst>
+                                      </p:cBhvr>
+                                      <p:to>
+                                        <p:strVal val="visible"/>
+                                      </p:to>
+                                    </p:set>
+                                    <p:animEffect transition="in" filter="fade">
+                                      <p:cBhvr>
+                                        <p:cTn id="15" dur="500"/>
+                                        <p:tgtEl>
+                                          <p:spTgt spid="2051"/>
+                                        </p:tgtEl>
+                                      </p:cBhvr>
+                                    </p:animEffect>
+                                  </p:childTnLst>
+                                </p:cTn>
+                              </p:par>
+                              <p:par>
+                                <p:cTn id="16" presetID="10" presetClass="entr" presetSubtype="0" fill="hold" nodeType="withEffect">
+                                  <p:stCondLst>
+                                    <p:cond delay="0"/>
+                                  </p:stCondLst>
+                                  <p:childTnLst>
+                                    <p:set>
+                                      <p:cBhvr>
+                                        <p:cTn id="17" dur="1" fill="hold">
+                                          <p:stCondLst>
+                                            <p:cond delay="0"/>
+                                          </p:stCondLst>
+                                        </p:cTn>
+                                        <p:tgtEl>
+                                          <p:spTgt spid="2052"/>
+                                        </p:tgtEl>
+                                        <p:attrNameLst>
+                                          <p:attrName>style.visibility</p:attrName>
+                                        </p:attrNameLst>
+                                      </p:cBhvr>
+                                      <p:to>
+                                        <p:strVal val="visible"/>
+                                      </p:to>
+                                    </p:set>
+                                    <p:animEffect transition="in" filter="fade">
+                                      <p:cBhvr>
+                                        <p:cTn id="18" dur="500"/>
+                                        <p:tgtEl>
+                                          <p:spTgt spid="2052"/>
+                                        </p:tgtEl>
+                                      </p:cBhvr>
+                                    </p:animEffect>
+                                  </p:childTnLst>
+                                </p:cTn>
+                              </p:par>
+                            </p:childTnLst>
+                          </p:cTn>
+                        </p:par>
+                      </p:childTnLst>
+                    </p:cTn>
+                  </p:par>
+                </p:childTnLst>
+              </p:cTn>
+              <p:prevCondLst>
+                <p:cond evt="onPrev" delay="0">
+                  <p:tgtEl>
+                    <p:sldTgt/>
+                  </p:tgtEl>
+                </p:cond>
+              </p:prevCondLst>
+              <p:nextCondLst>
+                <p:cond evt="onNext" delay="0">
+                  <p:tgtEl>
+                    <p:sldTgt/>
+                  </p:tgtEl>
+                </p:cond>
+              </p:nextCondLst>
+            </p:seq>
+          </p:childTnLst>
+        </p:cTn>
+      </p:par>
+    </p:tnLst>
+  </p:timing>
+</p:sld>
+</file>
+
+<file path=ppt/slides/slide15.xml><?xml version="1.0" encoding="utf-8"?>
+<p:sld xmlns:a="http://schemas.openxmlformats.org/drawingml/2006/main" xmlns:r="http://schemas.openxmlformats.org/officeDocument/2006/relationships" xmlns:p="http://schemas.openxmlformats.org/presentationml/2006/main">
+  <p:cSld>
+    <p:spTree>
+      <p:nvGrpSpPr>
+        <p:cNvPr id="1" name=""/>
+        <p:cNvGrpSpPr/>
+        <p:nvPr/>
+      </p:nvGrpSpPr>
+      <p:grpSpPr>
+        <a:xfrm>
+          <a:off x="0" y="0"/>
+          <a:ext cx="0" cy="0"/>
+          <a:chOff x="0" y="0"/>
+          <a:chExt cx="0" cy="0"/>
+        </a:xfrm>
+      </p:grpSpPr>
+      <p:sp>
+        <p:nvSpPr>
+          <p:cNvPr id="2" name="Titre 1"/>
+          <p:cNvSpPr>
+            <a:spLocks noGrp="1"/>
+          </p:cNvSpPr>
+          <p:nvPr>
+            <p:ph type="title"/>
+          </p:nvPr>
+        </p:nvSpPr>
+        <p:spPr/>
+        <p:txBody>
+          <a:bodyPr/>
+          <a:lstStyle/>
+          <a:p>
+            <a:r>
+              <a:rPr lang="fr-FR" b="1" u="sng" dirty="0" smtClean="0">
+                <a:solidFill>
+                  <a:srgbClr val="0070C0"/>
+                </a:solidFill>
+                <a:latin typeface="Times New Roman" pitchFamily="18" charset="0"/>
+                <a:cs typeface="Times New Roman" pitchFamily="18" charset="0"/>
+              </a:rPr>
+              <a:t>Rétrospective</a:t>
+            </a:r>
+            <a:endParaRPr lang="fr-FR" dirty="0"/>
+          </a:p>
+        </p:txBody>
+      </p:sp>
+      <p:sp>
+        <p:nvSpPr>
+          <p:cNvPr id="3" name="Espace réservé du contenu 2"/>
+          <p:cNvSpPr>
+            <a:spLocks noGrp="1"/>
+          </p:cNvSpPr>
+          <p:nvPr>
+            <p:ph idx="1"/>
+          </p:nvPr>
+        </p:nvSpPr>
+        <p:spPr/>
+        <p:txBody>
+          <a:bodyPr/>
+          <a:lstStyle/>
+          <a:p>
+            <a:pPr marL="0" indent="0" algn="just">
+              <a:spcBef>
+                <a:spcPts val="0"/>
+              </a:spcBef>
+              <a:buNone/>
+            </a:pPr>
+            <a:r>
+              <a:rPr lang="fr-FR" dirty="0" smtClean="0"/>
+              <a:t>Les tenants et les aboutissants :</a:t>
+            </a:r>
+          </a:p>
+          <a:p>
+            <a:pPr marL="0" indent="0" algn="just">
+              <a:spcBef>
+                <a:spcPts val="0"/>
+              </a:spcBef>
+              <a:buNone/>
+            </a:pPr>
+            <a:r>
+              <a:rPr lang="fr-FR" dirty="0"/>
+              <a:t>	</a:t>
+            </a:r>
+            <a:r>
+              <a:rPr lang="fr-FR" dirty="0" smtClean="0"/>
+              <a:t>- plugin Vshape</a:t>
+            </a:r>
+          </a:p>
+          <a:p>
+            <a:pPr marL="0" indent="0" algn="just">
+              <a:spcBef>
+                <a:spcPts val="0"/>
+              </a:spcBef>
+              <a:buNone/>
+            </a:pPr>
+            <a:r>
+              <a:rPr lang="fr-FR" dirty="0"/>
+              <a:t>	</a:t>
+            </a:r>
+            <a:r>
+              <a:rPr lang="fr-FR" dirty="0" smtClean="0"/>
+              <a:t>- plugin Etau</a:t>
+            </a:r>
+          </a:p>
+          <a:p>
+            <a:pPr marL="0" indent="0" algn="just">
+              <a:spcBef>
+                <a:spcPts val="0"/>
+              </a:spcBef>
+              <a:buNone/>
+            </a:pPr>
+            <a:endParaRPr lang="fr-FR" dirty="0"/>
+          </a:p>
+          <a:p>
+            <a:pPr marL="0" indent="0" algn="just">
+              <a:spcBef>
+                <a:spcPts val="0"/>
+              </a:spcBef>
+              <a:buNone/>
+            </a:pPr>
+            <a:r>
+              <a:rPr lang="fr-FR" dirty="0" smtClean="0"/>
+              <a:t>Temps dédié et implication</a:t>
+            </a:r>
+          </a:p>
+          <a:p>
+            <a:pPr marL="0" indent="0" algn="just">
+              <a:spcBef>
+                <a:spcPts val="0"/>
+              </a:spcBef>
+              <a:buNone/>
+            </a:pPr>
+            <a:endParaRPr lang="fr-FR" dirty="0"/>
+          </a:p>
+          <a:p>
+            <a:pPr marL="0" indent="0" algn="just">
+              <a:spcBef>
+                <a:spcPts val="0"/>
+              </a:spcBef>
+              <a:buNone/>
+            </a:pPr>
+            <a:r>
+              <a:rPr lang="fr-FR" dirty="0" smtClean="0"/>
+              <a:t>Avec plus de temps</a:t>
+            </a:r>
+            <a:endParaRPr lang="fr-FR" dirty="0"/>
+          </a:p>
+        </p:txBody>
+      </p:sp>
+      <p:sp>
+        <p:nvSpPr>
+          <p:cNvPr id="4" name="AutoShape 2" descr="https://www.newsassurancespro.com/wp-content/uploads/2011/05/Graph-red-rise.jpg"/>
+          <p:cNvSpPr>
+            <a:spLocks noChangeAspect="1" noChangeArrowheads="1"/>
+          </p:cNvSpPr>
+          <p:nvPr/>
+        </p:nvSpPr>
+        <p:spPr bwMode="auto">
+          <a:xfrm>
+            <a:off x="155575" y="-144463"/>
+            <a:ext cx="304800" cy="304801"/>
+          </a:xfrm>
+          <a:prstGeom prst="rect">
+            <a:avLst/>
+          </a:prstGeom>
+          <a:noFill/>
+          <a:extLst>
+            <a:ext uri="{909E8E84-426E-40DD-AFC4-6F175D3DCCD1}">
+              <a14:hiddenFill xmlns:a14="http://schemas.microsoft.com/office/drawing/2010/main">
+                <a:solidFill>
+                  <a:srgbClr val="FFFFFF"/>
+                </a:solidFill>
+              </a14:hiddenFill>
+            </a:ext>
+          </a:extLst>
+        </p:spPr>
+        <p:txBody>
+          <a:bodyPr vert="horz" wrap="square" lIns="91440" tIns="45720" rIns="91440" bIns="45720" numCol="1" anchor="t" anchorCtr="0" compatLnSpc="1">
+            <a:prstTxWarp prst="textNoShape">
+              <a:avLst/>
+            </a:prstTxWarp>
+          </a:bodyPr>
+          <a:lstStyle/>
+          <a:p>
+            <a:endParaRPr lang="fr-FR"/>
+          </a:p>
+        </p:txBody>
+      </p:sp>
+      <p:sp>
+        <p:nvSpPr>
+          <p:cNvPr id="5" name="AutoShape 4" descr="https://www.newsassurancespro.com/wp-content/uploads/2011/05/Graph-red-rise.jpg"/>
+          <p:cNvSpPr>
+            <a:spLocks noChangeAspect="1" noChangeArrowheads="1"/>
+          </p:cNvSpPr>
+          <p:nvPr/>
+        </p:nvSpPr>
+        <p:spPr bwMode="auto">
+          <a:xfrm>
+            <a:off x="307975" y="7937"/>
+            <a:ext cx="304800" cy="304801"/>
+          </a:xfrm>
+          <a:prstGeom prst="rect">
+            <a:avLst/>
+          </a:prstGeom>
+          <a:noFill/>
+          <a:extLst>
+            <a:ext uri="{909E8E84-426E-40DD-AFC4-6F175D3DCCD1}">
+              <a14:hiddenFill xmlns:a14="http://schemas.microsoft.com/office/drawing/2010/main">
+                <a:solidFill>
+                  <a:srgbClr val="FFFFFF"/>
+                </a:solidFill>
+              </a14:hiddenFill>
+            </a:ext>
+          </a:extLst>
+        </p:spPr>
+        <p:txBody>
+          <a:bodyPr vert="horz" wrap="square" lIns="91440" tIns="45720" rIns="91440" bIns="45720" numCol="1" anchor="t" anchorCtr="0" compatLnSpc="1">
+            <a:prstTxWarp prst="textNoShape">
+              <a:avLst/>
+            </a:prstTxWarp>
+          </a:bodyPr>
+          <a:lstStyle/>
+          <a:p>
+            <a:endParaRPr lang="fr-FR"/>
+          </a:p>
+        </p:txBody>
+      </p:sp>
+      <p:sp>
+        <p:nvSpPr>
+          <p:cNvPr id="6" name="Espace réservé du numéro de diapositive 5"/>
+          <p:cNvSpPr>
+            <a:spLocks noGrp="1"/>
+          </p:cNvSpPr>
+          <p:nvPr>
+            <p:ph type="sldNum" sz="quarter" idx="12"/>
+          </p:nvPr>
+        </p:nvSpPr>
+        <p:spPr/>
+        <p:txBody>
+          <a:bodyPr/>
+          <a:lstStyle/>
+          <a:p>
+            <a:fld id="{F4AC73F8-3F41-46E5-A24D-FECCAC78E32A}" type="slidenum">
+              <a:rPr lang="fr-FR" smtClean="0"/>
+              <a:t>15</a:t>
             </a:fld>
             <a:endParaRPr lang="fr-FR" dirty="0"/>
           </a:p>
@@ -6730,7 +7808,7 @@
 </p:sld>
 </file>
 
-<file path=ppt/slides/slide14.xml><?xml version="1.0" encoding="utf-8"?>
+<file path=ppt/slides/slide16.xml><?xml version="1.0" encoding="utf-8"?>
 <p:sld xmlns:a="http://schemas.openxmlformats.org/drawingml/2006/main" xmlns:r="http://schemas.openxmlformats.org/officeDocument/2006/relationships" xmlns:p="http://schemas.openxmlformats.org/presentationml/2006/main">
   <p:cSld>
     <p:spTree>
@@ -6805,20 +7883,14 @@
               </a:spcBef>
               <a:buNone/>
             </a:pPr>
-            <a:endParaRPr lang="fr-FR" dirty="0" smtClean="0"/>
-          </a:p>
-          <a:p>
-            <a:pPr marL="0" indent="0" algn="just">
-              <a:spcBef>
-                <a:spcPts val="0"/>
-              </a:spcBef>
-              <a:buNone/>
-            </a:pPr>
             <a:r>
               <a:rPr lang="fr-FR" dirty="0" smtClean="0"/>
-              <a:t>Plugins presque finis</a:t>
-            </a:r>
-            <a:endParaRPr lang="fr-FR" dirty="0" smtClean="0"/>
+              <a:t>Plugins </a:t>
+            </a:r>
+            <a:r>
+              <a:rPr lang="fr-FR" dirty="0" smtClean="0"/>
+              <a:t>presque finis</a:t>
+            </a:r>
           </a:p>
           <a:p>
             <a:pPr marL="0" indent="0" algn="just">
@@ -6838,7 +7910,11 @@
             </a:pPr>
             <a:r>
               <a:rPr lang="fr-FR" dirty="0" smtClean="0"/>
-              <a:t>Avec plus de temps</a:t>
+              <a:t>Avec plus de </a:t>
+            </a:r>
+            <a:r>
+              <a:rPr lang="fr-FR" dirty="0" smtClean="0"/>
+              <a:t>temps ….</a:t>
             </a:r>
             <a:endParaRPr lang="fr-FR" dirty="0" smtClean="0"/>
           </a:p>
@@ -6858,7 +7934,10 @@
               </a:spcBef>
               <a:buNone/>
             </a:pPr>
-            <a:endParaRPr lang="fr-FR" dirty="0" smtClean="0"/>
+            <a:r>
+              <a:rPr lang="fr-FR" dirty="0" smtClean="0"/>
+              <a:t>Apprentissage de la gestion de projet</a:t>
+            </a:r>
           </a:p>
           <a:p>
             <a:pPr marL="0" indent="0" algn="just">
@@ -6876,11 +7955,19 @@
               </a:spcBef>
               <a:buNone/>
             </a:pPr>
+            <a:endParaRPr lang="fr-FR" dirty="0" smtClean="0"/>
+          </a:p>
+          <a:p>
+            <a:pPr marL="0" indent="0" algn="just">
+              <a:spcBef>
+                <a:spcPts val="0"/>
+              </a:spcBef>
+              <a:buNone/>
+            </a:pPr>
             <a:r>
               <a:rPr lang="fr-FR" dirty="0" smtClean="0"/>
               <a:t>Avez-vous des questions ?</a:t>
             </a:r>
-            <a:endParaRPr lang="fr-FR" dirty="0" smtClean="0"/>
           </a:p>
         </p:txBody>
       </p:sp>
@@ -6942,7 +8029,7 @@
           <a:p>
             <a:fld id="{F4AC73F8-3F41-46E5-A24D-FECCAC78E32A}" type="slidenum">
               <a:rPr lang="fr-FR" smtClean="0"/>
-              <a:t>14</a:t>
+              <a:t>16</a:t>
             </a:fld>
             <a:endParaRPr lang="fr-FR" dirty="0"/>
           </a:p>
@@ -6989,7 +8076,7 @@
                                         <p:tgtEl>
                                           <p:spTgt spid="3">
                                             <p:txEl>
-                                              <p:pRg st="1" end="1"/>
+                                              <p:pRg st="0" end="0"/>
                                             </p:txEl>
                                           </p:spTgt>
                                         </p:tgtEl>
@@ -7007,7 +8094,7 @@
                                         <p:tgtEl>
                                           <p:spTgt spid="3">
                                             <p:txEl>
-                                              <p:pRg st="1" end="1"/>
+                                              <p:pRg st="0" end="0"/>
                                             </p:txEl>
                                           </p:spTgt>
                                         </p:tgtEl>
@@ -7050,7 +8137,7 @@
                                         <p:tgtEl>
                                           <p:spTgt spid="3">
                                             <p:txEl>
-                                              <p:pRg st="3" end="3"/>
+                                              <p:pRg st="2" end="2"/>
                                             </p:txEl>
                                           </p:spTgt>
                                         </p:tgtEl>
@@ -7068,7 +8155,7 @@
                                         <p:tgtEl>
                                           <p:spTgt spid="3">
                                             <p:txEl>
-                                              <p:pRg st="3" end="3"/>
+                                              <p:pRg st="2" end="2"/>
                                             </p:txEl>
                                           </p:spTgt>
                                         </p:tgtEl>
@@ -7111,7 +8198,7 @@
                                         <p:tgtEl>
                                           <p:spTgt spid="3">
                                             <p:txEl>
-                                              <p:pRg st="7" end="7"/>
+                                              <p:pRg st="4" end="4"/>
                                             </p:txEl>
                                           </p:spTgt>
                                         </p:tgtEl>
@@ -7129,6 +8216,67 @@
                                         <p:tgtEl>
                                           <p:spTgt spid="3">
                                             <p:txEl>
+                                              <p:pRg st="4" end="4"/>
+                                            </p:txEl>
+                                          </p:spTgt>
+                                        </p:tgtEl>
+                                      </p:cBhvr>
+                                    </p:animEffect>
+                                  </p:childTnLst>
+                                </p:cTn>
+                              </p:par>
+                            </p:childTnLst>
+                          </p:cTn>
+                        </p:par>
+                      </p:childTnLst>
+                    </p:cTn>
+                  </p:par>
+                  <p:par>
+                    <p:cTn id="18" fill="hold">
+                      <p:stCondLst>
+                        <p:cond delay="indefinite"/>
+                      </p:stCondLst>
+                      <p:childTnLst>
+                        <p:par>
+                          <p:cTn id="19" fill="hold">
+                            <p:stCondLst>
+                              <p:cond delay="0"/>
+                            </p:stCondLst>
+                            <p:childTnLst>
+                              <p:par>
+                                <p:cTn id="20" presetID="10" presetClass="entr" presetSubtype="0" fill="hold" grpId="0" nodeType="clickEffect">
+                                  <p:stCondLst>
+                                    <p:cond delay="0"/>
+                                  </p:stCondLst>
+                                  <p:childTnLst>
+                                    <p:set>
+                                      <p:cBhvr>
+                                        <p:cTn id="21" dur="1" fill="hold">
+                                          <p:stCondLst>
+                                            <p:cond delay="0"/>
+                                          </p:stCondLst>
+                                        </p:cTn>
+                                        <p:tgtEl>
+                                          <p:spTgt spid="3">
+                                            <p:txEl>
+                                              <p:pRg st="7" end="7"/>
+                                            </p:txEl>
+                                          </p:spTgt>
+                                        </p:tgtEl>
+                                        <p:attrNameLst>
+                                          <p:attrName>style.visibility</p:attrName>
+                                        </p:attrNameLst>
+                                      </p:cBhvr>
+                                      <p:to>
+                                        <p:strVal val="visible"/>
+                                      </p:to>
+                                    </p:set>
+                                    <p:animEffect transition="in" filter="fade">
+                                      <p:cBhvr>
+                                        <p:cTn id="22" dur="500"/>
+                                        <p:tgtEl>
+                                          <p:spTgt spid="3">
+                                            <p:txEl>
                                               <p:pRg st="7" end="7"/>
                                             </p:txEl>
                                           </p:spTgt>
@@ -7139,14 +8287,14 @@
                                 </p:cTn>
                               </p:par>
                               <p:par>
-                                <p:cTn id="18" presetID="10" presetClass="entr" presetSubtype="0" fill="hold" nodeType="withEffect">
+                                <p:cTn id="23" presetID="10" presetClass="entr" presetSubtype="0" fill="hold" nodeType="withEffect">
                                   <p:stCondLst>
                                     <p:cond delay="0"/>
                                   </p:stCondLst>
                                   <p:childTnLst>
                                     <p:set>
                                       <p:cBhvr>
-                                        <p:cTn id="19" dur="1" fill="hold">
+                                        <p:cTn id="24" dur="1" fill="hold">
                                           <p:stCondLst>
                                             <p:cond delay="0"/>
                                           </p:stCondLst>
@@ -7164,7 +8312,7 @@
                                     </p:set>
                                     <p:animEffect transition="in" filter="fade">
                                       <p:cBhvr>
-                                        <p:cTn id="20" dur="500"/>
+                                        <p:cTn id="25" dur="500"/>
                                         <p:tgtEl>
                                           <p:spTgt spid="1026"/>
                                         </p:tgtEl>
@@ -7323,19 +8471,7 @@
             </a:pPr>
             <a:r>
               <a:rPr lang="fr-FR" dirty="0" smtClean="0"/>
-              <a:t>Présentation de fin de projet : proche de la présentation de </a:t>
-            </a:r>
-            <a:r>
-              <a:rPr lang="fr-FR" dirty="0" smtClean="0"/>
-              <a:t>décembre </a:t>
-            </a:r>
-            <a:r>
-              <a:rPr lang="fr-FR" dirty="0" smtClean="0"/>
-              <a:t>avec </a:t>
-            </a:r>
-            <a:r>
-              <a:rPr lang="fr-FR" dirty="0" smtClean="0"/>
-              <a:t>codage, avancement et résultats en plus</a:t>
+              <a:t>Présentation de fin de projet : proche de la présentation de décembre avec codage, avancement et résultats en plus</a:t>
             </a:r>
           </a:p>
           <a:p>
@@ -7778,7 +8914,15 @@
             </a:pPr>
             <a:r>
               <a:rPr lang="fr-FR" dirty="0" smtClean="0"/>
-              <a:t>Travail accomplis et résultats</a:t>
+              <a:t>Travail </a:t>
+            </a:r>
+            <a:r>
+              <a:rPr lang="fr-FR" dirty="0" smtClean="0"/>
+              <a:t>accompli </a:t>
+            </a:r>
+            <a:r>
+              <a:rPr lang="fr-FR" dirty="0" smtClean="0"/>
+              <a:t>et résultats</a:t>
             </a:r>
           </a:p>
           <a:p>
@@ -8670,7 +9814,11 @@
             </a:r>
             <a:r>
               <a:rPr lang="fr-FR" dirty="0" smtClean="0"/>
-              <a:t>EDF : modélisation CAO</a:t>
+              <a:t>l’INRIA et EDF </a:t>
+            </a:r>
+            <a:r>
+              <a:rPr lang="fr-FR" dirty="0" smtClean="0"/>
+              <a:t>: modélisation CAO</a:t>
             </a:r>
             <a:endParaRPr lang="fr-FR" dirty="0"/>
           </a:p>
@@ -10823,14 +11971,27 @@
           <a:p>
             <a:r>
               <a:rPr lang="fr-FR" sz="3200" dirty="0"/>
-              <a:t>Création du/des protocole(s) de détection </a:t>
-            </a:r>
-          </a:p>
-          <a:p>
+              <a:t>Création </a:t>
+            </a:r>
+            <a:r>
+              <a:rPr lang="fr-FR" sz="3200" dirty="0" smtClean="0"/>
+              <a:t>des protocoles </a:t>
+            </a:r>
             <a:r>
               <a:rPr lang="fr-FR" sz="3200" dirty="0"/>
-              <a:t>Ecriture du/des plugin(s)</a:t>
-            </a:r>
+              <a:t>de détection </a:t>
+            </a:r>
+          </a:p>
+          <a:p>
+            <a:r>
+              <a:rPr lang="fr-FR" sz="3200" dirty="0"/>
+              <a:t>Ecriture </a:t>
+            </a:r>
+            <a:r>
+              <a:rPr lang="fr-FR" sz="3200" dirty="0" smtClean="0"/>
+              <a:t>des plugins</a:t>
+            </a:r>
+            <a:endParaRPr lang="fr-FR" sz="3200" dirty="0"/>
           </a:p>
           <a:p>
             <a:endParaRPr lang="fr-FR" dirty="0"/>
@@ -11661,7 +12822,7 @@
         </p:blipFill>
         <p:spPr bwMode="auto">
           <a:xfrm>
-            <a:off x="6489526" y="4403030"/>
+            <a:off x="6493764" y="3970982"/>
             <a:ext cx="1728192" cy="864096"/>
           </a:xfrm>
           <a:prstGeom prst="rect">
@@ -11813,6 +12974,37 @@
           </a:ln>
         </p:spPr>
       </p:pic>
+      <p:sp>
+        <p:nvSpPr>
+          <p:cNvPr id="8" name="ZoneTexte 7"/>
+          <p:cNvSpPr txBox="1"/>
+          <p:nvPr/>
+        </p:nvSpPr>
+        <p:spPr>
+          <a:xfrm>
+            <a:off x="6328864" y="4974738"/>
+            <a:ext cx="2114922" cy="584775"/>
+          </a:xfrm>
+          <a:prstGeom prst="rect">
+            <a:avLst/>
+          </a:prstGeom>
+          <a:noFill/>
+        </p:spPr>
+        <p:txBody>
+          <a:bodyPr wrap="square" rtlCol="0">
+            <a:spAutoFit/>
+          </a:bodyPr>
+          <a:lstStyle/>
+          <a:p>
+            <a:pPr algn="ctr"/>
+            <a:r>
+              <a:rPr lang="fr-FR" sz="3200" dirty="0" smtClean="0"/>
+              <a:t>Plugin</a:t>
+            </a:r>
+            <a:endParaRPr lang="fr-FR" sz="3200" dirty="0"/>
+          </a:p>
+        </p:txBody>
+      </p:sp>
     </p:spTree>
     <p:extLst>
       <p:ext uri="{BB962C8B-B14F-4D97-AF65-F5344CB8AC3E}">
@@ -11958,7 +13150,7 @@
                             </p:stCondLst>
                             <p:childTnLst>
                               <p:par>
-                                <p:cTn id="15" presetID="10" presetClass="entr" presetSubtype="0" fill="hold" nodeType="clickEffect">
+                                <p:cTn id="15" presetID="10" presetClass="entr" presetSubtype="0" fill="hold" grpId="0" nodeType="clickEffect">
                                   <p:stCondLst>
                                     <p:cond delay="0"/>
                                   </p:stCondLst>
@@ -11971,7 +13163,7 @@
                                           </p:stCondLst>
                                         </p:cTn>
                                         <p:tgtEl>
-                                          <p:spTgt spid="3078"/>
+                                          <p:spTgt spid="8"/>
                                         </p:tgtEl>
                                         <p:attrNameLst>
                                           <p:attrName>style.visibility</p:attrName>
@@ -11984,6 +13176,41 @@
                                     <p:animEffect transition="in" filter="fade">
                                       <p:cBhvr>
                                         <p:cTn id="17" dur="500"/>
+                                        <p:tgtEl>
+                                          <p:spTgt spid="8"/>
+                                        </p:tgtEl>
+                                      </p:cBhvr>
+                                    </p:animEffect>
+                                  </p:childTnLst>
+                                </p:cTn>
+                              </p:par>
+                              <p:par>
+                                <p:cTn id="18" presetID="10" presetClass="entr" presetSubtype="0" fill="hold" nodeType="withEffect">
+                                  <p:stCondLst>
+                                    <p:cond delay="0"/>
+                                  </p:stCondLst>
+                                  <p:childTnLst>
+                                    <p:set>
+                                      <p:cBhvr>
+                                        <p:cTn id="19" dur="1" fill="hold">
+                                          <p:stCondLst>
+                                            <p:cond delay="0"/>
+                                          </p:stCondLst>
+                                        </p:cTn>
+                                        <p:tgtEl>
+                                          <p:spTgt spid="3078"/>
+                                        </p:tgtEl>
+                                        <p:attrNameLst>
+                                          <p:attrName>style.visibility</p:attrName>
+                                        </p:attrNameLst>
+                                      </p:cBhvr>
+                                      <p:to>
+                                        <p:strVal val="visible"/>
+                                      </p:to>
+                                    </p:set>
+                                    <p:animEffect transition="in" filter="fade">
+                                      <p:cBhvr>
+                                        <p:cTn id="20" dur="500"/>
                                         <p:tgtEl>
                                           <p:spTgt spid="3078"/>
                                         </p:tgtEl>
@@ -12021,6 +13248,7 @@
     </p:tnLst>
     <p:bldLst>
       <p:bldP spid="3" grpId="0" build="p"/>
+      <p:bldP spid="8" grpId="0"/>
     </p:bldLst>
   </p:timing>
 </p:sld>
@@ -12061,6 +13289,469 @@
             <a:fld id="{F4AC73F8-3F41-46E5-A24D-FECCAC78E32A}" type="slidenum">
               <a:rPr lang="fr-FR" smtClean="0"/>
               <a:t>8</a:t>
+            </a:fld>
+            <a:endParaRPr lang="fr-FR" dirty="0"/>
+          </a:p>
+        </p:txBody>
+      </p:sp>
+      <p:sp>
+        <p:nvSpPr>
+          <p:cNvPr id="2" name="Titre 1"/>
+          <p:cNvSpPr>
+            <a:spLocks noGrp="1"/>
+          </p:cNvSpPr>
+          <p:nvPr>
+            <p:ph type="title"/>
+          </p:nvPr>
+        </p:nvSpPr>
+        <p:spPr/>
+        <p:txBody>
+          <a:bodyPr>
+            <a:normAutofit/>
+          </a:bodyPr>
+          <a:lstStyle/>
+          <a:p>
+            <a:r>
+              <a:rPr lang="fr-FR" b="1" u="sng" dirty="0" smtClean="0">
+                <a:solidFill>
+                  <a:srgbClr val="0070C0"/>
+                </a:solidFill>
+                <a:latin typeface="Times New Roman" pitchFamily="18" charset="0"/>
+                <a:cs typeface="Times New Roman" pitchFamily="18" charset="0"/>
+              </a:rPr>
+              <a:t>Méthode de détection </a:t>
+            </a:r>
+            <a:r>
+              <a:rPr lang="fr-FR" b="1" u="sng" dirty="0" smtClean="0">
+                <a:solidFill>
+                  <a:srgbClr val="0070C0"/>
+                </a:solidFill>
+                <a:latin typeface="Times New Roman" pitchFamily="18" charset="0"/>
+                <a:cs typeface="Times New Roman" pitchFamily="18" charset="0"/>
+              </a:rPr>
+              <a:t>(0)</a:t>
+            </a:r>
+            <a:endParaRPr lang="fr-FR" dirty="0"/>
+          </a:p>
+        </p:txBody>
+      </p:sp>
+      <p:pic>
+        <p:nvPicPr>
+          <p:cNvPr id="1026" name="Picture 2"/>
+          <p:cNvPicPr>
+            <a:picLocks noChangeAspect="1" noChangeArrowheads="1"/>
+          </p:cNvPicPr>
+          <p:nvPr/>
+        </p:nvPicPr>
+        <p:blipFill>
+          <a:blip r:embed="rId3">
+            <a:extLst>
+              <a:ext uri="{28A0092B-C50C-407E-A947-70E740481C1C}">
+                <a14:useLocalDpi xmlns:a14="http://schemas.microsoft.com/office/drawing/2010/main" val="0"/>
+              </a:ext>
+            </a:extLst>
+          </a:blip>
+          <a:srcRect/>
+          <a:stretch>
+            <a:fillRect/>
+          </a:stretch>
+        </p:blipFill>
+        <p:spPr bwMode="auto">
+          <a:xfrm>
+            <a:off x="493056" y="2674660"/>
+            <a:ext cx="3929207" cy="4033292"/>
+          </a:xfrm>
+          <a:prstGeom prst="rect">
+            <a:avLst/>
+          </a:prstGeom>
+          <a:noFill/>
+          <a:ln>
+            <a:noFill/>
+          </a:ln>
+          <a:extLst>
+            <a:ext uri="{909E8E84-426E-40DD-AFC4-6F175D3DCCD1}">
+              <a14:hiddenFill xmlns:a14="http://schemas.microsoft.com/office/drawing/2010/main">
+                <a:solidFill>
+                  <a:schemeClr val="accent1"/>
+                </a:solidFill>
+              </a14:hiddenFill>
+            </a:ext>
+            <a:ext uri="{91240B29-F687-4F45-9708-019B960494DF}">
+              <a14:hiddenLine xmlns:a14="http://schemas.microsoft.com/office/drawing/2010/main" w="9525">
+                <a:solidFill>
+                  <a:schemeClr val="tx1"/>
+                </a:solidFill>
+                <a:miter lim="800000"/>
+                <a:headEnd/>
+                <a:tailEnd/>
+              </a14:hiddenLine>
+            </a:ext>
+          </a:extLst>
+        </p:spPr>
+      </p:pic>
+      <p:pic>
+        <p:nvPicPr>
+          <p:cNvPr id="1027" name="Picture 3"/>
+          <p:cNvPicPr>
+            <a:picLocks noChangeAspect="1" noChangeArrowheads="1"/>
+          </p:cNvPicPr>
+          <p:nvPr/>
+        </p:nvPicPr>
+        <p:blipFill>
+          <a:blip r:embed="rId4">
+            <a:extLst>
+              <a:ext uri="{28A0092B-C50C-407E-A947-70E740481C1C}">
+                <a14:useLocalDpi xmlns:a14="http://schemas.microsoft.com/office/drawing/2010/main" val="0"/>
+              </a:ext>
+            </a:extLst>
+          </a:blip>
+          <a:srcRect/>
+          <a:stretch>
+            <a:fillRect/>
+          </a:stretch>
+        </p:blipFill>
+        <p:spPr bwMode="auto">
+          <a:xfrm>
+            <a:off x="4707708" y="2674660"/>
+            <a:ext cx="3994261" cy="4033292"/>
+          </a:xfrm>
+          <a:prstGeom prst="rect">
+            <a:avLst/>
+          </a:prstGeom>
+          <a:noFill/>
+          <a:ln>
+            <a:noFill/>
+          </a:ln>
+          <a:extLst>
+            <a:ext uri="{909E8E84-426E-40DD-AFC4-6F175D3DCCD1}">
+              <a14:hiddenFill xmlns:a14="http://schemas.microsoft.com/office/drawing/2010/main">
+                <a:solidFill>
+                  <a:schemeClr val="accent1"/>
+                </a:solidFill>
+              </a14:hiddenFill>
+            </a:ext>
+            <a:ext uri="{91240B29-F687-4F45-9708-019B960494DF}">
+              <a14:hiddenLine xmlns:a14="http://schemas.microsoft.com/office/drawing/2010/main" w="9525">
+                <a:solidFill>
+                  <a:schemeClr val="tx1"/>
+                </a:solidFill>
+                <a:miter lim="800000"/>
+                <a:headEnd/>
+                <a:tailEnd/>
+              </a14:hiddenLine>
+            </a:ext>
+          </a:extLst>
+        </p:spPr>
+      </p:pic>
+      <p:sp>
+        <p:nvSpPr>
+          <p:cNvPr id="3" name="ZoneTexte 2"/>
+          <p:cNvSpPr txBox="1"/>
+          <p:nvPr/>
+        </p:nvSpPr>
+        <p:spPr>
+          <a:xfrm>
+            <a:off x="251520" y="1412776"/>
+            <a:ext cx="8640959" cy="1261884"/>
+          </a:xfrm>
+          <a:prstGeom prst="rect">
+            <a:avLst/>
+          </a:prstGeom>
+          <a:noFill/>
+        </p:spPr>
+        <p:txBody>
+          <a:bodyPr wrap="square" rtlCol="0">
+            <a:spAutoFit/>
+          </a:bodyPr>
+          <a:lstStyle/>
+          <a:p>
+            <a:r>
+              <a:rPr lang="fr-FR" sz="3200" dirty="0" smtClean="0"/>
+              <a:t>Détection de plan : Algorithme du Ransac</a:t>
+            </a:r>
+          </a:p>
+          <a:p>
+            <a:endParaRPr lang="fr-FR" sz="1200" dirty="0"/>
+          </a:p>
+          <a:p>
+            <a:r>
+              <a:rPr lang="fr-FR" sz="3200" dirty="0" smtClean="0"/>
+              <a:t>Ajustement de droite par distance moindres carrés</a:t>
+            </a:r>
+            <a:endParaRPr lang="fr-FR" sz="3200" dirty="0"/>
+          </a:p>
+        </p:txBody>
+      </p:sp>
+    </p:spTree>
+    <p:extLst>
+      <p:ext uri="{BB962C8B-B14F-4D97-AF65-F5344CB8AC3E}">
+        <p14:creationId xmlns:p14="http://schemas.microsoft.com/office/powerpoint/2010/main" val="1143918067"/>
+      </p:ext>
+    </p:extLst>
+  </p:cSld>
+  <p:clrMapOvr>
+    <a:masterClrMapping/>
+  </p:clrMapOvr>
+  <p:timing>
+    <p:tnLst>
+      <p:par>
+        <p:cTn id="1" dur="indefinite" restart="never" nodeType="tmRoot">
+          <p:childTnLst>
+            <p:seq concurrent="1" nextAc="seek">
+              <p:cTn id="2" dur="indefinite" nodeType="mainSeq">
+                <p:childTnLst>
+                  <p:par>
+                    <p:cTn id="3" fill="hold">
+                      <p:stCondLst>
+                        <p:cond delay="indefinite"/>
+                      </p:stCondLst>
+                      <p:childTnLst>
+                        <p:par>
+                          <p:cTn id="4" fill="hold">
+                            <p:stCondLst>
+                              <p:cond delay="0"/>
+                            </p:stCondLst>
+                            <p:childTnLst>
+                              <p:par>
+                                <p:cTn id="5" presetID="10" presetClass="entr" presetSubtype="0" fill="hold" nodeType="clickEffect">
+                                  <p:stCondLst>
+                                    <p:cond delay="0"/>
+                                  </p:stCondLst>
+                                  <p:childTnLst>
+                                    <p:set>
+                                      <p:cBhvr>
+                                        <p:cTn id="6" dur="1" fill="hold">
+                                          <p:stCondLst>
+                                            <p:cond delay="0"/>
+                                          </p:stCondLst>
+                                        </p:cTn>
+                                        <p:tgtEl>
+                                          <p:spTgt spid="3">
+                                            <p:txEl>
+                                              <p:pRg st="0" end="0"/>
+                                            </p:txEl>
+                                          </p:spTgt>
+                                        </p:tgtEl>
+                                        <p:attrNameLst>
+                                          <p:attrName>style.visibility</p:attrName>
+                                        </p:attrNameLst>
+                                      </p:cBhvr>
+                                      <p:to>
+                                        <p:strVal val="visible"/>
+                                      </p:to>
+                                    </p:set>
+                                    <p:animEffect transition="in" filter="fade">
+                                      <p:cBhvr>
+                                        <p:cTn id="7" dur="500"/>
+                                        <p:tgtEl>
+                                          <p:spTgt spid="3">
+                                            <p:txEl>
+                                              <p:pRg st="0" end="0"/>
+                                            </p:txEl>
+                                          </p:spTgt>
+                                        </p:tgtEl>
+                                      </p:cBhvr>
+                                    </p:animEffect>
+                                  </p:childTnLst>
+                                </p:cTn>
+                              </p:par>
+                              <p:par>
+                                <p:cTn id="8" presetID="10" presetClass="entr" presetSubtype="0" fill="hold" nodeType="withEffect">
+                                  <p:stCondLst>
+                                    <p:cond delay="0"/>
+                                  </p:stCondLst>
+                                  <p:childTnLst>
+                                    <p:set>
+                                      <p:cBhvr>
+                                        <p:cTn id="9" dur="1" fill="hold">
+                                          <p:stCondLst>
+                                            <p:cond delay="0"/>
+                                          </p:stCondLst>
+                                        </p:cTn>
+                                        <p:tgtEl>
+                                          <p:spTgt spid="1026"/>
+                                        </p:tgtEl>
+                                        <p:attrNameLst>
+                                          <p:attrName>style.visibility</p:attrName>
+                                        </p:attrNameLst>
+                                      </p:cBhvr>
+                                      <p:to>
+                                        <p:strVal val="visible"/>
+                                      </p:to>
+                                    </p:set>
+                                    <p:animEffect transition="in" filter="fade">
+                                      <p:cBhvr>
+                                        <p:cTn id="10" dur="500"/>
+                                        <p:tgtEl>
+                                          <p:spTgt spid="1026"/>
+                                        </p:tgtEl>
+                                      </p:cBhvr>
+                                    </p:animEffect>
+                                  </p:childTnLst>
+                                </p:cTn>
+                              </p:par>
+                            </p:childTnLst>
+                          </p:cTn>
+                        </p:par>
+                      </p:childTnLst>
+                    </p:cTn>
+                  </p:par>
+                  <p:par>
+                    <p:cTn id="11" fill="hold">
+                      <p:stCondLst>
+                        <p:cond delay="indefinite"/>
+                      </p:stCondLst>
+                      <p:childTnLst>
+                        <p:par>
+                          <p:cTn id="12" fill="hold">
+                            <p:stCondLst>
+                              <p:cond delay="0"/>
+                            </p:stCondLst>
+                            <p:childTnLst>
+                              <p:par>
+                                <p:cTn id="13" presetID="10" presetClass="entr" presetSubtype="0" fill="hold" nodeType="clickEffect">
+                                  <p:stCondLst>
+                                    <p:cond delay="0"/>
+                                  </p:stCondLst>
+                                  <p:childTnLst>
+                                    <p:set>
+                                      <p:cBhvr>
+                                        <p:cTn id="14" dur="1" fill="hold">
+                                          <p:stCondLst>
+                                            <p:cond delay="0"/>
+                                          </p:stCondLst>
+                                        </p:cTn>
+                                        <p:tgtEl>
+                                          <p:spTgt spid="3">
+                                            <p:txEl>
+                                              <p:pRg st="2" end="2"/>
+                                            </p:txEl>
+                                          </p:spTgt>
+                                        </p:tgtEl>
+                                        <p:attrNameLst>
+                                          <p:attrName>style.visibility</p:attrName>
+                                        </p:attrNameLst>
+                                      </p:cBhvr>
+                                      <p:to>
+                                        <p:strVal val="visible"/>
+                                      </p:to>
+                                    </p:set>
+                                    <p:animEffect transition="in" filter="fade">
+                                      <p:cBhvr>
+                                        <p:cTn id="15" dur="500"/>
+                                        <p:tgtEl>
+                                          <p:spTgt spid="3">
+                                            <p:txEl>
+                                              <p:pRg st="2" end="2"/>
+                                            </p:txEl>
+                                          </p:spTgt>
+                                        </p:tgtEl>
+                                      </p:cBhvr>
+                                    </p:animEffect>
+                                  </p:childTnLst>
+                                </p:cTn>
+                              </p:par>
+                              <p:par>
+                                <p:cTn id="16" presetID="10" presetClass="entr" presetSubtype="0" fill="hold" nodeType="withEffect">
+                                  <p:stCondLst>
+                                    <p:cond delay="0"/>
+                                  </p:stCondLst>
+                                  <p:childTnLst>
+                                    <p:set>
+                                      <p:cBhvr>
+                                        <p:cTn id="17" dur="1" fill="hold">
+                                          <p:stCondLst>
+                                            <p:cond delay="0"/>
+                                          </p:stCondLst>
+                                        </p:cTn>
+                                        <p:tgtEl>
+                                          <p:spTgt spid="1027"/>
+                                        </p:tgtEl>
+                                        <p:attrNameLst>
+                                          <p:attrName>style.visibility</p:attrName>
+                                        </p:attrNameLst>
+                                      </p:cBhvr>
+                                      <p:to>
+                                        <p:strVal val="visible"/>
+                                      </p:to>
+                                    </p:set>
+                                    <p:animEffect transition="in" filter="fade">
+                                      <p:cBhvr>
+                                        <p:cTn id="18" dur="500"/>
+                                        <p:tgtEl>
+                                          <p:spTgt spid="1027"/>
+                                        </p:tgtEl>
+                                      </p:cBhvr>
+                                    </p:animEffect>
+                                  </p:childTnLst>
+                                </p:cTn>
+                              </p:par>
+                            </p:childTnLst>
+                          </p:cTn>
+                        </p:par>
+                      </p:childTnLst>
+                    </p:cTn>
+                  </p:par>
+                </p:childTnLst>
+              </p:cTn>
+              <p:prevCondLst>
+                <p:cond evt="onPrev" delay="0">
+                  <p:tgtEl>
+                    <p:sldTgt/>
+                  </p:tgtEl>
+                </p:cond>
+              </p:prevCondLst>
+              <p:nextCondLst>
+                <p:cond evt="onNext" delay="0">
+                  <p:tgtEl>
+                    <p:sldTgt/>
+                  </p:tgtEl>
+                </p:cond>
+              </p:nextCondLst>
+            </p:seq>
+          </p:childTnLst>
+        </p:cTn>
+      </p:par>
+    </p:tnLst>
+  </p:timing>
+</p:sld>
+</file>
+
+<file path=ppt/slides/slide9.xml><?xml version="1.0" encoding="utf-8"?>
+<p:sld xmlns:a="http://schemas.openxmlformats.org/drawingml/2006/main" xmlns:r="http://schemas.openxmlformats.org/officeDocument/2006/relationships" xmlns:p="http://schemas.openxmlformats.org/presentationml/2006/main">
+  <p:cSld>
+    <p:spTree>
+      <p:nvGrpSpPr>
+        <p:cNvPr id="1" name=""/>
+        <p:cNvGrpSpPr/>
+        <p:nvPr/>
+      </p:nvGrpSpPr>
+      <p:grpSpPr>
+        <a:xfrm>
+          <a:off x="0" y="0"/>
+          <a:ext cx="0" cy="0"/>
+          <a:chOff x="0" y="0"/>
+          <a:chExt cx="0" cy="0"/>
+        </a:xfrm>
+      </p:grpSpPr>
+      <p:sp>
+        <p:nvSpPr>
+          <p:cNvPr id="4" name="Espace réservé du numéro de diapositive 3"/>
+          <p:cNvSpPr>
+            <a:spLocks noGrp="1"/>
+          </p:cNvSpPr>
+          <p:nvPr>
+            <p:ph type="sldNum" sz="quarter" idx="12"/>
+          </p:nvPr>
+        </p:nvSpPr>
+        <p:spPr/>
+        <p:txBody>
+          <a:bodyPr/>
+          <a:lstStyle/>
+          <a:p>
+            <a:fld id="{F4AC73F8-3F41-46E5-A24D-FECCAC78E32A}" type="slidenum">
+              <a:rPr lang="fr-FR" smtClean="0"/>
+              <a:t>9</a:t>
             </a:fld>
             <a:endParaRPr lang="fr-FR" dirty="0"/>
           </a:p>
@@ -12166,7 +13857,7 @@
     </p:spTree>
     <p:extLst>
       <p:ext uri="{BB962C8B-B14F-4D97-AF65-F5344CB8AC3E}">
-        <p14:creationId xmlns:p14="http://schemas.microsoft.com/office/powerpoint/2010/main" val="1143918067"/>
+        <p14:creationId xmlns:p14="http://schemas.microsoft.com/office/powerpoint/2010/main" val="3543865280"/>
       </p:ext>
     </p:extLst>
   </p:cSld>
@@ -12310,332 +14001,6 @@
                                         <p:cTn id="15" dur="500"/>
                                         <p:tgtEl>
                                           <p:spTgt spid="11"/>
-                                        </p:tgtEl>
-                                      </p:cBhvr>
-                                    </p:animEffect>
-                                  </p:childTnLst>
-                                </p:cTn>
-                              </p:par>
-                            </p:childTnLst>
-                          </p:cTn>
-                        </p:par>
-                      </p:childTnLst>
-                    </p:cTn>
-                  </p:par>
-                </p:childTnLst>
-              </p:cTn>
-              <p:prevCondLst>
-                <p:cond evt="onPrev" delay="0">
-                  <p:tgtEl>
-                    <p:sldTgt/>
-                  </p:tgtEl>
-                </p:cond>
-              </p:prevCondLst>
-              <p:nextCondLst>
-                <p:cond evt="onNext" delay="0">
-                  <p:tgtEl>
-                    <p:sldTgt/>
-                  </p:tgtEl>
-                </p:cond>
-              </p:nextCondLst>
-            </p:seq>
-          </p:childTnLst>
-        </p:cTn>
-      </p:par>
-    </p:tnLst>
-  </p:timing>
-</p:sld>
-</file>
-
-<file path=ppt/slides/slide9.xml><?xml version="1.0" encoding="utf-8"?>
-<p:sld xmlns:a="http://schemas.openxmlformats.org/drawingml/2006/main" xmlns:r="http://schemas.openxmlformats.org/officeDocument/2006/relationships" xmlns:p="http://schemas.openxmlformats.org/presentationml/2006/main">
-  <p:cSld>
-    <p:spTree>
-      <p:nvGrpSpPr>
-        <p:cNvPr id="1" name=""/>
-        <p:cNvGrpSpPr/>
-        <p:nvPr/>
-      </p:nvGrpSpPr>
-      <p:grpSpPr>
-        <a:xfrm>
-          <a:off x="0" y="0"/>
-          <a:ext cx="0" cy="0"/>
-          <a:chOff x="0" y="0"/>
-          <a:chExt cx="0" cy="0"/>
-        </a:xfrm>
-      </p:grpSpPr>
-      <p:sp>
-        <p:nvSpPr>
-          <p:cNvPr id="2" name="Titre 1"/>
-          <p:cNvSpPr>
-            <a:spLocks noGrp="1"/>
-          </p:cNvSpPr>
-          <p:nvPr>
-            <p:ph type="title"/>
-          </p:nvPr>
-        </p:nvSpPr>
-        <p:spPr>
-          <a:xfrm>
-            <a:off x="395536" y="96919"/>
-            <a:ext cx="8229600" cy="1143000"/>
-          </a:xfrm>
-        </p:spPr>
-        <p:txBody>
-          <a:bodyPr>
-            <a:normAutofit/>
-          </a:bodyPr>
-          <a:lstStyle/>
-          <a:p>
-            <a:r>
-              <a:rPr lang="fr-FR" b="1" u="sng" dirty="0" smtClean="0">
-                <a:solidFill>
-                  <a:srgbClr val="0070C0"/>
-                </a:solidFill>
-                <a:latin typeface="Times New Roman" pitchFamily="18" charset="0"/>
-                <a:cs typeface="Times New Roman" pitchFamily="18" charset="0"/>
-              </a:rPr>
-              <a:t>Méthode de détection (2)</a:t>
-            </a:r>
-            <a:endParaRPr lang="fr-FR" dirty="0"/>
-          </a:p>
-        </p:txBody>
-      </p:sp>
-      <p:pic>
-        <p:nvPicPr>
-          <p:cNvPr id="9" name="Image 8" descr="Z:\Documents\M2-S1\Projet\Photos\IMG_0293.JPG"/>
-          <p:cNvPicPr/>
-          <p:nvPr/>
-        </p:nvPicPr>
-        <p:blipFill>
-          <a:blip r:embed="rId3" cstate="print">
-            <a:extLst>
-              <a:ext uri="{28A0092B-C50C-407E-A947-70E740481C1C}">
-                <a14:useLocalDpi xmlns:a14="http://schemas.microsoft.com/office/drawing/2010/main" val="0"/>
-              </a:ext>
-            </a:extLst>
-          </a:blip>
-          <a:srcRect/>
-          <a:stretch>
-            <a:fillRect/>
-          </a:stretch>
-        </p:blipFill>
-        <p:spPr bwMode="auto">
-          <a:xfrm>
-            <a:off x="2627784" y="1239919"/>
-            <a:ext cx="3945565" cy="5264018"/>
-          </a:xfrm>
-          <a:prstGeom prst="rect">
-            <a:avLst/>
-          </a:prstGeom>
-          <a:noFill/>
-          <a:ln>
-            <a:noFill/>
-          </a:ln>
-        </p:spPr>
-      </p:pic>
-      <p:pic>
-        <p:nvPicPr>
-          <p:cNvPr id="10" name="Image 9"/>
-          <p:cNvPicPr/>
-          <p:nvPr/>
-        </p:nvPicPr>
-        <p:blipFill>
-          <a:blip r:embed="rId4">
-            <a:extLst>
-              <a:ext uri="{28A0092B-C50C-407E-A947-70E740481C1C}">
-                <a14:useLocalDpi xmlns:a14="http://schemas.microsoft.com/office/drawing/2010/main" val="0"/>
-              </a:ext>
-            </a:extLst>
-          </a:blip>
-          <a:srcRect/>
-          <a:stretch>
-            <a:fillRect/>
-          </a:stretch>
-        </p:blipFill>
-        <p:spPr bwMode="auto">
-          <a:xfrm>
-            <a:off x="1187624" y="1496327"/>
-            <a:ext cx="7200800" cy="4751201"/>
-          </a:xfrm>
-          <a:prstGeom prst="rect">
-            <a:avLst/>
-          </a:prstGeom>
-          <a:noFill/>
-          <a:ln>
-            <a:noFill/>
-          </a:ln>
-        </p:spPr>
-      </p:pic>
-      <p:sp>
-        <p:nvSpPr>
-          <p:cNvPr id="3" name="Espace réservé du numéro de diapositive 2"/>
-          <p:cNvSpPr>
-            <a:spLocks noGrp="1"/>
-          </p:cNvSpPr>
-          <p:nvPr>
-            <p:ph type="sldNum" sz="quarter" idx="12"/>
-          </p:nvPr>
-        </p:nvSpPr>
-        <p:spPr/>
-        <p:txBody>
-          <a:bodyPr/>
-          <a:lstStyle/>
-          <a:p>
-            <a:fld id="{F4AC73F8-3F41-46E5-A24D-FECCAC78E32A}" type="slidenum">
-              <a:rPr lang="fr-FR" smtClean="0"/>
-              <a:t>9</a:t>
-            </a:fld>
-            <a:endParaRPr lang="fr-FR" dirty="0"/>
-          </a:p>
-        </p:txBody>
-      </p:sp>
-    </p:spTree>
-    <p:extLst>
-      <p:ext uri="{BB962C8B-B14F-4D97-AF65-F5344CB8AC3E}">
-        <p14:creationId xmlns:p14="http://schemas.microsoft.com/office/powerpoint/2010/main" val="3081321020"/>
-      </p:ext>
-    </p:extLst>
-  </p:cSld>
-  <p:clrMapOvr>
-    <a:masterClrMapping/>
-  </p:clrMapOvr>
-  <p:timing>
-    <p:tnLst>
-      <p:par>
-        <p:cTn id="1" dur="indefinite" restart="never" nodeType="tmRoot">
-          <p:childTnLst>
-            <p:seq concurrent="1" nextAc="seek">
-              <p:cTn id="2" dur="indefinite" nodeType="mainSeq">
-                <p:childTnLst>
-                  <p:par>
-                    <p:cTn id="3" fill="hold">
-                      <p:stCondLst>
-                        <p:cond delay="indefinite"/>
-                      </p:stCondLst>
-                      <p:childTnLst>
-                        <p:par>
-                          <p:cTn id="4" fill="hold">
-                            <p:stCondLst>
-                              <p:cond delay="0"/>
-                            </p:stCondLst>
-                            <p:childTnLst>
-                              <p:par>
-                                <p:cTn id="5" presetID="10" presetClass="entr" presetSubtype="0" fill="hold" nodeType="clickEffect">
-                                  <p:stCondLst>
-                                    <p:cond delay="0"/>
-                                  </p:stCondLst>
-                                  <p:childTnLst>
-                                    <p:set>
-                                      <p:cBhvr>
-                                        <p:cTn id="6" dur="1" fill="hold">
-                                          <p:stCondLst>
-                                            <p:cond delay="0"/>
-                                          </p:stCondLst>
-                                        </p:cTn>
-                                        <p:tgtEl>
-                                          <p:spTgt spid="9"/>
-                                        </p:tgtEl>
-                                        <p:attrNameLst>
-                                          <p:attrName>style.visibility</p:attrName>
-                                        </p:attrNameLst>
-                                      </p:cBhvr>
-                                      <p:to>
-                                        <p:strVal val="visible"/>
-                                      </p:to>
-                                    </p:set>
-                                    <p:animEffect transition="in" filter="fade">
-                                      <p:cBhvr>
-                                        <p:cTn id="7" dur="500"/>
-                                        <p:tgtEl>
-                                          <p:spTgt spid="9"/>
-                                        </p:tgtEl>
-                                      </p:cBhvr>
-                                    </p:animEffect>
-                                  </p:childTnLst>
-                                </p:cTn>
-                              </p:par>
-                            </p:childTnLst>
-                          </p:cTn>
-                        </p:par>
-                      </p:childTnLst>
-                    </p:cTn>
-                  </p:par>
-                  <p:par>
-                    <p:cTn id="8" fill="hold">
-                      <p:stCondLst>
-                        <p:cond delay="indefinite"/>
-                      </p:stCondLst>
-                      <p:childTnLst>
-                        <p:par>
-                          <p:cTn id="9" fill="hold">
-                            <p:stCondLst>
-                              <p:cond delay="0"/>
-                            </p:stCondLst>
-                            <p:childTnLst>
-                              <p:par>
-                                <p:cTn id="10" presetID="10" presetClass="exit" presetSubtype="0" fill="hold" nodeType="clickEffect">
-                                  <p:stCondLst>
-                                    <p:cond delay="0"/>
-                                  </p:stCondLst>
-                                  <p:childTnLst>
-                                    <p:animEffect transition="out" filter="fade">
-                                      <p:cBhvr>
-                                        <p:cTn id="11" dur="500"/>
-                                        <p:tgtEl>
-                                          <p:spTgt spid="9"/>
-                                        </p:tgtEl>
-                                      </p:cBhvr>
-                                    </p:animEffect>
-                                    <p:set>
-                                      <p:cBhvr>
-                                        <p:cTn id="12" dur="1" fill="hold">
-                                          <p:stCondLst>
-                                            <p:cond delay="499"/>
-                                          </p:stCondLst>
-                                        </p:cTn>
-                                        <p:tgtEl>
-                                          <p:spTgt spid="9"/>
-                                        </p:tgtEl>
-                                        <p:attrNameLst>
-                                          <p:attrName>style.visibility</p:attrName>
-                                        </p:attrNameLst>
-                                      </p:cBhvr>
-                                      <p:to>
-                                        <p:strVal val="hidden"/>
-                                      </p:to>
-                                    </p:set>
-                                  </p:childTnLst>
-                                </p:cTn>
-                              </p:par>
-                              <p:par>
-                                <p:cTn id="13" presetID="10" presetClass="entr" presetSubtype="0" fill="hold" nodeType="withEffect">
-                                  <p:stCondLst>
-                                    <p:cond delay="0"/>
-                                  </p:stCondLst>
-                                  <p:childTnLst>
-                                    <p:set>
-                                      <p:cBhvr>
-                                        <p:cTn id="14" dur="1" fill="hold">
-                                          <p:stCondLst>
-                                            <p:cond delay="0"/>
-                                          </p:stCondLst>
-                                        </p:cTn>
-                                        <p:tgtEl>
-                                          <p:spTgt spid="10"/>
-                                        </p:tgtEl>
-                                        <p:attrNameLst>
-                                          <p:attrName>style.visibility</p:attrName>
-                                        </p:attrNameLst>
-                                      </p:cBhvr>
-                                      <p:to>
-                                        <p:strVal val="visible"/>
-                                      </p:to>
-                                    </p:set>
-                                    <p:animEffect transition="in" filter="fade">
-                                      <p:cBhvr>
-                                        <p:cTn id="15" dur="500"/>
-                                        <p:tgtEl>
-                                          <p:spTgt spid="10"/>
                                         </p:tgtEl>
                                       </p:cBhvr>
                                     </p:animEffect>
